--- a/Reviews/second review/Second Oral Presentation.pptx
+++ b/Reviews/second review/Second Oral Presentation.pptx
@@ -5,7 +5,7 @@
     <p:sldMasterId id="2147483684" r:id="rId1"/>
   </p:sldMasterIdLst>
   <p:notesMasterIdLst>
-    <p:notesMasterId r:id="rId15"/>
+    <p:notesMasterId r:id="rId17"/>
   </p:notesMasterIdLst>
   <p:sldIdLst>
     <p:sldId id="263" r:id="rId2"/>
@@ -14,13 +14,15 @@
     <p:sldId id="264" r:id="rId5"/>
     <p:sldId id="292" r:id="rId6"/>
     <p:sldId id="301" r:id="rId7"/>
-    <p:sldId id="302" r:id="rId8"/>
-    <p:sldId id="303" r:id="rId9"/>
-    <p:sldId id="294" r:id="rId10"/>
-    <p:sldId id="297" r:id="rId11"/>
-    <p:sldId id="261" r:id="rId12"/>
-    <p:sldId id="304" r:id="rId13"/>
-    <p:sldId id="298" r:id="rId14"/>
+    <p:sldId id="305" r:id="rId8"/>
+    <p:sldId id="306" r:id="rId9"/>
+    <p:sldId id="302" r:id="rId10"/>
+    <p:sldId id="303" r:id="rId11"/>
+    <p:sldId id="294" r:id="rId12"/>
+    <p:sldId id="297" r:id="rId13"/>
+    <p:sldId id="261" r:id="rId14"/>
+    <p:sldId id="304" r:id="rId15"/>
+    <p:sldId id="298" r:id="rId16"/>
   </p:sldIdLst>
   <p:sldSz cx="12192000" cy="6858000"/>
   <p:notesSz cx="6858000" cy="9144000"/>
@@ -121,7 +123,7 @@
   </p:defaultTextStyle>
   <p:extLst>
     <p:ext uri="{EFAFB233-063F-42B5-8137-9DF3F51BA10A}">
-      <p15:sldGuideLst xmlns:p15="http://schemas.microsoft.com/office/powerpoint/2012/main" xmlns="">
+      <p15:sldGuideLst xmlns="" xmlns:p15="http://schemas.microsoft.com/office/powerpoint/2012/main">
         <p15:guide id="1" orient="horz" pos="2160">
           <p15:clr>
             <a:srgbClr val="A4A3A4"/>
@@ -749,7 +751,7 @@
     </p:spTree>
     <p:extLst>
       <p:ext uri="{BB962C8B-B14F-4D97-AF65-F5344CB8AC3E}">
-        <p14:creationId xmlns:p14="http://schemas.microsoft.com/office/powerpoint/2010/main" xmlns="" val="1535185195"/>
+        <p14:creationId xmlns="" xmlns:p14="http://schemas.microsoft.com/office/powerpoint/2010/main" val="1535185195"/>
       </p:ext>
     </p:extLst>
   </p:cSld>
@@ -1034,7 +1036,7 @@
     </p:spTree>
     <p:extLst>
       <p:ext uri="{BB962C8B-B14F-4D97-AF65-F5344CB8AC3E}">
-        <p14:creationId xmlns:p14="http://schemas.microsoft.com/office/powerpoint/2010/main" xmlns="" val="1252035544"/>
+        <p14:creationId xmlns="" xmlns:p14="http://schemas.microsoft.com/office/powerpoint/2010/main" val="1252035544"/>
       </p:ext>
     </p:extLst>
   </p:cSld>
@@ -1207,7 +1209,7 @@
     </p:spTree>
     <p:extLst>
       <p:ext uri="{BB962C8B-B14F-4D97-AF65-F5344CB8AC3E}">
-        <p14:creationId xmlns:p14="http://schemas.microsoft.com/office/powerpoint/2010/main" xmlns="" val="2762954207"/>
+        <p14:creationId xmlns="" xmlns:p14="http://schemas.microsoft.com/office/powerpoint/2010/main" val="2762954207"/>
       </p:ext>
     </p:extLst>
   </p:cSld>
@@ -1390,7 +1392,7 @@
     </p:spTree>
     <p:extLst>
       <p:ext uri="{BB962C8B-B14F-4D97-AF65-F5344CB8AC3E}">
-        <p14:creationId xmlns:p14="http://schemas.microsoft.com/office/powerpoint/2010/main" xmlns="" val="4184834705"/>
+        <p14:creationId xmlns="" xmlns:p14="http://schemas.microsoft.com/office/powerpoint/2010/main" val="4184834705"/>
       </p:ext>
     </p:extLst>
   </p:cSld>
@@ -1563,7 +1565,7 @@
     </p:spTree>
     <p:extLst>
       <p:ext uri="{BB962C8B-B14F-4D97-AF65-F5344CB8AC3E}">
-        <p14:creationId xmlns:p14="http://schemas.microsoft.com/office/powerpoint/2010/main" xmlns="" val="3146986748"/>
+        <p14:creationId xmlns="" xmlns:p14="http://schemas.microsoft.com/office/powerpoint/2010/main" val="3146986748"/>
       </p:ext>
     </p:extLst>
   </p:cSld>
@@ -1813,7 +1815,7 @@
     </p:spTree>
     <p:extLst>
       <p:ext uri="{BB962C8B-B14F-4D97-AF65-F5344CB8AC3E}">
-        <p14:creationId xmlns:p14="http://schemas.microsoft.com/office/powerpoint/2010/main" xmlns="" val="921976296"/>
+        <p14:creationId xmlns="" xmlns:p14="http://schemas.microsoft.com/office/powerpoint/2010/main" val="921976296"/>
       </p:ext>
     </p:extLst>
   </p:cSld>
@@ -2047,7 +2049,7 @@
     </p:spTree>
     <p:extLst>
       <p:ext uri="{BB962C8B-B14F-4D97-AF65-F5344CB8AC3E}">
-        <p14:creationId xmlns:p14="http://schemas.microsoft.com/office/powerpoint/2010/main" xmlns="" val="674776688"/>
+        <p14:creationId xmlns="" xmlns:p14="http://schemas.microsoft.com/office/powerpoint/2010/main" val="674776688"/>
       </p:ext>
     </p:extLst>
   </p:cSld>
@@ -2416,7 +2418,7 @@
     </p:spTree>
     <p:extLst>
       <p:ext uri="{BB962C8B-B14F-4D97-AF65-F5344CB8AC3E}">
-        <p14:creationId xmlns:p14="http://schemas.microsoft.com/office/powerpoint/2010/main" xmlns="" val="967121709"/>
+        <p14:creationId xmlns="" xmlns:p14="http://schemas.microsoft.com/office/powerpoint/2010/main" val="967121709"/>
       </p:ext>
     </p:extLst>
   </p:cSld>
@@ -2538,7 +2540,7 @@
     </p:spTree>
     <p:extLst>
       <p:ext uri="{BB962C8B-B14F-4D97-AF65-F5344CB8AC3E}">
-        <p14:creationId xmlns:p14="http://schemas.microsoft.com/office/powerpoint/2010/main" xmlns="" val="656162686"/>
+        <p14:creationId xmlns="" xmlns:p14="http://schemas.microsoft.com/office/powerpoint/2010/main" val="656162686"/>
       </p:ext>
     </p:extLst>
   </p:cSld>
@@ -2638,7 +2640,7 @@
     </p:spTree>
     <p:extLst>
       <p:ext uri="{BB962C8B-B14F-4D97-AF65-F5344CB8AC3E}">
-        <p14:creationId xmlns:p14="http://schemas.microsoft.com/office/powerpoint/2010/main" xmlns="" val="3133424761"/>
+        <p14:creationId xmlns="" xmlns:p14="http://schemas.microsoft.com/office/powerpoint/2010/main" val="3133424761"/>
       </p:ext>
     </p:extLst>
   </p:cSld>
@@ -2918,7 +2920,7 @@
     </p:spTree>
     <p:extLst>
       <p:ext uri="{BB962C8B-B14F-4D97-AF65-F5344CB8AC3E}">
-        <p14:creationId xmlns:p14="http://schemas.microsoft.com/office/powerpoint/2010/main" xmlns="" val="3468320446"/>
+        <p14:creationId xmlns="" xmlns:p14="http://schemas.microsoft.com/office/powerpoint/2010/main" val="3468320446"/>
       </p:ext>
     </p:extLst>
   </p:cSld>
@@ -3178,7 +3180,7 @@
     </p:spTree>
     <p:extLst>
       <p:ext uri="{BB962C8B-B14F-4D97-AF65-F5344CB8AC3E}">
-        <p14:creationId xmlns:p14="http://schemas.microsoft.com/office/powerpoint/2010/main" xmlns="" val="1482800273"/>
+        <p14:creationId xmlns="" xmlns:p14="http://schemas.microsoft.com/office/powerpoint/2010/main" val="1482800273"/>
       </p:ext>
     </p:extLst>
   </p:cSld>
@@ -3433,7 +3435,7 @@
     </p:spTree>
     <p:extLst>
       <p:ext uri="{BB962C8B-B14F-4D97-AF65-F5344CB8AC3E}">
-        <p14:creationId xmlns:p14="http://schemas.microsoft.com/office/powerpoint/2010/main" xmlns="" val="2766900715"/>
+        <p14:creationId xmlns="" xmlns:p14="http://schemas.microsoft.com/office/powerpoint/2010/main" val="2766900715"/>
       </p:ext>
     </p:extLst>
   </p:cSld>
@@ -3757,7 +3759,7 @@
           <p:cNvPr id="5" name="Rectangle 4">
             <a:extLst>
               <a:ext uri="{FF2B5EF4-FFF2-40B4-BE49-F238E27FC236}">
-                <a16:creationId xmlns:a16="http://schemas.microsoft.com/office/drawing/2014/main" xmlns="" id="{C409AC58-2162-4EEC-B138-250DBBF30288}"/>
+                <a16:creationId xmlns="" xmlns:a16="http://schemas.microsoft.com/office/drawing/2014/main" id="{C409AC58-2162-4EEC-B138-250DBBF30288}"/>
               </a:ext>
             </a:extLst>
           </p:cNvPr>
@@ -3798,7 +3800,37 @@
                 <a:latin typeface="Times New Roman" panose="02020603050405020304" pitchFamily="18" charset="0"/>
                 <a:cs typeface="Times New Roman" panose="02020603050405020304" pitchFamily="18" charset="0"/>
               </a:rPr>
-              <a:t>Project First Review on</a:t>
+              <a:t>Project </a:t>
+            </a:r>
+            <a:r>
+              <a:rPr lang="en-US" dirty="0" smtClean="0">
+                <a:solidFill>
+                  <a:prstClr val="black"/>
+                </a:solidFill>
+                <a:latin typeface="Times New Roman" panose="02020603050405020304" pitchFamily="18" charset="0"/>
+                <a:cs typeface="Times New Roman" panose="02020603050405020304" pitchFamily="18" charset="0"/>
+              </a:rPr>
+              <a:t>Second</a:t>
+            </a:r>
+            <a:r>
+              <a:rPr lang="en-US" dirty="0" smtClean="0">
+                <a:solidFill>
+                  <a:prstClr val="black"/>
+                </a:solidFill>
+                <a:latin typeface="Times New Roman" panose="02020603050405020304" pitchFamily="18" charset="0"/>
+                <a:cs typeface="Times New Roman" panose="02020603050405020304" pitchFamily="18" charset="0"/>
+              </a:rPr>
+              <a:t> </a:t>
+            </a:r>
+            <a:r>
+              <a:rPr lang="en-US" dirty="0">
+                <a:solidFill>
+                  <a:prstClr val="black"/>
+                </a:solidFill>
+                <a:latin typeface="Times New Roman" panose="02020603050405020304" pitchFamily="18" charset="0"/>
+                <a:cs typeface="Times New Roman" panose="02020603050405020304" pitchFamily="18" charset="0"/>
+              </a:rPr>
+              <a:t>Review on</a:t>
             </a:r>
           </a:p>
           <a:p>
@@ -4092,7 +4124,7 @@
           <a:blip r:embed="rId2" cstate="print">
             <a:extLst>
               <a:ext uri="{28A0092B-C50C-407E-A947-70E740481C1C}">
-                <a14:useLocalDpi xmlns:a14="http://schemas.microsoft.com/office/drawing/2010/main" xmlns="" val="0"/>
+                <a14:useLocalDpi xmlns="" xmlns:a14="http://schemas.microsoft.com/office/drawing/2010/main" val="0"/>
               </a:ext>
             </a:extLst>
           </a:blip>
@@ -4112,7 +4144,7 @@
           <a:noFill/>
           <a:extLst>
             <a:ext uri="{909E8E84-426E-40DD-AFC4-6F175D3DCCD1}">
-              <a14:hiddenFill xmlns:a14="http://schemas.microsoft.com/office/drawing/2010/main" xmlns="">
+              <a14:hiddenFill xmlns="" xmlns:a14="http://schemas.microsoft.com/office/drawing/2010/main">
                 <a:solidFill>
                   <a:srgbClr val="FFFFFF"/>
                 </a:solidFill>
@@ -4126,7 +4158,7 @@
           <p:cNvPr id="2" name="Date Placeholder 1">
             <a:extLst>
               <a:ext uri="{FF2B5EF4-FFF2-40B4-BE49-F238E27FC236}">
-                <a16:creationId xmlns:a16="http://schemas.microsoft.com/office/drawing/2014/main" xmlns="" id="{1FEBBEBC-180F-4554-9433-0F45F01ADA17}"/>
+                <a16:creationId xmlns="" xmlns:a16="http://schemas.microsoft.com/office/drawing/2014/main" id="{1FEBBEBC-180F-4554-9433-0F45F01ADA17}"/>
               </a:ext>
             </a:extLst>
           </p:cNvPr>
@@ -4156,7 +4188,7 @@
           <p:cNvPr id="3" name="Slide Number Placeholder 2">
             <a:extLst>
               <a:ext uri="{FF2B5EF4-FFF2-40B4-BE49-F238E27FC236}">
-                <a16:creationId xmlns:a16="http://schemas.microsoft.com/office/drawing/2014/main" xmlns="" id="{22219251-2539-4EA6-9027-2F2AE5C97949}"/>
+                <a16:creationId xmlns="" xmlns:a16="http://schemas.microsoft.com/office/drawing/2014/main" id="{22219251-2539-4EA6-9027-2F2AE5C97949}"/>
               </a:ext>
             </a:extLst>
           </p:cNvPr>
@@ -4186,7 +4218,7 @@
           <p:cNvPr id="6" name="Table 6">
             <a:extLst>
               <a:ext uri="{FF2B5EF4-FFF2-40B4-BE49-F238E27FC236}">
-                <a16:creationId xmlns:a16="http://schemas.microsoft.com/office/drawing/2014/main" xmlns="" id="{B83DB7B4-5812-42F9-8D4D-54AA04099C4A}"/>
+                <a16:creationId xmlns="" xmlns:a16="http://schemas.microsoft.com/office/drawing/2014/main" id="{B83DB7B4-5812-42F9-8D4D-54AA04099C4A}"/>
               </a:ext>
             </a:extLst>
           </p:cNvPr>
@@ -4196,7 +4228,7 @@
           <p:nvPr>
             <p:extLst>
               <p:ext uri="{D42A27DB-BD31-4B8C-83A1-F6EECF244321}">
-                <p14:modId xmlns:p14="http://schemas.microsoft.com/office/powerpoint/2010/main" xmlns="" val="2301097977"/>
+                <p14:modId xmlns="" xmlns:p14="http://schemas.microsoft.com/office/powerpoint/2010/main" val="2301097977"/>
               </p:ext>
             </p:extLst>
           </p:nvPr>
@@ -4215,14 +4247,14 @@
                 <a:gridCol w="5207082">
                   <a:extLst>
                     <a:ext uri="{9D8B030D-6E8A-4147-A177-3AD203B41FA5}">
-                      <a16:colId xmlns:a16="http://schemas.microsoft.com/office/drawing/2014/main" xmlns="" val="3291672"/>
+                      <a16:colId xmlns="" xmlns:a16="http://schemas.microsoft.com/office/drawing/2014/main" val="3291672"/>
                     </a:ext>
                   </a:extLst>
                 </a:gridCol>
                 <a:gridCol w="3800376">
                   <a:extLst>
                     <a:ext uri="{9D8B030D-6E8A-4147-A177-3AD203B41FA5}">
-                      <a16:colId xmlns:a16="http://schemas.microsoft.com/office/drawing/2014/main" xmlns="" val="3282628654"/>
+                      <a16:colId xmlns="" xmlns:a16="http://schemas.microsoft.com/office/drawing/2014/main" val="3282628654"/>
                     </a:ext>
                   </a:extLst>
                 </a:gridCol>
@@ -4351,7 +4383,7 @@
                 </a:tc>
                 <a:extLst>
                   <a:ext uri="{0D108BD9-81ED-4DB2-BD59-A6C34878D82A}">
-                    <a16:rowId xmlns:a16="http://schemas.microsoft.com/office/drawing/2014/main" xmlns="" val="2302665074"/>
+                    <a16:rowId xmlns="" xmlns:a16="http://schemas.microsoft.com/office/drawing/2014/main" val="2302665074"/>
                   </a:ext>
                 </a:extLst>
               </a:tr>
@@ -4495,7 +4527,7 @@
                 </a:tc>
                 <a:extLst>
                   <a:ext uri="{0D108BD9-81ED-4DB2-BD59-A6C34878D82A}">
-                    <a16:rowId xmlns:a16="http://schemas.microsoft.com/office/drawing/2014/main" xmlns="" val="3101617131"/>
+                    <a16:rowId xmlns="" xmlns:a16="http://schemas.microsoft.com/office/drawing/2014/main" val="3101617131"/>
                   </a:ext>
                 </a:extLst>
               </a:tr>
@@ -4639,7 +4671,7 @@
                 </a:tc>
                 <a:extLst>
                   <a:ext uri="{0D108BD9-81ED-4DB2-BD59-A6C34878D82A}">
-                    <a16:rowId xmlns:a16="http://schemas.microsoft.com/office/drawing/2014/main" xmlns="" val="3378807038"/>
+                    <a16:rowId xmlns="" xmlns:a16="http://schemas.microsoft.com/office/drawing/2014/main" val="3378807038"/>
                   </a:ext>
                 </a:extLst>
               </a:tr>
@@ -4783,7 +4815,7 @@
                 </a:tc>
                 <a:extLst>
                   <a:ext uri="{0D108BD9-81ED-4DB2-BD59-A6C34878D82A}">
-                    <a16:rowId xmlns:a16="http://schemas.microsoft.com/office/drawing/2014/main" xmlns="" val="3064880953"/>
+                    <a16:rowId xmlns="" xmlns:a16="http://schemas.microsoft.com/office/drawing/2014/main" val="3064880953"/>
                   </a:ext>
                 </a:extLst>
               </a:tr>
@@ -4794,7 +4826,7 @@
     </p:spTree>
     <p:extLst>
       <p:ext uri="{BB962C8B-B14F-4D97-AF65-F5344CB8AC3E}">
-        <p14:creationId xmlns:p14="http://schemas.microsoft.com/office/powerpoint/2010/main" xmlns="" val="1664478098"/>
+        <p14:creationId xmlns="" xmlns:p14="http://schemas.microsoft.com/office/powerpoint/2010/main" val="1664478098"/>
       </p:ext>
     </p:extLst>
   </p:cSld>
@@ -4830,13 +4862,7 @@
       </p:grpSpPr>
       <p:sp>
         <p:nvSpPr>
-          <p:cNvPr id="3" name="Content Placeholder 2">
-            <a:extLst>
-              <a:ext uri="{FF2B5EF4-FFF2-40B4-BE49-F238E27FC236}">
-                <a16:creationId xmlns:a16="http://schemas.microsoft.com/office/drawing/2014/main" xmlns="" id="{A5CF9C68-F8E1-43F4-BDDF-866429EC9D1E}"/>
-              </a:ext>
-            </a:extLst>
-          </p:cNvPr>
+          <p:cNvPr id="3" name="Content Placeholder 2"/>
           <p:cNvSpPr>
             <a:spLocks noGrp="1"/>
           </p:cNvSpPr>
@@ -4846,33 +4872,34 @@
         </p:nvSpPr>
         <p:spPr>
           <a:xfrm>
-            <a:off x="838200" y="1074198"/>
-            <a:ext cx="10515600" cy="5102765"/>
+            <a:off x="838200" y="1154097"/>
+            <a:ext cx="10515600" cy="5022866"/>
           </a:xfrm>
         </p:spPr>
         <p:txBody>
           <a:bodyPr/>
           <a:lstStyle/>
           <a:p>
-            <a:pPr marL="0" indent="0" algn="just">
+            <a:pPr algn="just">
+              <a:buFont typeface="Wingdings" panose="05000000000000000000" pitchFamily="2" charset="2"/>
+              <a:buChar char="Ø"/>
+            </a:pPr>
+            <a:r>
+              <a:rPr lang="en-US" dirty="0" smtClean="0"/>
+              <a:t>MATLAB</a:t>
+            </a:r>
+          </a:p>
+          <a:p>
+            <a:pPr algn="just">
               <a:buNone/>
             </a:pPr>
-            <a:r>
-              <a:rPr lang="en-US" dirty="0"/>
-              <a:t>This project is to develop a deep neural network so that the power system faults can be diagnosed. We will try to classify them as much faults as possible using deep neural networks and further improvements in the project will be informed.</a:t>
-            </a:r>
-          </a:p>
-        </p:txBody>
-      </p:sp>
-      <p:sp>
-        <p:nvSpPr>
-          <p:cNvPr id="4" name="Date Placeholder 3">
-            <a:extLst>
-              <a:ext uri="{FF2B5EF4-FFF2-40B4-BE49-F238E27FC236}">
-                <a16:creationId xmlns:a16="http://schemas.microsoft.com/office/drawing/2014/main" xmlns="" id="{D76066D8-4017-49D3-A74C-39BDED6144EB}"/>
-              </a:ext>
-            </a:extLst>
-          </p:cNvPr>
+            <a:endParaRPr lang="en-US" dirty="0" smtClean="0"/>
+          </a:p>
+        </p:txBody>
+      </p:sp>
+      <p:sp>
+        <p:nvSpPr>
+          <p:cNvPr id="4" name="Date Placeholder 3"/>
           <p:cNvSpPr>
             <a:spLocks noGrp="1"/>
           </p:cNvSpPr>
@@ -4896,13 +4923,7 @@
       </p:sp>
       <p:sp>
         <p:nvSpPr>
-          <p:cNvPr id="5" name="Slide Number Placeholder 4">
-            <a:extLst>
-              <a:ext uri="{FF2B5EF4-FFF2-40B4-BE49-F238E27FC236}">
-                <a16:creationId xmlns:a16="http://schemas.microsoft.com/office/drawing/2014/main" xmlns="" id="{114D5F59-C1E5-4B1A-BA66-70D0B6F715EE}"/>
-              </a:ext>
-            </a:extLst>
-          </p:cNvPr>
+          <p:cNvPr id="5" name="Slide Number Placeholder 4"/>
           <p:cNvSpPr>
             <a:spLocks noGrp="1"/>
           </p:cNvSpPr>
@@ -4929,7 +4950,7 @@
           <p:cNvPr id="6" name="TextBox 5">
             <a:extLst>
               <a:ext uri="{FF2B5EF4-FFF2-40B4-BE49-F238E27FC236}">
-                <a16:creationId xmlns:a16="http://schemas.microsoft.com/office/drawing/2014/main" xmlns="" id="{B6C99EC1-F94B-44CB-A3E1-D211B377218D}"/>
+                <a16:creationId xmlns="" xmlns:a16="http://schemas.microsoft.com/office/drawing/2014/main" id="{74347C76-4F23-44C2-8A76-7BCB3209A5F3}"/>
               </a:ext>
             </a:extLst>
           </p:cNvPr>
@@ -4938,7 +4959,7 @@
         </p:nvSpPr>
         <p:spPr>
           <a:xfrm>
-            <a:off x="838200" y="339109"/>
+            <a:off x="838200" y="347987"/>
             <a:ext cx="10622872" cy="584775"/>
           </a:xfrm>
           <a:prstGeom prst="rect">
@@ -4954,26 +4975,38 @@
           <a:p>
             <a:pPr algn="ctr"/>
             <a:r>
-              <a:rPr lang="en-IN" sz="3200" b="1" u="sng" dirty="0">
+              <a:rPr lang="en-IN" sz="3200" b="1" u="sng" dirty="0" smtClean="0">
                 <a:solidFill>
                   <a:srgbClr val="FF0000"/>
                 </a:solidFill>
               </a:rPr>
-              <a:t>Conclusion </a:t>
-            </a:r>
+              <a:t>Road Map</a:t>
+            </a:r>
+            <a:endParaRPr lang="en-IN" sz="3200" b="1" u="sng" dirty="0">
+              <a:solidFill>
+                <a:srgbClr val="FF0000"/>
+              </a:solidFill>
+            </a:endParaRPr>
           </a:p>
         </p:txBody>
       </p:sp>
     </p:spTree>
     <p:extLst>
       <p:ext uri="{BB962C8B-B14F-4D97-AF65-F5344CB8AC3E}">
-        <p14:creationId xmlns:p14="http://schemas.microsoft.com/office/powerpoint/2010/main" xmlns="" val="4028563155"/>
+        <p14:creationId xmlns="" xmlns:p14="http://schemas.microsoft.com/office/powerpoint/2010/main" val="1906710318"/>
       </p:ext>
     </p:extLst>
   </p:cSld>
   <p:clrMapOvr>
     <a:masterClrMapping/>
   </p:clrMapOvr>
+  <p:timing>
+    <p:tnLst>
+      <p:par>
+        <p:cTn id="1" dur="indefinite" restart="never" nodeType="tmRoot"/>
+      </p:par>
+    </p:tnLst>
+  </p:timing>
 </p:sld>
 </file>
 
@@ -4996,10 +5029,366 @@
       </p:grpSpPr>
       <p:sp>
         <p:nvSpPr>
+          <p:cNvPr id="3" name="Content Placeholder 2"/>
+          <p:cNvSpPr>
+            <a:spLocks noGrp="1"/>
+          </p:cNvSpPr>
+          <p:nvPr>
+            <p:ph idx="1"/>
+          </p:nvPr>
+        </p:nvSpPr>
+        <p:spPr>
+          <a:xfrm>
+            <a:off x="838200" y="1154097"/>
+            <a:ext cx="10515600" cy="5022866"/>
+          </a:xfrm>
+        </p:spPr>
+        <p:txBody>
+          <a:bodyPr/>
+          <a:lstStyle/>
+          <a:p>
+            <a:pPr algn="just">
+              <a:buFont typeface="Wingdings" panose="05000000000000000000" pitchFamily="2" charset="2"/>
+              <a:buChar char="Ø"/>
+            </a:pPr>
+            <a:r>
+              <a:rPr lang="en-US" dirty="0"/>
+              <a:t>The faults in the power system will play a major role in the system stability</a:t>
+            </a:r>
+          </a:p>
+          <a:p>
+            <a:pPr algn="just">
+              <a:buFont typeface="Wingdings" panose="05000000000000000000" pitchFamily="2" charset="2"/>
+              <a:buChar char="Ø"/>
+            </a:pPr>
+            <a:r>
+              <a:rPr lang="en-US" dirty="0"/>
+              <a:t>Fault classification is important for the operation of the healthy phases.</a:t>
+            </a:r>
+          </a:p>
+          <a:p>
+            <a:pPr algn="just">
+              <a:buFont typeface="Wingdings" panose="05000000000000000000" pitchFamily="2" charset="2"/>
+              <a:buChar char="Ø"/>
+            </a:pPr>
+            <a:r>
+              <a:rPr lang="en-US" dirty="0"/>
+              <a:t>Power system reliability gets improved.</a:t>
+            </a:r>
+          </a:p>
+          <a:p>
+            <a:pPr algn="just">
+              <a:buFont typeface="Wingdings" panose="05000000000000000000" pitchFamily="2" charset="2"/>
+              <a:buChar char="Ø"/>
+            </a:pPr>
+            <a:endParaRPr lang="en-US" dirty="0"/>
+          </a:p>
+        </p:txBody>
+      </p:sp>
+      <p:sp>
+        <p:nvSpPr>
+          <p:cNvPr id="4" name="Date Placeholder 3"/>
+          <p:cNvSpPr>
+            <a:spLocks noGrp="1"/>
+          </p:cNvSpPr>
+          <p:nvPr>
+            <p:ph type="dt" sz="half" idx="10"/>
+          </p:nvPr>
+        </p:nvSpPr>
+        <p:spPr/>
+        <p:txBody>
+          <a:bodyPr/>
+          <a:lstStyle/>
+          <a:p>
+            <a:fld id="{7E3FDB0B-B014-4C47-949F-40696701F18D}" type="datetime1">
+              <a:rPr lang="en-US" smtClean="0"/>
+              <a:pPr/>
+              <a:t>1/28/2020</a:t>
+            </a:fld>
+            <a:endParaRPr lang="en-US"/>
+          </a:p>
+        </p:txBody>
+      </p:sp>
+      <p:sp>
+        <p:nvSpPr>
+          <p:cNvPr id="5" name="Slide Number Placeholder 4"/>
+          <p:cNvSpPr>
+            <a:spLocks noGrp="1"/>
+          </p:cNvSpPr>
+          <p:nvPr>
+            <p:ph type="sldNum" sz="quarter" idx="12"/>
+          </p:nvPr>
+        </p:nvSpPr>
+        <p:spPr/>
+        <p:txBody>
+          <a:bodyPr/>
+          <a:lstStyle/>
+          <a:p>
+            <a:fld id="{330EA680-D336-4FF7-8B7A-9848BB0A1C32}" type="slidenum">
+              <a:rPr lang="en-US" smtClean="0"/>
+              <a:pPr/>
+              <a:t>11</a:t>
+            </a:fld>
+            <a:endParaRPr lang="en-US"/>
+          </a:p>
+        </p:txBody>
+      </p:sp>
+      <p:sp>
+        <p:nvSpPr>
+          <p:cNvPr id="6" name="TextBox 5">
+            <a:extLst>
+              <a:ext uri="{FF2B5EF4-FFF2-40B4-BE49-F238E27FC236}">
+                <a16:creationId xmlns="" xmlns:a16="http://schemas.microsoft.com/office/drawing/2014/main" id="{74347C76-4F23-44C2-8A76-7BCB3209A5F3}"/>
+              </a:ext>
+            </a:extLst>
+          </p:cNvPr>
+          <p:cNvSpPr txBox="1"/>
+          <p:nvPr/>
+        </p:nvSpPr>
+        <p:spPr>
+          <a:xfrm>
+            <a:off x="838200" y="347987"/>
+            <a:ext cx="10622872" cy="584775"/>
+          </a:xfrm>
+          <a:prstGeom prst="rect">
+            <a:avLst/>
+          </a:prstGeom>
+          <a:noFill/>
+        </p:spPr>
+        <p:txBody>
+          <a:bodyPr wrap="square" rtlCol="0">
+            <a:spAutoFit/>
+          </a:bodyPr>
+          <a:lstStyle/>
+          <a:p>
+            <a:pPr algn="ctr"/>
+            <a:r>
+              <a:rPr lang="en-IN" sz="3200" b="1" u="sng">
+                <a:solidFill>
+                  <a:srgbClr val="FF0000"/>
+                </a:solidFill>
+              </a:rPr>
+              <a:t>Applications</a:t>
+            </a:r>
+          </a:p>
+        </p:txBody>
+      </p:sp>
+    </p:spTree>
+    <p:extLst>
+      <p:ext uri="{BB962C8B-B14F-4D97-AF65-F5344CB8AC3E}">
+        <p14:creationId xmlns="" xmlns:p14="http://schemas.microsoft.com/office/powerpoint/2010/main" val="1906710318"/>
+      </p:ext>
+    </p:extLst>
+  </p:cSld>
+  <p:clrMapOvr>
+    <a:masterClrMapping/>
+  </p:clrMapOvr>
+  <p:timing>
+    <p:tnLst>
+      <p:par>
+        <p:cTn id="1" dur="indefinite" restart="never" nodeType="tmRoot"/>
+      </p:par>
+    </p:tnLst>
+  </p:timing>
+</p:sld>
+</file>
+
+<file path=ppt/slides/slide12.xml><?xml version="1.0" encoding="utf-8"?>
+<p:sld xmlns:a="http://schemas.openxmlformats.org/drawingml/2006/main" xmlns:r="http://schemas.openxmlformats.org/officeDocument/2006/relationships" xmlns:p="http://schemas.openxmlformats.org/presentationml/2006/main">
+  <p:cSld>
+    <p:spTree>
+      <p:nvGrpSpPr>
+        <p:cNvPr id="1" name=""/>
+        <p:cNvGrpSpPr/>
+        <p:nvPr/>
+      </p:nvGrpSpPr>
+      <p:grpSpPr>
+        <a:xfrm>
+          <a:off x="0" y="0"/>
+          <a:ext cx="0" cy="0"/>
+          <a:chOff x="0" y="0"/>
+          <a:chExt cx="0" cy="0"/>
+        </a:xfrm>
+      </p:grpSpPr>
+      <p:sp>
+        <p:nvSpPr>
+          <p:cNvPr id="3" name="Content Placeholder 2">
+            <a:extLst>
+              <a:ext uri="{FF2B5EF4-FFF2-40B4-BE49-F238E27FC236}">
+                <a16:creationId xmlns="" xmlns:a16="http://schemas.microsoft.com/office/drawing/2014/main" id="{A5CF9C68-F8E1-43F4-BDDF-866429EC9D1E}"/>
+              </a:ext>
+            </a:extLst>
+          </p:cNvPr>
+          <p:cNvSpPr>
+            <a:spLocks noGrp="1"/>
+          </p:cNvSpPr>
+          <p:nvPr>
+            <p:ph idx="1"/>
+          </p:nvPr>
+        </p:nvSpPr>
+        <p:spPr>
+          <a:xfrm>
+            <a:off x="838200" y="1074198"/>
+            <a:ext cx="10515600" cy="5102765"/>
+          </a:xfrm>
+        </p:spPr>
+        <p:txBody>
+          <a:bodyPr/>
+          <a:lstStyle/>
+          <a:p>
+            <a:pPr marL="0" indent="0" algn="just">
+              <a:buNone/>
+            </a:pPr>
+            <a:r>
+              <a:rPr lang="en-US" dirty="0"/>
+              <a:t>This project is to develop a deep neural network so that the power system faults can be diagnosed. We will try to classify them as much faults as possible using deep neural networks and further improvements in the project will be informed.</a:t>
+            </a:r>
+          </a:p>
+        </p:txBody>
+      </p:sp>
+      <p:sp>
+        <p:nvSpPr>
+          <p:cNvPr id="4" name="Date Placeholder 3">
+            <a:extLst>
+              <a:ext uri="{FF2B5EF4-FFF2-40B4-BE49-F238E27FC236}">
+                <a16:creationId xmlns="" xmlns:a16="http://schemas.microsoft.com/office/drawing/2014/main" id="{D76066D8-4017-49D3-A74C-39BDED6144EB}"/>
+              </a:ext>
+            </a:extLst>
+          </p:cNvPr>
+          <p:cNvSpPr>
+            <a:spLocks noGrp="1"/>
+          </p:cNvSpPr>
+          <p:nvPr>
+            <p:ph type="dt" sz="half" idx="10"/>
+          </p:nvPr>
+        </p:nvSpPr>
+        <p:spPr/>
+        <p:txBody>
+          <a:bodyPr/>
+          <a:lstStyle/>
+          <a:p>
+            <a:fld id="{7E3FDB0B-B014-4C47-949F-40696701F18D}" type="datetime1">
+              <a:rPr lang="en-US" smtClean="0"/>
+              <a:pPr/>
+              <a:t>1/28/2020</a:t>
+            </a:fld>
+            <a:endParaRPr lang="en-US"/>
+          </a:p>
+        </p:txBody>
+      </p:sp>
+      <p:sp>
+        <p:nvSpPr>
+          <p:cNvPr id="5" name="Slide Number Placeholder 4">
+            <a:extLst>
+              <a:ext uri="{FF2B5EF4-FFF2-40B4-BE49-F238E27FC236}">
+                <a16:creationId xmlns="" xmlns:a16="http://schemas.microsoft.com/office/drawing/2014/main" id="{114D5F59-C1E5-4B1A-BA66-70D0B6F715EE}"/>
+              </a:ext>
+            </a:extLst>
+          </p:cNvPr>
+          <p:cNvSpPr>
+            <a:spLocks noGrp="1"/>
+          </p:cNvSpPr>
+          <p:nvPr>
+            <p:ph type="sldNum" sz="quarter" idx="12"/>
+          </p:nvPr>
+        </p:nvSpPr>
+        <p:spPr/>
+        <p:txBody>
+          <a:bodyPr/>
+          <a:lstStyle/>
+          <a:p>
+            <a:fld id="{330EA680-D336-4FF7-8B7A-9848BB0A1C32}" type="slidenum">
+              <a:rPr lang="en-US" smtClean="0"/>
+              <a:pPr/>
+              <a:t>12</a:t>
+            </a:fld>
+            <a:endParaRPr lang="en-US"/>
+          </a:p>
+        </p:txBody>
+      </p:sp>
+      <p:sp>
+        <p:nvSpPr>
+          <p:cNvPr id="6" name="TextBox 5">
+            <a:extLst>
+              <a:ext uri="{FF2B5EF4-FFF2-40B4-BE49-F238E27FC236}">
+                <a16:creationId xmlns="" xmlns:a16="http://schemas.microsoft.com/office/drawing/2014/main" id="{B6C99EC1-F94B-44CB-A3E1-D211B377218D}"/>
+              </a:ext>
+            </a:extLst>
+          </p:cNvPr>
+          <p:cNvSpPr txBox="1"/>
+          <p:nvPr/>
+        </p:nvSpPr>
+        <p:spPr>
+          <a:xfrm>
+            <a:off x="838200" y="339109"/>
+            <a:ext cx="10622872" cy="584775"/>
+          </a:xfrm>
+          <a:prstGeom prst="rect">
+            <a:avLst/>
+          </a:prstGeom>
+          <a:noFill/>
+        </p:spPr>
+        <p:txBody>
+          <a:bodyPr wrap="square" rtlCol="0">
+            <a:spAutoFit/>
+          </a:bodyPr>
+          <a:lstStyle/>
+          <a:p>
+            <a:pPr algn="ctr"/>
+            <a:r>
+              <a:rPr lang="en-IN" sz="3200" b="1" u="sng" dirty="0">
+                <a:solidFill>
+                  <a:srgbClr val="FF0000"/>
+                </a:solidFill>
+              </a:rPr>
+              <a:t>Conclusion </a:t>
+            </a:r>
+          </a:p>
+        </p:txBody>
+      </p:sp>
+    </p:spTree>
+    <p:extLst>
+      <p:ext uri="{BB962C8B-B14F-4D97-AF65-F5344CB8AC3E}">
+        <p14:creationId xmlns="" xmlns:p14="http://schemas.microsoft.com/office/powerpoint/2010/main" val="4028563155"/>
+      </p:ext>
+    </p:extLst>
+  </p:cSld>
+  <p:clrMapOvr>
+    <a:masterClrMapping/>
+  </p:clrMapOvr>
+  <p:timing>
+    <p:tnLst>
+      <p:par>
+        <p:cTn id="1" dur="indefinite" restart="never" nodeType="tmRoot"/>
+      </p:par>
+    </p:tnLst>
+  </p:timing>
+</p:sld>
+</file>
+
+<file path=ppt/slides/slide13.xml><?xml version="1.0" encoding="utf-8"?>
+<p:sld xmlns:a="http://schemas.openxmlformats.org/drawingml/2006/main" xmlns:r="http://schemas.openxmlformats.org/officeDocument/2006/relationships" xmlns:p="http://schemas.openxmlformats.org/presentationml/2006/main">
+  <p:cSld>
+    <p:spTree>
+      <p:nvGrpSpPr>
+        <p:cNvPr id="1" name=""/>
+        <p:cNvGrpSpPr/>
+        <p:nvPr/>
+      </p:nvGrpSpPr>
+      <p:grpSpPr>
+        <a:xfrm>
+          <a:off x="0" y="0"/>
+          <a:ext cx="0" cy="0"/>
+          <a:chOff x="0" y="0"/>
+          <a:chExt cx="0" cy="0"/>
+        </a:xfrm>
+      </p:grpSpPr>
+      <p:sp>
+        <p:nvSpPr>
           <p:cNvPr id="4" name="TextBox 3">
             <a:extLst>
               <a:ext uri="{FF2B5EF4-FFF2-40B4-BE49-F238E27FC236}">
-                <a16:creationId xmlns:a16="http://schemas.microsoft.com/office/drawing/2014/main" xmlns="" id="{C4BB6DEF-F39C-40B0-B60B-2E342DDF5922}"/>
+                <a16:creationId xmlns="" xmlns:a16="http://schemas.microsoft.com/office/drawing/2014/main" id="{C4BB6DEF-F39C-40B0-B60B-2E342DDF5922}"/>
               </a:ext>
             </a:extLst>
           </p:cNvPr>
@@ -5039,7 +5428,7 @@
           <p:cNvPr id="3" name="Date Placeholder 2">
             <a:extLst>
               <a:ext uri="{FF2B5EF4-FFF2-40B4-BE49-F238E27FC236}">
-                <a16:creationId xmlns:a16="http://schemas.microsoft.com/office/drawing/2014/main" xmlns="" id="{3000AC7D-C646-4A26-934D-95EC7158415E}"/>
+                <a16:creationId xmlns="" xmlns:a16="http://schemas.microsoft.com/office/drawing/2014/main" id="{3000AC7D-C646-4A26-934D-95EC7158415E}"/>
               </a:ext>
             </a:extLst>
           </p:cNvPr>
@@ -5069,7 +5458,7 @@
           <p:cNvPr id="5" name="Slide Number Placeholder 4">
             <a:extLst>
               <a:ext uri="{FF2B5EF4-FFF2-40B4-BE49-F238E27FC236}">
-                <a16:creationId xmlns:a16="http://schemas.microsoft.com/office/drawing/2014/main" xmlns="" id="{C8B981BA-7AE4-4E6C-9012-F1DBF6F72A23}"/>
+                <a16:creationId xmlns="" xmlns:a16="http://schemas.microsoft.com/office/drawing/2014/main" id="{C8B981BA-7AE4-4E6C-9012-F1DBF6F72A23}"/>
               </a:ext>
             </a:extLst>
           </p:cNvPr>
@@ -5088,7 +5477,7 @@
             <a:fld id="{330EA680-D336-4FF7-8B7A-9848BB0A1C32}" type="slidenum">
               <a:rPr lang="en-US" smtClean="0"/>
               <a:pPr/>
-              <a:t>11</a:t>
+              <a:t>13</a:t>
             </a:fld>
             <a:endParaRPr lang="en-US"/>
           </a:p>
@@ -5099,7 +5488,7 @@
           <p:cNvPr id="6" name="Table 6">
             <a:extLst>
               <a:ext uri="{FF2B5EF4-FFF2-40B4-BE49-F238E27FC236}">
-                <a16:creationId xmlns:a16="http://schemas.microsoft.com/office/drawing/2014/main" xmlns="" id="{AC9E14EC-3F02-449A-AD8E-DE30BE95F792}"/>
+                <a16:creationId xmlns="" xmlns:a16="http://schemas.microsoft.com/office/drawing/2014/main" id="{AC9E14EC-3F02-449A-AD8E-DE30BE95F792}"/>
               </a:ext>
             </a:extLst>
           </p:cNvPr>
@@ -5109,7 +5498,7 @@
           <p:nvPr>
             <p:extLst>
               <p:ext uri="{D42A27DB-BD31-4B8C-83A1-F6EECF244321}">
-                <p14:modId xmlns:p14="http://schemas.microsoft.com/office/powerpoint/2010/main" xmlns="" val="893868250"/>
+                <p14:modId xmlns="" xmlns:p14="http://schemas.microsoft.com/office/powerpoint/2010/main" val="893868250"/>
               </p:ext>
             </p:extLst>
           </p:nvPr>
@@ -5128,14 +5517,14 @@
                 <a:gridCol w="661800">
                   <a:extLst>
                     <a:ext uri="{9D8B030D-6E8A-4147-A177-3AD203B41FA5}">
-                      <a16:colId xmlns:a16="http://schemas.microsoft.com/office/drawing/2014/main" xmlns="" val="3448325611"/>
+                      <a16:colId xmlns="" xmlns:a16="http://schemas.microsoft.com/office/drawing/2014/main" val="3448325611"/>
                     </a:ext>
                   </a:extLst>
                 </a:gridCol>
                 <a:gridCol w="9848621">
                   <a:extLst>
                     <a:ext uri="{9D8B030D-6E8A-4147-A177-3AD203B41FA5}">
-                      <a16:colId xmlns:a16="http://schemas.microsoft.com/office/drawing/2014/main" xmlns="" val="393581948"/>
+                      <a16:colId xmlns="" xmlns:a16="http://schemas.microsoft.com/office/drawing/2014/main" val="393581948"/>
                     </a:ext>
                   </a:extLst>
                 </a:gridCol>
@@ -5277,7 +5666,7 @@
                 </a:tc>
                 <a:extLst>
                   <a:ext uri="{0D108BD9-81ED-4DB2-BD59-A6C34878D82A}">
-                    <a16:rowId xmlns:a16="http://schemas.microsoft.com/office/drawing/2014/main" xmlns="" val="2982736879"/>
+                    <a16:rowId xmlns="" xmlns:a16="http://schemas.microsoft.com/office/drawing/2014/main" val="2982736879"/>
                   </a:ext>
                 </a:extLst>
               </a:tr>
@@ -5430,7 +5819,7 @@
                 </a:tc>
                 <a:extLst>
                   <a:ext uri="{0D108BD9-81ED-4DB2-BD59-A6C34878D82A}">
-                    <a16:rowId xmlns:a16="http://schemas.microsoft.com/office/drawing/2014/main" xmlns="" val="3000277682"/>
+                    <a16:rowId xmlns="" xmlns:a16="http://schemas.microsoft.com/office/drawing/2014/main" val="3000277682"/>
                   </a:ext>
                 </a:extLst>
               </a:tr>
@@ -5595,7 +5984,7 @@
                 </a:tc>
                 <a:extLst>
                   <a:ext uri="{0D108BD9-81ED-4DB2-BD59-A6C34878D82A}">
-                    <a16:rowId xmlns:a16="http://schemas.microsoft.com/office/drawing/2014/main" xmlns="" val="1892891298"/>
+                    <a16:rowId xmlns="" xmlns:a16="http://schemas.microsoft.com/office/drawing/2014/main" val="1892891298"/>
                   </a:ext>
                 </a:extLst>
               </a:tr>
@@ -5736,7 +6125,7 @@
                 </a:tc>
                 <a:extLst>
                   <a:ext uri="{0D108BD9-81ED-4DB2-BD59-A6C34878D82A}">
-                    <a16:rowId xmlns:a16="http://schemas.microsoft.com/office/drawing/2014/main" xmlns="" val="548713284"/>
+                    <a16:rowId xmlns="" xmlns:a16="http://schemas.microsoft.com/office/drawing/2014/main" val="548713284"/>
                   </a:ext>
                 </a:extLst>
               </a:tr>
@@ -5973,7 +6362,7 @@
                 </a:tc>
                 <a:extLst>
                   <a:ext uri="{0D108BD9-81ED-4DB2-BD59-A6C34878D82A}">
-                    <a16:rowId xmlns:a16="http://schemas.microsoft.com/office/drawing/2014/main" xmlns="" val="252214642"/>
+                    <a16:rowId xmlns="" xmlns:a16="http://schemas.microsoft.com/office/drawing/2014/main" val="252214642"/>
                   </a:ext>
                 </a:extLst>
               </a:tr>
@@ -6138,7 +6527,7 @@
                 </a:tc>
                 <a:extLst>
                   <a:ext uri="{0D108BD9-81ED-4DB2-BD59-A6C34878D82A}">
-                    <a16:rowId xmlns:a16="http://schemas.microsoft.com/office/drawing/2014/main" xmlns="" val="3489601737"/>
+                    <a16:rowId xmlns="" xmlns:a16="http://schemas.microsoft.com/office/drawing/2014/main" val="3489601737"/>
                   </a:ext>
                 </a:extLst>
               </a:tr>
@@ -6279,7 +6668,7 @@
                 </a:tc>
                 <a:extLst>
                   <a:ext uri="{0D108BD9-81ED-4DB2-BD59-A6C34878D82A}">
-                    <a16:rowId xmlns:a16="http://schemas.microsoft.com/office/drawing/2014/main" xmlns="" val="2688330897"/>
+                    <a16:rowId xmlns="" xmlns:a16="http://schemas.microsoft.com/office/drawing/2014/main" val="2688330897"/>
                   </a:ext>
                 </a:extLst>
               </a:tr>
@@ -6290,17 +6679,24 @@
     </p:spTree>
     <p:extLst>
       <p:ext uri="{BB962C8B-B14F-4D97-AF65-F5344CB8AC3E}">
-        <p14:creationId xmlns:p14="http://schemas.microsoft.com/office/powerpoint/2010/main" xmlns="" val="844048752"/>
+        <p14:creationId xmlns="" xmlns:p14="http://schemas.microsoft.com/office/powerpoint/2010/main" val="844048752"/>
       </p:ext>
     </p:extLst>
   </p:cSld>
   <p:clrMapOvr>
     <a:masterClrMapping/>
   </p:clrMapOvr>
+  <p:timing>
+    <p:tnLst>
+      <p:par>
+        <p:cTn id="1" dur="indefinite" restart="never" nodeType="tmRoot"/>
+      </p:par>
+    </p:tnLst>
+  </p:timing>
 </p:sld>
 </file>
 
-<file path=ppt/slides/slide12.xml><?xml version="1.0" encoding="utf-8"?>
+<file path=ppt/slides/slide14.xml><?xml version="1.0" encoding="utf-8"?>
 <p:sld xmlns:a="http://schemas.openxmlformats.org/drawingml/2006/main" xmlns:r="http://schemas.openxmlformats.org/officeDocument/2006/relationships" xmlns:p="http://schemas.openxmlformats.org/presentationml/2006/main">
   <p:cSld>
     <p:spTree>
@@ -6322,7 +6718,7 @@
           <p:cNvPr id="3" name="Content Placeholder 2">
             <a:extLst>
               <a:ext uri="{FF2B5EF4-FFF2-40B4-BE49-F238E27FC236}">
-                <a16:creationId xmlns:a16="http://schemas.microsoft.com/office/drawing/2014/main" xmlns="" id="{A5CF9C68-F8E1-43F4-BDDF-866429EC9D1E}"/>
+                <a16:creationId xmlns="" xmlns:a16="http://schemas.microsoft.com/office/drawing/2014/main" id="{A5CF9C68-F8E1-43F4-BDDF-866429EC9D1E}"/>
               </a:ext>
             </a:extLst>
           </p:cNvPr>
@@ -6358,7 +6754,7 @@
           <p:cNvPr id="4" name="Date Placeholder 3">
             <a:extLst>
               <a:ext uri="{FF2B5EF4-FFF2-40B4-BE49-F238E27FC236}">
-                <a16:creationId xmlns:a16="http://schemas.microsoft.com/office/drawing/2014/main" xmlns="" id="{D76066D8-4017-49D3-A74C-39BDED6144EB}"/>
+                <a16:creationId xmlns="" xmlns:a16="http://schemas.microsoft.com/office/drawing/2014/main" id="{D76066D8-4017-49D3-A74C-39BDED6144EB}"/>
               </a:ext>
             </a:extLst>
           </p:cNvPr>
@@ -6388,7 +6784,7 @@
           <p:cNvPr id="5" name="Slide Number Placeholder 4">
             <a:extLst>
               <a:ext uri="{FF2B5EF4-FFF2-40B4-BE49-F238E27FC236}">
-                <a16:creationId xmlns:a16="http://schemas.microsoft.com/office/drawing/2014/main" xmlns="" id="{114D5F59-C1E5-4B1A-BA66-70D0B6F715EE}"/>
+                <a16:creationId xmlns="" xmlns:a16="http://schemas.microsoft.com/office/drawing/2014/main" id="{114D5F59-C1E5-4B1A-BA66-70D0B6F715EE}"/>
               </a:ext>
             </a:extLst>
           </p:cNvPr>
@@ -6407,7 +6803,7 @@
             <a:fld id="{330EA680-D336-4FF7-8B7A-9848BB0A1C32}" type="slidenum">
               <a:rPr lang="en-US" smtClean="0"/>
               <a:pPr/>
-              <a:t>12</a:t>
+              <a:t>14</a:t>
             </a:fld>
             <a:endParaRPr lang="en-US"/>
           </a:p>
@@ -6418,7 +6814,7 @@
           <p:cNvPr id="6" name="TextBox 5">
             <a:extLst>
               <a:ext uri="{FF2B5EF4-FFF2-40B4-BE49-F238E27FC236}">
-                <a16:creationId xmlns:a16="http://schemas.microsoft.com/office/drawing/2014/main" xmlns="" id="{B6C99EC1-F94B-44CB-A3E1-D211B377218D}"/>
+                <a16:creationId xmlns="" xmlns:a16="http://schemas.microsoft.com/office/drawing/2014/main" id="{B6C99EC1-F94B-44CB-A3E1-D211B377218D}"/>
               </a:ext>
             </a:extLst>
           </p:cNvPr>
@@ -6448,15 +6844,7 @@
                   <a:srgbClr val="FF0000"/>
                 </a:solidFill>
               </a:rPr>
-              <a:t>CO – PO Mapping</a:t>
-            </a:r>
-            <a:r>
-              <a:rPr lang="en-IN" sz="3200" b="1" u="sng" dirty="0" smtClean="0">
-                <a:solidFill>
-                  <a:srgbClr val="FF0000"/>
-                </a:solidFill>
-              </a:rPr>
-              <a:t> </a:t>
+              <a:t>CO – PO Mapping </a:t>
             </a:r>
             <a:endParaRPr lang="en-IN" sz="3200" b="1" u="sng" dirty="0">
               <a:solidFill>
@@ -6469,17 +6857,24 @@
     </p:spTree>
     <p:extLst>
       <p:ext uri="{BB962C8B-B14F-4D97-AF65-F5344CB8AC3E}">
-        <p14:creationId xmlns:p14="http://schemas.microsoft.com/office/powerpoint/2010/main" xmlns="" val="4028563155"/>
+        <p14:creationId xmlns="" xmlns:p14="http://schemas.microsoft.com/office/powerpoint/2010/main" val="4028563155"/>
       </p:ext>
     </p:extLst>
   </p:cSld>
   <p:clrMapOvr>
     <a:masterClrMapping/>
   </p:clrMapOvr>
+  <p:timing>
+    <p:tnLst>
+      <p:par>
+        <p:cTn id="1" dur="indefinite" restart="never" nodeType="tmRoot"/>
+      </p:par>
+    </p:tnLst>
+  </p:timing>
 </p:sld>
 </file>
 
-<file path=ppt/slides/slide13.xml><?xml version="1.0" encoding="utf-8"?>
+<file path=ppt/slides/slide15.xml><?xml version="1.0" encoding="utf-8"?>
 <p:sld xmlns:a="http://schemas.openxmlformats.org/drawingml/2006/main" xmlns:r="http://schemas.openxmlformats.org/officeDocument/2006/relationships" xmlns:p="http://schemas.openxmlformats.org/presentationml/2006/main">
   <p:cSld>
     <p:spTree>
@@ -6501,7 +6896,7 @@
           <p:cNvPr id="2" name="Title 1">
             <a:extLst>
               <a:ext uri="{FF2B5EF4-FFF2-40B4-BE49-F238E27FC236}">
-                <a16:creationId xmlns:a16="http://schemas.microsoft.com/office/drawing/2014/main" xmlns="" id="{6DCB1159-D691-4B53-B1A6-D9B3A79BE525}"/>
+                <a16:creationId xmlns="" xmlns:a16="http://schemas.microsoft.com/office/drawing/2014/main" id="{6DCB1159-D691-4B53-B1A6-D9B3A79BE525}"/>
               </a:ext>
             </a:extLst>
           </p:cNvPr>
@@ -6526,7 +6921,7 @@
           <p:cNvPr id="3" name="Date Placeholder 2">
             <a:extLst>
               <a:ext uri="{FF2B5EF4-FFF2-40B4-BE49-F238E27FC236}">
-                <a16:creationId xmlns:a16="http://schemas.microsoft.com/office/drawing/2014/main" xmlns="" id="{6DEC8314-1F46-43E9-87EC-9D327CFD75A2}"/>
+                <a16:creationId xmlns="" xmlns:a16="http://schemas.microsoft.com/office/drawing/2014/main" id="{6DEC8314-1F46-43E9-87EC-9D327CFD75A2}"/>
               </a:ext>
             </a:extLst>
           </p:cNvPr>
@@ -6556,7 +6951,7 @@
           <p:cNvPr id="4" name="Slide Number Placeholder 3">
             <a:extLst>
               <a:ext uri="{FF2B5EF4-FFF2-40B4-BE49-F238E27FC236}">
-                <a16:creationId xmlns:a16="http://schemas.microsoft.com/office/drawing/2014/main" xmlns="" id="{60585039-2C10-4B0D-ABFA-290767B07452}"/>
+                <a16:creationId xmlns="" xmlns:a16="http://schemas.microsoft.com/office/drawing/2014/main" id="{60585039-2C10-4B0D-ABFA-290767B07452}"/>
               </a:ext>
             </a:extLst>
           </p:cNvPr>
@@ -6575,7 +6970,7 @@
             <a:fld id="{330EA680-D336-4FF7-8B7A-9848BB0A1C32}" type="slidenum">
               <a:rPr lang="en-US" smtClean="0"/>
               <a:pPr/>
-              <a:t>13</a:t>
+              <a:t>15</a:t>
             </a:fld>
             <a:endParaRPr lang="en-US"/>
           </a:p>
@@ -6586,7 +6981,7 @@
           <p:cNvPr id="8" name="Picture 7">
             <a:extLst>
               <a:ext uri="{FF2B5EF4-FFF2-40B4-BE49-F238E27FC236}">
-                <a16:creationId xmlns:a16="http://schemas.microsoft.com/office/drawing/2014/main" xmlns="" id="{63F881B9-BB6E-445C-BA3F-A72AD63B9124}"/>
+                <a16:creationId xmlns="" xmlns:a16="http://schemas.microsoft.com/office/drawing/2014/main" id="{63F881B9-BB6E-445C-BA3F-A72AD63B9124}"/>
               </a:ext>
             </a:extLst>
           </p:cNvPr>
@@ -6599,7 +6994,7 @@
           <a:blip r:embed="rId2">
             <a:extLst>
               <a:ext uri="{28A0092B-C50C-407E-A947-70E740481C1C}">
-                <a14:useLocalDpi xmlns:a14="http://schemas.microsoft.com/office/drawing/2010/main" xmlns="" val="0"/>
+                <a14:useLocalDpi xmlns="" xmlns:a14="http://schemas.microsoft.com/office/drawing/2010/main" val="0"/>
               </a:ext>
             </a:extLst>
           </a:blip>
@@ -6620,13 +7015,20 @@
     </p:spTree>
     <p:extLst>
       <p:ext uri="{BB962C8B-B14F-4D97-AF65-F5344CB8AC3E}">
-        <p14:creationId xmlns:p14="http://schemas.microsoft.com/office/powerpoint/2010/main" xmlns="" val="3574002923"/>
+        <p14:creationId xmlns="" xmlns:p14="http://schemas.microsoft.com/office/powerpoint/2010/main" val="3574002923"/>
       </p:ext>
     </p:extLst>
   </p:cSld>
   <p:clrMapOvr>
     <a:masterClrMapping/>
   </p:clrMapOvr>
+  <p:timing>
+    <p:tnLst>
+      <p:par>
+        <p:cTn id="1" dur="indefinite" restart="never" nodeType="tmRoot"/>
+      </p:par>
+    </p:tnLst>
+  </p:timing>
 </p:sld>
 </file>
 
@@ -6652,7 +7054,7 @@
           <p:cNvPr id="5" name="Subtitle 4">
             <a:extLst>
               <a:ext uri="{FF2B5EF4-FFF2-40B4-BE49-F238E27FC236}">
-                <a16:creationId xmlns:a16="http://schemas.microsoft.com/office/drawing/2014/main" xmlns="" id="{25C99C0B-24DC-464E-AEB0-124B0DECD18C}"/>
+                <a16:creationId xmlns="" xmlns:a16="http://schemas.microsoft.com/office/drawing/2014/main" id="{25C99C0B-24DC-464E-AEB0-124B0DECD18C}"/>
               </a:ext>
             </a:extLst>
           </p:cNvPr>
@@ -6789,7 +7191,7 @@
           <p:cNvPr id="6" name="TextBox 5">
             <a:extLst>
               <a:ext uri="{FF2B5EF4-FFF2-40B4-BE49-F238E27FC236}">
-                <a16:creationId xmlns:a16="http://schemas.microsoft.com/office/drawing/2014/main" xmlns="" id="{243EF8A7-F534-4440-8C5C-A61C86D65859}"/>
+                <a16:creationId xmlns="" xmlns:a16="http://schemas.microsoft.com/office/drawing/2014/main" id="{243EF8A7-F534-4440-8C5C-A61C86D65859}"/>
               </a:ext>
             </a:extLst>
           </p:cNvPr>
@@ -6836,7 +7238,7 @@
           <p:cNvPr id="2" name="Date Placeholder 1">
             <a:extLst>
               <a:ext uri="{FF2B5EF4-FFF2-40B4-BE49-F238E27FC236}">
-                <a16:creationId xmlns:a16="http://schemas.microsoft.com/office/drawing/2014/main" xmlns="" id="{557D1C03-83FB-4A41-A673-D79050803B7D}"/>
+                <a16:creationId xmlns="" xmlns:a16="http://schemas.microsoft.com/office/drawing/2014/main" id="{557D1C03-83FB-4A41-A673-D79050803B7D}"/>
               </a:ext>
             </a:extLst>
           </p:cNvPr>
@@ -6866,7 +7268,7 @@
           <p:cNvPr id="3" name="Slide Number Placeholder 2">
             <a:extLst>
               <a:ext uri="{FF2B5EF4-FFF2-40B4-BE49-F238E27FC236}">
-                <a16:creationId xmlns:a16="http://schemas.microsoft.com/office/drawing/2014/main" xmlns="" id="{159E4775-580B-43B1-BD6F-CC56A677381D}"/>
+                <a16:creationId xmlns="" xmlns:a16="http://schemas.microsoft.com/office/drawing/2014/main" id="{159E4775-580B-43B1-BD6F-CC56A677381D}"/>
               </a:ext>
             </a:extLst>
           </p:cNvPr>
@@ -6894,7 +7296,7 @@
     </p:spTree>
     <p:extLst>
       <p:ext uri="{BB962C8B-B14F-4D97-AF65-F5344CB8AC3E}">
-        <p14:creationId xmlns:p14="http://schemas.microsoft.com/office/powerpoint/2010/main" xmlns="" val="1975427906"/>
+        <p14:creationId xmlns="" xmlns:p14="http://schemas.microsoft.com/office/powerpoint/2010/main" val="1975427906"/>
       </p:ext>
     </p:extLst>
   </p:cSld>
@@ -6991,7 +7393,7 @@
         </p:nvSpPr>
         <p:spPr>
           <a:xfrm>
-            <a:off x="838200" y="1260629"/>
+            <a:off x="846826" y="1260629"/>
             <a:ext cx="10515600" cy="4190260"/>
           </a:xfrm>
         </p:spPr>
@@ -7008,8 +7410,17 @@
             </a:pPr>
             <a:r>
               <a:rPr lang="en-US" dirty="0"/>
-              <a:t>Power system fault diagnosis is the process of analyzing historical fault data to detect and predict current  or future fault.</a:t>
-            </a:r>
+              <a:t>Power system fault diagnosis is the process of analyzing historical fault data </a:t>
+            </a:r>
+            <a:r>
+              <a:rPr lang="en-US" dirty="0" smtClean="0"/>
+              <a:t>for the detection and the classification of the current faults</a:t>
+            </a:r>
+            <a:r>
+              <a:rPr lang="en-US" dirty="0" smtClean="0"/>
+              <a:t>.</a:t>
+            </a:r>
+            <a:endParaRPr lang="en-US" dirty="0"/>
           </a:p>
           <a:p>
             <a:pPr>
@@ -7018,8 +7429,13 @@
             </a:pPr>
             <a:r>
               <a:rPr lang="en-US" dirty="0"/>
-              <a:t>The objective of our project is to find out the faults in the transmission line  and to  classify them using the neural networks.</a:t>
-            </a:r>
+              <a:t>The objective of </a:t>
+            </a:r>
+            <a:r>
+              <a:rPr lang="en-US" dirty="0" smtClean="0"/>
+              <a:t>our project is detection and the classification of the faults with the help of the artificial neural networks by using past data to train the neural network.</a:t>
+            </a:r>
+            <a:endParaRPr lang="en-US" dirty="0"/>
           </a:p>
           <a:p>
             <a:endParaRPr lang="en-US" dirty="0"/>
@@ -7089,7 +7505,7 @@
     </p:spTree>
     <p:extLst>
       <p:ext uri="{BB962C8B-B14F-4D97-AF65-F5344CB8AC3E}">
-        <p14:creationId xmlns:p14="http://schemas.microsoft.com/office/powerpoint/2010/main" xmlns="" val="2117165276"/>
+        <p14:creationId xmlns="" xmlns:p14="http://schemas.microsoft.com/office/powerpoint/2010/main" val="2117165276"/>
       </p:ext>
     </p:extLst>
   </p:cSld>
@@ -7128,7 +7544,7 @@
           <p:cNvPr id="2" name="TextBox 1">
             <a:extLst>
               <a:ext uri="{FF2B5EF4-FFF2-40B4-BE49-F238E27FC236}">
-                <a16:creationId xmlns:a16="http://schemas.microsoft.com/office/drawing/2014/main" xmlns="" id="{647B59D4-2B44-4776-860C-47B66B58FF3B}"/>
+                <a16:creationId xmlns="" xmlns:a16="http://schemas.microsoft.com/office/drawing/2014/main" id="{647B59D4-2B44-4776-860C-47B66B58FF3B}"/>
               </a:ext>
             </a:extLst>
           </p:cNvPr>
@@ -7168,7 +7584,7 @@
           <p:cNvPr id="4" name="Subtitle 3">
             <a:extLst>
               <a:ext uri="{FF2B5EF4-FFF2-40B4-BE49-F238E27FC236}">
-                <a16:creationId xmlns:a16="http://schemas.microsoft.com/office/drawing/2014/main" xmlns="" id="{5BAF7A38-E445-4B58-9796-4267284E645F}"/>
+                <a16:creationId xmlns="" xmlns:a16="http://schemas.microsoft.com/office/drawing/2014/main" id="{5BAF7A38-E445-4B58-9796-4267284E645F}"/>
               </a:ext>
             </a:extLst>
           </p:cNvPr>
@@ -7187,7 +7603,7 @@
         </p:spPr>
         <p:txBody>
           <a:bodyPr>
-            <a:normAutofit fontScale="92500" lnSpcReduction="10000"/>
+            <a:normAutofit fontScale="92500"/>
           </a:bodyPr>
           <a:lstStyle/>
           <a:p>
@@ -7199,8 +7615,8 @@
               <a:buChar char="Ø"/>
             </a:pPr>
             <a:r>
-              <a:rPr lang="en-IN" sz="2800" dirty="0"/>
-              <a:t>In recent years, artificial intelligence technologies are becoming  more and more popular due to its amazing features.</a:t>
+              <a:rPr lang="en-IN" sz="2800" dirty="0" smtClean="0"/>
+              <a:t>From past few decades we are very much depending on the electric power.</a:t>
             </a:r>
           </a:p>
           <a:p>
@@ -7212,8 +7628,8 @@
               <a:buChar char="Ø"/>
             </a:pPr>
             <a:r>
-              <a:rPr lang="en-US" sz="2800" dirty="0"/>
-              <a:t>Application of artificial intelligence techniques in the electric power industry which is currently undergoing extraordinary development.</a:t>
+              <a:rPr lang="en-IN" sz="2800" dirty="0" smtClean="0"/>
+              <a:t>Transmission lines are the bridges between generating station to distribution station. </a:t>
             </a:r>
           </a:p>
           <a:p>
@@ -7225,8 +7641,21 @@
               <a:buChar char="Ø"/>
             </a:pPr>
             <a:r>
-              <a:rPr lang="en-US" sz="2800" dirty="0"/>
-              <a:t>One of the most thrilling and potentially cost-effective recent developments in this field is increasing usage of artificial intelligence techniques viz neural network, genetic algorithm, fuzzy logic, and expert systems.</a:t>
+              <a:rPr lang="en-IN" sz="2800" dirty="0" smtClean="0"/>
+              <a:t>Transmission lines will undergo many types of faults as they are exposed to the open air.</a:t>
+            </a:r>
+          </a:p>
+          <a:p>
+            <a:pPr marL="342900" indent="-342900" algn="just">
+              <a:lnSpc>
+                <a:spcPct val="150000"/>
+              </a:lnSpc>
+              <a:buFont typeface="Wingdings" panose="05000000000000000000" pitchFamily="2" charset="2"/>
+              <a:buChar char="Ø"/>
+            </a:pPr>
+            <a:r>
+              <a:rPr lang="en-IN" sz="2800" dirty="0" smtClean="0"/>
+              <a:t>The fault detection and the classification in the transmission line is very much important. </a:t>
             </a:r>
             <a:endParaRPr lang="en-IN" sz="2800" dirty="0"/>
           </a:p>
@@ -7237,7 +7666,7 @@
           <p:cNvPr id="3" name="Date Placeholder 2">
             <a:extLst>
               <a:ext uri="{FF2B5EF4-FFF2-40B4-BE49-F238E27FC236}">
-                <a16:creationId xmlns:a16="http://schemas.microsoft.com/office/drawing/2014/main" xmlns="" id="{885E3CB4-25D1-4287-82D6-F9574CEE3BDF}"/>
+                <a16:creationId xmlns="" xmlns:a16="http://schemas.microsoft.com/office/drawing/2014/main" id="{885E3CB4-25D1-4287-82D6-F9574CEE3BDF}"/>
               </a:ext>
             </a:extLst>
           </p:cNvPr>
@@ -7267,7 +7696,7 @@
           <p:cNvPr id="5" name="Slide Number Placeholder 4">
             <a:extLst>
               <a:ext uri="{FF2B5EF4-FFF2-40B4-BE49-F238E27FC236}">
-                <a16:creationId xmlns:a16="http://schemas.microsoft.com/office/drawing/2014/main" xmlns="" id="{298F78CD-D8AB-4C18-8B69-D4483DA72939}"/>
+                <a16:creationId xmlns="" xmlns:a16="http://schemas.microsoft.com/office/drawing/2014/main" id="{298F78CD-D8AB-4C18-8B69-D4483DA72939}"/>
               </a:ext>
             </a:extLst>
           </p:cNvPr>
@@ -7295,13 +7724,20 @@
     </p:spTree>
     <p:extLst>
       <p:ext uri="{BB962C8B-B14F-4D97-AF65-F5344CB8AC3E}">
-        <p14:creationId xmlns:p14="http://schemas.microsoft.com/office/powerpoint/2010/main" xmlns="" val="991653462"/>
+        <p14:creationId xmlns="" xmlns:p14="http://schemas.microsoft.com/office/powerpoint/2010/main" val="991653462"/>
       </p:ext>
     </p:extLst>
   </p:cSld>
   <p:clrMapOvr>
     <a:masterClrMapping/>
   </p:clrMapOvr>
+  <p:timing>
+    <p:tnLst>
+      <p:par>
+        <p:cTn id="1" dur="indefinite" restart="never" nodeType="tmRoot"/>
+      </p:par>
+    </p:tnLst>
+  </p:timing>
 </p:sld>
 </file>
 
@@ -7347,8 +7783,8 @@
               <a:buChar char="Ø"/>
             </a:pPr>
             <a:r>
-              <a:rPr lang="en-US" dirty="0"/>
-              <a:t>The training mechanism of deep learning is layer-wise pre-training mechanism.</a:t>
+              <a:rPr lang="en-US" dirty="0" smtClean="0"/>
+              <a:t>In recent days lot of data is generating due to SCADA.</a:t>
             </a:r>
           </a:p>
           <a:p>
@@ -7357,9 +7793,29 @@
               <a:buChar char="Ø"/>
             </a:pPr>
             <a:r>
-              <a:rPr lang="en-US" dirty="0"/>
-              <a:t>Deep learning also has great learning ability so it focuses on the field of machine learning and artificial intelligence.</a:t>
-            </a:r>
+              <a:rPr lang="en-US" dirty="0" smtClean="0"/>
+              <a:t>By using th</a:t>
+            </a:r>
+            <a:r>
+              <a:rPr lang="en-US" dirty="0" smtClean="0"/>
+              <a:t>e deep neural networks we can classify the type of fault which is occurred in the transmission line.</a:t>
+            </a:r>
+          </a:p>
+          <a:p>
+            <a:pPr algn="just">
+              <a:buFont typeface="Wingdings" panose="05000000000000000000" pitchFamily="2" charset="2"/>
+              <a:buChar char="Ø"/>
+            </a:pPr>
+            <a:r>
+              <a:rPr lang="en-US" dirty="0" smtClean="0"/>
+              <a:t>But for that we need past data.</a:t>
+            </a:r>
+          </a:p>
+          <a:p>
+            <a:pPr algn="just">
+              <a:buNone/>
+            </a:pPr>
+            <a:endParaRPr lang="en-US" dirty="0"/>
           </a:p>
         </p:txBody>
       </p:sp>
@@ -7416,7 +7872,7 @@
           <p:cNvPr id="6" name="TextBox 5">
             <a:extLst>
               <a:ext uri="{FF2B5EF4-FFF2-40B4-BE49-F238E27FC236}">
-                <a16:creationId xmlns:a16="http://schemas.microsoft.com/office/drawing/2014/main" xmlns="" id="{627EDDBC-2D68-45D1-8FFC-C063F89D8F33}"/>
+                <a16:creationId xmlns="" xmlns:a16="http://schemas.microsoft.com/office/drawing/2014/main" id="{627EDDBC-2D68-45D1-8FFC-C063F89D8F33}"/>
               </a:ext>
             </a:extLst>
           </p:cNvPr>
@@ -7449,13 +7905,20 @@
     </p:spTree>
     <p:extLst>
       <p:ext uri="{BB962C8B-B14F-4D97-AF65-F5344CB8AC3E}">
-        <p14:creationId xmlns:p14="http://schemas.microsoft.com/office/powerpoint/2010/main" xmlns="" val="4136263389"/>
+        <p14:creationId xmlns="" xmlns:p14="http://schemas.microsoft.com/office/powerpoint/2010/main" val="4136263389"/>
       </p:ext>
     </p:extLst>
   </p:cSld>
   <p:clrMapOvr>
     <a:masterClrMapping/>
   </p:clrMapOvr>
+  <p:timing>
+    <p:tnLst>
+      <p:par>
+        <p:cTn id="1" dur="indefinite" restart="never" nodeType="tmRoot"/>
+      </p:par>
+    </p:tnLst>
+  </p:timing>
 </p:sld>
 </file>
 
@@ -7502,7 +7965,7 @@
             </a:pPr>
             <a:r>
               <a:rPr lang="en-US" dirty="0" smtClean="0"/>
-              <a:t>MATLAB</a:t>
+              <a:t>Here we using MATLAB for the generation of the training data for the deep neural network.</a:t>
             </a:r>
           </a:p>
           <a:p>
@@ -7512,7 +7975,15 @@
             </a:pPr>
             <a:r>
               <a:rPr lang="en-US" dirty="0" smtClean="0"/>
-              <a:t>Microsoft Excel</a:t>
+              <a:t>We are using Microsoft Excel with </a:t>
+            </a:r>
+            <a:r>
+              <a:rPr lang="en-US" dirty="0" err="1" smtClean="0"/>
+              <a:t>NeuroSolutions</a:t>
+            </a:r>
+            <a:r>
+              <a:rPr lang="en-US" dirty="0" smtClean="0"/>
+              <a:t> software for the training and the testing of the network.</a:t>
             </a:r>
           </a:p>
           <a:p>
@@ -7521,10 +7992,10 @@
               <a:buChar char="Ø"/>
             </a:pPr>
             <a:r>
-              <a:rPr lang="en-US" dirty="0" err="1" smtClean="0"/>
-              <a:t>NeuroSolutions</a:t>
-            </a:r>
-            <a:endParaRPr lang="en-US" dirty="0"/>
+              <a:rPr lang="en-US" dirty="0" smtClean="0"/>
+              <a:t>We are using Recurrent Neural Network for the classification of the shunt faults in the transmission line.</a:t>
+            </a:r>
+            <a:endParaRPr lang="en-US" dirty="0" smtClean="0"/>
           </a:p>
         </p:txBody>
       </p:sp>
@@ -7581,7 +8052,7 @@
           <p:cNvPr id="6" name="TextBox 5">
             <a:extLst>
               <a:ext uri="{FF2B5EF4-FFF2-40B4-BE49-F238E27FC236}">
-                <a16:creationId xmlns:a16="http://schemas.microsoft.com/office/drawing/2014/main" xmlns="" id="{74347C76-4F23-44C2-8A76-7BCB3209A5F3}"/>
+                <a16:creationId xmlns="" xmlns:a16="http://schemas.microsoft.com/office/drawing/2014/main" id="{74347C76-4F23-44C2-8A76-7BCB3209A5F3}"/>
               </a:ext>
             </a:extLst>
           </p:cNvPr>
@@ -7611,15 +8082,7 @@
                   <a:srgbClr val="FF0000"/>
                 </a:solidFill>
               </a:rPr>
-              <a:t>Components/</a:t>
-            </a:r>
-            <a:r>
-              <a:rPr lang="en-IN" sz="3200" b="1" u="sng" dirty="0" err="1" smtClean="0">
-                <a:solidFill>
-                  <a:srgbClr val="FF0000"/>
-                </a:solidFill>
-              </a:rPr>
-              <a:t>Softwares</a:t>
+              <a:t>Components</a:t>
             </a:r>
             <a:endParaRPr lang="en-IN" sz="3200" b="1" u="sng" dirty="0">
               <a:solidFill>
@@ -7629,16 +8092,125 @@
           </a:p>
         </p:txBody>
       </p:sp>
+      <p:pic>
+        <p:nvPicPr>
+          <p:cNvPr id="7" name="Picture 6" descr="matlab.jpg"/>
+          <p:cNvPicPr>
+            <a:picLocks noChangeAspect="1"/>
+          </p:cNvPicPr>
+          <p:nvPr/>
+        </p:nvPicPr>
+        <p:blipFill>
+          <a:blip r:embed="rId2"/>
+          <a:stretch>
+            <a:fillRect/>
+          </a:stretch>
+        </p:blipFill>
+        <p:spPr>
+          <a:xfrm>
+            <a:off x="1656200" y="3928685"/>
+            <a:ext cx="1805940" cy="1623060"/>
+          </a:xfrm>
+          <a:prstGeom prst="rect">
+            <a:avLst/>
+          </a:prstGeom>
+        </p:spPr>
+      </p:pic>
+      <p:pic>
+        <p:nvPicPr>
+          <p:cNvPr id="8" name="Picture 7" descr="NS logo.jpg"/>
+          <p:cNvPicPr>
+            <a:picLocks noChangeAspect="1"/>
+          </p:cNvPicPr>
+          <p:nvPr/>
+        </p:nvPicPr>
+        <p:blipFill>
+          <a:blip r:embed="rId3"/>
+          <a:stretch>
+            <a:fillRect/>
+          </a:stretch>
+        </p:blipFill>
+        <p:spPr>
+          <a:xfrm>
+            <a:off x="5052708" y="4086691"/>
+            <a:ext cx="2293620" cy="1272540"/>
+          </a:xfrm>
+          <a:prstGeom prst="rect">
+            <a:avLst/>
+          </a:prstGeom>
+        </p:spPr>
+      </p:pic>
+      <p:pic>
+        <p:nvPicPr>
+          <p:cNvPr id="10" name="Picture 9" descr="excel logo.png"/>
+          <p:cNvPicPr>
+            <a:picLocks noChangeAspect="1"/>
+          </p:cNvPicPr>
+          <p:nvPr/>
+        </p:nvPicPr>
+        <p:blipFill>
+          <a:blip r:embed="rId4"/>
+          <a:stretch>
+            <a:fillRect/>
+          </a:stretch>
+        </p:blipFill>
+        <p:spPr>
+          <a:xfrm>
+            <a:off x="8652295" y="3640272"/>
+            <a:ext cx="2287511" cy="2287511"/>
+          </a:xfrm>
+          <a:prstGeom prst="rect">
+            <a:avLst/>
+          </a:prstGeom>
+        </p:spPr>
+      </p:pic>
+      <p:sp>
+        <p:nvSpPr>
+          <p:cNvPr id="11" name="TextBox 10"/>
+          <p:cNvSpPr txBox="1"/>
+          <p:nvPr/>
+        </p:nvSpPr>
+        <p:spPr>
+          <a:xfrm>
+            <a:off x="2044460" y="5822830"/>
+            <a:ext cx="1293963" cy="369332"/>
+          </a:xfrm>
+          <a:prstGeom prst="rect">
+            <a:avLst/>
+          </a:prstGeom>
+          <a:noFill/>
+        </p:spPr>
+        <p:txBody>
+          <a:bodyPr wrap="square" rtlCol="0">
+            <a:spAutoFit/>
+          </a:bodyPr>
+          <a:lstStyle/>
+          <a:p>
+            <a:r>
+              <a:rPr lang="en-US" dirty="0" err="1" smtClean="0"/>
+              <a:t>Matlab</a:t>
+            </a:r>
+            <a:endParaRPr lang="en-US" dirty="0"/>
+          </a:p>
+        </p:txBody>
+      </p:sp>
     </p:spTree>
     <p:extLst>
       <p:ext uri="{BB962C8B-B14F-4D97-AF65-F5344CB8AC3E}">
-        <p14:creationId xmlns:p14="http://schemas.microsoft.com/office/powerpoint/2010/main" xmlns="" val="1906710318"/>
+        <p14:creationId xmlns="" xmlns:p14="http://schemas.microsoft.com/office/powerpoint/2010/main" val="1906710318"/>
       </p:ext>
     </p:extLst>
   </p:cSld>
   <p:clrMapOvr>
     <a:masterClrMapping/>
   </p:clrMapOvr>
+  <p:timing>
+    <p:tnLst>
+      <p:par>
+        <p:cTn id="1" dur="indefinite" restart="never" nodeType="tmRoot"/>
+      </p:par>
+    </p:tnLst>
+  </p:timing>
 </p:sld>
 </file>
 
@@ -7659,43 +8231,29 @@
           <a:chExt cx="0" cy="0"/>
         </a:xfrm>
       </p:grpSpPr>
-      <p:sp>
-        <p:nvSpPr>
-          <p:cNvPr id="3" name="Content Placeholder 2"/>
-          <p:cNvSpPr>
-            <a:spLocks noGrp="1"/>
-          </p:cNvSpPr>
+      <p:pic>
+        <p:nvPicPr>
+          <p:cNvPr id="6" name="Content Placeholder 5" descr="RNN.jpeg"/>
+          <p:cNvPicPr>
+            <a:picLocks noGrp="1" noChangeAspect="1"/>
+          </p:cNvPicPr>
           <p:nvPr>
             <p:ph idx="1"/>
           </p:nvPr>
-        </p:nvSpPr>
+        </p:nvPicPr>
+        <p:blipFill>
+          <a:blip r:embed="rId2"/>
+          <a:stretch>
+            <a:fillRect/>
+          </a:stretch>
+        </p:blipFill>
         <p:spPr>
           <a:xfrm>
-            <a:off x="838200" y="1154097"/>
-            <a:ext cx="10515600" cy="5022866"/>
+            <a:off x="2444799" y="905773"/>
+            <a:ext cx="7216140" cy="4683500"/>
           </a:xfrm>
         </p:spPr>
-        <p:txBody>
-          <a:bodyPr/>
-          <a:lstStyle/>
-          <a:p>
-            <a:pPr algn="just">
-              <a:buFont typeface="Wingdings" panose="05000000000000000000" pitchFamily="2" charset="2"/>
-              <a:buChar char="Ø"/>
-            </a:pPr>
-            <a:r>
-              <a:rPr lang="en-US" dirty="0" smtClean="0"/>
-              <a:t>MATLAB</a:t>
-            </a:r>
-          </a:p>
-          <a:p>
-            <a:pPr algn="just">
-              <a:buNone/>
-            </a:pPr>
-            <a:endParaRPr lang="en-US" dirty="0" smtClean="0"/>
-          </a:p>
-        </p:txBody>
-      </p:sp>
+      </p:pic>
       <p:sp>
         <p:nvSpPr>
           <p:cNvPr id="4" name="Date Placeholder 3"/>
@@ -7744,61 +8302,18 @@
           </a:p>
         </p:txBody>
       </p:sp>
-      <p:sp>
-        <p:nvSpPr>
-          <p:cNvPr id="6" name="TextBox 5">
-            <a:extLst>
-              <a:ext uri="{FF2B5EF4-FFF2-40B4-BE49-F238E27FC236}">
-                <a16:creationId xmlns:a16="http://schemas.microsoft.com/office/drawing/2014/main" xmlns="" id="{74347C76-4F23-44C2-8A76-7BCB3209A5F3}"/>
-              </a:ext>
-            </a:extLst>
-          </p:cNvPr>
-          <p:cNvSpPr txBox="1"/>
-          <p:nvPr/>
-        </p:nvSpPr>
-        <p:spPr>
-          <a:xfrm>
-            <a:off x="838200" y="347987"/>
-            <a:ext cx="10622872" cy="584775"/>
-          </a:xfrm>
-          <a:prstGeom prst="rect">
-            <a:avLst/>
-          </a:prstGeom>
-          <a:noFill/>
-        </p:spPr>
-        <p:txBody>
-          <a:bodyPr wrap="square" rtlCol="0">
-            <a:spAutoFit/>
-          </a:bodyPr>
-          <a:lstStyle/>
-          <a:p>
-            <a:pPr algn="ctr"/>
-            <a:r>
-              <a:rPr lang="en-IN" sz="3200" b="1" u="sng" dirty="0" smtClean="0">
-                <a:solidFill>
-                  <a:srgbClr val="FF0000"/>
-                </a:solidFill>
-              </a:rPr>
-              <a:t>Simulation Results</a:t>
-            </a:r>
-            <a:endParaRPr lang="en-IN" sz="3200" b="1" u="sng" dirty="0">
-              <a:solidFill>
-                <a:srgbClr val="FF0000"/>
-              </a:solidFill>
-            </a:endParaRPr>
-          </a:p>
-        </p:txBody>
-      </p:sp>
     </p:spTree>
-    <p:extLst>
-      <p:ext uri="{BB962C8B-B14F-4D97-AF65-F5344CB8AC3E}">
-        <p14:creationId xmlns:p14="http://schemas.microsoft.com/office/powerpoint/2010/main" xmlns="" val="1906710318"/>
-      </p:ext>
-    </p:extLst>
   </p:cSld>
   <p:clrMapOvr>
     <a:masterClrMapping/>
   </p:clrMapOvr>
+  <p:timing>
+    <p:tnLst>
+      <p:par>
+        <p:cTn id="1" dur="indefinite" restart="never" nodeType="tmRoot"/>
+      </p:par>
+    </p:tnLst>
+  </p:timing>
 </p:sld>
 </file>
 
@@ -7831,28 +8346,148 @@
         </p:nvSpPr>
         <p:spPr>
           <a:xfrm>
-            <a:off x="838200" y="1154097"/>
-            <a:ext cx="10515600" cy="5022866"/>
+            <a:off x="6952890" y="1362973"/>
+            <a:ext cx="4409536" cy="4822616"/>
           </a:xfrm>
         </p:spPr>
         <p:txBody>
           <a:bodyPr/>
           <a:lstStyle/>
           <a:p>
-            <a:pPr algn="just">
-              <a:buFont typeface="Wingdings" panose="05000000000000000000" pitchFamily="2" charset="2"/>
-              <a:buChar char="Ø"/>
-            </a:pPr>
-            <a:r>
-              <a:rPr lang="en-US" dirty="0" smtClean="0"/>
-              <a:t>MATLAB</a:t>
-            </a:r>
-          </a:p>
-          <a:p>
-            <a:pPr algn="just">
+            <a:pPr>
               <a:buNone/>
             </a:pPr>
-            <a:endParaRPr lang="en-US" dirty="0" smtClean="0"/>
+            <a:r>
+              <a:rPr lang="en-US" dirty="0" smtClean="0"/>
+              <a:t>Line Voltage V</a:t>
+            </a:r>
+            <a:r>
+              <a:rPr lang="en-US" sz="1400" dirty="0" smtClean="0"/>
+              <a:t>L-L  </a:t>
+            </a:r>
+            <a:r>
+              <a:rPr lang="en-US" dirty="0" smtClean="0"/>
+              <a:t>= 220 kV</a:t>
+            </a:r>
+          </a:p>
+          <a:p>
+            <a:pPr>
+              <a:buNone/>
+            </a:pPr>
+            <a:r>
+              <a:rPr lang="en-US" dirty="0" smtClean="0"/>
+              <a:t>Line Length = 200 km</a:t>
+            </a:r>
+          </a:p>
+          <a:p>
+            <a:pPr>
+              <a:buNone/>
+            </a:pPr>
+            <a:r>
+              <a:rPr lang="en-US" dirty="0" smtClean="0"/>
+              <a:t>Frequency f = 50 Hz</a:t>
+            </a:r>
+          </a:p>
+          <a:p>
+            <a:pPr>
+              <a:buNone/>
+            </a:pPr>
+            <a:r>
+              <a:rPr lang="en-US" dirty="0" smtClean="0"/>
+              <a:t>Z</a:t>
+            </a:r>
+            <a:r>
+              <a:rPr lang="en-US" sz="1800" dirty="0" smtClean="0"/>
+              <a:t>1 </a:t>
+            </a:r>
+            <a:r>
+              <a:rPr lang="en-US" dirty="0" smtClean="0"/>
+              <a:t>= 4.76 + j*59.75 ohms</a:t>
+            </a:r>
+          </a:p>
+          <a:p>
+            <a:pPr>
+              <a:buNone/>
+            </a:pPr>
+            <a:r>
+              <a:rPr lang="en-US" dirty="0" smtClean="0"/>
+              <a:t>Z</a:t>
+            </a:r>
+            <a:r>
+              <a:rPr lang="en-US" sz="1600" dirty="0" smtClean="0"/>
+              <a:t>0 </a:t>
+            </a:r>
+            <a:r>
+              <a:rPr lang="en-US" dirty="0" smtClean="0"/>
+              <a:t>= 77.70 + j*204.26 ohms</a:t>
+            </a:r>
+          </a:p>
+          <a:p>
+            <a:pPr>
+              <a:buNone/>
+            </a:pPr>
+            <a:r>
+              <a:rPr lang="en-US" dirty="0" smtClean="0"/>
+              <a:t>Fault Types : </a:t>
+            </a:r>
+            <a:r>
+              <a:rPr lang="en-US" sz="1800" dirty="0" smtClean="0"/>
+              <a:t>a-g, b-g, c-g, </a:t>
+            </a:r>
+            <a:r>
+              <a:rPr lang="en-US" sz="1800" dirty="0" err="1" smtClean="0"/>
+              <a:t>ab</a:t>
+            </a:r>
+            <a:r>
+              <a:rPr lang="en-US" sz="1800" dirty="0" smtClean="0"/>
+              <a:t>, </a:t>
+            </a:r>
+            <a:r>
+              <a:rPr lang="en-US" sz="1800" dirty="0" err="1" smtClean="0"/>
+              <a:t>bc</a:t>
+            </a:r>
+            <a:r>
+              <a:rPr lang="en-US" sz="1800" dirty="0" smtClean="0"/>
+              <a:t>, ac, 		</a:t>
+            </a:r>
+            <a:r>
+              <a:rPr lang="en-US" sz="1800" dirty="0" err="1" smtClean="0"/>
+              <a:t>ab</a:t>
+            </a:r>
+            <a:r>
+              <a:rPr lang="en-US" sz="1800" dirty="0" smtClean="0"/>
+              <a:t>-g, </a:t>
+            </a:r>
+            <a:r>
+              <a:rPr lang="en-US" sz="1800" dirty="0" err="1" smtClean="0"/>
+              <a:t>bc</a:t>
+            </a:r>
+            <a:r>
+              <a:rPr lang="en-US" sz="1800" dirty="0" smtClean="0"/>
+              <a:t>-g, ac-g, </a:t>
+            </a:r>
+            <a:r>
+              <a:rPr lang="en-US" sz="1800" dirty="0" err="1" smtClean="0"/>
+              <a:t>abc</a:t>
+            </a:r>
+            <a:r>
+              <a:rPr lang="en-US" sz="1800" dirty="0" smtClean="0"/>
+              <a:t>, </a:t>
+            </a:r>
+          </a:p>
+          <a:p>
+            <a:pPr>
+              <a:buNone/>
+            </a:pPr>
+            <a:r>
+              <a:rPr lang="en-US" sz="1800" dirty="0" smtClean="0"/>
+              <a:t>	</a:t>
+            </a:r>
+            <a:r>
+              <a:rPr lang="en-US" sz="1800" dirty="0" smtClean="0"/>
+              <a:t>		no fault</a:t>
+            </a:r>
+            <a:endParaRPr lang="en-US" dirty="0"/>
           </a:p>
         </p:txBody>
       </p:sp>
@@ -7904,22 +8539,40 @@
           </a:p>
         </p:txBody>
       </p:sp>
-      <p:sp>
-        <p:nvSpPr>
-          <p:cNvPr id="6" name="TextBox 5">
-            <a:extLst>
-              <a:ext uri="{FF2B5EF4-FFF2-40B4-BE49-F238E27FC236}">
-                <a16:creationId xmlns:a16="http://schemas.microsoft.com/office/drawing/2014/main" xmlns="" id="{74347C76-4F23-44C2-8A76-7BCB3209A5F3}"/>
-              </a:ext>
-            </a:extLst>
-          </p:cNvPr>
+      <p:pic>
+        <p:nvPicPr>
+          <p:cNvPr id="7" name="Picture 6" descr="Capture.PNG"/>
+          <p:cNvPicPr>
+            <a:picLocks noChangeAspect="1"/>
+          </p:cNvPicPr>
+          <p:nvPr/>
+        </p:nvPicPr>
+        <p:blipFill>
+          <a:blip r:embed="rId2"/>
+          <a:stretch>
+            <a:fillRect/>
+          </a:stretch>
+        </p:blipFill>
+        <p:spPr>
+          <a:xfrm>
+            <a:off x="1117142" y="1884876"/>
+            <a:ext cx="5275032" cy="1242168"/>
+          </a:xfrm>
+          <a:prstGeom prst="rect">
+            <a:avLst/>
+          </a:prstGeom>
+        </p:spPr>
+      </p:pic>
+      <p:sp>
+        <p:nvSpPr>
+          <p:cNvPr id="9" name="TextBox 8"/>
           <p:cNvSpPr txBox="1"/>
           <p:nvPr/>
         </p:nvSpPr>
         <p:spPr>
           <a:xfrm>
-            <a:off x="838200" y="347987"/>
-            <a:ext cx="10622872" cy="584775"/>
+            <a:off x="1242204" y="3191762"/>
+            <a:ext cx="5129289" cy="369332"/>
           </a:xfrm>
           <a:prstGeom prst="rect">
             <a:avLst/>
@@ -7927,38 +8580,31 @@
           <a:noFill/>
         </p:spPr>
         <p:txBody>
-          <a:bodyPr wrap="square" rtlCol="0">
+          <a:bodyPr wrap="none" rtlCol="0">
             <a:spAutoFit/>
           </a:bodyPr>
           <a:lstStyle/>
           <a:p>
-            <a:pPr algn="ctr"/>
-            <a:r>
-              <a:rPr lang="en-IN" sz="3200" b="1" u="sng" dirty="0" smtClean="0">
-                <a:solidFill>
-                  <a:srgbClr val="FF0000"/>
-                </a:solidFill>
-              </a:rPr>
-              <a:t>Road Map</a:t>
-            </a:r>
-            <a:endParaRPr lang="en-IN" sz="3200" b="1" u="sng" dirty="0">
-              <a:solidFill>
-                <a:srgbClr val="FF0000"/>
-              </a:solidFill>
-            </a:endParaRPr>
+            <a:r>
+              <a:rPr lang="en-US" dirty="0" smtClean="0"/>
+              <a:t>Transmission network considered for the simulations</a:t>
+            </a:r>
+            <a:endParaRPr lang="en-US" dirty="0"/>
           </a:p>
         </p:txBody>
       </p:sp>
     </p:spTree>
-    <p:extLst>
-      <p:ext uri="{BB962C8B-B14F-4D97-AF65-F5344CB8AC3E}">
-        <p14:creationId xmlns:p14="http://schemas.microsoft.com/office/powerpoint/2010/main" xmlns="" val="1906710318"/>
-      </p:ext>
-    </p:extLst>
   </p:cSld>
   <p:clrMapOvr>
     <a:masterClrMapping/>
   </p:clrMapOvr>
+  <p:timing>
+    <p:tnLst>
+      <p:par>
+        <p:cTn id="1" dur="indefinite" restart="never" nodeType="tmRoot"/>
+      </p:par>
+    </p:tnLst>
+  </p:timing>
 </p:sld>
 </file>
 
@@ -8000,40 +8646,9 @@
           <a:lstStyle/>
           <a:p>
             <a:pPr algn="just">
-              <a:buFont typeface="Wingdings" panose="05000000000000000000" pitchFamily="2" charset="2"/>
-              <a:buChar char="Ø"/>
+              <a:buNone/>
             </a:pPr>
-            <a:r>
-              <a:rPr lang="en-US" dirty="0"/>
-              <a:t>The faults in the power system will play a major role in the system stability</a:t>
-            </a:r>
-          </a:p>
-          <a:p>
-            <a:pPr algn="just">
-              <a:buFont typeface="Wingdings" panose="05000000000000000000" pitchFamily="2" charset="2"/>
-              <a:buChar char="Ø"/>
-            </a:pPr>
-            <a:r>
-              <a:rPr lang="en-US" dirty="0"/>
-              <a:t>Fault classification is important for the operation of the healthy phases.</a:t>
-            </a:r>
-          </a:p>
-          <a:p>
-            <a:pPr algn="just">
-              <a:buFont typeface="Wingdings" panose="05000000000000000000" pitchFamily="2" charset="2"/>
-              <a:buChar char="Ø"/>
-            </a:pPr>
-            <a:r>
-              <a:rPr lang="en-US" dirty="0"/>
-              <a:t>Power system reliability gets improved.</a:t>
-            </a:r>
-          </a:p>
-          <a:p>
-            <a:pPr algn="just">
-              <a:buFont typeface="Wingdings" panose="05000000000000000000" pitchFamily="2" charset="2"/>
-              <a:buChar char="Ø"/>
-            </a:pPr>
-            <a:endParaRPr lang="en-US" dirty="0"/>
+            <a:endParaRPr lang="en-US" dirty="0" smtClean="0"/>
           </a:p>
         </p:txBody>
       </p:sp>
@@ -8090,7 +8705,7 @@
           <p:cNvPr id="6" name="TextBox 5">
             <a:extLst>
               <a:ext uri="{FF2B5EF4-FFF2-40B4-BE49-F238E27FC236}">
-                <a16:creationId xmlns:a16="http://schemas.microsoft.com/office/drawing/2014/main" xmlns="" id="{74347C76-4F23-44C2-8A76-7BCB3209A5F3}"/>
+                <a16:creationId xmlns="" xmlns:a16="http://schemas.microsoft.com/office/drawing/2014/main" id="{74347C76-4F23-44C2-8A76-7BCB3209A5F3}"/>
               </a:ext>
             </a:extLst>
           </p:cNvPr>
@@ -8115,26 +8730,46 @@
           <a:p>
             <a:pPr algn="ctr"/>
             <a:r>
-              <a:rPr lang="en-IN" sz="3200" b="1" u="sng">
+              <a:rPr lang="en-IN" sz="3200" b="1" u="sng" dirty="0" err="1" smtClean="0">
                 <a:solidFill>
                   <a:srgbClr val="FF0000"/>
                 </a:solidFill>
               </a:rPr>
-              <a:t>Applications</a:t>
-            </a:r>
+              <a:t>Simulationn</a:t>
+            </a:r>
+            <a:r>
+              <a:rPr lang="en-IN" sz="3200" b="1" u="sng" dirty="0" smtClean="0">
+                <a:solidFill>
+                  <a:srgbClr val="FF0000"/>
+                </a:solidFill>
+              </a:rPr>
+              <a:t> Results</a:t>
+            </a:r>
+            <a:endParaRPr lang="en-IN" sz="3200" b="1" u="sng" dirty="0">
+              <a:solidFill>
+                <a:srgbClr val="FF0000"/>
+              </a:solidFill>
+            </a:endParaRPr>
           </a:p>
         </p:txBody>
       </p:sp>
     </p:spTree>
     <p:extLst>
       <p:ext uri="{BB962C8B-B14F-4D97-AF65-F5344CB8AC3E}">
-        <p14:creationId xmlns:p14="http://schemas.microsoft.com/office/powerpoint/2010/main" xmlns="" val="1906710318"/>
+        <p14:creationId xmlns="" xmlns:p14="http://schemas.microsoft.com/office/powerpoint/2010/main" val="1906710318"/>
       </p:ext>
     </p:extLst>
   </p:cSld>
   <p:clrMapOvr>
     <a:masterClrMapping/>
   </p:clrMapOvr>
+  <p:timing>
+    <p:tnLst>
+      <p:par>
+        <p:cTn id="1" dur="indefinite" restart="never" nodeType="tmRoot"/>
+      </p:par>
+    </p:tnLst>
+  </p:timing>
 </p:sld>
 </file>
 
@@ -8393,7 +9028,7 @@
   <a:extraClrSchemeLst/>
   <a:extLst>
     <a:ext uri="{05A4C25C-085E-4340-85A3-A5531E510DB2}">
-      <thm15:themeFamily xmlns:thm15="http://schemas.microsoft.com/office/thememl/2012/main" xmlns="" name="Office Theme" id="{62F939B6-93AF-4DB8-9C6B-D6C7DFDC589F}" vid="{4A3C46E8-61CC-4603-A589-7422A47A8E4A}"/>
+      <thm15:themeFamily xmlns="" xmlns:thm15="http://schemas.microsoft.com/office/thememl/2012/main" name="Office Theme" id="{62F939B6-93AF-4DB8-9C6B-D6C7DFDC589F}" vid="{4A3C46E8-61CC-4603-A589-7422A47A8E4A}"/>
     </a:ext>
   </a:extLst>
 </a:theme>
@@ -8688,7 +9323,7 @@
   <a:extraClrSchemeLst/>
   <a:extLst>
     <a:ext uri="{05A4C25C-085E-4340-85A3-A5531E510DB2}">
-      <thm15:themeFamily xmlns:thm15="http://schemas.microsoft.com/office/thememl/2012/main" xmlns="" name="Office Theme" id="{62F939B6-93AF-4DB8-9C6B-D6C7DFDC589F}" vid="{4A3C46E8-61CC-4603-A589-7422A47A8E4A}"/>
+      <thm15:themeFamily xmlns="" xmlns:thm15="http://schemas.microsoft.com/office/thememl/2012/main" name="Office Theme" id="{62F939B6-93AF-4DB8-9C6B-D6C7DFDC589F}" vid="{4A3C46E8-61CC-4603-A589-7422A47A8E4A}"/>
     </a:ext>
   </a:extLst>
 </a:theme>

--- a/Reviews/second review/Second Oral Presentation.pptx
+++ b/Reviews/second review/Second Oral Presentation.pptx
@@ -124,7 +124,7 @@
   </p:defaultTextStyle>
   <p:extLst>
     <p:ext uri="{EFAFB233-063F-42B5-8137-9DF3F51BA10A}">
-      <p15:sldGuideLst xmlns:p15="http://schemas.microsoft.com/office/powerpoint/2012/main" xmlns="">
+      <p15:sldGuideLst xmlns="" xmlns:p15="http://schemas.microsoft.com/office/powerpoint/2012/main">
         <p15:guide id="1" orient="horz" pos="2160">
           <p15:clr>
             <a:srgbClr val="A4A3A4"/>
@@ -502,6 +502,7 @@
 
 <file path=ppt/charts/chart1.xml><?xml version="1.0" encoding="utf-8"?>
 <c:chartSpace xmlns:c="http://schemas.openxmlformats.org/drawingml/2006/chart" xmlns:a="http://schemas.openxmlformats.org/drawingml/2006/main" xmlns:r="http://schemas.openxmlformats.org/officeDocument/2006/relationships">
+  <c:date1904 val="1"/>
   <c:lang val="en-US"/>
   <c:chart>
     <c:autoTitleDeleted val="1"/>
@@ -511,10 +512,10 @@
           <c:layoutTarget val="inner"/>
           <c:xMode val="edge"/>
           <c:yMode val="edge"/>
-          <c:x val="7.857767655735215E-2"/>
-          <c:y val="7.7561350859308514E-2"/>
-          <c:w val="0.77576069155526661"/>
-          <c:h val="0.77896768529108085"/>
+          <c:x val="7.8577676557352163E-2"/>
+          <c:y val="7.7561350859308528E-2"/>
+          <c:w val="0.7757606915552665"/>
+          <c:h val="0.77896768529108074"/>
         </c:manualLayout>
       </c:layout>
       <c:lineChart>
@@ -543,7 +544,7 @@
                 <c:formatCode>General</c:formatCode>
                 <c:ptCount val="1000"/>
                 <c:pt idx="0">
-                  <c:v>0.85126488390561195</c:v>
+                  <c:v>0.85126488390561184</c:v>
                 </c:pt>
                 <c:pt idx="1">
                   <c:v>0.70837026080579168</c:v>
@@ -552,91 +553,91 @@
                   <c:v>0.55397248924844444</c:v>
                 </c:pt>
                 <c:pt idx="3">
-                  <c:v>0.42794427273715907</c:v>
+                  <c:v>0.42794427273715913</c:v>
                 </c:pt>
                 <c:pt idx="4">
-                  <c:v>0.37791477452099631</c:v>
+                  <c:v>0.37791477452099637</c:v>
                 </c:pt>
                 <c:pt idx="5">
-                  <c:v>0.32837227258917384</c:v>
+                  <c:v>0.32837227258917395</c:v>
                 </c:pt>
                 <c:pt idx="6">
-                  <c:v>0.27098211514017545</c:v>
+                  <c:v>0.27098211514017551</c:v>
                 </c:pt>
                 <c:pt idx="7">
                   <c:v>0.23892981568655966</c:v>
                 </c:pt>
                 <c:pt idx="8">
-                  <c:v>0.21106982454952286</c:v>
+                  <c:v>0.21106982454952289</c:v>
                 </c:pt>
                 <c:pt idx="9">
-                  <c:v>0.18167370523863627</c:v>
+                  <c:v>0.18167370523863624</c:v>
                 </c:pt>
                 <c:pt idx="10">
-                  <c:v>0.15941201532174404</c:v>
+                  <c:v>0.15941201532174407</c:v>
                 </c:pt>
                 <c:pt idx="11">
                   <c:v>0.14876075839356548</c:v>
                 </c:pt>
                 <c:pt idx="12">
-                  <c:v>0.13825543513910438</c:v>
+                  <c:v>0.13825543513910443</c:v>
                 </c:pt>
                 <c:pt idx="13">
                   <c:v>0.13036932905695858</c:v>
                 </c:pt>
                 <c:pt idx="14">
-                  <c:v>0.12223280852407344</c:v>
+                  <c:v>0.12223280852407345</c:v>
                 </c:pt>
                 <c:pt idx="15">
                   <c:v>0.11162976963983552</c:v>
                 </c:pt>
                 <c:pt idx="16">
-                  <c:v>0.10489119250466859</c:v>
+                  <c:v>0.10489119250466858</c:v>
                 </c:pt>
                 <c:pt idx="17">
-                  <c:v>9.7823664532513177E-2</c:v>
+                  <c:v>9.7823664532513191E-2</c:v>
                 </c:pt>
                 <c:pt idx="18">
-                  <c:v>8.8010372589639729E-2</c:v>
+                  <c:v>8.8010372589639785E-2</c:v>
                 </c:pt>
                 <c:pt idx="19">
-                  <c:v>7.56194085791356E-2</c:v>
+                  <c:v>7.5619408579135614E-2</c:v>
                 </c:pt>
                 <c:pt idx="20">
-                  <c:v>6.5588683078055002E-2</c:v>
+                  <c:v>6.5588683078055016E-2</c:v>
                 </c:pt>
                 <c:pt idx="21">
-                  <c:v>5.8529430644071338E-2</c:v>
+                  <c:v>5.8529430644071345E-2</c:v>
                 </c:pt>
                 <c:pt idx="22">
-                  <c:v>5.0479884024368961E-2</c:v>
+                  <c:v>5.0479884024368968E-2</c:v>
                 </c:pt>
                 <c:pt idx="23">
-                  <c:v>4.2218080528167487E-2</c:v>
+                  <c:v>4.2218080528167494E-2</c:v>
                 </c:pt>
                 <c:pt idx="24">
-                  <c:v>3.8488836772818745E-2</c:v>
+                  <c:v>3.8488836772818752E-2</c:v>
                 </c:pt>
                 <c:pt idx="25">
-                  <c:v>3.596855414711269E-2</c:v>
+                  <c:v>3.5968554147112683E-2</c:v>
                 </c:pt>
                 <c:pt idx="26">
-                  <c:v>3.3834036597886134E-2</c:v>
+                  <c:v>3.3834036597886141E-2</c:v>
                 </c:pt>
                 <c:pt idx="27">
-                  <c:v>3.1753511606045663E-2</c:v>
+                  <c:v>3.175351160604567E-2</c:v>
                 </c:pt>
                 <c:pt idx="28">
-                  <c:v>3.0000814872967213E-2</c:v>
+                  <c:v>3.000081487296722E-2</c:v>
                 </c:pt>
                 <c:pt idx="29">
-                  <c:v>2.8670397695409085E-2</c:v>
+                  <c:v>2.8670397695409095E-2</c:v>
                 </c:pt>
                 <c:pt idx="30">
                   <c:v>2.7566256953307371E-2</c:v>
                 </c:pt>
                 <c:pt idx="31">
-                  <c:v>2.6549291312429356E-2</c:v>
+                  <c:v>2.6549291312429363E-2</c:v>
                 </c:pt>
                 <c:pt idx="32">
                   <c:v>2.5598909931015556E-2</c:v>
@@ -645,25 +646,25 @@
                   <c:v>2.4727204954316694E-2</c:v>
                 </c:pt>
                 <c:pt idx="34">
-                  <c:v>2.3932179885985581E-2</c:v>
+                  <c:v>2.3932179885985585E-2</c:v>
                 </c:pt>
                 <c:pt idx="35">
-                  <c:v>2.320942618843105E-2</c:v>
+                  <c:v>2.3209426188431047E-2</c:v>
                 </c:pt>
                 <c:pt idx="36">
-                  <c:v>2.2557087485843785E-2</c:v>
+                  <c:v>2.2557087485843796E-2</c:v>
                 </c:pt>
                 <c:pt idx="37">
-                  <c:v>2.1964492301229713E-2</c:v>
+                  <c:v>2.1964492301229717E-2</c:v>
                 </c:pt>
                 <c:pt idx="38">
-                  <c:v>2.1416840328377634E-2</c:v>
+                  <c:v>2.1416840328377641E-2</c:v>
                 </c:pt>
                 <c:pt idx="39">
-                  <c:v>2.0906749542551398E-2</c:v>
+                  <c:v>2.0906749542551402E-2</c:v>
                 </c:pt>
                 <c:pt idx="40">
-                  <c:v>2.0433525581494093E-2</c:v>
+                  <c:v>2.0433525581494104E-2</c:v>
                 </c:pt>
                 <c:pt idx="41">
                   <c:v>1.9996163970452913E-2</c:v>
@@ -672,163 +673,163 @@
                   <c:v>1.9590634921688634E-2</c:v>
                 </c:pt>
                 <c:pt idx="43">
-                  <c:v>1.9211808330906709E-2</c:v>
+                  <c:v>1.9211808330906712E-2</c:v>
                 </c:pt>
                 <c:pt idx="44">
-                  <c:v>1.8855695519202485E-2</c:v>
+                  <c:v>1.8855695519202489E-2</c:v>
                 </c:pt>
                 <c:pt idx="45">
-                  <c:v>1.8519853748435375E-2</c:v>
+                  <c:v>1.8519853748435382E-2</c:v>
                 </c:pt>
                 <c:pt idx="46">
-                  <c:v>1.8202452298817184E-2</c:v>
+                  <c:v>1.8202452298817191E-2</c:v>
                 </c:pt>
                 <c:pt idx="47">
-                  <c:v>1.7901555393931061E-2</c:v>
+                  <c:v>1.7901555393931068E-2</c:v>
                 </c:pt>
                 <c:pt idx="48">
-                  <c:v>1.7615315018750393E-2</c:v>
+                  <c:v>1.76153150187504E-2</c:v>
                 </c:pt>
                 <c:pt idx="49">
-                  <c:v>1.7342240179727957E-2</c:v>
+                  <c:v>1.734224017972796E-2</c:v>
                 </c:pt>
                 <c:pt idx="50">
-                  <c:v>1.7081012580778033E-2</c:v>
+                  <c:v>1.7081012580778036E-2</c:v>
                 </c:pt>
                 <c:pt idx="51">
-                  <c:v>1.6830341239626206E-2</c:v>
+                  <c:v>1.683034123962621E-2</c:v>
                 </c:pt>
                 <c:pt idx="52">
-                  <c:v>1.6589103823080383E-2</c:v>
+                  <c:v>1.6589103823080386E-2</c:v>
                 </c:pt>
                 <c:pt idx="53">
                   <c:v>1.6356432157003071E-2</c:v>
                 </c:pt>
                 <c:pt idx="54">
-                  <c:v>1.6131605136544176E-2</c:v>
+                  <c:v>1.6131605136544179E-2</c:v>
                 </c:pt>
                 <c:pt idx="55">
                   <c:v>1.5913960147849373E-2</c:v>
                 </c:pt>
                 <c:pt idx="56">
-                  <c:v>1.5702909939066447E-2</c:v>
+                  <c:v>1.5702909939066451E-2</c:v>
                 </c:pt>
                 <c:pt idx="57">
-                  <c:v>1.5497962926028903E-2</c:v>
+                  <c:v>1.54979629260289E-2</c:v>
                 </c:pt>
                 <c:pt idx="58">
-                  <c:v>1.5298701650405056E-2</c:v>
+                  <c:v>1.5298701650405061E-2</c:v>
                 </c:pt>
                 <c:pt idx="59">
-                  <c:v>1.5104761151531384E-2</c:v>
+                  <c:v>1.5104761151531386E-2</c:v>
                 </c:pt>
                 <c:pt idx="60">
-                  <c:v>1.4915824819828489E-2</c:v>
+                  <c:v>1.4915824819828493E-2</c:v>
                 </c:pt>
                 <c:pt idx="61">
                   <c:v>1.4731620562954345E-2</c:v>
                 </c:pt>
                 <c:pt idx="62">
-                  <c:v>1.4551911789813929E-2</c:v>
+                  <c:v>1.455191178981393E-2</c:v>
                 </c:pt>
                 <c:pt idx="63">
                   <c:v>1.437649058413246E-2</c:v>
                 </c:pt>
                 <c:pt idx="64">
-                  <c:v>1.4205174388596654E-2</c:v>
+                  <c:v>1.4205174388596658E-2</c:v>
                 </c:pt>
                 <c:pt idx="65">
                   <c:v>1.4037802799622821E-2</c:v>
                 </c:pt>
                 <c:pt idx="66">
-                  <c:v>1.387423405725016E-2</c:v>
+                  <c:v>1.3874234057250162E-2</c:v>
                 </c:pt>
                 <c:pt idx="67">
                   <c:v>1.3714342459656777E-2</c:v>
                 </c:pt>
                 <c:pt idx="68">
-                  <c:v>1.3558016412609461E-2</c:v>
+                  <c:v>1.355801641260946E-2</c:v>
                 </c:pt>
                 <c:pt idx="69">
-                  <c:v>1.3405156251766037E-2</c:v>
+                  <c:v>1.3405156251766042E-2</c:v>
                 </c:pt>
                 <c:pt idx="70">
-                  <c:v>1.3255671857361493E-2</c:v>
+                  <c:v>1.3255671857361496E-2</c:v>
                 </c:pt>
                 <c:pt idx="71">
-                  <c:v>1.3109480497520863E-2</c:v>
+                  <c:v>1.3109480497520865E-2</c:v>
                 </c:pt>
                 <c:pt idx="72">
-                  <c:v>1.2966505028026027E-2</c:v>
+                  <c:v>1.2966505028026029E-2</c:v>
                 </c:pt>
                 <c:pt idx="73">
-                  <c:v>1.2826672358152678E-2</c:v>
+                  <c:v>1.2826672358152682E-2</c:v>
                 </c:pt>
                 <c:pt idx="74">
                   <c:v>1.2689912147085489E-2</c:v>
                 </c:pt>
                 <c:pt idx="75">
-                  <c:v>1.2556155751826359E-2</c:v>
+                  <c:v>1.2556155751826361E-2</c:v>
                 </c:pt>
                 <c:pt idx="76">
-                  <c:v>1.2425335424386058E-2</c:v>
+                  <c:v>1.2425335424386062E-2</c:v>
                 </c:pt>
                 <c:pt idx="77">
-                  <c:v>1.2297383729217161E-2</c:v>
+                  <c:v>1.2297383729217163E-2</c:v>
                 </c:pt>
                 <c:pt idx="78">
-                  <c:v>1.2172233147091682E-2</c:v>
+                  <c:v>1.217223314709168E-2</c:v>
                 </c:pt>
                 <c:pt idx="79">
-                  <c:v>1.2049815833477865E-2</c:v>
+                  <c:v>1.2049815833477867E-2</c:v>
                 </c:pt>
                 <c:pt idx="80">
                   <c:v>1.1930063503444222E-2</c:v>
                 </c:pt>
                 <c:pt idx="81">
-                  <c:v>1.1812907419825699E-2</c:v>
+                  <c:v>1.1812907419825703E-2</c:v>
                 </c:pt>
                 <c:pt idx="82">
-                  <c:v>1.1698278463005833E-2</c:v>
+                  <c:v>1.1698278463005836E-2</c:v>
                 </c:pt>
                 <c:pt idx="83">
-                  <c:v>1.1586107261421142E-2</c:v>
+                  <c:v>1.1586107261421145E-2</c:v>
                 </c:pt>
                 <c:pt idx="84">
-                  <c:v>1.1476324365331346E-2</c:v>
+                  <c:v>1.147632436533135E-2</c:v>
                 </c:pt>
                 <c:pt idx="85">
-                  <c:v>1.1368860450198437E-2</c:v>
+                  <c:v>1.1368860450198439E-2</c:v>
                 </c:pt>
                 <c:pt idx="86">
-                  <c:v>1.1263646537100018E-2</c:v>
+                  <c:v>1.1263646537100021E-2</c:v>
                 </c:pt>
                 <c:pt idx="87">
-                  <c:v>1.1160614217637137E-2</c:v>
+                  <c:v>1.1160614217637144E-2</c:v>
                 </c:pt>
                 <c:pt idx="88">
                   <c:v>1.10596958728653E-2</c:v>
                 </c:pt>
                 <c:pt idx="89">
-                  <c:v>1.0960824879702374E-2</c:v>
+                  <c:v>1.096082487970238E-2</c:v>
                 </c:pt>
                 <c:pt idx="90">
-                  <c:v>1.0863935802042922E-2</c:v>
+                  <c:v>1.0863935802042923E-2</c:v>
                 </c:pt>
                 <c:pt idx="91">
                   <c:v>1.07689645662767E-2</c:v>
                 </c:pt>
                 <c:pt idx="92">
-                  <c:v>1.0675848622169462E-2</c:v>
+                  <c:v>1.0675848622169463E-2</c:v>
                 </c:pt>
                 <c:pt idx="93">
-                  <c:v>1.0584527090278817E-2</c:v>
+                  <c:v>1.0584527090278821E-2</c:v>
                 </c:pt>
                 <c:pt idx="94">
                   <c:v>1.0494940896387703E-2</c:v>
                 </c:pt>
                 <c:pt idx="95">
-                  <c:v>1.0407032892332002E-2</c:v>
+                  <c:v>1.0407032892332004E-2</c:v>
                 </c:pt>
                 <c:pt idx="96">
                   <c:v>1.0320747961726917E-2</c:v>
@@ -837,355 +838,355 @@
                   <c:v>1.0236033108828424E-2</c:v>
                 </c:pt>
                 <c:pt idx="98">
-                  <c:v>1.015283752906718E-2</c:v>
+                  <c:v>1.0152837529067182E-2</c:v>
                 </c:pt>
                 <c:pt idx="99">
-                  <c:v>1.0071112660435031E-2</c:v>
+                  <c:v>1.0071112660435033E-2</c:v>
                 </c:pt>
                 <c:pt idx="100">
-                  <c:v>9.9908122156647013E-3</c:v>
+                  <c:v>9.9908122156647065E-3</c:v>
                 </c:pt>
                 <c:pt idx="101">
-                  <c:v>9.9118921957884031E-3</c:v>
+                  <c:v>9.9118921957884066E-3</c:v>
                 </c:pt>
                 <c:pt idx="102">
-                  <c:v>9.8343108860958154E-3</c:v>
+                  <c:v>9.8343108860958171E-3</c:v>
                 </c:pt>
                 <c:pt idx="103">
                   <c:v>9.758028835696736E-3</c:v>
                 </c:pt>
                 <c:pt idx="104">
-                  <c:v>9.6830088219239906E-3</c:v>
+                  <c:v>9.683008821923994E-3</c:v>
                 </c:pt>
                 <c:pt idx="105">
-                  <c:v>9.6092158007933959E-3</c:v>
+                  <c:v>9.6092158007933994E-3</c:v>
                 </c:pt>
                 <c:pt idx="106">
-                  <c:v>9.5366168447320945E-3</c:v>
+                  <c:v>9.5366168447320963E-3</c:v>
                 </c:pt>
                 <c:pt idx="107">
-                  <c:v>9.4651810688364622E-3</c:v>
+                  <c:v>9.4651810688364656E-3</c:v>
                 </c:pt>
                 <c:pt idx="108">
-                  <c:v>9.3948795469927914E-3</c:v>
+                  <c:v>9.3948795469927949E-3</c:v>
                 </c:pt>
                 <c:pt idx="109">
-                  <c:v>9.3256852192722707E-3</c:v>
+                  <c:v>9.3256852192722759E-3</c:v>
                 </c:pt>
                 <c:pt idx="110">
-                  <c:v>9.2575727920558744E-3</c:v>
+                  <c:v>9.2575727920558726E-3</c:v>
                 </c:pt>
                 <c:pt idx="111">
-                  <c:v>9.1905186323493499E-3</c:v>
+                  <c:v>9.1905186323493551E-3</c:v>
                 </c:pt>
                 <c:pt idx="112">
-                  <c:v>9.1245006577059598E-3</c:v>
+                  <c:v>9.1245006577059615E-3</c:v>
                 </c:pt>
                 <c:pt idx="113">
-                  <c:v>9.0594982231003256E-3</c:v>
+                  <c:v>9.059498223100329E-3</c:v>
                 </c:pt>
                 <c:pt idx="114">
-                  <c:v>8.9954920060145264E-3</c:v>
+                  <c:v>8.9954920060145282E-3</c:v>
                 </c:pt>
                 <c:pt idx="115">
-                  <c:v>8.9324638909080122E-3</c:v>
+                  <c:v>8.9324638909080156E-3</c:v>
                 </c:pt>
                 <c:pt idx="116">
-                  <c:v>8.8703968541649515E-3</c:v>
+                  <c:v>8.8703968541649567E-3</c:v>
                 </c:pt>
                 <c:pt idx="117">
-                  <c:v>8.8092748505379393E-3</c:v>
+                  <c:v>8.8092748505379428E-3</c:v>
                 </c:pt>
                 <c:pt idx="118">
                   <c:v>8.7490827020397007E-3</c:v>
                 </c:pt>
                 <c:pt idx="119">
-                  <c:v>8.6898059901606324E-3</c:v>
+                  <c:v>8.6898059901606341E-3</c:v>
                 </c:pt>
                 <c:pt idx="120">
-                  <c:v>8.6314309522164106E-3</c:v>
+                  <c:v>8.6314309522164123E-3</c:v>
                 </c:pt>
                 <c:pt idx="121">
-                  <c:v>8.573944382551598E-3</c:v>
+                  <c:v>8.5739443825515998E-3</c:v>
                 </c:pt>
                 <c:pt idx="122">
-                  <c:v>8.5173335392359599E-3</c:v>
+                  <c:v>8.5173335392359634E-3</c:v>
                 </c:pt>
                 <c:pt idx="123">
-                  <c:v>8.4615860568033972E-3</c:v>
+                  <c:v>8.4615860568034041E-3</c:v>
                 </c:pt>
                 <c:pt idx="124">
-                  <c:v>8.4066898654898484E-3</c:v>
+                  <c:v>8.4066898654898536E-3</c:v>
                 </c:pt>
                 <c:pt idx="125">
-                  <c:v>8.3526331173328673E-3</c:v>
+                  <c:v>8.3526331173328708E-3</c:v>
                 </c:pt>
                 <c:pt idx="126">
-                  <c:v>8.2994041194013428E-3</c:v>
+                  <c:v>8.2994041194013463E-3</c:v>
                 </c:pt>
                 <c:pt idx="127">
-                  <c:v>8.2469912743281179E-3</c:v>
+                  <c:v>8.2469912743281214E-3</c:v>
                 </c:pt>
                 <c:pt idx="128">
-                  <c:v>8.1953830282251398E-3</c:v>
+                  <c:v>8.1953830282251415E-3</c:v>
                 </c:pt>
                 <c:pt idx="129">
-                  <c:v>8.1445678259685853E-3</c:v>
+                  <c:v>8.1445678259685871E-3</c:v>
                 </c:pt>
                 <c:pt idx="130">
-                  <c:v>8.0945340737507837E-3</c:v>
+                  <c:v>8.0945340737507872E-3</c:v>
                 </c:pt>
                 <c:pt idx="131">
                   <c:v>8.0452701087132834E-3</c:v>
                 </c:pt>
                 <c:pt idx="132">
-                  <c:v>7.9967641753983954E-3</c:v>
+                  <c:v>7.9967641753983972E-3</c:v>
                 </c:pt>
                 <c:pt idx="133">
-                  <c:v>7.9490044086845194E-3</c:v>
+                  <c:v>7.9490044086845211E-3</c:v>
                 </c:pt>
                 <c:pt idx="134">
-                  <c:v>7.901978822812121E-3</c:v>
+                  <c:v>7.9019788228121245E-3</c:v>
                 </c:pt>
                 <c:pt idx="135">
-                  <c:v>7.8556753060574965E-3</c:v>
+                  <c:v>7.8556753060574983E-3</c:v>
                 </c:pt>
                 <c:pt idx="136">
                   <c:v>7.8100816205684464E-3</c:v>
                 </c:pt>
                 <c:pt idx="137">
-                  <c:v>7.7651854068492895E-3</c:v>
+                  <c:v>7.7651854068492903E-3</c:v>
                 </c:pt>
                 <c:pt idx="138">
-                  <c:v>7.7209741923614872E-3</c:v>
+                  <c:v>7.720974192361489E-3</c:v>
                 </c:pt>
                 <c:pt idx="139">
-                  <c:v>7.6774354036973592E-3</c:v>
+                  <c:v>7.6774354036973601E-3</c:v>
                 </c:pt>
                 <c:pt idx="140">
-                  <c:v>7.634556381783327E-3</c:v>
+                  <c:v>7.6345563817833296E-3</c:v>
                 </c:pt>
                 <c:pt idx="141">
-                  <c:v>7.5923243995785032E-3</c:v>
+                  <c:v>7.5923243995785041E-3</c:v>
                 </c:pt>
                 <c:pt idx="142">
-                  <c:v>7.5507266817491231E-3</c:v>
+                  <c:v>7.5507266817491257E-3</c:v>
                 </c:pt>
                 <c:pt idx="143">
-                  <c:v>7.5097504258247209E-3</c:v>
+                  <c:v>7.5097504258247244E-3</c:v>
                 </c:pt>
                 <c:pt idx="144">
-                  <c:v>7.4693828243661666E-3</c:v>
+                  <c:v>7.4693828243661692E-3</c:v>
                 </c:pt>
                 <c:pt idx="145">
-                  <c:v>7.4296110877152188E-3</c:v>
+                  <c:v>7.4296110877152205E-3</c:v>
                 </c:pt>
                 <c:pt idx="146">
-                  <c:v>7.3904224669255674E-3</c:v>
+                  <c:v>7.3904224669255683E-3</c:v>
                 </c:pt>
                 <c:pt idx="147">
-                  <c:v>7.3518042765206952E-3</c:v>
+                  <c:v>7.3518042765206961E-3</c:v>
                 </c:pt>
                 <c:pt idx="148">
-                  <c:v>7.3137439167609546E-3</c:v>
+                  <c:v>7.3137439167609564E-3</c:v>
                 </c:pt>
                 <c:pt idx="149">
-                  <c:v>7.2762288951471318E-3</c:v>
+                  <c:v>7.2762288951471353E-3</c:v>
                 </c:pt>
                 <c:pt idx="150">
-                  <c:v>7.2392468469271885E-3</c:v>
+                  <c:v>7.2392468469271911E-3</c:v>
                 </c:pt>
                 <c:pt idx="151">
-                  <c:v>7.2027855544152626E-3</c:v>
+                  <c:v>7.2027855544152634E-3</c:v>
                 </c:pt>
                 <c:pt idx="152">
-                  <c:v>7.166832964971984E-3</c:v>
+                  <c:v>7.1668329649719848E-3</c:v>
                 </c:pt>
                 <c:pt idx="153">
-                  <c:v>7.1313772075294289E-3</c:v>
+                  <c:v>7.1313772075294306E-3</c:v>
                 </c:pt>
                 <c:pt idx="154">
-                  <c:v>7.096406607582228E-3</c:v>
+                  <c:v>7.0964066075822297E-3</c:v>
                 </c:pt>
                 <c:pt idx="155">
-                  <c:v>7.061909700595225E-3</c:v>
+                  <c:v>7.0619097005952267E-3</c:v>
                 </c:pt>
                 <c:pt idx="156">
                   <c:v>7.0278752438089681E-3</c:v>
                 </c:pt>
                 <c:pt idx="157">
-                  <c:v>6.99429222644685E-3</c:v>
+                  <c:v>6.9942922264468509E-3</c:v>
                 </c:pt>
                 <c:pt idx="158">
-                  <c:v>6.9611498783517948E-3</c:v>
+                  <c:v>6.9611498783517965E-3</c:v>
                 </c:pt>
                 <c:pt idx="159">
-                  <c:v>6.9284376770970806E-3</c:v>
+                  <c:v>6.9284376770970815E-3</c:v>
                 </c:pt>
                 <c:pt idx="160">
-                  <c:v>6.896145353632888E-3</c:v>
+                  <c:v>6.8961453536328897E-3</c:v>
                 </c:pt>
                 <c:pt idx="161">
-                  <c:v>6.8642628965398357E-3</c:v>
+                  <c:v>6.8642628965398375E-3</c:v>
                 </c:pt>
                 <c:pt idx="162">
-                  <c:v>6.8327805549722037E-3</c:v>
+                  <c:v>6.8327805549722046E-3</c:v>
                 </c:pt>
                 <c:pt idx="163">
-                  <c:v>6.8016888403792395E-3</c:v>
+                  <c:v>6.8016888403792412E-3</c:v>
                 </c:pt>
                 <c:pt idx="164">
-                  <c:v>6.7709785270966731E-3</c:v>
+                  <c:v>6.770978527096674E-3</c:v>
                 </c:pt>
                 <c:pt idx="165">
-                  <c:v>6.7406406519043048E-3</c:v>
+                  <c:v>6.7406406519043083E-3</c:v>
                 </c:pt>
                 <c:pt idx="166">
-                  <c:v>6.7106665126441343E-3</c:v>
+                  <c:v>6.7106665126441378E-3</c:v>
                 </c:pt>
                 <c:pt idx="167">
-                  <c:v>6.6810476659941503E-3</c:v>
+                  <c:v>6.6810476659941529E-3</c:v>
                 </c:pt>
                 <c:pt idx="168">
-                  <c:v>6.6327798770875381E-3</c:v>
+                  <c:v>6.632779877087539E-3</c:v>
                 </c:pt>
                 <c:pt idx="169">
-                  <c:v>6.6080297435847767E-3</c:v>
+                  <c:v>6.6080297435847793E-3</c:v>
                 </c:pt>
                 <c:pt idx="170">
-                  <c:v>6.5839893957505193E-3</c:v>
+                  <c:v>6.5839893957505211E-3</c:v>
                 </c:pt>
                 <c:pt idx="171">
-                  <c:v>6.5589056956695388E-3</c:v>
+                  <c:v>6.5589056956695405E-3</c:v>
                 </c:pt>
                 <c:pt idx="172">
-                  <c:v>6.5331781583689852E-3</c:v>
+                  <c:v>6.5331781583689869E-3</c:v>
                 </c:pt>
                 <c:pt idx="173">
                   <c:v>6.5070865378571022E-3</c:v>
                 </c:pt>
                 <c:pt idx="174">
-                  <c:v>6.4808261350138207E-3</c:v>
+                  <c:v>6.4808261350138242E-3</c:v>
                 </c:pt>
                 <c:pt idx="175">
-                  <c:v>6.4545322833792756E-3</c:v>
+                  <c:v>6.4545322833792773E-3</c:v>
                 </c:pt>
                 <c:pt idx="176">
-                  <c:v>6.4282981184019565E-3</c:v>
+                  <c:v>6.4282981184019591E-3</c:v>
                 </c:pt>
                 <c:pt idx="177">
-                  <c:v>6.4021872792934297E-3</c:v>
+                  <c:v>6.4021872792934306E-3</c:v>
                 </c:pt>
                 <c:pt idx="178">
-                  <c:v>6.3762426637250557E-3</c:v>
+                  <c:v>6.3762426637250583E-3</c:v>
                 </c:pt>
                 <c:pt idx="179">
-                  <c:v>6.3504925362296146E-3</c:v>
+                  <c:v>6.3504925362296164E-3</c:v>
                 </c:pt>
                 <c:pt idx="180">
                   <c:v>6.3249549650316143E-3</c:v>
                 </c:pt>
                 <c:pt idx="181">
-                  <c:v>6.2996410227586456E-3</c:v>
+                  <c:v>6.2996410227586491E-3</c:v>
                 </c:pt>
                 <c:pt idx="182">
-                  <c:v>6.2745569903114862E-3</c:v>
+                  <c:v>6.274556990311487E-3</c:v>
                 </c:pt>
                 <c:pt idx="183">
-                  <c:v>6.2497058514984737E-3</c:v>
+                  <c:v>6.2497058514984745E-3</c:v>
                 </c:pt>
                 <c:pt idx="184">
-                  <c:v>6.225088342374124E-3</c:v>
+                  <c:v>6.2250883423741266E-3</c:v>
                 </c:pt>
                 <c:pt idx="185">
-                  <c:v>6.2007036985423751E-3</c:v>
+                  <c:v>6.2007036985423786E-3</c:v>
                 </c:pt>
                 <c:pt idx="186">
-                  <c:v>6.1765501657562007E-3</c:v>
+                  <c:v>6.1765501657562016E-3</c:v>
                 </c:pt>
                 <c:pt idx="187">
-                  <c:v>6.1526253354980383E-3</c:v>
+                  <c:v>6.1526253354980392E-3</c:v>
                 </c:pt>
                 <c:pt idx="188">
-                  <c:v>6.1289263706003948E-3</c:v>
+                  <c:v>6.1289263706003957E-3</c:v>
                 </c:pt>
                 <c:pt idx="189">
-                  <c:v>6.1054501639632415E-3</c:v>
+                  <c:v>6.1054501639632433E-3</c:v>
                 </c:pt>
                 <c:pt idx="190">
-                  <c:v>6.082193449490644E-3</c:v>
+                  <c:v>6.0821934494906466E-3</c:v>
                 </c:pt>
                 <c:pt idx="191">
-                  <c:v>6.0591528770208673E-3</c:v>
+                  <c:v>6.0591528770208682E-3</c:v>
                 </c:pt>
                 <c:pt idx="192">
-                  <c:v>6.0363250636024527E-3</c:v>
+                  <c:v>6.0363250636024544E-3</c:v>
                 </c:pt>
                 <c:pt idx="193">
-                  <c:v>6.013706630586535E-3</c:v>
+                  <c:v>6.0137066305865367E-3</c:v>
                 </c:pt>
                 <c:pt idx="194">
-                  <c:v>5.9912942308258449E-3</c:v>
+                  <c:v>5.9912942308258466E-3</c:v>
                 </c:pt>
                 <c:pt idx="195">
-                  <c:v>5.9690845677863114E-3</c:v>
+                  <c:v>5.9690845677863105E-3</c:v>
                 </c:pt>
                 <c:pt idx="196">
-                  <c:v>5.9470744084708432E-3</c:v>
+                  <c:v>5.9470744084708441E-3</c:v>
                 </c:pt>
                 <c:pt idx="197">
-                  <c:v>5.9252605919920438E-3</c:v>
+                  <c:v>5.9252605919920456E-3</c:v>
                 </c:pt>
                 <c:pt idx="198">
-                  <c:v>5.9036400347738764E-3</c:v>
+                  <c:v>5.9036400347738799E-3</c:v>
                 </c:pt>
                 <c:pt idx="199">
-                  <c:v>5.8822097327987264E-3</c:v>
+                  <c:v>5.8822097327987282E-3</c:v>
                 </c:pt>
                 <c:pt idx="200">
                   <c:v>5.860966761447442E-3</c:v>
                 </c:pt>
                 <c:pt idx="201">
-                  <c:v>5.8399082737271551E-3</c:v>
+                  <c:v>5.8399082737271568E-3</c:v>
                 </c:pt>
                 <c:pt idx="202">
-                  <c:v>5.8190314976215895E-3</c:v>
+                  <c:v>5.8190314976215912E-3</c:v>
                 </c:pt>
                 <c:pt idx="203">
-                  <c:v>5.7983337330725637E-3</c:v>
+                  <c:v>5.7983337330725663E-3</c:v>
                 </c:pt>
                 <c:pt idx="204">
-                  <c:v>5.7778123489296233E-3</c:v>
+                  <c:v>5.7778123489296241E-3</c:v>
                 </c:pt>
                 <c:pt idx="205">
-                  <c:v>5.7574647800994966E-3</c:v>
+                  <c:v>5.7574647800994984E-3</c:v>
                 </c:pt>
                 <c:pt idx="206">
-                  <c:v>5.7372885249971266E-3</c:v>
+                  <c:v>5.7372885249971292E-3</c:v>
                 </c:pt>
                 <c:pt idx="207">
-                  <c:v>5.7172811432778751E-3</c:v>
+                  <c:v>5.7172811432778768E-3</c:v>
                 </c:pt>
                 <c:pt idx="208">
                   <c:v>5.6974402537570516E-3</c:v>
                 </c:pt>
                 <c:pt idx="209">
-                  <c:v>5.6777635324232996E-3</c:v>
+                  <c:v>5.6777635324233014E-3</c:v>
                 </c:pt>
                 <c:pt idx="210">
-                  <c:v>5.6582487104764843E-3</c:v>
+                  <c:v>5.6582487104764852E-3</c:v>
                 </c:pt>
                 <c:pt idx="211">
-                  <c:v>5.6388935723578641E-3</c:v>
+                  <c:v>5.6388935723578658E-3</c:v>
                 </c:pt>
                 <c:pt idx="212">
-                  <c:v>5.6196959537663316E-3</c:v>
+                  <c:v>5.6196959537663333E-3</c:v>
                 </c:pt>
                 <c:pt idx="213">
-                  <c:v>5.6006537396799767E-3</c:v>
+                  <c:v>5.6006537396799784E-3</c:v>
                 </c:pt>
                 <c:pt idx="214">
-                  <c:v>5.5817648624166471E-3</c:v>
+                  <c:v>5.5817648624166489E-3</c:v>
                 </c:pt>
                 <c:pt idx="215">
                   <c:v>5.5630272997687132E-3</c:v>
@@ -1197,211 +1198,211 @@
                   <c:v>5.5259982463815105E-3</c:v>
                 </c:pt>
                 <c:pt idx="218">
-                  <c:v>5.507702923274134E-3</c:v>
+                  <c:v>5.5077029232741366E-3</c:v>
                 </c:pt>
                 <c:pt idx="219">
-                  <c:v>5.4895512470701955E-3</c:v>
+                  <c:v>5.4895512470701973E-3</c:v>
                 </c:pt>
                 <c:pt idx="220">
-                  <c:v>5.4715413986584074E-3</c:v>
+                  <c:v>5.4715413986584091E-3</c:v>
                 </c:pt>
                 <c:pt idx="221">
-                  <c:v>5.4536715953889701E-3</c:v>
+                  <c:v>5.4536715953889718E-3</c:v>
                 </c:pt>
                 <c:pt idx="222">
-                  <c:v>5.435940089859868E-3</c:v>
+                  <c:v>5.4359400898598706E-3</c:v>
                 </c:pt>
                 <c:pt idx="223">
-                  <c:v>5.4183451687539082E-3</c:v>
+                  <c:v>5.418345168753909E-3</c:v>
                 </c:pt>
                 <c:pt idx="224">
-                  <c:v>5.4008851517188426E-3</c:v>
+                  <c:v>5.4008851517188435E-3</c:v>
                 </c:pt>
                 <c:pt idx="225">
-                  <c:v>5.3835583902905075E-3</c:v>
+                  <c:v>5.3835583902905092E-3</c:v>
                 </c:pt>
                 <c:pt idx="226">
-                  <c:v>5.3663632668568689E-3</c:v>
+                  <c:v>5.3663632668568698E-3</c:v>
                 </c:pt>
                 <c:pt idx="227">
-                  <c:v>5.3492981936646916E-3</c:v>
+                  <c:v>5.3492981936646951E-3</c:v>
                 </c:pt>
                 <c:pt idx="228">
-                  <c:v>5.3323616118679104E-3</c:v>
+                  <c:v>5.3323616118679112E-3</c:v>
                 </c:pt>
                 <c:pt idx="229">
                   <c:v>5.3155519906167483E-3</c:v>
                 </c:pt>
                 <c:pt idx="230">
-                  <c:v>5.2988678261858043E-3</c:v>
+                  <c:v>5.2988678261858052E-3</c:v>
                 </c:pt>
                 <c:pt idx="231">
-                  <c:v>5.282307641137348E-3</c:v>
+                  <c:v>5.2823076411373489E-3</c:v>
                 </c:pt>
                 <c:pt idx="232">
-                  <c:v>5.2658699835179774E-3</c:v>
+                  <c:v>5.2658699835179791E-3</c:v>
                 </c:pt>
                 <c:pt idx="233">
-                  <c:v>5.249553426085074E-3</c:v>
+                  <c:v>5.2495534260850758E-3</c:v>
                 </c:pt>
                 <c:pt idx="234">
-                  <c:v>5.2333565655615557E-3</c:v>
+                  <c:v>5.2333565655615574E-3</c:v>
                 </c:pt>
                 <c:pt idx="235">
-                  <c:v>5.2172780219165342E-3</c:v>
+                  <c:v>5.217278021916536E-3</c:v>
                 </c:pt>
                 <c:pt idx="236">
-                  <c:v>5.201316437670531E-3</c:v>
+                  <c:v>5.2013164376705327E-3</c:v>
                 </c:pt>
                 <c:pt idx="237">
-                  <c:v>5.1854704772236046E-3</c:v>
+                  <c:v>5.1854704772236063E-3</c:v>
                 </c:pt>
                 <c:pt idx="238">
-                  <c:v>5.1697388262062337E-3</c:v>
+                  <c:v>5.1697388262062329E-3</c:v>
                 </c:pt>
                 <c:pt idx="239">
-                  <c:v>5.154120190850227E-3</c:v>
+                  <c:v>5.1541201908502279E-3</c:v>
                 </c:pt>
                 <c:pt idx="240">
-                  <c:v>5.1386132973798562E-3</c:v>
+                  <c:v>5.1386132973798571E-3</c:v>
                 </c:pt>
                 <c:pt idx="241">
-                  <c:v>5.1232168914217497E-3</c:v>
+                  <c:v>5.1232168914217505E-3</c:v>
                 </c:pt>
                 <c:pt idx="242">
-                  <c:v>5.1079297374332852E-3</c:v>
+                  <c:v>5.1079297374332861E-3</c:v>
                 </c:pt>
                 <c:pt idx="243">
                   <c:v>5.0927506181486564E-3</c:v>
                 </c:pt>
                 <c:pt idx="244">
-                  <c:v>5.0776783340429066E-3</c:v>
+                  <c:v>5.0776783340429092E-3</c:v>
                 </c:pt>
                 <c:pt idx="245">
-                  <c:v>5.0627117028135557E-3</c:v>
+                  <c:v>5.0627117028135575E-3</c:v>
                 </c:pt>
                 <c:pt idx="246">
-                  <c:v>5.0478495588793674E-3</c:v>
+                  <c:v>5.0478495588793682E-3</c:v>
                 </c:pt>
                 <c:pt idx="247">
-                  <c:v>5.0330907528974836E-3</c:v>
+                  <c:v>5.0330907528974844E-3</c:v>
                 </c:pt>
                 <c:pt idx="248">
-                  <c:v>5.0184341512967247E-3</c:v>
+                  <c:v>5.0184341512967256E-3</c:v>
                 </c:pt>
                 <c:pt idx="249">
-                  <c:v>5.0038786358292979E-3</c:v>
+                  <c:v>5.0038786358292987E-3</c:v>
                 </c:pt>
                 <c:pt idx="250">
-                  <c:v>4.989423103139161E-3</c:v>
+                  <c:v>4.9894231031391645E-3</c:v>
                 </c:pt>
                 <c:pt idx="251">
-                  <c:v>4.9750664643474106E-3</c:v>
+                  <c:v>4.9750664643474123E-3</c:v>
                 </c:pt>
                 <c:pt idx="252">
-                  <c:v>4.9608076446548029E-3</c:v>
+                  <c:v>4.9608076446548046E-3</c:v>
                 </c:pt>
                 <c:pt idx="253">
-                  <c:v>4.9466455829616802E-3</c:v>
+                  <c:v>4.9466455829616828E-3</c:v>
                 </c:pt>
                 <c:pt idx="254">
-                  <c:v>4.9325792315044166E-3</c:v>
+                  <c:v>4.9325792315044184E-3</c:v>
                 </c:pt>
                 <c:pt idx="255">
-                  <c:v>4.9186075555091406E-3</c:v>
+                  <c:v>4.9186075555091423E-3</c:v>
                 </c:pt>
                 <c:pt idx="256">
-                  <c:v>4.9047295328624296E-3</c:v>
+                  <c:v>4.9047295328624313E-3</c:v>
                 </c:pt>
                 <c:pt idx="257">
-                  <c:v>4.8909441537990407E-3</c:v>
+                  <c:v>4.8909441537990416E-3</c:v>
                 </c:pt>
                 <c:pt idx="258">
-                  <c:v>4.8772504206063471E-3</c:v>
+                  <c:v>4.877250420606348E-3</c:v>
                 </c:pt>
                 <c:pt idx="259">
-                  <c:v>4.8636473473456891E-3</c:v>
+                  <c:v>4.86364734734569E-3</c:v>
                 </c:pt>
                 <c:pt idx="260">
                   <c:v>4.8501339595897353E-3</c:v>
                 </c:pt>
                 <c:pt idx="261">
-                  <c:v>4.8367092941767748E-3</c:v>
+                  <c:v>4.8367092941767774E-3</c:v>
                 </c:pt>
                 <c:pt idx="262">
-                  <c:v>4.8233723989804002E-3</c:v>
+                  <c:v>4.8233723989804011E-3</c:v>
                 </c:pt>
                 <c:pt idx="263">
-                  <c:v>4.8101223326950668E-3</c:v>
+                  <c:v>4.8101223326950677E-3</c:v>
                 </c:pt>
                 <c:pt idx="264">
-                  <c:v>4.7969581646367049E-3</c:v>
+                  <c:v>4.7969581646367066E-3</c:v>
                 </c:pt>
                 <c:pt idx="265">
-                  <c:v>4.7838789745583065E-3</c:v>
+                  <c:v>4.7838789745583083E-3</c:v>
                 </c:pt>
                 <c:pt idx="266">
-                  <c:v>4.7708838524796607E-3</c:v>
+                  <c:v>4.7708838524796625E-3</c:v>
                 </c:pt>
                 <c:pt idx="267">
                   <c:v>4.7579718985309091E-3</c:v>
                 </c:pt>
                 <c:pt idx="268">
-                  <c:v>4.7451422228093785E-3</c:v>
+                  <c:v>4.7451422228093803E-3</c:v>
                 </c:pt>
                 <c:pt idx="269">
-                  <c:v>4.732393945248845E-3</c:v>
+                  <c:v>4.7323939452488476E-3</c:v>
                 </c:pt>
                 <c:pt idx="270">
-                  <c:v>4.7197261955008018E-3</c:v>
+                  <c:v>4.7197261955008044E-3</c:v>
                 </c:pt>
                 <c:pt idx="271">
-                  <c:v>4.7071381128274857E-3</c:v>
+                  <c:v>4.7071381128274865E-3</c:v>
                 </c:pt>
                 <c:pt idx="272">
                   <c:v>4.6946288460045435E-3</c:v>
                 </c:pt>
                 <c:pt idx="273">
-                  <c:v>4.6821975532346672E-3</c:v>
+                  <c:v>4.6821975532346681E-3</c:v>
                 </c:pt>
                 <c:pt idx="274">
-                  <c:v>4.6698434020695841E-3</c:v>
+                  <c:v>4.6698434020695859E-3</c:v>
                 </c:pt>
                 <c:pt idx="275">
-                  <c:v>4.6575655693410134E-3</c:v>
+                  <c:v>4.6575655693410116E-3</c:v>
                 </c:pt>
                 <c:pt idx="276">
-                  <c:v>4.6453632410990093E-3</c:v>
+                  <c:v>4.6453632410990101E-3</c:v>
                 </c:pt>
                 <c:pt idx="277">
-                  <c:v>4.6332356125574738E-3</c:v>
+                  <c:v>4.6332356125574747E-3</c:v>
                 </c:pt>
                 <c:pt idx="278">
                   <c:v>4.6211818880455965E-3</c:v>
                 </c:pt>
                 <c:pt idx="279">
-                  <c:v>4.6092012809653068E-3</c:v>
+                  <c:v>4.6092012809653086E-3</c:v>
                 </c:pt>
                 <c:pt idx="280">
-                  <c:v>4.5972930137529993E-3</c:v>
+                  <c:v>4.5972930137530002E-3</c:v>
                 </c:pt>
                 <c:pt idx="281">
                   <c:v>4.585456317845414E-3</c:v>
                 </c:pt>
                 <c:pt idx="282">
-                  <c:v>4.5736904336493318E-3</c:v>
+                  <c:v>4.5736904336493344E-3</c:v>
                 </c:pt>
                 <c:pt idx="283">
-                  <c:v>4.5619946105133671E-3</c:v>
+                  <c:v>4.5619946105133688E-3</c:v>
                 </c:pt>
                 <c:pt idx="284">
-                  <c:v>4.5503681067026527E-3</c:v>
+                  <c:v>4.5503681067026545E-3</c:v>
                 </c:pt>
                 <c:pt idx="285">
-                  <c:v>4.538810189374117E-3</c:v>
+                  <c:v>4.5388101893741187E-3</c:v>
                 </c:pt>
                 <c:pt idx="286">
-                  <c:v>4.5273201345537271E-3</c:v>
+                  <c:v>4.5273201345537289E-3</c:v>
                 </c:pt>
                 <c:pt idx="287">
                   <c:v>4.5158972271133104E-3</c:v>
@@ -1410,55 +1411,55 @@
                   <c:v>4.5045407607478809E-3</c:v>
                 </c:pt>
                 <c:pt idx="289">
-                  <c:v>4.4932500379520103E-3</c:v>
+                  <c:v>4.4932500379520112E-3</c:v>
                 </c:pt>
                 <c:pt idx="290">
                   <c:v>4.4820243699956437E-3</c:v>
                 </c:pt>
                 <c:pt idx="291">
-                  <c:v>4.4708630768982034E-3</c:v>
+                  <c:v>4.4708630768982042E-3</c:v>
                 </c:pt>
                 <c:pt idx="292">
-                  <c:v>4.4597654874014118E-3</c:v>
+                  <c:v>4.4597654874014136E-3</c:v>
                 </c:pt>
                 <c:pt idx="293">
-                  <c:v>4.4487309389396896E-3</c:v>
+                  <c:v>4.4487309389396913E-3</c:v>
                 </c:pt>
                 <c:pt idx="294">
                   <c:v>4.4377587776085184E-3</c:v>
                 </c:pt>
                 <c:pt idx="295">
-                  <c:v>4.4268483581305024E-3</c:v>
+                  <c:v>4.4268483581305033E-3</c:v>
                 </c:pt>
                 <c:pt idx="296">
                   <c:v>4.4159990438182584E-3</c:v>
                 </c:pt>
                 <c:pt idx="297">
-                  <c:v>4.4052102065347907E-3</c:v>
+                  <c:v>4.4052102065347916E-3</c:v>
                 </c:pt>
                 <c:pt idx="298">
-                  <c:v>4.3944812266509632E-3</c:v>
+                  <c:v>4.3944812266509623E-3</c:v>
                 </c:pt>
                 <c:pt idx="299">
-                  <c:v>4.383811492999155E-3</c:v>
+                  <c:v>4.3838114929991567E-3</c:v>
                 </c:pt>
                 <c:pt idx="300">
-                  <c:v>4.3732004028250934E-3</c:v>
+                  <c:v>4.3732004028250943E-3</c:v>
                 </c:pt>
                 <c:pt idx="301">
-                  <c:v>4.3626473617348442E-3</c:v>
+                  <c:v>4.3626473617348459E-3</c:v>
                 </c:pt>
                 <c:pt idx="302">
-                  <c:v>4.3521517836399987E-3</c:v>
+                  <c:v>4.3521517836399995E-3</c:v>
                 </c:pt>
                 <c:pt idx="303">
-                  <c:v>4.3417130906985854E-3</c:v>
+                  <c:v>4.3417130906985872E-3</c:v>
                 </c:pt>
                 <c:pt idx="304">
-                  <c:v>4.3313307132535799E-3</c:v>
+                  <c:v>4.3313307132535816E-3</c:v>
                 </c:pt>
                 <c:pt idx="305">
-                  <c:v>4.3210040897678059E-3</c:v>
+                  <c:v>4.3210040897678067E-3</c:v>
                 </c:pt>
                 <c:pt idx="306">
                   <c:v>4.3107326667557629E-3</c:v>
@@ -1467,448 +1468,448 @@
                   <c:v>4.3005158987127852E-3</c:v>
                 </c:pt>
                 <c:pt idx="308">
-                  <c:v>4.2903532480411243E-3</c:v>
+                  <c:v>4.2903532480411261E-3</c:v>
                 </c:pt>
                 <c:pt idx="309">
-                  <c:v>4.2802441849731435E-3</c:v>
+                  <c:v>4.2802441849731469E-3</c:v>
                 </c:pt>
                 <c:pt idx="310">
-                  <c:v>4.2701881874920126E-3</c:v>
+                  <c:v>4.2701881874920144E-3</c:v>
                 </c:pt>
                 <c:pt idx="311">
                   <c:v>4.2601847412499861E-3</c:v>
                 </c:pt>
                 <c:pt idx="312">
-                  <c:v>4.250233339484084E-3</c:v>
+                  <c:v>4.2502333394840858E-3</c:v>
                 </c:pt>
                 <c:pt idx="313">
-                  <c:v>4.2403334829297324E-3</c:v>
+                  <c:v>4.2403334829297342E-3</c:v>
                 </c:pt>
                 <c:pt idx="314">
                   <c:v>4.2304846797323178E-3</c:v>
                 </c:pt>
                 <c:pt idx="315">
-                  <c:v>4.2206864453565238E-3</c:v>
+                  <c:v>4.2206864453565246E-3</c:v>
                 </c:pt>
                 <c:pt idx="316">
-                  <c:v>4.2109383024946032E-3</c:v>
+                  <c:v>4.210938302494604E-3</c:v>
                 </c:pt>
                 <c:pt idx="317">
-                  <c:v>4.2012397809723543E-3</c:v>
+                  <c:v>4.2012397809723569E-3</c:v>
                 </c:pt>
                 <c:pt idx="318">
-                  <c:v>4.1915904176540175E-3</c:v>
+                  <c:v>4.1915904176540184E-3</c:v>
                 </c:pt>
                 <c:pt idx="319">
-                  <c:v>4.1819897563460046E-3</c:v>
+                  <c:v>4.1819897563460055E-3</c:v>
                 </c:pt>
                 <c:pt idx="320">
-                  <c:v>4.1724373476991379E-3</c:v>
+                  <c:v>4.1724373476991388E-3</c:v>
                 </c:pt>
                 <c:pt idx="321">
-                  <c:v>4.1629327491103114E-3</c:v>
+                  <c:v>4.1629327491103105E-3</c:v>
                 </c:pt>
                 <c:pt idx="322">
-                  <c:v>4.1534755246232548E-3</c:v>
+                  <c:v>4.1534755246232557E-3</c:v>
                 </c:pt>
                 <c:pt idx="323">
                   <c:v>4.1440652448286996E-3</c:v>
                 </c:pt>
                 <c:pt idx="324">
-                  <c:v>4.1347014867635897E-3</c:v>
+                  <c:v>4.1347014867635914E-3</c:v>
                 </c:pt>
                 <c:pt idx="325">
                   <c:v>4.1253838338107208E-3</c:v>
                 </c:pt>
                 <c:pt idx="326">
-                  <c:v>4.1161118755975645E-3</c:v>
+                  <c:v>4.1161118755975654E-3</c:v>
                 </c:pt>
                 <c:pt idx="327">
-                  <c:v>4.106885207895229E-3</c:v>
+                  <c:v>4.1068852078952282E-3</c:v>
                 </c:pt>
                 <c:pt idx="328">
-                  <c:v>4.0977034325172541E-3</c:v>
+                  <c:v>4.0977034325172549E-3</c:v>
                 </c:pt>
                 <c:pt idx="329">
-                  <c:v>4.0885661572189575E-3</c:v>
+                  <c:v>4.0885661572189584E-3</c:v>
                 </c:pt>
                 <c:pt idx="330">
-                  <c:v>4.0794729955966093E-3</c:v>
+                  <c:v>4.079472995596611E-3</c:v>
                 </c:pt>
                 <c:pt idx="331">
-                  <c:v>4.0704235669870381E-3</c:v>
+                  <c:v>4.070423566987039E-3</c:v>
                 </c:pt>
                 <c:pt idx="332">
-                  <c:v>4.0614174963680702E-3</c:v>
+                  <c:v>4.0614174963680711E-3</c:v>
                 </c:pt>
                 <c:pt idx="333">
-                  <c:v>4.0524544142591483E-3</c:v>
+                  <c:v>4.0524544142591492E-3</c:v>
                 </c:pt>
                 <c:pt idx="334">
-                  <c:v>4.0435339566228645E-3</c:v>
+                  <c:v>4.0435339566228662E-3</c:v>
                 </c:pt>
                 <c:pt idx="335">
-                  <c:v>4.0346557647667237E-3</c:v>
+                  <c:v>4.0346557647667246E-3</c:v>
                 </c:pt>
                 <c:pt idx="336">
-                  <c:v>4.0258194852466804E-3</c:v>
+                  <c:v>4.0258194852466813E-3</c:v>
                 </c:pt>
                 <c:pt idx="337">
                   <c:v>4.0170247697704203E-3</c:v>
                 </c:pt>
                 <c:pt idx="338">
-                  <c:v>4.0082712751024208E-3</c:v>
+                  <c:v>4.0082712751024225E-3</c:v>
                 </c:pt>
                 <c:pt idx="339">
-                  <c:v>3.9995586629697861E-3</c:v>
+                  <c:v>3.999558662969787E-3</c:v>
                 </c:pt>
                 <c:pt idx="340">
-                  <c:v>3.9908865999688107E-3</c:v>
+                  <c:v>3.9908865999688115E-3</c:v>
                 </c:pt>
                 <c:pt idx="341">
-                  <c:v>3.9822547574733264E-3</c:v>
+                  <c:v>3.9822547574733282E-3</c:v>
                 </c:pt>
                 <c:pt idx="342">
-                  <c:v>3.9736628115434585E-3</c:v>
+                  <c:v>3.9736628115434594E-3</c:v>
                 </c:pt>
                 <c:pt idx="343">
-                  <c:v>3.9651104428361852E-3</c:v>
+                  <c:v>3.9651104428361861E-3</c:v>
                 </c:pt>
                 <c:pt idx="344">
-                  <c:v>3.9565973365167824E-3</c:v>
+                  <c:v>3.9565973365167833E-3</c:v>
                 </c:pt>
                 <c:pt idx="345">
-                  <c:v>3.9481231821715994E-3</c:v>
+                  <c:v>3.9481231821716012E-3</c:v>
                 </c:pt>
                 <c:pt idx="346">
-                  <c:v>3.939687673722196E-3</c:v>
+                  <c:v>3.9396876737221968E-3</c:v>
                 </c:pt>
                 <c:pt idx="347">
-                  <c:v>3.9312905093407758E-3</c:v>
+                  <c:v>3.9312905093407766E-3</c:v>
                 </c:pt>
                 <c:pt idx="348">
-                  <c:v>3.9229313913668566E-3</c:v>
+                  <c:v>3.9229313913668575E-3</c:v>
                 </c:pt>
                 <c:pt idx="349">
-                  <c:v>3.9146100262253637E-3</c:v>
+                  <c:v>3.9146100262253646E-3</c:v>
                 </c:pt>
                 <c:pt idx="350">
-                  <c:v>3.906326124346193E-3</c:v>
+                  <c:v>3.9063261243461938E-3</c:v>
                 </c:pt>
                 <c:pt idx="351">
-                  <c:v>3.8980794000847028E-3</c:v>
+                  <c:v>3.8980794000847033E-3</c:v>
                 </c:pt>
                 <c:pt idx="352">
-                  <c:v>3.8898695716443835E-3</c:v>
+                  <c:v>3.8898695716443844E-3</c:v>
                 </c:pt>
                 <c:pt idx="353">
-                  <c:v>3.8816963609999938E-3</c:v>
+                  <c:v>3.8816963609999951E-3</c:v>
                 </c:pt>
                 <c:pt idx="354">
-                  <c:v>3.8735594938227444E-3</c:v>
+                  <c:v>3.8735594938227448E-3</c:v>
                 </c:pt>
                 <c:pt idx="355">
                   <c:v>3.8654586994065218E-3</c:v>
                 </c:pt>
                 <c:pt idx="356">
-                  <c:v>3.8573937105956767E-3</c:v>
+                  <c:v>3.8573937105956784E-3</c:v>
                 </c:pt>
                 <c:pt idx="357">
-                  <c:v>3.8493642637141066E-3</c:v>
+                  <c:v>3.8493642637141075E-3</c:v>
                 </c:pt>
                 <c:pt idx="358">
-                  <c:v>3.8413700984955453E-3</c:v>
+                  <c:v>3.8413700984955466E-3</c:v>
                 </c:pt>
                 <c:pt idx="359">
-                  <c:v>3.833410958015713E-3</c:v>
+                  <c:v>3.8334109580157143E-3</c:v>
                 </c:pt>
                 <c:pt idx="360">
-                  <c:v>3.8254865886250744E-3</c:v>
+                  <c:v>3.8254865886250757E-3</c:v>
                 </c:pt>
                 <c:pt idx="361">
-                  <c:v>3.8175967398836694E-3</c:v>
+                  <c:v>3.8175967398836699E-3</c:v>
                 </c:pt>
                 <c:pt idx="362">
-                  <c:v>3.8097411644966933E-3</c:v>
+                  <c:v>3.8097411644966942E-3</c:v>
                 </c:pt>
                 <c:pt idx="363">
-                  <c:v>3.8019196182518364E-3</c:v>
+                  <c:v>3.8019196182518377E-3</c:v>
                 </c:pt>
                 <c:pt idx="364">
-                  <c:v>3.7941318599576403E-3</c:v>
+                  <c:v>3.7941318599576421E-3</c:v>
                 </c:pt>
                 <c:pt idx="365">
-                  <c:v>3.7863776513830812E-3</c:v>
+                  <c:v>3.7863776513830821E-3</c:v>
                 </c:pt>
                 <c:pt idx="366">
-                  <c:v>3.7786567571988791E-3</c:v>
+                  <c:v>3.77865675719888E-3</c:v>
                 </c:pt>
                 <c:pt idx="367">
-                  <c:v>3.7709689449193693E-3</c:v>
+                  <c:v>3.7709689449193702E-3</c:v>
                 </c:pt>
                 <c:pt idx="368">
-                  <c:v>3.7633139848463836E-3</c:v>
+                  <c:v>3.7633139848463849E-3</c:v>
                 </c:pt>
                 <c:pt idx="369">
-                  <c:v>3.7556916500134552E-3</c:v>
+                  <c:v>3.7556916500134561E-3</c:v>
                 </c:pt>
                 <c:pt idx="370">
-                  <c:v>3.7481017161321629E-3</c:v>
+                  <c:v>3.7481017161321646E-3</c:v>
                 </c:pt>
                 <c:pt idx="371">
-                  <c:v>3.7405439615389E-3</c:v>
+                  <c:v>3.7405439615389013E-3</c:v>
                 </c:pt>
                 <c:pt idx="372">
-                  <c:v>3.7330181671432318E-3</c:v>
+                  <c:v>3.7330181671432327E-3</c:v>
                 </c:pt>
                 <c:pt idx="373">
-                  <c:v>3.7255241163772811E-3</c:v>
+                  <c:v>3.725524116377282E-3</c:v>
                 </c:pt>
                 <c:pt idx="374">
-                  <c:v>3.7180615951460873E-3</c:v>
+                  <c:v>3.7180615951460886E-3</c:v>
                 </c:pt>
                 <c:pt idx="375">
-                  <c:v>3.7106303917792908E-3</c:v>
+                  <c:v>3.7106303917792917E-3</c:v>
                 </c:pt>
                 <c:pt idx="376">
-                  <c:v>3.7032302969838607E-3</c:v>
+                  <c:v>3.703230296983862E-3</c:v>
                 </c:pt>
                 <c:pt idx="377">
-                  <c:v>3.6958611037976041E-3</c:v>
+                  <c:v>3.6958611037976046E-3</c:v>
                 </c:pt>
                 <c:pt idx="378">
-                  <c:v>3.6885226075442281E-3</c:v>
+                  <c:v>3.688522607544229E-3</c:v>
                 </c:pt>
                 <c:pt idx="379">
-                  <c:v>3.6812146057889493E-3</c:v>
+                  <c:v>3.6812146057889502E-3</c:v>
                 </c:pt>
                 <c:pt idx="380">
-                  <c:v>3.673936898295334E-3</c:v>
+                  <c:v>3.6739368982953357E-3</c:v>
                 </c:pt>
                 <c:pt idx="381">
-                  <c:v>3.666689286983129E-3</c:v>
+                  <c:v>3.6666892869831294E-3</c:v>
                 </c:pt>
                 <c:pt idx="382">
-                  <c:v>3.6594715758869393E-3</c:v>
+                  <c:v>3.6594715758869406E-3</c:v>
                 </c:pt>
                 <c:pt idx="383">
-                  <c:v>3.6522835711159988E-3</c:v>
+                  <c:v>3.6522835711160001E-3</c:v>
                 </c:pt>
                 <c:pt idx="384">
-                  <c:v>3.6451250808146683E-3</c:v>
+                  <c:v>3.6451250808146691E-3</c:v>
                 </c:pt>
                 <c:pt idx="385">
-                  <c:v>3.6379959151241308E-3</c:v>
+                  <c:v>3.6379959151241316E-3</c:v>
                 </c:pt>
                 <c:pt idx="386">
-                  <c:v>3.6308958861446445E-3</c:v>
+                  <c:v>3.6308958861446449E-3</c:v>
                 </c:pt>
                 <c:pt idx="387">
-                  <c:v>3.6238248078989265E-3</c:v>
+                  <c:v>3.6238248078989282E-3</c:v>
                 </c:pt>
                 <c:pt idx="388">
-                  <c:v>3.6167824962962708E-3</c:v>
+                  <c:v>3.6167824962962713E-3</c:v>
                 </c:pt>
                 <c:pt idx="389">
-                  <c:v>3.6097687690974474E-3</c:v>
+                  <c:v>3.6097687690974487E-3</c:v>
                 </c:pt>
                 <c:pt idx="390">
-                  <c:v>3.6027834458805439E-3</c:v>
+                  <c:v>3.6027834458805448E-3</c:v>
                 </c:pt>
                 <c:pt idx="391">
-                  <c:v>3.5958263480075753E-3</c:v>
+                  <c:v>3.5958263480075766E-3</c:v>
                 </c:pt>
                 <c:pt idx="392">
-                  <c:v>3.5888972985917322E-3</c:v>
+                  <c:v>3.5888972985917336E-3</c:v>
                 </c:pt>
                 <c:pt idx="393">
-                  <c:v>3.5819961224656427E-3</c:v>
+                  <c:v>3.581996122465644E-3</c:v>
                 </c:pt>
                 <c:pt idx="394">
-                  <c:v>3.5751226461501551E-3</c:v>
+                  <c:v>3.575122646150156E-3</c:v>
                 </c:pt>
                 <c:pt idx="395">
-                  <c:v>3.5682766978238473E-3</c:v>
+                  <c:v>3.5682766978238482E-3</c:v>
                 </c:pt>
                 <c:pt idx="396">
-                  <c:v>3.5614581072935148E-3</c:v>
+                  <c:v>3.5614581072935152E-3</c:v>
                 </c:pt>
                 <c:pt idx="397">
-                  <c:v>3.5546667059651207E-3</c:v>
+                  <c:v>3.5546667059651216E-3</c:v>
                 </c:pt>
                 <c:pt idx="398">
-                  <c:v>3.5479023268154388E-3</c:v>
+                  <c:v>3.5479023268154401E-3</c:v>
                 </c:pt>
                 <c:pt idx="399">
-                  <c:v>3.541164804364397E-3</c:v>
+                  <c:v>3.5411648043643983E-3</c:v>
                 </c:pt>
                 <c:pt idx="400">
                   <c:v>3.5344539746481238E-3</c:v>
                 </c:pt>
                 <c:pt idx="401">
-                  <c:v>3.527769675192638E-3</c:v>
+                  <c:v>3.5277696751926393E-3</c:v>
                 </c:pt>
                 <c:pt idx="402">
-                  <c:v>3.5211117449879771E-3</c:v>
+                  <c:v>3.5211117449879792E-3</c:v>
                 </c:pt>
                 <c:pt idx="403">
-                  <c:v>3.5144800244631623E-3</c:v>
+                  <c:v>3.5144800244631628E-3</c:v>
                 </c:pt>
                 <c:pt idx="404">
-                  <c:v>3.5078743554616629E-3</c:v>
+                  <c:v>3.5078743554616642E-3</c:v>
                 </c:pt>
                 <c:pt idx="405">
-                  <c:v>3.5012945812173636E-3</c:v>
+                  <c:v>3.5012945812173649E-3</c:v>
                 </c:pt>
                 <c:pt idx="406">
-                  <c:v>3.4947405463313054E-3</c:v>
+                  <c:v>3.4947405463313067E-3</c:v>
                 </c:pt>
                 <c:pt idx="407">
-                  <c:v>3.4882120967487293E-3</c:v>
+                  <c:v>3.4882120967487298E-3</c:v>
                 </c:pt>
                 <c:pt idx="408">
-                  <c:v>3.4817090797367024E-3</c:v>
+                  <c:v>3.4817090797367033E-3</c:v>
                 </c:pt>
                 <c:pt idx="409">
-                  <c:v>3.4752313438626077E-3</c:v>
+                  <c:v>3.475231343862609E-3</c:v>
                 </c:pt>
                 <c:pt idx="410">
-                  <c:v>3.4687787389725256E-3</c:v>
+                  <c:v>3.4687787389725265E-3</c:v>
                 </c:pt>
                 <c:pt idx="411">
-                  <c:v>3.4623511161708163E-3</c:v>
+                  <c:v>3.4623511161708171E-3</c:v>
                 </c:pt>
                 <c:pt idx="412">
                   <c:v>3.4559483277996341E-3</c:v>
                 </c:pt>
                 <c:pt idx="413">
-                  <c:v>3.449570227419116E-3</c:v>
+                  <c:v>3.4495702274191173E-3</c:v>
                 </c:pt>
                 <c:pt idx="414">
-                  <c:v>3.4432166697882598E-3</c:v>
+                  <c:v>3.4432166697882603E-3</c:v>
                 </c:pt>
                 <c:pt idx="415">
                   <c:v>3.4368875108457819E-3</c:v>
                 </c:pt>
                 <c:pt idx="416">
-                  <c:v>3.4305826076918913E-3</c:v>
+                  <c:v>3.4305826076918922E-3</c:v>
                 </c:pt>
                 <c:pt idx="417">
-                  <c:v>3.4243018185701793E-3</c:v>
+                  <c:v>3.4243018185701806E-3</c:v>
                 </c:pt>
                 <c:pt idx="418">
-                  <c:v>3.4180450028500468E-3</c:v>
+                  <c:v>3.4180450028500477E-3</c:v>
                 </c:pt>
                 <c:pt idx="419">
-                  <c:v>3.4118120210096174E-3</c:v>
+                  <c:v>3.4118120210096178E-3</c:v>
                 </c:pt>
                 <c:pt idx="420">
-                  <c:v>3.4056027346189748E-3</c:v>
+                  <c:v>3.4056027346189752E-3</c:v>
                 </c:pt>
                 <c:pt idx="421">
-                  <c:v>3.3994170063235815E-3</c:v>
+                  <c:v>3.3994170063235819E-3</c:v>
                 </c:pt>
                 <c:pt idx="422">
                   <c:v>3.3932546998285641E-3</c:v>
                 </c:pt>
                 <c:pt idx="423">
-                  <c:v>3.3871156798828861E-3</c:v>
+                  <c:v>3.387115679882887E-3</c:v>
                 </c:pt>
                 <c:pt idx="424">
-                  <c:v>3.3809998122642463E-3</c:v>
+                  <c:v>3.3809998122642476E-3</c:v>
                 </c:pt>
                 <c:pt idx="425">
                   <c:v>3.3749069637640456E-3</c:v>
                 </c:pt>
                 <c:pt idx="426">
-                  <c:v>3.368837002172905E-3</c:v>
+                  <c:v>3.3688370021729063E-3</c:v>
                 </c:pt>
                 <c:pt idx="427">
-                  <c:v>3.3627897962664184E-3</c:v>
+                  <c:v>3.3627897962664197E-3</c:v>
                 </c:pt>
                 <c:pt idx="428">
-                  <c:v>3.3567652157912779E-3</c:v>
+                  <c:v>3.3567652157912783E-3</c:v>
                 </c:pt>
                 <c:pt idx="429">
-                  <c:v>3.3507631314514895E-3</c:v>
+                  <c:v>3.35076313145149E-3</c:v>
                 </c:pt>
                 <c:pt idx="430">
-                  <c:v>3.3447834148955815E-3</c:v>
+                  <c:v>3.3447834148955819E-3</c:v>
                 </c:pt>
                 <c:pt idx="431">
                   <c:v>3.3388259387030421E-3</c:v>
                 </c:pt>
                 <c:pt idx="432">
-                  <c:v>3.3328905763721221E-3</c:v>
+                  <c:v>3.3328905763721226E-3</c:v>
                 </c:pt>
                 <c:pt idx="433">
-                  <c:v>3.326977202307181E-3</c:v>
+                  <c:v>3.3269772023071819E-3</c:v>
                 </c:pt>
                 <c:pt idx="434">
-                  <c:v>3.3210856918066633E-3</c:v>
+                  <c:v>3.3210856918066641E-3</c:v>
                 </c:pt>
                 <c:pt idx="435">
                   <c:v>3.3152159210512698E-3</c:v>
                 </c:pt>
                 <c:pt idx="436">
-                  <c:v>3.3093677670923433E-3</c:v>
+                  <c:v>3.3093677670923451E-3</c:v>
                 </c:pt>
                 <c:pt idx="437">
-                  <c:v>3.3035411078406423E-3</c:v>
+                  <c:v>3.3035411078406436E-3</c:v>
                 </c:pt>
                 <c:pt idx="438">
-                  <c:v>3.2977358220550946E-3</c:v>
+                  <c:v>3.2977358220550959E-3</c:v>
                 </c:pt>
                 <c:pt idx="439">
-                  <c:v>3.291951789332176E-3</c:v>
+                  <c:v>3.2919517893321773E-3</c:v>
                 </c:pt>
                 <c:pt idx="440">
-                  <c:v>3.2861888900952265E-3</c:v>
+                  <c:v>3.2861888900952273E-3</c:v>
                 </c:pt>
                 <c:pt idx="441">
-                  <c:v>3.280447005584088E-3</c:v>
+                  <c:v>3.2804470055840889E-3</c:v>
                 </c:pt>
                 <c:pt idx="442">
-                  <c:v>3.2747260178449351E-3</c:v>
+                  <c:v>3.2747260178449364E-3</c:v>
                 </c:pt>
                 <c:pt idx="443">
-                  <c:v>3.2690258097204639E-3</c:v>
+                  <c:v>3.2690258097204648E-3</c:v>
                 </c:pt>
                 <c:pt idx="444">
-                  <c:v>3.2633462648401896E-3</c:v>
+                  <c:v>3.2633462648401904E-3</c:v>
                 </c:pt>
                 <c:pt idx="445">
-                  <c:v>3.257687267610802E-3</c:v>
+                  <c:v>3.2576872676108033E-3</c:v>
                 </c:pt>
                 <c:pt idx="446">
-                  <c:v>3.2520487032069714E-3</c:v>
+                  <c:v>3.2520487032069718E-3</c:v>
                 </c:pt>
                 <c:pt idx="447">
-                  <c:v>3.2464304575622344E-3</c:v>
+                  <c:v>3.2464304575622357E-3</c:v>
                 </c:pt>
                 <c:pt idx="448">
-                  <c:v>3.2408324173601715E-3</c:v>
+                  <c:v>3.2408324173601724E-3</c:v>
                 </c:pt>
                 <c:pt idx="449">
-                  <c:v>3.2352544700254291E-3</c:v>
+                  <c:v>3.2352544700254295E-3</c:v>
                 </c:pt>
                 <c:pt idx="450">
-                  <c:v>3.229696503715432E-3</c:v>
+                  <c:v>3.2296965037154333E-3</c:v>
                 </c:pt>
                 <c:pt idx="451">
-                  <c:v>3.2241584073118956E-3</c:v>
+                  <c:v>3.224158407311896E-3</c:v>
                 </c:pt>
                 <c:pt idx="452">
-                  <c:v>3.2186400704125075E-3</c:v>
+                  <c:v>3.2186400704125083E-3</c:v>
                 </c:pt>
                 <c:pt idx="453">
-                  <c:v>3.2131413833230492E-3</c:v>
+                  <c:v>3.2131413833230496E-3</c:v>
                 </c:pt>
                 <c:pt idx="454">
-                  <c:v>3.2076622370494664E-3</c:v>
+                  <c:v>3.2076622370494673E-3</c:v>
                 </c:pt>
                 <c:pt idx="455">
-                  <c:v>3.2022025232900024E-3</c:v>
+                  <c:v>3.2022025232900028E-3</c:v>
                 </c:pt>
                 <c:pt idx="456">
                   <c:v>3.1967621344277659E-3</c:v>
@@ -1917,163 +1918,163 @@
                   <c:v>3.1913409635232204E-3</c:v>
                 </c:pt>
                 <c:pt idx="458">
-                  <c:v>3.1859389043068591E-3</c:v>
+                  <c:v>3.1859389043068596E-3</c:v>
                 </c:pt>
                 <c:pt idx="459">
-                  <c:v>3.1805558511720368E-3</c:v>
+                  <c:v>3.1805558511720385E-3</c:v>
                 </c:pt>
                 <c:pt idx="460">
-                  <c:v>3.1751916991680103E-3</c:v>
+                  <c:v>3.1751916991680112E-3</c:v>
                 </c:pt>
                 <c:pt idx="461">
-                  <c:v>3.1698463439928724E-3</c:v>
+                  <c:v>3.1698463439928733E-3</c:v>
                 </c:pt>
                 <c:pt idx="462">
-                  <c:v>3.1645196819869189E-3</c:v>
+                  <c:v>3.1645196819869202E-3</c:v>
                 </c:pt>
                 <c:pt idx="463">
-                  <c:v>3.1592116101259032E-3</c:v>
+                  <c:v>3.1592116101259037E-3</c:v>
                 </c:pt>
                 <c:pt idx="464">
-                  <c:v>3.1539220260144536E-3</c:v>
+                  <c:v>3.1539220260144545E-3</c:v>
                 </c:pt>
                 <c:pt idx="465">
-                  <c:v>3.1486508278796978E-3</c:v>
+                  <c:v>3.1486508278796986E-3</c:v>
                 </c:pt>
                 <c:pt idx="466">
-                  <c:v>3.1433979145649138E-3</c:v>
+                  <c:v>3.1433979145649156E-3</c:v>
                 </c:pt>
                 <c:pt idx="467">
                   <c:v>3.1381631855232012E-3</c:v>
                 </c:pt>
                 <c:pt idx="468">
-                  <c:v>3.1329465408114691E-3</c:v>
+                  <c:v>3.1329465408114696E-3</c:v>
                 </c:pt>
                 <c:pt idx="469">
-                  <c:v>3.1277478810843688E-3</c:v>
+                  <c:v>3.1277478810843701E-3</c:v>
                 </c:pt>
                 <c:pt idx="470">
-                  <c:v>3.1225671075882969E-3</c:v>
+                  <c:v>3.1225671075882978E-3</c:v>
                 </c:pt>
                 <c:pt idx="471">
-                  <c:v>3.1174041221556747E-3</c:v>
+                  <c:v>3.1174041221556756E-3</c:v>
                 </c:pt>
                 <c:pt idx="472">
                   <c:v>3.1122588271990047E-3</c:v>
                 </c:pt>
                 <c:pt idx="473">
-                  <c:v>3.1071311257053198E-3</c:v>
+                  <c:v>3.1071311257053215E-3</c:v>
                 </c:pt>
                 <c:pt idx="474">
-                  <c:v>3.1020209212305997E-3</c:v>
+                  <c:v>3.1020209212306005E-3</c:v>
                 </c:pt>
                 <c:pt idx="475">
-                  <c:v>3.0969281178940926E-3</c:v>
+                  <c:v>3.096928117894093E-3</c:v>
                 </c:pt>
                 <c:pt idx="476">
-                  <c:v>3.091852620373071E-3</c:v>
+                  <c:v>3.0918526203730706E-3</c:v>
                 </c:pt>
                 <c:pt idx="477">
-                  <c:v>3.0867943338973572E-3</c:v>
+                  <c:v>3.0867943338973585E-3</c:v>
                 </c:pt>
                 <c:pt idx="478">
-                  <c:v>3.0817531642439661E-3</c:v>
+                  <c:v>3.0817531642439665E-3</c:v>
                 </c:pt>
                 <c:pt idx="479">
-                  <c:v>3.0767290177320544E-3</c:v>
+                  <c:v>3.0767290177320557E-3</c:v>
                 </c:pt>
                 <c:pt idx="480">
-                  <c:v>3.0717218012174261E-3</c:v>
+                  <c:v>3.0717218012174274E-3</c:v>
                 </c:pt>
                 <c:pt idx="481">
-                  <c:v>3.0667314220877723E-3</c:v>
+                  <c:v>3.0667314220877736E-3</c:v>
                 </c:pt>
                 <c:pt idx="482">
-                  <c:v>3.0617577882573821E-3</c:v>
+                  <c:v>3.0617577882573839E-3</c:v>
                 </c:pt>
                 <c:pt idx="483">
-                  <c:v>3.0568008081622807E-3</c:v>
+                  <c:v>3.0568008081622812E-3</c:v>
                 </c:pt>
                 <c:pt idx="484">
-                  <c:v>3.0518603907551483E-3</c:v>
+                  <c:v>3.0518603907551487E-3</c:v>
                 </c:pt>
                 <c:pt idx="485">
-                  <c:v>3.0469364455005259E-3</c:v>
+                  <c:v>3.0469364455005267E-3</c:v>
                 </c:pt>
                 <c:pt idx="486">
-                  <c:v>3.0420288823700009E-3</c:v>
+                  <c:v>3.0420288823700017E-3</c:v>
                 </c:pt>
                 <c:pt idx="487">
-                  <c:v>3.0371376118372819E-3</c:v>
+                  <c:v>3.0371376118372827E-3</c:v>
                 </c:pt>
                 <c:pt idx="488">
-                  <c:v>3.032262544873513E-3</c:v>
+                  <c:v>3.0322625448735135E-3</c:v>
                 </c:pt>
                 <c:pt idx="489">
-                  <c:v>3.0274035929425793E-3</c:v>
+                  <c:v>3.0274035929425806E-3</c:v>
                 </c:pt>
                 <c:pt idx="490">
-                  <c:v>3.0225606679964742E-3</c:v>
+                  <c:v>3.0225606679964751E-3</c:v>
                 </c:pt>
                 <c:pt idx="491">
-                  <c:v>3.0177336824705166E-3</c:v>
+                  <c:v>3.0177336824705179E-3</c:v>
                 </c:pt>
                 <c:pt idx="492">
                   <c:v>3.0129225492788497E-3</c:v>
                 </c:pt>
                 <c:pt idx="493">
-                  <c:v>3.0081271818099319E-3</c:v>
+                  <c:v>3.0081271818099332E-3</c:v>
                 </c:pt>
                 <c:pt idx="494">
                   <c:v>3.0033474939218856E-3</c:v>
                 </c:pt>
                 <c:pt idx="495">
-                  <c:v>2.9985833999380449E-3</c:v>
+                  <c:v>2.9985833999380453E-3</c:v>
                 </c:pt>
                 <c:pt idx="496">
-                  <c:v>2.9938348146425395E-3</c:v>
+                  <c:v>2.9938348146425404E-3</c:v>
                 </c:pt>
                 <c:pt idx="497">
-                  <c:v>2.989101653275704E-3</c:v>
+                  <c:v>2.9891016532757049E-3</c:v>
                 </c:pt>
                 <c:pt idx="498">
-                  <c:v>2.9843838315298178E-3</c:v>
+                  <c:v>2.9843838315298187E-3</c:v>
                 </c:pt>
                 <c:pt idx="499">
-                  <c:v>2.9796812655446189E-3</c:v>
+                  <c:v>2.9796812655446198E-3</c:v>
                 </c:pt>
                 <c:pt idx="500">
-                  <c:v>2.9749938719028702E-3</c:v>
+                  <c:v>2.9749938719028711E-3</c:v>
                 </c:pt>
                 <c:pt idx="501">
-                  <c:v>2.970321567626122E-3</c:v>
+                  <c:v>2.9703215676261233E-3</c:v>
                 </c:pt>
                 <c:pt idx="502">
-                  <c:v>2.9656642701703317E-3</c:v>
+                  <c:v>2.965664270170333E-3</c:v>
                 </c:pt>
                 <c:pt idx="503">
-                  <c:v>2.9610218974214751E-3</c:v>
+                  <c:v>2.961021897421476E-3</c:v>
                 </c:pt>
                 <c:pt idx="504">
-                  <c:v>2.9563943676913485E-3</c:v>
+                  <c:v>2.9563943676913498E-3</c:v>
                 </c:pt>
                 <c:pt idx="505">
                   <c:v>2.9517815997131855E-3</c:v>
                 </c:pt>
                 <c:pt idx="506">
-                  <c:v>2.9471835126374658E-3</c:v>
+                  <c:v>2.9471835126374671E-3</c:v>
                 </c:pt>
                 <c:pt idx="507">
                   <c:v>2.9426000260275652E-3</c:v>
                 </c:pt>
                 <c:pt idx="508">
-                  <c:v>2.9380310598555392E-3</c:v>
+                  <c:v>2.93803105985554E-3</c:v>
                 </c:pt>
                 <c:pt idx="509">
-                  <c:v>2.9334765344979463E-3</c:v>
+                  <c:v>2.9334765344979472E-3</c:v>
                 </c:pt>
                 <c:pt idx="510">
-                  <c:v>2.9289363707314772E-3</c:v>
+                  <c:v>2.9289363707314785E-3</c:v>
                 </c:pt>
                 <c:pt idx="511">
                   <c:v>2.9244104897288873E-3</c:v>
@@ -2082,73 +2083,73 @@
                   <c:v>2.9198988130546524E-3</c:v>
                 </c:pt>
                 <c:pt idx="513">
-                  <c:v>2.9154012626608113E-3</c:v>
+                  <c:v>2.9154012626608121E-3</c:v>
                 </c:pt>
                 <c:pt idx="514">
-                  <c:v>2.9109177608828106E-3</c:v>
+                  <c:v>2.9109177608828115E-3</c:v>
                 </c:pt>
                 <c:pt idx="515">
                   <c:v>2.9064482304352922E-3</c:v>
                 </c:pt>
                 <c:pt idx="516">
-                  <c:v>2.90199259440775E-3</c:v>
+                  <c:v>2.9019925944077508E-3</c:v>
                 </c:pt>
                 <c:pt idx="517">
-                  <c:v>2.8975507762606196E-3</c:v>
+                  <c:v>2.8975507762606205E-3</c:v>
                 </c:pt>
                 <c:pt idx="518">
                   <c:v>2.893122699820865E-3</c:v>
                 </c:pt>
                 <c:pt idx="519">
-                  <c:v>2.8887082892779322E-3</c:v>
+                  <c:v>2.8887082892779335E-3</c:v>
                 </c:pt>
                 <c:pt idx="520">
-                  <c:v>2.8843074691795143E-3</c:v>
+                  <c:v>2.8843074691795151E-3</c:v>
                 </c:pt>
                 <c:pt idx="521">
-                  <c:v>2.8799201644274411E-3</c:v>
+                  <c:v>2.8799201644274415E-3</c:v>
                 </c:pt>
                 <c:pt idx="522">
                   <c:v>2.8755463002734351E-3</c:v>
                 </c:pt>
                 <c:pt idx="523">
-                  <c:v>2.871185802315069E-3</c:v>
+                  <c:v>2.8711858023150695E-3</c:v>
                 </c:pt>
                 <c:pt idx="524">
-                  <c:v>2.8668385964915155E-3</c:v>
+                  <c:v>2.8668385964915159E-3</c:v>
                 </c:pt>
                 <c:pt idx="525">
-                  <c:v>2.8625046090793743E-3</c:v>
+                  <c:v>2.8625046090793751E-3</c:v>
                 </c:pt>
                 <c:pt idx="526">
-                  <c:v>2.8581837666886586E-3</c:v>
+                  <c:v>2.8581837666886594E-3</c:v>
                 </c:pt>
                 <c:pt idx="527">
                   <c:v>2.8538759962585484E-3</c:v>
                 </c:pt>
                 <c:pt idx="528">
-                  <c:v>2.8495812250532789E-3</c:v>
+                  <c:v>2.8495812250532793E-3</c:v>
                 </c:pt>
                 <c:pt idx="529">
-                  <c:v>2.8452993806580358E-3</c:v>
+                  <c:v>2.8452993806580363E-3</c:v>
                 </c:pt>
                 <c:pt idx="530">
                   <c:v>2.8410303909747682E-3</c:v>
                 </c:pt>
                 <c:pt idx="531">
-                  <c:v>2.8367741842181405E-3</c:v>
+                  <c:v>2.8367741842181401E-3</c:v>
                 </c:pt>
                 <c:pt idx="532">
-                  <c:v>2.832530688911442E-3</c:v>
+                  <c:v>2.8325306889114429E-3</c:v>
                 </c:pt>
                 <c:pt idx="533">
-                  <c:v>2.8282998338824564E-3</c:v>
+                  <c:v>2.8282998338824573E-3</c:v>
                 </c:pt>
                 <c:pt idx="534">
-                  <c:v>2.8240815482592618E-3</c:v>
+                  <c:v>2.8240815482592626E-3</c:v>
                 </c:pt>
                 <c:pt idx="535">
-                  <c:v>2.8198757614663734E-3</c:v>
+                  <c:v>2.8198757614663742E-3</c:v>
                 </c:pt>
                 <c:pt idx="536">
                   <c:v>2.8156824032205137E-3</c:v>
@@ -2157,103 +2158,103 @@
                   <c:v>2.8115014035266245E-3</c:v>
                 </c:pt>
                 <c:pt idx="538">
-                  <c:v>2.8073326926738242E-3</c:v>
+                  <c:v>2.8073326926738246E-3</c:v>
                 </c:pt>
                 <c:pt idx="539">
-                  <c:v>2.803176201231342E-3</c:v>
+                  <c:v>2.8031762012313433E-3</c:v>
                 </c:pt>
                 <c:pt idx="540">
-                  <c:v>2.7990318600445889E-3</c:v>
+                  <c:v>2.7990318600445898E-3</c:v>
                 </c:pt>
                 <c:pt idx="541">
-                  <c:v>2.7948996002310636E-3</c:v>
+                  <c:v>2.7948996002310641E-3</c:v>
                 </c:pt>
                 <c:pt idx="542">
-                  <c:v>2.7907793531765312E-3</c:v>
+                  <c:v>2.790779353176532E-3</c:v>
                 </c:pt>
                 <c:pt idx="543">
-                  <c:v>2.7866710505309294E-3</c:v>
+                  <c:v>2.7866710505309302E-3</c:v>
                 </c:pt>
                 <c:pt idx="544">
-                  <c:v>2.7825746242045759E-3</c:v>
+                  <c:v>2.7825746242045764E-3</c:v>
                 </c:pt>
                 <c:pt idx="545">
-                  <c:v>2.7784900063641481E-3</c:v>
+                  <c:v>2.7784900063641486E-3</c:v>
                 </c:pt>
                 <c:pt idx="546">
-                  <c:v>2.774417129428964E-3</c:v>
+                  <c:v>2.7744171294289644E-3</c:v>
                 </c:pt>
                 <c:pt idx="547">
-                  <c:v>2.7703559260669566E-3</c:v>
+                  <c:v>2.7703559260669574E-3</c:v>
                 </c:pt>
                 <c:pt idx="548">
-                  <c:v>2.7663063291910547E-3</c:v>
+                  <c:v>2.7663063291910556E-3</c:v>
                 </c:pt>
                 <c:pt idx="549">
-                  <c:v>2.7622682719552856E-3</c:v>
+                  <c:v>2.762268271955286E-3</c:v>
                 </c:pt>
                 <c:pt idx="550">
-                  <c:v>2.7582416877511219E-3</c:v>
+                  <c:v>2.7582416877511224E-3</c:v>
                 </c:pt>
                 <c:pt idx="551">
-                  <c:v>2.7542265102036422E-3</c:v>
+                  <c:v>2.7542265102036426E-3</c:v>
                 </c:pt>
                 <c:pt idx="552">
-                  <c:v>2.7502226731680735E-3</c:v>
+                  <c:v>2.7502226731680739E-3</c:v>
                 </c:pt>
                 <c:pt idx="553">
-                  <c:v>2.7462301107260257E-3</c:v>
+                  <c:v>2.7462301107260265E-3</c:v>
                 </c:pt>
                 <c:pt idx="554">
-                  <c:v>2.74224875718198E-3</c:v>
+                  <c:v>2.7422487571819808E-3</c:v>
                 </c:pt>
                 <c:pt idx="555">
-                  <c:v>2.7382785470597302E-3</c:v>
+                  <c:v>2.7382785470597307E-3</c:v>
                 </c:pt>
                 <c:pt idx="556">
-                  <c:v>2.7343194150989637E-3</c:v>
+                  <c:v>2.7343194150989646E-3</c:v>
                 </c:pt>
                 <c:pt idx="557">
-                  <c:v>2.7303712962518088E-3</c:v>
+                  <c:v>2.7303712962518096E-3</c:v>
                 </c:pt>
                 <c:pt idx="558">
-                  <c:v>2.7264341256794866E-3</c:v>
+                  <c:v>2.7264341256794875E-3</c:v>
                 </c:pt>
                 <c:pt idx="559">
-                  <c:v>2.7225078387490237E-3</c:v>
+                  <c:v>2.722507838749025E-3</c:v>
                 </c:pt>
                 <c:pt idx="560">
-                  <c:v>2.71859237102994E-3</c:v>
+                  <c:v>2.7185923710299409E-3</c:v>
                 </c:pt>
                 <c:pt idx="561">
-                  <c:v>2.7146876582911693E-3</c:v>
+                  <c:v>2.7146876582911702E-3</c:v>
                 </c:pt>
                 <c:pt idx="562">
-                  <c:v>2.71079363649789E-3</c:v>
+                  <c:v>2.7107936364978908E-3</c:v>
                 </c:pt>
                 <c:pt idx="563">
-                  <c:v>2.7069102418085483E-3</c:v>
+                  <c:v>2.7069102418085496E-3</c:v>
                 </c:pt>
                 <c:pt idx="564">
-                  <c:v>2.7030374105718223E-3</c:v>
+                  <c:v>2.7030374105718236E-3</c:v>
                 </c:pt>
                 <c:pt idx="565">
                   <c:v>2.6991750793237501E-3</c:v>
                 </c:pt>
                 <c:pt idx="566">
-                  <c:v>2.6953231847849858E-3</c:v>
+                  <c:v>2.6953231847849863E-3</c:v>
                 </c:pt>
                 <c:pt idx="567">
-                  <c:v>2.6914816638580548E-3</c:v>
+                  <c:v>2.6914816638580552E-3</c:v>
                 </c:pt>
                 <c:pt idx="568">
-                  <c:v>2.6876504536246164E-3</c:v>
+                  <c:v>2.6876504536246172E-3</c:v>
                 </c:pt>
                 <c:pt idx="569">
-                  <c:v>2.683829491343073E-3</c:v>
+                  <c:v>2.6838294913430739E-3</c:v>
                 </c:pt>
                 <c:pt idx="570">
-                  <c:v>2.6800187144460468E-3</c:v>
+                  <c:v>2.6800187144460481E-3</c:v>
                 </c:pt>
                 <c:pt idx="571">
                   <c:v>2.6762180605380006E-3</c:v>
@@ -2262,169 +2263,169 @@
                   <c:v>2.6724274673930251E-3</c:v>
                 </c:pt>
                 <c:pt idx="573">
-                  <c:v>2.668646872952683E-3</c:v>
+                  <c:v>2.6686468729526839E-3</c:v>
                 </c:pt>
                 <c:pt idx="574">
-                  <c:v>2.6648762153239029E-3</c:v>
+                  <c:v>2.6648762153239037E-3</c:v>
                 </c:pt>
                 <c:pt idx="575">
-                  <c:v>2.6611154327771712E-3</c:v>
+                  <c:v>2.6611154327771717E-3</c:v>
                 </c:pt>
                 <c:pt idx="576">
-                  <c:v>2.6573644637445499E-3</c:v>
+                  <c:v>2.6573644637445503E-3</c:v>
                 </c:pt>
                 <c:pt idx="577">
-                  <c:v>2.6536232468181097E-3</c:v>
+                  <c:v>2.6536232468181106E-3</c:v>
                 </c:pt>
                 <c:pt idx="578">
-                  <c:v>2.6498917207482889E-3</c:v>
+                  <c:v>2.6498917207482893E-3</c:v>
                 </c:pt>
                 <c:pt idx="579">
-                  <c:v>2.6461698244424447E-3</c:v>
+                  <c:v>2.6461698244424456E-3</c:v>
                 </c:pt>
                 <c:pt idx="580">
-                  <c:v>2.6424574969635024E-3</c:v>
+                  <c:v>2.6424574969635029E-3</c:v>
                 </c:pt>
                 <c:pt idx="581">
-                  <c:v>2.638754677528781E-3</c:v>
+                  <c:v>2.6387546775287814E-3</c:v>
                 </c:pt>
                 <c:pt idx="582">
-                  <c:v>2.635061305508933E-3</c:v>
+                  <c:v>2.6350613055089339E-3</c:v>
                 </c:pt>
                 <c:pt idx="583">
-                  <c:v>2.6313773204269869E-3</c:v>
+                  <c:v>2.6313773204269877E-3</c:v>
                 </c:pt>
                 <c:pt idx="584">
-                  <c:v>2.6277026619575582E-3</c:v>
+                  <c:v>2.6277026619575595E-3</c:v>
                 </c:pt>
                 <c:pt idx="585">
-                  <c:v>2.6240372699263496E-3</c:v>
+                  <c:v>2.6240372699263509E-3</c:v>
                 </c:pt>
                 <c:pt idx="586">
-                  <c:v>2.620381084309383E-3</c:v>
+                  <c:v>2.6203810843093843E-3</c:v>
                 </c:pt>
                 <c:pt idx="587">
-                  <c:v>2.6167340452329896E-3</c:v>
+                  <c:v>2.6167340452329904E-3</c:v>
                 </c:pt>
                 <c:pt idx="588">
-                  <c:v>2.6130960929734194E-3</c:v>
+                  <c:v>2.6130960929734203E-3</c:v>
                 </c:pt>
                 <c:pt idx="589">
-                  <c:v>2.6094671679568744E-3</c:v>
+                  <c:v>2.6094671679568753E-3</c:v>
                 </c:pt>
                 <c:pt idx="590">
-                  <c:v>2.6058472107596325E-3</c:v>
+                  <c:v>2.6058472107596334E-3</c:v>
                 </c:pt>
                 <c:pt idx="591">
-                  <c:v>2.6022361621084881E-3</c:v>
+                  <c:v>2.6022361621084885E-3</c:v>
                 </c:pt>
                 <c:pt idx="592">
-                  <c:v>2.5986339628810569E-3</c:v>
+                  <c:v>2.5986339628810582E-3</c:v>
                 </c:pt>
                 <c:pt idx="593">
-                  <c:v>2.5950405541065994E-3</c:v>
+                  <c:v>2.5950405541065999E-3</c:v>
                 </c:pt>
                 <c:pt idx="594">
                   <c:v>2.5914558769667409E-3</c:v>
                 </c:pt>
                 <c:pt idx="595">
-                  <c:v>2.5878798727965967E-3</c:v>
+                  <c:v>2.5878798727965984E-3</c:v>
                 </c:pt>
                 <c:pt idx="596">
-                  <c:v>2.5843124830859268E-3</c:v>
+                  <c:v>2.5843124830859277E-3</c:v>
                 </c:pt>
                 <c:pt idx="597">
-                  <c:v>2.5807536494805322E-3</c:v>
+                  <c:v>2.580753649480533E-3</c:v>
                 </c:pt>
                 <c:pt idx="598">
-                  <c:v>2.5772033137839213E-3</c:v>
+                  <c:v>2.5772033137839217E-3</c:v>
                 </c:pt>
                 <c:pt idx="599">
-                  <c:v>2.5736614179590572E-3</c:v>
+                  <c:v>2.5736614179590576E-3</c:v>
                 </c:pt>
                 <c:pt idx="600">
-                  <c:v>2.5701279041303237E-3</c:v>
+                  <c:v>2.570127904130325E-3</c:v>
                 </c:pt>
                 <c:pt idx="601">
-                  <c:v>2.5666027145858374E-3</c:v>
+                  <c:v>2.5666027145858378E-3</c:v>
                 </c:pt>
                 <c:pt idx="602">
-                  <c:v>2.563085791779812E-3</c:v>
+                  <c:v>2.5630857917798133E-3</c:v>
                 </c:pt>
                 <c:pt idx="603">
-                  <c:v>2.559577078335179E-3</c:v>
+                  <c:v>2.5595770783351799E-3</c:v>
                 </c:pt>
                 <c:pt idx="604">
-                  <c:v>2.5560765170464564E-3</c:v>
+                  <c:v>2.5560765170464573E-3</c:v>
                 </c:pt>
                 <c:pt idx="605">
-                  <c:v>2.5525840508828055E-3</c:v>
+                  <c:v>2.5525840508828059E-3</c:v>
                 </c:pt>
                 <c:pt idx="606">
-                  <c:v>2.5490996229914605E-3</c:v>
+                  <c:v>2.5490996229914614E-3</c:v>
                 </c:pt>
                 <c:pt idx="607">
-                  <c:v>2.5456231767010933E-3</c:v>
+                  <c:v>2.5456231767010942E-3</c:v>
                 </c:pt>
                 <c:pt idx="608">
-                  <c:v>2.5421546555256984E-3</c:v>
+                  <c:v>2.5421546555256993E-3</c:v>
                 </c:pt>
                 <c:pt idx="609">
-                  <c:v>2.5386940031685958E-3</c:v>
+                  <c:v>2.5386940031685962E-3</c:v>
                 </c:pt>
                 <c:pt idx="610">
-                  <c:v>2.5352411635267092E-3</c:v>
+                  <c:v>2.5352411635267088E-3</c:v>
                 </c:pt>
                 <c:pt idx="611">
-                  <c:v>2.5317960806950568E-3</c:v>
+                  <c:v>2.5317960806950576E-3</c:v>
                 </c:pt>
                 <c:pt idx="612">
-                  <c:v>2.5283586989715175E-3</c:v>
+                  <c:v>2.5283586989715183E-3</c:v>
                 </c:pt>
                 <c:pt idx="613">
-                  <c:v>2.5249289628618931E-3</c:v>
+                  <c:v>2.524928962861894E-3</c:v>
                 </c:pt>
                 <c:pt idx="614">
-                  <c:v>2.5215068170852642E-3</c:v>
+                  <c:v>2.5215068170852646E-3</c:v>
                 </c:pt>
                 <c:pt idx="615">
-                  <c:v>2.5180922065794267E-3</c:v>
+                  <c:v>2.5180922065794276E-3</c:v>
                 </c:pt>
                 <c:pt idx="616">
-                  <c:v>2.5146850765068326E-3</c:v>
+                  <c:v>2.514685076506833E-3</c:v>
                 </c:pt>
                 <c:pt idx="617">
-                  <c:v>2.5112853722607529E-3</c:v>
+                  <c:v>2.5112853722607533E-3</c:v>
                 </c:pt>
                 <c:pt idx="618">
-                  <c:v>2.5078930394715816E-3</c:v>
+                  <c:v>2.507893039471582E-3</c:v>
                 </c:pt>
                 <c:pt idx="619">
                   <c:v>2.5045080240136417E-3</c:v>
                 </c:pt>
                 <c:pt idx="620">
-                  <c:v>2.5011302720121904E-3</c:v>
+                  <c:v>2.5011302720121917E-3</c:v>
                 </c:pt>
                 <c:pt idx="621">
-                  <c:v>2.4977597298506205E-3</c:v>
+                  <c:v>2.4977597298506209E-3</c:v>
                 </c:pt>
                 <c:pt idx="622">
-                  <c:v>2.4943963441782535E-3</c:v>
+                  <c:v>2.4943963441782539E-3</c:v>
                 </c:pt>
                 <c:pt idx="623">
-                  <c:v>2.4910400619182023E-3</c:v>
+                  <c:v>2.4910400619182027E-3</c:v>
                 </c:pt>
                 <c:pt idx="624">
-                  <c:v>2.48769083027557E-3</c:v>
+                  <c:v>2.4876908302755708E-3</c:v>
                 </c:pt>
                 <c:pt idx="625">
-                  <c:v>2.4843485967460757E-3</c:v>
+                  <c:v>2.4843485967460765E-3</c:v>
                 </c:pt>
                 <c:pt idx="626">
-                  <c:v>2.4810133091251142E-3</c:v>
+                  <c:v>2.4810133091251146E-3</c:v>
                 </c:pt>
                 <c:pt idx="627">
-                  <c:v>2.4776849155168134E-3</c:v>
+                  <c:v>2.4776849155168142E-3</c:v>
                 </c:pt>
                 <c:pt idx="628">
                   <c:v>2.4743633643438054E-3</c:v>
@@ -2433,46 +2434,46 @@
                   <c:v>2.4710486043570826E-3</c:v>
                 </c:pt>
                 <c:pt idx="630">
-                  <c:v>2.4677405846464419E-3</c:v>
+                  <c:v>2.4677405846464428E-3</c:v>
                 </c:pt>
                 <c:pt idx="631">
-                  <c:v>2.4644392546511237E-3</c:v>
+                  <c:v>2.464439254651125E-3</c:v>
                 </c:pt>
                 <c:pt idx="632">
-                  <c:v>2.4611445641709567E-3</c:v>
+                  <c:v>2.461144564170958E-3</c:v>
                 </c:pt>
                 <c:pt idx="633">
                   <c:v>2.4578564633776293E-3</c:v>
                 </c:pt>
                 <c:pt idx="634">
-                  <c:v>2.4545749028268642E-3</c:v>
+                  <c:v>2.4545749028268646E-3</c:v>
                 </c:pt>
                 <c:pt idx="635">
                   <c:v>2.4512998334703475E-3</c:v>
                 </c:pt>
                 <c:pt idx="636">
-                  <c:v>2.4480312066686269E-3</c:v>
+                  <c:v>2.4480312066686278E-3</c:v>
                 </c:pt>
                 <c:pt idx="637">
-                  <c:v>2.4447689742040529E-3</c:v>
+                  <c:v>2.4447689742040533E-3</c:v>
                 </c:pt>
                 <c:pt idx="638">
-                  <c:v>2.4415130882943429E-3</c:v>
+                  <c:v>2.4415130882943438E-3</c:v>
                 </c:pt>
                 <c:pt idx="639">
-                  <c:v>2.4382635016063992E-3</c:v>
+                  <c:v>2.4382635016063996E-3</c:v>
                 </c:pt>
                 <c:pt idx="640">
-                  <c:v>2.4350201672708235E-3</c:v>
+                  <c:v>2.4350201672708239E-3</c:v>
                 </c:pt>
                 <c:pt idx="641">
-                  <c:v>2.4317830388965525E-3</c:v>
+                  <c:v>2.4317830388965534E-3</c:v>
                 </c:pt>
                 <c:pt idx="642">
-                  <c:v>2.4285520705862743E-3</c:v>
+                  <c:v>2.4285520705862752E-3</c:v>
                 </c:pt>
                 <c:pt idx="643">
-                  <c:v>2.4253272169519934E-3</c:v>
+                  <c:v>2.4253272169519951E-3</c:v>
                 </c:pt>
                 <c:pt idx="644">
                   <c:v>2.422108433131326E-3</c:v>
@@ -2487,61 +2488,61 @@
                   <c:v>2.4124880601630932E-3</c:v>
                 </c:pt>
                 <c:pt idx="648">
-                  <c:v>2.4092931180767314E-3</c:v>
+                  <c:v>2.4092931180767318E-3</c:v>
                 </c:pt>
                 <c:pt idx="649">
-                  <c:v>2.4061040299749926E-3</c:v>
+                  <c:v>2.4061040299749935E-3</c:v>
                 </c:pt>
                 <c:pt idx="650">
-                  <c:v>2.4029207545155245E-3</c:v>
+                  <c:v>2.4029207545155254E-3</c:v>
                 </c:pt>
                 <c:pt idx="651">
-                  <c:v>2.3997432510084143E-3</c:v>
+                  <c:v>2.3997432510084152E-3</c:v>
                 </c:pt>
                 <c:pt idx="652">
                   <c:v>2.3965714794363041E-3</c:v>
                 </c:pt>
                 <c:pt idx="653">
-                  <c:v>2.3934054004750983E-3</c:v>
+                  <c:v>2.3934054004750988E-3</c:v>
                 </c:pt>
                 <c:pt idx="654">
                   <c:v>2.3902449755150586E-3</c:v>
                 </c:pt>
                 <c:pt idx="655">
-                  <c:v>2.3870901666826734E-3</c:v>
+                  <c:v>2.3870901666826747E-3</c:v>
                 </c:pt>
                 <c:pt idx="656">
-                  <c:v>2.3839409368628544E-3</c:v>
+                  <c:v>2.3839409368628548E-3</c:v>
                 </c:pt>
                 <c:pt idx="657">
-                  <c:v>2.3807972497216119E-3</c:v>
+                  <c:v>2.3807972497216132E-3</c:v>
                 </c:pt>
                 <c:pt idx="658">
                   <c:v>2.3776590697295245E-3</c:v>
                 </c:pt>
                 <c:pt idx="659">
-                  <c:v>2.3745263621855381E-3</c:v>
+                  <c:v>2.374526362185539E-3</c:v>
                 </c:pt>
                 <c:pt idx="660">
-                  <c:v>2.3713990932413046E-3</c:v>
+                  <c:v>2.371399093241305E-3</c:v>
                 </c:pt>
                 <c:pt idx="661">
-                  <c:v>2.3682772299262059E-3</c:v>
+                  <c:v>2.3682772299262063E-3</c:v>
                 </c:pt>
                 <c:pt idx="662">
-                  <c:v>2.365160740172712E-3</c:v>
+                  <c:v>2.3651607401727133E-3</c:v>
                 </c:pt>
                 <c:pt idx="663">
-                  <c:v>2.3620495928423483E-3</c:v>
+                  <c:v>2.3620495928423487E-3</c:v>
                 </c:pt>
                 <c:pt idx="664">
-                  <c:v>2.3589437577523288E-3</c:v>
+                  <c:v>2.3589437577523297E-3</c:v>
                 </c:pt>
                 <c:pt idx="665">
-                  <c:v>2.3558432057023404E-3</c:v>
+                  <c:v>2.3558432057023408E-3</c:v>
                 </c:pt>
                 <c:pt idx="666">
-                  <c:v>2.3527479085022163E-3</c:v>
+                  <c:v>2.3527479085022171E-3</c:v>
                 </c:pt>
                 <c:pt idx="667">
                   <c:v>2.3496578389998954E-3</c:v>
@@ -2550,13 +2551,13 @@
                   <c:v>2.3465729711098088E-3</c:v>
                 </c:pt>
                 <c:pt idx="669">
-                  <c:v>2.3434932798419728E-3</c:v>
+                  <c:v>2.3434932798419741E-3</c:v>
                 </c:pt>
                 <c:pt idx="670">
-                  <c:v>2.3404187413312042E-3</c:v>
+                  <c:v>2.3404187413312047E-3</c:v>
                 </c:pt>
                 <c:pt idx="671">
-                  <c:v>2.3373493328670476E-3</c:v>
+                  <c:v>2.337349332867048E-3</c:v>
                 </c:pt>
                 <c:pt idx="672">
                   <c:v>2.3342850329239185E-3</c:v>
@@ -2565,13 +2566,13 @@
                   <c:v>2.3312258211917779E-3</c:v>
                 </c:pt>
                 <c:pt idx="674">
-                  <c:v>2.3281716786069666E-3</c:v>
+                  <c:v>2.3281716786069679E-3</c:v>
                 </c:pt>
                 <c:pt idx="675">
-                  <c:v>2.3251225873835847E-3</c:v>
+                  <c:v>2.3251225873835856E-3</c:v>
                 </c:pt>
                 <c:pt idx="676">
-                  <c:v>2.3220785310449784E-3</c:v>
+                  <c:v>2.3220785310449788E-3</c:v>
                 </c:pt>
                 <c:pt idx="677">
                   <c:v>2.3190394944555769E-3</c:v>
@@ -2580,232 +2581,232 @@
                   <c:v>2.3160054638529269E-3</c:v>
                 </c:pt>
                 <c:pt idx="679">
-                  <c:v>2.3129764268798913E-3</c:v>
+                  <c:v>2.3129764268798908E-3</c:v>
                 </c:pt>
                 <c:pt idx="680">
-                  <c:v>2.3099523726169591E-3</c:v>
+                  <c:v>2.3099523726169595E-3</c:v>
                 </c:pt>
                 <c:pt idx="681">
-                  <c:v>2.3069332916145842E-3</c:v>
+                  <c:v>2.3069332916145846E-3</c:v>
                 </c:pt>
                 <c:pt idx="682">
-                  <c:v>2.3039191759256362E-3</c:v>
+                  <c:v>2.3039191759256367E-3</c:v>
                 </c:pt>
                 <c:pt idx="683">
-                  <c:v>2.3009100191378534E-3</c:v>
+                  <c:v>2.3009100191378543E-3</c:v>
                 </c:pt>
                 <c:pt idx="684">
-                  <c:v>2.2979058164058863E-3</c:v>
+                  <c:v>2.2979058164058872E-3</c:v>
                 </c:pt>
                 <c:pt idx="685">
-                  <c:v>2.2949065644834754E-3</c:v>
+                  <c:v>2.2949065644834762E-3</c:v>
                 </c:pt>
                 <c:pt idx="686">
-                  <c:v>2.2919122617553419E-3</c:v>
+                  <c:v>2.2919122617553428E-3</c:v>
                 </c:pt>
                 <c:pt idx="687">
-                  <c:v>2.2889229082685828E-3</c:v>
+                  <c:v>2.2889229082685837E-3</c:v>
                 </c:pt>
                 <c:pt idx="688">
-                  <c:v>2.2859385057637602E-3</c:v>
+                  <c:v>2.2859385057637607E-3</c:v>
                 </c:pt>
                 <c:pt idx="689">
-                  <c:v>2.2829590577055545E-3</c:v>
+                  <c:v>2.2829590577055554E-3</c:v>
                 </c:pt>
                 <c:pt idx="690">
-                  <c:v>2.279984569312644E-3</c:v>
+                  <c:v>2.2799845693126449E-3</c:v>
                 </c:pt>
                 <c:pt idx="691">
-                  <c:v>2.2770150475870973E-3</c:v>
+                  <c:v>2.2770150475870986E-3</c:v>
                 </c:pt>
                 <c:pt idx="692">
-                  <c:v>2.2740505013428055E-3</c:v>
+                  <c:v>2.2740505013428059E-3</c:v>
                 </c:pt>
                 <c:pt idx="693">
-                  <c:v>2.271090941233146E-3</c:v>
+                  <c:v>2.2710909412331469E-3</c:v>
                 </c:pt>
                 <c:pt idx="694">
-                  <c:v>2.2681363797774357E-3</c:v>
+                  <c:v>2.2681363797774374E-3</c:v>
                 </c:pt>
                 <c:pt idx="695">
-                  <c:v>2.2651868313864711E-3</c:v>
+                  <c:v>2.265186831386472E-3</c:v>
                 </c:pt>
                 <c:pt idx="696">
-                  <c:v>2.2622423123867088E-3</c:v>
+                  <c:v>2.2622423123867092E-3</c:v>
                 </c:pt>
                 <c:pt idx="697">
-                  <c:v>2.2593028410429314E-3</c:v>
+                  <c:v>2.2593028410429327E-3</c:v>
                 </c:pt>
                 <c:pt idx="698">
                   <c:v>2.2563684375795003E-3</c:v>
                 </c:pt>
                 <c:pt idx="699">
-                  <c:v>2.2534391242000243E-3</c:v>
+                  <c:v>2.2534391242000247E-3</c:v>
                 </c:pt>
                 <c:pt idx="700">
-                  <c:v>2.2505149251049951E-3</c:v>
+                  <c:v>2.2505149251049955E-3</c:v>
                 </c:pt>
                 <c:pt idx="701">
-                  <c:v>2.2475958665076155E-3</c:v>
+                  <c:v>2.2475958665076168E-3</c:v>
                 </c:pt>
                 <c:pt idx="702">
-                  <c:v>2.2446819766473993E-3</c:v>
+                  <c:v>2.2446819766474006E-3</c:v>
                 </c:pt>
                 <c:pt idx="703">
-                  <c:v>2.2417732858016457E-3</c:v>
+                  <c:v>2.2417732858016465E-3</c:v>
                 </c:pt>
                 <c:pt idx="704">
-                  <c:v>2.2388698262941964E-3</c:v>
+                  <c:v>2.2388698262941968E-3</c:v>
                 </c:pt>
                 <c:pt idx="705">
-                  <c:v>2.2359716325019382E-3</c:v>
+                  <c:v>2.2359716325019391E-3</c:v>
                 </c:pt>
                 <c:pt idx="706">
-                  <c:v>2.2330787408582058E-3</c:v>
+                  <c:v>2.2330787408582063E-3</c:v>
                 </c:pt>
                 <c:pt idx="707">
-                  <c:v>2.2301911898534445E-3</c:v>
+                  <c:v>2.2301911898534449E-3</c:v>
                 </c:pt>
                 <c:pt idx="708">
-                  <c:v>2.227309020032655E-3</c:v>
+                  <c:v>2.2273090200326559E-3</c:v>
                 </c:pt>
                 <c:pt idx="709">
-                  <c:v>2.2244322739896471E-3</c:v>
+                  <c:v>2.2244322739896475E-3</c:v>
                 </c:pt>
                 <c:pt idx="710">
-                  <c:v>2.2215609963577177E-3</c:v>
+                  <c:v>2.221560996357719E-3</c:v>
                 </c:pt>
                 <c:pt idx="711">
-                  <c:v>2.218695233796733E-3</c:v>
+                  <c:v>2.2186952337967334E-3</c:v>
                 </c:pt>
                 <c:pt idx="712">
-                  <c:v>2.2158350349764911E-3</c:v>
+                  <c:v>2.2158350349764915E-3</c:v>
                 </c:pt>
                 <c:pt idx="713">
-                  <c:v>2.2129804505560905E-3</c:v>
+                  <c:v>2.2129804505560909E-3</c:v>
                 </c:pt>
                 <c:pt idx="714">
-                  <c:v>2.2101315331590917E-3</c:v>
+                  <c:v>2.2101315331590926E-3</c:v>
                 </c:pt>
                 <c:pt idx="715">
-                  <c:v>2.2072883373444978E-3</c:v>
+                  <c:v>2.2072883373444986E-3</c:v>
                 </c:pt>
                 <c:pt idx="716">
-                  <c:v>2.2044509195732523E-3</c:v>
+                  <c:v>2.2044509195732528E-3</c:v>
                 </c:pt>
                 <c:pt idx="717">
-                  <c:v>2.2016193381702224E-3</c:v>
+                  <c:v>2.2016193381702229E-3</c:v>
                 </c:pt>
                 <c:pt idx="718">
-                  <c:v>2.1987936532814681E-3</c:v>
+                  <c:v>2.198793653281469E-3</c:v>
                 </c:pt>
                 <c:pt idx="719">
-                  <c:v>2.1959739268265577E-3</c:v>
+                  <c:v>2.1959739268265586E-3</c:v>
                 </c:pt>
                 <c:pt idx="720">
-                  <c:v>2.1931602224462303E-3</c:v>
+                  <c:v>2.1931602224462316E-3</c:v>
                 </c:pt>
                 <c:pt idx="721">
                   <c:v>2.1903526054446844E-3</c:v>
                 </c:pt>
                 <c:pt idx="722">
-                  <c:v>2.1875511427270635E-3</c:v>
+                  <c:v>2.1875511427270648E-3</c:v>
                 </c:pt>
                 <c:pt idx="723">
-                  <c:v>2.1847559027315822E-3</c:v>
+                  <c:v>2.1847559027315831E-3</c:v>
                 </c:pt>
                 <c:pt idx="724">
-                  <c:v>2.1819669553564732E-3</c:v>
+                  <c:v>2.1819669553564741E-3</c:v>
                 </c:pt>
                 <c:pt idx="725">
-                  <c:v>2.1791843718816737E-3</c:v>
+                  <c:v>2.179184371881675E-3</c:v>
                 </c:pt>
                 <c:pt idx="726">
-                  <c:v>2.1764082248853073E-3</c:v>
+                  <c:v>2.1764082248853078E-3</c:v>
                 </c:pt>
                 <c:pt idx="727">
-                  <c:v>2.1736385881548689E-3</c:v>
+                  <c:v>2.1736385881548693E-3</c:v>
                 </c:pt>
                 <c:pt idx="728">
                   <c:v>2.1708755365931675E-3</c:v>
                 </c:pt>
                 <c:pt idx="729">
-                  <c:v>2.1681191461193003E-3</c:v>
+                  <c:v>2.1681191461193016E-3</c:v>
                 </c:pt>
                 <c:pt idx="730">
                   <c:v>2.1653694935643295E-3</c:v>
                 </c:pt>
                 <c:pt idx="731">
-                  <c:v>2.1626266565622871E-3</c:v>
+                  <c:v>2.1626266565622876E-3</c:v>
                 </c:pt>
                 <c:pt idx="732">
-                  <c:v>2.1598907134362339E-3</c:v>
+                  <c:v>2.1598907134362344E-3</c:v>
                 </c:pt>
                 <c:pt idx="733">
-                  <c:v>2.1571617430797972E-3</c:v>
+                  <c:v>2.1571617430797981E-3</c:v>
                 </c:pt>
                 <c:pt idx="734">
                   <c:v>2.1544398248342592E-3</c:v>
                 </c:pt>
                 <c:pt idx="735">
-                  <c:v>2.1517250383615519E-3</c:v>
+                  <c:v>2.1517250383615524E-3</c:v>
                 </c:pt>
                 <c:pt idx="736">
-                  <c:v>2.1490174635133701E-3</c:v>
+                  <c:v>2.1490174635133705E-3</c:v>
                 </c:pt>
                 <c:pt idx="737">
-                  <c:v>2.1463171801967169E-3</c:v>
+                  <c:v>2.1463171801967178E-3</c:v>
                 </c:pt>
                 <c:pt idx="738">
-                  <c:v>2.1436242682360898E-3</c:v>
+                  <c:v>2.1436242682360911E-3</c:v>
                 </c:pt>
                 <c:pt idx="739">
-                  <c:v>2.1409388072329669E-3</c:v>
+                  <c:v>2.1409388072329682E-3</c:v>
                 </c:pt>
                 <c:pt idx="740">
-                  <c:v>2.1382608764227069E-3</c:v>
+                  <c:v>2.1382608764227077E-3</c:v>
                 </c:pt>
                 <c:pt idx="741">
-                  <c:v>2.1355905545293406E-3</c:v>
+                  <c:v>2.1355905545293414E-3</c:v>
                 </c:pt>
                 <c:pt idx="742">
                   <c:v>2.1329279196188903E-3</c:v>
                 </c:pt>
                 <c:pt idx="743">
-                  <c:v>2.1302730489514482E-3</c:v>
+                  <c:v>2.130273048951449E-3</c:v>
                 </c:pt>
                 <c:pt idx="744">
-                  <c:v>2.1276260188326148E-3</c:v>
+                  <c:v>2.1276260188326161E-3</c:v>
                 </c:pt>
                 <c:pt idx="745">
-                  <c:v>2.1249869044649141E-3</c:v>
+                  <c:v>2.124986904464915E-3</c:v>
                 </c:pt>
                 <c:pt idx="746">
-                  <c:v>2.1223557797994431E-3</c:v>
+                  <c:v>2.1223557797994436E-3</c:v>
                 </c:pt>
                 <c:pt idx="747">
-                  <c:v>2.1197327173888528E-3</c:v>
+                  <c:v>2.1197327173888537E-3</c:v>
                 </c:pt>
                 <c:pt idx="748">
-                  <c:v>2.1171177882414092E-3</c:v>
+                  <c:v>2.1171177882414105E-3</c:v>
                 </c:pt>
                 <c:pt idx="749">
-                  <c:v>2.1145110616776672E-3</c:v>
+                  <c:v>2.1145110616776681E-3</c:v>
                 </c:pt>
                 <c:pt idx="750">
                   <c:v>2.1119126051894091E-3</c:v>
                 </c:pt>
                 <c:pt idx="751">
-                  <c:v>2.1093224843022323E-3</c:v>
+                  <c:v>2.1093224843022331E-3</c:v>
                 </c:pt>
                 <c:pt idx="752">
-                  <c:v>2.1067407624418373E-3</c:v>
+                  <c:v>2.1067407624418386E-3</c:v>
                 </c:pt>
                 <c:pt idx="753">
-                  <c:v>2.1041675008047623E-3</c:v>
+                  <c:v>2.1041675008047632E-3</c:v>
                 </c:pt>
                 <c:pt idx="754">
-                  <c:v>2.1016027582342741E-3</c:v>
+                  <c:v>2.1016027582342746E-3</c:v>
                 </c:pt>
                 <c:pt idx="755">
                   <c:v>2.0990465911016093E-3</c:v>
@@ -2814,34 +2815,34 @@
                   <c:v>2.0964990531935021E-3</c:v>
                 </c:pt>
                 <c:pt idx="757">
-                  <c:v>2.093960195606215E-3</c:v>
+                  <c:v>2.0939601956062154E-3</c:v>
                 </c:pt>
                 <c:pt idx="758">
-                  <c:v>2.091430066646634E-3</c:v>
+                  <c:v>2.0914300666466349E-3</c:v>
                 </c:pt>
                 <c:pt idx="759">
-                  <c:v>2.0889087117409041E-3</c:v>
+                  <c:v>2.0889087117409049E-3</c:v>
                 </c:pt>
                 <c:pt idx="760">
-                  <c:v>2.0863961733509889E-3</c:v>
+                  <c:v>2.0863961733509893E-3</c:v>
                 </c:pt>
                 <c:pt idx="761">
-                  <c:v>2.0838924908994634E-3</c:v>
+                  <c:v>2.0838924908994638E-3</c:v>
                 </c:pt>
                 <c:pt idx="762">
-                  <c:v>2.0813977007028859E-3</c:v>
+                  <c:v>2.0813977007028868E-3</c:v>
                 </c:pt>
                 <c:pt idx="763">
-                  <c:v>2.0789118359141943E-3</c:v>
+                  <c:v>2.0789118359141948E-3</c:v>
                 </c:pt>
                 <c:pt idx="764">
                   <c:v>2.0764349264739013E-3</c:v>
                 </c:pt>
                 <c:pt idx="765">
-                  <c:v>2.073966999070889E-3</c:v>
+                  <c:v>2.0739669990708885E-3</c:v>
                 </c:pt>
                 <c:pt idx="766">
-                  <c:v>2.0715080771122247E-3</c:v>
+                  <c:v>2.0715080771122251E-3</c:v>
                 </c:pt>
                 <c:pt idx="767">
                   <c:v>2.0690581807028393E-3</c:v>
@@ -2850,133 +2851,133 @@
                   <c:v>2.0666173266342212E-3</c:v>
                 </c:pt>
                 <c:pt idx="769">
-                  <c:v>2.0641855283828003E-3</c:v>
+                  <c:v>2.0641855283828011E-3</c:v>
                 </c:pt>
                 <c:pt idx="770">
-                  <c:v>2.0617627961174684E-3</c:v>
+                  <c:v>2.0617627961174692E-3</c:v>
                 </c:pt>
                 <c:pt idx="771">
-                  <c:v>2.0593491367163707E-3</c:v>
+                  <c:v>2.0593491367163711E-3</c:v>
                 </c:pt>
                 <c:pt idx="772">
-                  <c:v>2.056944553792532E-3</c:v>
+                  <c:v>2.0569445537925329E-3</c:v>
                 </c:pt>
                 <c:pt idx="773">
-                  <c:v>2.0545490477281818E-3</c:v>
+                  <c:v>2.0545490477281822E-3</c:v>
                 </c:pt>
                 <c:pt idx="774">
                   <c:v>2.0521626157175032E-3</c:v>
                 </c:pt>
                 <c:pt idx="775">
-                  <c:v>2.0497852518172803E-3</c:v>
+                  <c:v>2.0497852518172812E-3</c:v>
                 </c:pt>
                 <c:pt idx="776">
-                  <c:v>2.0474169470053091E-3</c:v>
+                  <c:v>2.0474169470053099E-3</c:v>
                 </c:pt>
                 <c:pt idx="777">
-                  <c:v>2.0450576892459315E-3</c:v>
+                  <c:v>2.0450576892459319E-3</c:v>
                 </c:pt>
                 <c:pt idx="778">
                   <c:v>2.0427074635622892E-3</c:v>
                 </c:pt>
                 <c:pt idx="779">
-                  <c:v>2.0403662521149483E-3</c:v>
+                  <c:v>2.0403662521149496E-3</c:v>
                 </c:pt>
                 <c:pt idx="780">
-                  <c:v>2.0380340342860967E-3</c:v>
+                  <c:v>2.0380340342860976E-3</c:v>
                 </c:pt>
                 <c:pt idx="781">
-                  <c:v>2.0357107867690575E-3</c:v>
+                  <c:v>2.0357107867690584E-3</c:v>
                 </c:pt>
                 <c:pt idx="782">
-                  <c:v>2.0333964836624641E-3</c:v>
+                  <c:v>2.0333964836624645E-3</c:v>
                 </c:pt>
                 <c:pt idx="783">
-                  <c:v>2.0310910965684425E-3</c:v>
+                  <c:v>2.031091096568443E-3</c:v>
                 </c:pt>
                 <c:pt idx="784">
-                  <c:v>2.0287945946945132E-3</c:v>
+                  <c:v>2.0287945946945141E-3</c:v>
                 </c:pt>
                 <c:pt idx="785">
-                  <c:v>2.0265069449581703E-3</c:v>
+                  <c:v>2.0265069449581707E-3</c:v>
                 </c:pt>
                 <c:pt idx="786">
-                  <c:v>2.0242281120941927E-3</c:v>
+                  <c:v>2.0242281120941936E-3</c:v>
                 </c:pt>
                 <c:pt idx="787">
-                  <c:v>2.0219580587637004E-3</c:v>
+                  <c:v>2.0219580587637009E-3</c:v>
                 </c:pt>
                 <c:pt idx="788">
-                  <c:v>2.0196967456644686E-3</c:v>
+                  <c:v>2.0196967456644691E-3</c:v>
                 </c:pt>
                 <c:pt idx="789">
-                  <c:v>2.0174441316421305E-3</c:v>
+                  <c:v>2.017444131642131E-3</c:v>
                 </c:pt>
                 <c:pt idx="790">
-                  <c:v>2.0152001738017187E-3</c:v>
+                  <c:v>2.0152001738017191E-3</c:v>
                 </c:pt>
                 <c:pt idx="791">
                   <c:v>2.0129648276189455E-3</c:v>
                 </c:pt>
                 <c:pt idx="792">
-                  <c:v>2.0107380470509042E-3</c:v>
+                  <c:v>2.010738047050905E-3</c:v>
                 </c:pt>
                 <c:pt idx="793">
-                  <c:v>2.0085197846457293E-3</c:v>
+                  <c:v>2.0085197846457297E-3</c:v>
                 </c:pt>
                 <c:pt idx="794">
-                  <c:v>2.0063099916507537E-3</c:v>
+                  <c:v>2.0063099916507545E-3</c:v>
                 </c:pt>
                 <c:pt idx="795">
                   <c:v>2.00410861811888E-3</c:v>
                 </c:pt>
                 <c:pt idx="796">
-                  <c:v>2.0019156130127828E-3</c:v>
+                  <c:v>2.0019156130127833E-3</c:v>
                 </c:pt>
                 <c:pt idx="797">
-                  <c:v>1.9997309243066489E-3</c:v>
+                  <c:v>1.9997309243066494E-3</c:v>
                 </c:pt>
                 <c:pt idx="798">
-                  <c:v>1.9975544990851104E-3</c:v>
+                  <c:v>1.9975544990851108E-3</c:v>
                 </c:pt>
                 <c:pt idx="799">
-                  <c:v>1.9953862836393577E-3</c:v>
+                  <c:v>1.9953862836393581E-3</c:v>
                 </c:pt>
                 <c:pt idx="800">
                   <c:v>1.9932262235599582E-3</c:v>
                 </c:pt>
                 <c:pt idx="801">
-                  <c:v>1.9910742638261916E-3</c:v>
+                  <c:v>1.991074263826192E-3</c:v>
                 </c:pt>
                 <c:pt idx="802">
-                  <c:v>1.9889303488922548E-3</c:v>
+                  <c:v>1.9889303488922552E-3</c:v>
                 </c:pt>
                 <c:pt idx="803">
                   <c:v>1.9867944227693586E-3</c:v>
                 </c:pt>
                 <c:pt idx="804">
-                  <c:v>1.9846664291045609E-3</c:v>
+                  <c:v>1.9846664291045613E-3</c:v>
                 </c:pt>
                 <c:pt idx="805">
-                  <c:v>1.9825463112555846E-3</c:v>
+                  <c:v>1.9825463112555851E-3</c:v>
                 </c:pt>
                 <c:pt idx="806">
-                  <c:v>1.9804340123618369E-3</c:v>
+                  <c:v>1.9804340123618373E-3</c:v>
                 </c:pt>
                 <c:pt idx="807">
                   <c:v>1.9783294754116983E-3</c:v>
                 </c:pt>
                 <c:pt idx="808">
-                  <c:v>1.976232643306066E-3</c:v>
+                  <c:v>1.9762326433060665E-3</c:v>
                 </c:pt>
                 <c:pt idx="809">
-                  <c:v>1.9741434589178809E-3</c:v>
+                  <c:v>1.9741434589178814E-3</c:v>
                 </c:pt>
                 <c:pt idx="810">
-                  <c:v>1.9720618651482341E-3</c:v>
+                  <c:v>1.9720618651482345E-3</c:v>
                 </c:pt>
                 <c:pt idx="811">
-                  <c:v>1.9699878049785941E-3</c:v>
+                  <c:v>1.9699878049785945E-3</c:v>
                 </c:pt>
                 <c:pt idx="812">
                   <c:v>1.9679212215195749E-3</c:v>
@@ -2991,556 +2992,556 @@
                   <c:v>1.9617657653758385E-3</c:v>
                 </c:pt>
                 <c:pt idx="816">
-                  <c:v>1.9597285239612255E-3</c:v>
+                  <c:v>1.959728523961226E-3</c:v>
                 </c:pt>
                 <c:pt idx="817">
                   <c:v>1.9576984782147125E-3</c:v>
                 </c:pt>
                 <c:pt idx="818">
-                  <c:v>1.9556755728573406E-3</c:v>
+                  <c:v>1.955675572857341E-3</c:v>
                 </c:pt>
                 <c:pt idx="819">
                   <c:v>1.9536597529891467E-3</c:v>
                 </c:pt>
                 <c:pt idx="820">
-                  <c:v>1.9516509641130967E-3</c:v>
+                  <c:v>1.9516509641130972E-3</c:v>
                 </c:pt>
                 <c:pt idx="821">
-                  <c:v>1.949649152156801E-3</c:v>
+                  <c:v>1.9496491521568014E-3</c:v>
                 </c:pt>
                 <c:pt idx="822">
-                  <c:v>1.9476542634917415E-3</c:v>
+                  <c:v>1.9476542634917419E-3</c:v>
                 </c:pt>
                 <c:pt idx="823">
-                  <c:v>1.9456662449502875E-3</c:v>
+                  <c:v>1.9456662449502877E-3</c:v>
                 </c:pt>
                 <c:pt idx="824">
-                  <c:v>1.9436850438406626E-3</c:v>
+                  <c:v>1.943685043840663E-3</c:v>
                 </c:pt>
                 <c:pt idx="825">
-                  <c:v>1.9417106079597788E-3</c:v>
+                  <c:v>1.941710607959779E-3</c:v>
                 </c:pt>
                 <c:pt idx="826">
-                  <c:v>1.9397428856046375E-3</c:v>
+                  <c:v>1.9397428856046377E-3</c:v>
                 </c:pt>
                 <c:pt idx="827">
-                  <c:v>1.9377818255814684E-3</c:v>
+                  <c:v>1.9377818255814688E-3</c:v>
                 </c:pt>
                 <c:pt idx="828">
-                  <c:v>1.9358273772138114E-3</c:v>
+                  <c:v>1.9358273772138118E-3</c:v>
                 </c:pt>
                 <c:pt idx="829">
                   <c:v>1.9338794903486724E-3</c:v>
                 </c:pt>
                 <c:pt idx="830">
-                  <c:v>1.9319381153616361E-3</c:v>
+                  <c:v>1.9319381153616363E-3</c:v>
                 </c:pt>
                 <c:pt idx="831">
-                  <c:v>1.9300032031605782E-3</c:v>
+                  <c:v>1.9300032031605784E-3</c:v>
                 </c:pt>
                 <c:pt idx="832">
-                  <c:v>1.928074705188259E-3</c:v>
+                  <c:v>1.9280747051882595E-3</c:v>
                 </c:pt>
                 <c:pt idx="833">
-                  <c:v>1.9261525734238201E-3</c:v>
+                  <c:v>1.9261525734238208E-3</c:v>
                 </c:pt>
                 <c:pt idx="834">
-                  <c:v>1.9242367603833615E-3</c:v>
+                  <c:v>1.9242367603833619E-3</c:v>
                 </c:pt>
                 <c:pt idx="835">
-                  <c:v>1.9223272191195382E-3</c:v>
+                  <c:v>1.9223272191195384E-3</c:v>
                 </c:pt>
                 <c:pt idx="836">
-                  <c:v>1.92042390322057E-3</c:v>
+                  <c:v>1.9204239032205703E-3</c:v>
                 </c:pt>
                 <c:pt idx="837">
-                  <c:v>1.9185267668082417E-3</c:v>
+                  <c:v>1.9185267668082422E-3</c:v>
                 </c:pt>
                 <c:pt idx="838">
-                  <c:v>1.9166357645354648E-3</c:v>
+                  <c:v>1.9166357645354652E-3</c:v>
                 </c:pt>
                 <c:pt idx="839">
-                  <c:v>1.9147508515831985E-3</c:v>
+                  <c:v>1.9147508515831987E-3</c:v>
                 </c:pt>
                 <c:pt idx="840">
-                  <c:v>1.9128719836567828E-3</c:v>
+                  <c:v>1.9128719836567834E-3</c:v>
                 </c:pt>
                 <c:pt idx="841">
-                  <c:v>1.9109991169818767E-3</c:v>
+                  <c:v>1.9109991169818769E-3</c:v>
                 </c:pt>
                 <c:pt idx="842">
-                  <c:v>1.9091322082999654E-3</c:v>
+                  <c:v>1.9091322082999656E-3</c:v>
                 </c:pt>
                 <c:pt idx="843">
-                  <c:v>1.907271214863491E-3</c:v>
+                  <c:v>1.9072712148634912E-3</c:v>
                 </c:pt>
                 <c:pt idx="844">
-                  <c:v>1.9054160944306977E-3</c:v>
+                  <c:v>1.9054160944306979E-3</c:v>
                 </c:pt>
                 <c:pt idx="845">
-                  <c:v>1.9035668052601832E-3</c:v>
+                  <c:v>1.9035668052601834E-3</c:v>
                 </c:pt>
                 <c:pt idx="846">
-                  <c:v>1.9017233061052042E-3</c:v>
+                  <c:v>1.9017233061052045E-3</c:v>
                 </c:pt>
                 <c:pt idx="847">
-                  <c:v>1.8998855562078105E-3</c:v>
+                  <c:v>1.899885556207811E-3</c:v>
                 </c:pt>
                 <c:pt idx="848">
-                  <c:v>1.8980535152927989E-3</c:v>
+                  <c:v>1.8980535152927996E-3</c:v>
                 </c:pt>
                 <c:pt idx="849">
-                  <c:v>1.8962271435615389E-3</c:v>
+                  <c:v>1.8962271435615397E-3</c:v>
                 </c:pt>
                 <c:pt idx="850">
-                  <c:v>1.8944064016856779E-3</c:v>
+                  <c:v>1.8944064016856786E-3</c:v>
                 </c:pt>
                 <c:pt idx="851">
-                  <c:v>1.8925912508007986E-3</c:v>
+                  <c:v>1.8925912508007989E-3</c:v>
                 </c:pt>
                 <c:pt idx="852">
                   <c:v>1.8907816524999343E-3</c:v>
                 </c:pt>
                 <c:pt idx="853">
-                  <c:v>1.8889775688271755E-3</c:v>
+                  <c:v>1.8889775688271761E-3</c:v>
                 </c:pt>
                 <c:pt idx="854">
-                  <c:v>1.8871789622710775E-3</c:v>
+                  <c:v>1.8871789622710781E-3</c:v>
                 </c:pt>
                 <c:pt idx="855">
-                  <c:v>1.8853857957582337E-3</c:v>
+                  <c:v>1.8853857957582343E-3</c:v>
                 </c:pt>
                 <c:pt idx="856">
-                  <c:v>1.8835980326467876E-3</c:v>
+                  <c:v>1.8835980326467883E-3</c:v>
                 </c:pt>
                 <c:pt idx="857">
-                  <c:v>1.8818156367198951E-3</c:v>
+                  <c:v>1.8818156367198956E-3</c:v>
                 </c:pt>
                 <c:pt idx="858">
-                  <c:v>1.8800385721792869E-3</c:v>
+                  <c:v>1.8800385721792873E-3</c:v>
                 </c:pt>
                 <c:pt idx="859">
-                  <c:v>1.8782668036390043E-3</c:v>
+                  <c:v>1.8782668036390047E-3</c:v>
                 </c:pt>
                 <c:pt idx="860">
-                  <c:v>1.8765002961188642E-3</c:v>
+                  <c:v>1.8765002961188646E-3</c:v>
                 </c:pt>
                 <c:pt idx="861">
-                  <c:v>1.8747390150382676E-3</c:v>
+                  <c:v>1.8747390150382682E-3</c:v>
                 </c:pt>
                 <c:pt idx="862">
-                  <c:v>1.8729829262100271E-3</c:v>
+                  <c:v>1.872982926210028E-3</c:v>
                 </c:pt>
                 <c:pt idx="863">
-                  <c:v>1.8712319958340809E-3</c:v>
+                  <c:v>1.8712319958340811E-3</c:v>
                 </c:pt>
                 <c:pt idx="864">
-                  <c:v>1.8694861904915824E-3</c:v>
+                  <c:v>1.8694861904915829E-3</c:v>
                 </c:pt>
                 <c:pt idx="865">
-                  <c:v>1.867745477138763E-3</c:v>
+                  <c:v>1.8677454771387637E-3</c:v>
                 </c:pt>
                 <c:pt idx="866">
-                  <c:v>1.8660098231010919E-3</c:v>
+                  <c:v>1.8660098231010926E-3</c:v>
                 </c:pt>
                 <c:pt idx="867">
-                  <c:v>1.8642791960675042E-3</c:v>
+                  <c:v>1.8642791960675046E-3</c:v>
                 </c:pt>
                 <c:pt idx="868">
-                  <c:v>1.8625535640845576E-3</c:v>
+                  <c:v>1.8625535640845584E-3</c:v>
                 </c:pt>
                 <c:pt idx="869">
-                  <c:v>1.8608328955509188E-3</c:v>
+                  <c:v>1.8608328955509192E-3</c:v>
                 </c:pt>
                 <c:pt idx="870">
-                  <c:v>1.8591171592116738E-3</c:v>
+                  <c:v>1.8591171592116746E-3</c:v>
                 </c:pt>
                 <c:pt idx="871">
-                  <c:v>1.8574063241530391E-3</c:v>
+                  <c:v>1.8574063241530397E-3</c:v>
                 </c:pt>
                 <c:pt idx="872">
-                  <c:v>1.8557003597968738E-3</c:v>
+                  <c:v>1.8557003597968744E-3</c:v>
                 </c:pt>
                 <c:pt idx="873">
-                  <c:v>1.8539992358955078E-3</c:v>
+                  <c:v>1.8539992358955083E-3</c:v>
                 </c:pt>
                 <c:pt idx="874">
-                  <c:v>1.8523029225265045E-3</c:v>
+                  <c:v>1.8523029225265054E-3</c:v>
                 </c:pt>
                 <c:pt idx="875">
-                  <c:v>1.8506113900876281E-3</c:v>
+                  <c:v>1.8506113900876283E-3</c:v>
                 </c:pt>
                 <c:pt idx="876">
-                  <c:v>1.8489246092918774E-3</c:v>
+                  <c:v>1.8489246092918779E-3</c:v>
                 </c:pt>
                 <c:pt idx="877">
-                  <c:v>1.847242551162554E-3</c:v>
+                  <c:v>1.8472425511625544E-3</c:v>
                 </c:pt>
                 <c:pt idx="878">
-                  <c:v>1.845565187028525E-3</c:v>
+                  <c:v>1.8455651870285254E-3</c:v>
                 </c:pt>
                 <c:pt idx="879">
                   <c:v>1.8438924885194425E-3</c:v>
                 </c:pt>
                 <c:pt idx="880">
-                  <c:v>1.8422244275612498E-3</c:v>
+                  <c:v>1.8422244275612505E-3</c:v>
                 </c:pt>
                 <c:pt idx="881">
-                  <c:v>1.840560976371555E-3</c:v>
+                  <c:v>1.8405609763715559E-3</c:v>
                 </c:pt>
                 <c:pt idx="882">
-                  <c:v>1.8389021074552412E-3</c:v>
+                  <c:v>1.8389021074552419E-3</c:v>
                 </c:pt>
                 <c:pt idx="883">
-                  <c:v>1.8372477936001396E-3</c:v>
+                  <c:v>1.8372477936001402E-3</c:v>
                 </c:pt>
                 <c:pt idx="884">
-                  <c:v>1.8355980078726968E-3</c:v>
+                  <c:v>1.835598007872697E-3</c:v>
                 </c:pt>
                 <c:pt idx="885">
-                  <c:v>1.8339527236139171E-3</c:v>
+                  <c:v>1.8339527236139177E-3</c:v>
                 </c:pt>
                 <c:pt idx="886">
-                  <c:v>1.832311914435097E-3</c:v>
+                  <c:v>1.8323119144350976E-3</c:v>
                 </c:pt>
                 <c:pt idx="887">
-                  <c:v>1.8306755542140062E-3</c:v>
+                  <c:v>1.8306755542140066E-3</c:v>
                 </c:pt>
                 <c:pt idx="888">
-                  <c:v>1.8290436170907481E-3</c:v>
+                  <c:v>1.8290436170907483E-3</c:v>
                 </c:pt>
                 <c:pt idx="889">
-                  <c:v>1.8274160774641179E-3</c:v>
+                  <c:v>1.8274160774641181E-3</c:v>
                 </c:pt>
                 <c:pt idx="890">
-                  <c:v>1.8257929099875822E-3</c:v>
+                  <c:v>1.8257929099875826E-3</c:v>
                 </c:pt>
                 <c:pt idx="891">
-                  <c:v>1.8241740895657806E-3</c:v>
+                  <c:v>1.8241740895657812E-3</c:v>
                 </c:pt>
                 <c:pt idx="892">
-                  <c:v>1.8225595913507202E-3</c:v>
+                  <c:v>1.8225595913507208E-3</c:v>
                 </c:pt>
                 <c:pt idx="893">
-                  <c:v>1.8209493907383985E-3</c:v>
+                  <c:v>1.8209493907383988E-3</c:v>
                 </c:pt>
                 <c:pt idx="894">
-                  <c:v>1.8193434633650696E-3</c:v>
+                  <c:v>1.8193434633650702E-3</c:v>
                 </c:pt>
                 <c:pt idx="895">
-                  <c:v>1.8177417851039939E-3</c:v>
+                  <c:v>1.8177417851039941E-3</c:v>
                 </c:pt>
                 <c:pt idx="896">
-                  <c:v>1.8161443320620259E-3</c:v>
+                  <c:v>1.8161443320620263E-3</c:v>
                 </c:pt>
                 <c:pt idx="897">
-                  <c:v>1.8145510805763134E-3</c:v>
+                  <c:v>1.814551080576314E-3</c:v>
                 </c:pt>
                 <c:pt idx="898">
-                  <c:v>1.8129620072110508E-3</c:v>
+                  <c:v>1.8129620072110512E-3</c:v>
                 </c:pt>
                 <c:pt idx="899">
-                  <c:v>1.8113770887542809E-3</c:v>
+                  <c:v>1.8113770887542814E-3</c:v>
                 </c:pt>
                 <c:pt idx="900">
-                  <c:v>1.8097963022148736E-3</c:v>
+                  <c:v>1.8097963022148738E-3</c:v>
                 </c:pt>
                 <c:pt idx="901">
-                  <c:v>1.8082196248193681E-3</c:v>
+                  <c:v>1.8082196248193686E-3</c:v>
                 </c:pt>
                 <c:pt idx="902">
-                  <c:v>1.8066470340090282E-3</c:v>
+                  <c:v>1.8066470340090289E-3</c:v>
                 </c:pt>
                 <c:pt idx="903">
-                  <c:v>1.8050785074369218E-3</c:v>
+                  <c:v>1.8050785074369225E-3</c:v>
                 </c:pt>
                 <c:pt idx="904">
-                  <c:v>1.8035140229649667E-3</c:v>
+                  <c:v>1.8035140229649669E-3</c:v>
                 </c:pt>
                 <c:pt idx="905">
-                  <c:v>1.8019535586611612E-3</c:v>
+                  <c:v>1.8019535586611616E-3</c:v>
                 </c:pt>
                 <c:pt idx="906">
-                  <c:v>1.8003970927967952E-3</c:v>
+                  <c:v>1.8003970927967959E-3</c:v>
                 </c:pt>
                 <c:pt idx="907">
-                  <c:v>1.7988446038436543E-3</c:v>
+                  <c:v>1.7988446038436547E-3</c:v>
                 </c:pt>
                 <c:pt idx="908">
-                  <c:v>1.7972960704714807E-3</c:v>
+                  <c:v>1.7972960704714812E-3</c:v>
                 </c:pt>
                 <c:pt idx="909">
-                  <c:v>1.7957514715451841E-3</c:v>
+                  <c:v>1.7957514715451846E-3</c:v>
                 </c:pt>
                 <c:pt idx="910">
-                  <c:v>1.7942107861223411E-3</c:v>
+                  <c:v>1.7942107861223418E-3</c:v>
                 </c:pt>
                 <c:pt idx="911">
-                  <c:v>1.7926739934507E-3</c:v>
+                  <c:v>1.7926739934507007E-3</c:v>
                 </c:pt>
                 <c:pt idx="912">
-                  <c:v>1.7911410729655817E-3</c:v>
+                  <c:v>1.7911410729655824E-3</c:v>
                 </c:pt>
                 <c:pt idx="913">
-                  <c:v>1.7896120042874986E-3</c:v>
+                  <c:v>1.7896120042874993E-3</c:v>
                 </c:pt>
                 <c:pt idx="914">
-                  <c:v>1.7880867672198113E-3</c:v>
+                  <c:v>1.7880867672198119E-3</c:v>
                 </c:pt>
                 <c:pt idx="915">
-                  <c:v>1.7865653417461769E-3</c:v>
+                  <c:v>1.7865653417461775E-3</c:v>
                 </c:pt>
                 <c:pt idx="916">
-                  <c:v>1.7850477080284632E-3</c:v>
+                  <c:v>1.7850477080284639E-3</c:v>
                 </c:pt>
                 <c:pt idx="917">
-                  <c:v>1.7835338464043111E-3</c:v>
+                  <c:v>1.7835338464043116E-3</c:v>
                 </c:pt>
                 <c:pt idx="918">
-                  <c:v>1.7820237373849309E-3</c:v>
+                  <c:v>1.7820237373849313E-3</c:v>
                 </c:pt>
                 <c:pt idx="919">
-                  <c:v>1.7805173616529172E-3</c:v>
+                  <c:v>1.7805173616529182E-3</c:v>
                 </c:pt>
                 <c:pt idx="920">
-                  <c:v>1.7790147000600917E-3</c:v>
+                  <c:v>1.7790147000600921E-3</c:v>
                 </c:pt>
                 <c:pt idx="921">
-                  <c:v>1.7775157336253487E-3</c:v>
+                  <c:v>1.7775157336253494E-3</c:v>
                 </c:pt>
                 <c:pt idx="922">
-                  <c:v>1.7760204435325645E-3</c:v>
+                  <c:v>1.776020443532565E-3</c:v>
                 </c:pt>
                 <c:pt idx="923">
-                  <c:v>1.7745288111285875E-3</c:v>
+                  <c:v>1.7745288111285882E-3</c:v>
                 </c:pt>
                 <c:pt idx="924">
-                  <c:v>1.7730408179211336E-3</c:v>
+                  <c:v>1.7730408179211343E-3</c:v>
                 </c:pt>
                 <c:pt idx="925">
-                  <c:v>1.7715564455768917E-3</c:v>
+                  <c:v>1.7715564455768923E-3</c:v>
                 </c:pt>
                 <c:pt idx="926">
-                  <c:v>1.770075675919514E-3</c:v>
+                  <c:v>1.7700756759195147E-3</c:v>
                 </c:pt>
                 <c:pt idx="927">
-                  <c:v>1.7685984909276359E-3</c:v>
+                  <c:v>1.7685984909276363E-3</c:v>
                 </c:pt>
                 <c:pt idx="928">
-                  <c:v>1.7671248727331602E-3</c:v>
+                  <c:v>1.7671248727331606E-3</c:v>
                 </c:pt>
                 <c:pt idx="929">
-                  <c:v>1.7656548036192013E-3</c:v>
+                  <c:v>1.765654803619202E-3</c:v>
                 </c:pt>
                 <c:pt idx="930">
-                  <c:v>1.7641882660183444E-3</c:v>
+                  <c:v>1.7641882660183452E-3</c:v>
                 </c:pt>
                 <c:pt idx="931">
-                  <c:v>1.7627252425108913E-3</c:v>
+                  <c:v>1.7627252425108917E-3</c:v>
                 </c:pt>
                 <c:pt idx="932">
-                  <c:v>1.7612657158229774E-3</c:v>
+                  <c:v>1.7612657158229779E-3</c:v>
                 </c:pt>
                 <c:pt idx="933">
-                  <c:v>1.7598096688248978E-3</c:v>
+                  <c:v>1.7598096688248982E-3</c:v>
                 </c:pt>
                 <c:pt idx="934">
-                  <c:v>1.7583570845294051E-3</c:v>
+                  <c:v>1.7583570845294059E-3</c:v>
                 </c:pt>
                 <c:pt idx="935">
-                  <c:v>1.7569079460899493E-3</c:v>
+                  <c:v>1.7569079460899499E-3</c:v>
                 </c:pt>
                 <c:pt idx="936">
-                  <c:v>1.7554622367990738E-3</c:v>
+                  <c:v>1.7554622367990744E-3</c:v>
                 </c:pt>
                 <c:pt idx="937">
-                  <c:v>1.7540199400867681E-3</c:v>
+                  <c:v>1.7540199400867687E-3</c:v>
                 </c:pt>
                 <c:pt idx="938">
-                  <c:v>1.7525810395188106E-3</c:v>
+                  <c:v>1.7525810395188114E-3</c:v>
                 </c:pt>
                 <c:pt idx="939">
-                  <c:v>1.7511455187952866E-3</c:v>
+                  <c:v>1.7511455187952873E-3</c:v>
                 </c:pt>
                 <c:pt idx="940">
-                  <c:v>1.7497133617489229E-3</c:v>
+                  <c:v>1.7497133617489235E-3</c:v>
                 </c:pt>
                 <c:pt idx="941">
-                  <c:v>1.7482845523435447E-3</c:v>
+                  <c:v>1.7482845523435454E-3</c:v>
                 </c:pt>
                 <c:pt idx="942">
-                  <c:v>1.7468590746726562E-3</c:v>
+                  <c:v>1.7468590746726569E-3</c:v>
                 </c:pt>
                 <c:pt idx="943">
-                  <c:v>1.7454369129578557E-3</c:v>
+                  <c:v>1.7454369129578562E-3</c:v>
                 </c:pt>
                 <c:pt idx="944">
-                  <c:v>1.7440180515474464E-3</c:v>
+                  <c:v>1.744018051547447E-3</c:v>
                 </c:pt>
                 <c:pt idx="945">
-                  <c:v>1.7426024749148848E-3</c:v>
+                  <c:v>1.7426024749148856E-3</c:v>
                 </c:pt>
                 <c:pt idx="946">
-                  <c:v>1.7411901676574592E-3</c:v>
+                  <c:v>1.7411901676574596E-3</c:v>
                 </c:pt>
                 <c:pt idx="947">
-                  <c:v>1.7397811144948367E-3</c:v>
+                  <c:v>1.7397811144948371E-3</c:v>
                 </c:pt>
                 <c:pt idx="948">
-                  <c:v>1.7383753002676672E-3</c:v>
+                  <c:v>1.7383753002676678E-3</c:v>
                 </c:pt>
                 <c:pt idx="949">
-                  <c:v>1.7369727099362207E-3</c:v>
+                  <c:v>1.7369727099362216E-3</c:v>
                 </c:pt>
                 <c:pt idx="950">
-                  <c:v>1.7355733285790939E-3</c:v>
+                  <c:v>1.7355733285790943E-3</c:v>
                 </c:pt>
                 <c:pt idx="951">
-                  <c:v>1.7341771413918266E-3</c:v>
+                  <c:v>1.7341771413918277E-3</c:v>
                 </c:pt>
                 <c:pt idx="952">
-                  <c:v>1.7327841336856559E-3</c:v>
+                  <c:v>1.7327841336856565E-3</c:v>
                 </c:pt>
                 <c:pt idx="953">
-                  <c:v>1.7313942908861377E-3</c:v>
+                  <c:v>1.7313942908861379E-3</c:v>
                 </c:pt>
                 <c:pt idx="954">
-                  <c:v>1.73000759853198E-3</c:v>
+                  <c:v>1.7300075985319807E-3</c:v>
                 </c:pt>
                 <c:pt idx="955">
-                  <c:v>1.7286240422737511E-3</c:v>
+                  <c:v>1.7286240422737516E-3</c:v>
                 </c:pt>
                 <c:pt idx="956">
-                  <c:v>1.727243607872642E-3</c:v>
+                  <c:v>1.7272436078726422E-3</c:v>
                 </c:pt>
                 <c:pt idx="957">
                   <c:v>1.7258662811992381E-3</c:v>
                 </c:pt>
                 <c:pt idx="958">
-                  <c:v>1.7244920482324016E-3</c:v>
+                  <c:v>1.7244920482324022E-3</c:v>
                 </c:pt>
                 <c:pt idx="959">
-                  <c:v>1.7231208950579458E-3</c:v>
+                  <c:v>1.7231208950579462E-3</c:v>
                 </c:pt>
                 <c:pt idx="960">
-                  <c:v>1.72175280786765E-3</c:v>
+                  <c:v>1.7217528078676504E-3</c:v>
                 </c:pt>
                 <c:pt idx="961">
-                  <c:v>1.720387772957997E-3</c:v>
+                  <c:v>1.7203877729579976E-3</c:v>
                 </c:pt>
                 <c:pt idx="962">
-                  <c:v>1.7190257767290566E-3</c:v>
+                  <c:v>1.7190257767290571E-3</c:v>
                 </c:pt>
                 <c:pt idx="963">
-                  <c:v>1.7176668056834042E-3</c:v>
+                  <c:v>1.7176668056834046E-3</c:v>
                 </c:pt>
                 <c:pt idx="964">
-                  <c:v>1.7163108464249824E-3</c:v>
+                  <c:v>1.716310846424983E-3</c:v>
                 </c:pt>
                 <c:pt idx="965">
-                  <c:v>1.7149578856580452E-3</c:v>
+                  <c:v>1.7149578856580461E-3</c:v>
                 </c:pt>
                 <c:pt idx="966">
-                  <c:v>1.7136079101861183E-3</c:v>
+                  <c:v>1.7136079101861188E-3</c:v>
                 </c:pt>
                 <c:pt idx="967">
-                  <c:v>1.7122609069108446E-3</c:v>
+                  <c:v>1.7122609069108454E-3</c:v>
                 </c:pt>
                 <c:pt idx="968">
-                  <c:v>1.7109168628310603E-3</c:v>
+                  <c:v>1.710916862831061E-3</c:v>
                 </c:pt>
                 <c:pt idx="969">
-                  <c:v>1.7095757650416935E-3</c:v>
+                  <c:v>1.7095757650416941E-3</c:v>
                 </c:pt>
                 <c:pt idx="970">
-                  <c:v>1.7082376007327761E-3</c:v>
+                  <c:v>1.7082376007327765E-3</c:v>
                 </c:pt>
                 <c:pt idx="971">
-                  <c:v>1.706902357188463E-3</c:v>
+                  <c:v>1.7069023571884634E-3</c:v>
                 </c:pt>
                 <c:pt idx="972">
-                  <c:v>1.7055700217860088E-3</c:v>
+                  <c:v>1.7055700217860096E-3</c:v>
                 </c:pt>
                 <c:pt idx="973">
-                  <c:v>1.7042405819948216E-3</c:v>
+                  <c:v>1.7042405819948224E-3</c:v>
                 </c:pt>
                 <c:pt idx="974">
-                  <c:v>1.7029140253755203E-3</c:v>
+                  <c:v>1.7029140253755207E-3</c:v>
                 </c:pt>
                 <c:pt idx="975">
-                  <c:v>1.7015903395789626E-3</c:v>
+                  <c:v>1.701590339578963E-3</c:v>
                 </c:pt>
                 <c:pt idx="976">
-                  <c:v>1.7002695123452941E-3</c:v>
+                  <c:v>1.7002695123452944E-3</c:v>
                 </c:pt>
                 <c:pt idx="977">
-                  <c:v>1.6989515315030763E-3</c:v>
+                  <c:v>1.698951531503077E-3</c:v>
                 </c:pt>
                 <c:pt idx="978">
-                  <c:v>1.6976363849683521E-3</c:v>
+                  <c:v>1.6976363849683523E-3</c:v>
                 </c:pt>
                 <c:pt idx="979">
-                  <c:v>1.6963240607437353E-3</c:v>
+                  <c:v>1.6963240607437359E-3</c:v>
                 </c:pt>
                 <c:pt idx="980">
-                  <c:v>1.6950145469175955E-3</c:v>
+                  <c:v>1.6950145469175962E-3</c:v>
                 </c:pt>
                 <c:pt idx="981">
-                  <c:v>1.6937078316630475E-3</c:v>
+                  <c:v>1.6937078316630481E-3</c:v>
                 </c:pt>
                 <c:pt idx="982">
-                  <c:v>1.6924039032372481E-3</c:v>
+                  <c:v>1.6924039032372485E-3</c:v>
                 </c:pt>
                 <c:pt idx="983">
-                  <c:v>1.6911027499804188E-3</c:v>
+                  <c:v>1.6911027499804194E-3</c:v>
                 </c:pt>
                 <c:pt idx="984">
-                  <c:v>1.6898043603150966E-3</c:v>
+                  <c:v>1.6898043603150968E-3</c:v>
                 </c:pt>
                 <c:pt idx="985">
-                  <c:v>1.6885087227452367E-3</c:v>
+                  <c:v>1.6885087227452374E-3</c:v>
                 </c:pt>
                 <c:pt idx="986">
-                  <c:v>1.6872158258554642E-3</c:v>
+                  <c:v>1.6872158258554647E-3</c:v>
                 </c:pt>
                 <c:pt idx="987">
                   <c:v>1.6859256583101742E-3</c:v>
                 </c:pt>
                 <c:pt idx="988">
-                  <c:v>1.6846382088528534E-3</c:v>
+                  <c:v>1.6846382088528539E-3</c:v>
                 </c:pt>
                 <c:pt idx="989">
-                  <c:v>1.6833534663051528E-3</c:v>
+                  <c:v>1.6833534663051534E-3</c:v>
                 </c:pt>
                 <c:pt idx="990">
-                  <c:v>1.6820714195662494E-3</c:v>
+                  <c:v>1.6820714195662503E-3</c:v>
                 </c:pt>
                 <c:pt idx="991">
-                  <c:v>1.6807920576119816E-3</c:v>
+                  <c:v>1.680792057611982E-3</c:v>
                 </c:pt>
                 <c:pt idx="992">
-                  <c:v>1.679515369494144E-3</c:v>
+                  <c:v>1.6795153694941444E-3</c:v>
                 </c:pt>
                 <c:pt idx="993">
-                  <c:v>1.6782413443396696E-3</c:v>
+                  <c:v>1.6782413443396701E-3</c:v>
                 </c:pt>
                 <c:pt idx="994">
-                  <c:v>1.6769699713500492E-3</c:v>
+                  <c:v>1.6769699713500498E-3</c:v>
                 </c:pt>
                 <c:pt idx="995">
-                  <c:v>1.6757012398003744E-3</c:v>
+                  <c:v>1.6757012398003748E-3</c:v>
                 </c:pt>
                 <c:pt idx="996">
-                  <c:v>1.6744351390388052E-3</c:v>
+                  <c:v>1.674435139038806E-3</c:v>
                 </c:pt>
                 <c:pt idx="997">
-                  <c:v>1.673171658485788E-3</c:v>
+                  <c:v>1.6731716584857882E-3</c:v>
                 </c:pt>
                 <c:pt idx="998">
-                  <c:v>1.6719107876333652E-3</c:v>
+                  <c:v>1.6719107876333656E-3</c:v>
                 </c:pt>
                 <c:pt idx="999">
-                  <c:v>1.6706525160444187E-3</c:v>
+                  <c:v>1.6706525160444191E-3</c:v>
                 </c:pt>
               </c:numCache>
             </c:numRef>
@@ -3570,34 +3571,34 @@
                 <c:formatCode>General</c:formatCode>
                 <c:ptCount val="1000"/>
                 <c:pt idx="0">
-                  <c:v>0.70683390472256002</c:v>
+                  <c:v>0.70683390472255991</c:v>
                 </c:pt>
                 <c:pt idx="1">
-                  <c:v>0.54860945372854086</c:v>
+                  <c:v>0.54860945372854109</c:v>
                 </c:pt>
                 <c:pt idx="2">
-                  <c:v>0.423055183430051</c:v>
+                  <c:v>0.42305518343005105</c:v>
                 </c:pt>
                 <c:pt idx="3">
-                  <c:v>0.37474467776165621</c:v>
+                  <c:v>0.37474467776165632</c:v>
                 </c:pt>
                 <c:pt idx="4">
-                  <c:v>0.32521218625372539</c:v>
+                  <c:v>0.32521218625372544</c:v>
                 </c:pt>
                 <c:pt idx="5">
-                  <c:v>0.26851079178740594</c:v>
+                  <c:v>0.26851079178740606</c:v>
                 </c:pt>
                 <c:pt idx="6">
-                  <c:v>0.23748296616066936</c:v>
+                  <c:v>0.23748296616066938</c:v>
                 </c:pt>
                 <c:pt idx="7">
                   <c:v>0.21047047226554633</c:v>
                 </c:pt>
                 <c:pt idx="8">
-                  <c:v>0.18200898000299351</c:v>
+                  <c:v>0.18200898000299356</c:v>
                 </c:pt>
                 <c:pt idx="9">
-                  <c:v>0.16004105649405559</c:v>
+                  <c:v>0.16004105649405562</c:v>
                 </c:pt>
                 <c:pt idx="10">
                   <c:v>0.14937066528220189</c:v>
@@ -3612,310 +3613,310 @@
                   <c:v>0.12295210688977158</c:v>
                 </c:pt>
                 <c:pt idx="14">
-                  <c:v>0.11208540311989987</c:v>
+                  <c:v>0.11208540311989988</c:v>
                 </c:pt>
                 <c:pt idx="15">
                   <c:v>0.10532958594482236</c:v>
                 </c:pt>
                 <c:pt idx="16">
-                  <c:v>9.8242228047359118E-2</c:v>
+                  <c:v>9.8242228047359145E-2</c:v>
                 </c:pt>
                 <c:pt idx="17">
                   <c:v>8.8332312222128007E-2</c:v>
                 </c:pt>
                 <c:pt idx="18">
-                  <c:v>7.5918417044317399E-2</c:v>
+                  <c:v>7.5918417044317427E-2</c:v>
                 </c:pt>
                 <c:pt idx="19">
                   <c:v>6.5952152446168921E-2</c:v>
                 </c:pt>
                 <c:pt idx="20">
-                  <c:v>5.8945081823097017E-2</c:v>
+                  <c:v>5.8945081823097024E-2</c:v>
                 </c:pt>
                 <c:pt idx="21">
-                  <c:v>5.0749246199588795E-2</c:v>
+                  <c:v>5.0749246199588802E-2</c:v>
                 </c:pt>
                 <c:pt idx="22">
-                  <c:v>4.2032169414805663E-2</c:v>
+                  <c:v>4.2032169414805677E-2</c:v>
                 </c:pt>
                 <c:pt idx="23">
-                  <c:v>3.8123383283117145E-2</c:v>
+                  <c:v>3.8123383283117152E-2</c:v>
                 </c:pt>
                 <c:pt idx="24">
-                  <c:v>3.5535236626852026E-2</c:v>
+                  <c:v>3.5535236626852033E-2</c:v>
                 </c:pt>
                 <c:pt idx="25">
-                  <c:v>3.3411283423651454E-2</c:v>
+                  <c:v>3.3411283423651461E-2</c:v>
                 </c:pt>
                 <c:pt idx="26">
                   <c:v>3.1374349244138594E-2</c:v>
                 </c:pt>
                 <c:pt idx="27">
-                  <c:v>2.9662719074249066E-2</c:v>
+                  <c:v>2.9662719074249073E-2</c:v>
                 </c:pt>
                 <c:pt idx="28">
                   <c:v>2.8362534560726869E-2</c:v>
                 </c:pt>
                 <c:pt idx="29">
-                  <c:v>2.7277446345210853E-2</c:v>
+                  <c:v>2.727744634521086E-2</c:v>
                 </c:pt>
                 <c:pt idx="30">
-                  <c:v>2.6268936283088754E-2</c:v>
+                  <c:v>2.6268936283088757E-2</c:v>
                 </c:pt>
                 <c:pt idx="31">
-                  <c:v>2.5318307643808154E-2</c:v>
+                  <c:v>2.5318307643808158E-2</c:v>
                 </c:pt>
                 <c:pt idx="32">
-                  <c:v>2.4442745064958263E-2</c:v>
+                  <c:v>2.444274506495827E-2</c:v>
                 </c:pt>
                 <c:pt idx="33">
-                  <c:v>2.3646133756753698E-2</c:v>
+                  <c:v>2.3646133756753701E-2</c:v>
                 </c:pt>
                 <c:pt idx="34">
                   <c:v>2.2926189958987143E-2</c:v>
                 </c:pt>
                 <c:pt idx="35">
-                  <c:v>2.2279253267387698E-2</c:v>
+                  <c:v>2.2279253267387701E-2</c:v>
                 </c:pt>
                 <c:pt idx="36">
-                  <c:v>2.1692070130529869E-2</c:v>
+                  <c:v>2.1692070130529876E-2</c:v>
                 </c:pt>
                 <c:pt idx="37">
-                  <c:v>2.1148393988778085E-2</c:v>
+                  <c:v>2.1148393988778089E-2</c:v>
                 </c:pt>
                 <c:pt idx="38">
-                  <c:v>2.0640637171024063E-2</c:v>
+                  <c:v>2.0640637171024077E-2</c:v>
                 </c:pt>
                 <c:pt idx="39">
-                  <c:v>2.0168643668973005E-2</c:v>
+                  <c:v>2.0168643668973009E-2</c:v>
                 </c:pt>
                 <c:pt idx="40">
-                  <c:v>1.9732130098522111E-2</c:v>
+                  <c:v>1.9732130098522115E-2</c:v>
                 </c:pt>
                 <c:pt idx="41">
-                  <c:v>1.9327575754431402E-2</c:v>
+                  <c:v>1.9327575754431406E-2</c:v>
                 </c:pt>
                 <c:pt idx="42">
-                  <c:v>1.8950009882016831E-2</c:v>
+                  <c:v>1.8950009882016835E-2</c:v>
                 </c:pt>
                 <c:pt idx="43">
-                  <c:v>1.8595329311676456E-2</c:v>
+                  <c:v>1.8595329311676463E-2</c:v>
                 </c:pt>
                 <c:pt idx="44">
-                  <c:v>1.826089979730287E-2</c:v>
+                  <c:v>1.8260899797302877E-2</c:v>
                 </c:pt>
                 <c:pt idx="45">
-                  <c:v>1.7944816975618956E-2</c:v>
+                  <c:v>1.7944816975618963E-2</c:v>
                 </c:pt>
                 <c:pt idx="46">
-                  <c:v>1.76452495745071E-2</c:v>
+                  <c:v>1.7645249574507103E-2</c:v>
                 </c:pt>
                 <c:pt idx="47">
-                  <c:v>1.7360538737389179E-2</c:v>
+                  <c:v>1.7360538737389186E-2</c:v>
                 </c:pt>
                 <c:pt idx="48">
-                  <c:v>1.7089347709962663E-2</c:v>
+                  <c:v>1.7089347709962666E-2</c:v>
                 </c:pt>
                 <c:pt idx="49">
-                  <c:v>1.683042732372669E-2</c:v>
+                  <c:v>1.6830427323726693E-2</c:v>
                 </c:pt>
                 <c:pt idx="50">
-                  <c:v>1.6582470184115385E-2</c:v>
+                  <c:v>1.6582470184115392E-2</c:v>
                 </c:pt>
                 <c:pt idx="51">
-                  <c:v>1.6344268000572683E-2</c:v>
+                  <c:v>1.6344268000572686E-2</c:v>
                 </c:pt>
                 <c:pt idx="52">
-                  <c:v>1.6114832819173024E-2</c:v>
+                  <c:v>1.6114832819173027E-2</c:v>
                 </c:pt>
                 <c:pt idx="53">
-                  <c:v>1.5893338353243178E-2</c:v>
+                  <c:v>1.5893338353243181E-2</c:v>
                 </c:pt>
                 <c:pt idx="54">
                   <c:v>1.5679063433486941E-2</c:v>
                 </c:pt>
                 <c:pt idx="55">
-                  <c:v>1.5471409954101033E-2</c:v>
+                  <c:v>1.5471409954101034E-2</c:v>
                 </c:pt>
                 <c:pt idx="56">
-                  <c:v>1.5269903295232612E-2</c:v>
+                  <c:v>1.5269903295232617E-2</c:v>
                 </c:pt>
                 <c:pt idx="57">
-                  <c:v>1.5074145893240826E-2</c:v>
+                  <c:v>1.5074145893240827E-2</c:v>
                 </c:pt>
                 <c:pt idx="58">
-                  <c:v>1.4883777209467784E-2</c:v>
+                  <c:v>1.4883777209467791E-2</c:v>
                 </c:pt>
                 <c:pt idx="59">
-                  <c:v>1.4698464099314986E-2</c:v>
+                  <c:v>1.4698464099314988E-2</c:v>
                 </c:pt>
                 <c:pt idx="60">
-                  <c:v>1.4517904074804681E-2</c:v>
+                  <c:v>1.4517904074804678E-2</c:v>
                 </c:pt>
                 <c:pt idx="61">
-                  <c:v>1.4341829109047072E-2</c:v>
+                  <c:v>1.4341829109047077E-2</c:v>
                 </c:pt>
                 <c:pt idx="62">
-                  <c:v>1.4170009229459676E-2</c:v>
+                  <c:v>1.4170009229459679E-2</c:v>
                 </c:pt>
                 <c:pt idx="63">
-                  <c:v>1.4002252846660986E-2</c:v>
+                  <c:v>1.4002252846660988E-2</c:v>
                 </c:pt>
                 <c:pt idx="64">
-                  <c:v>1.3838400717457271E-2</c:v>
+                  <c:v>1.3838400717457277E-2</c:v>
                 </c:pt>
                 <c:pt idx="65">
                   <c:v>1.3678316312480961E-2</c:v>
                 </c:pt>
                 <c:pt idx="66">
-                  <c:v>1.3521877593505805E-2</c:v>
+                  <c:v>1.3521877593505809E-2</c:v>
                 </c:pt>
                 <c:pt idx="67">
-                  <c:v>1.3368972398617467E-2</c:v>
+                  <c:v>1.3368972398617472E-2</c:v>
                 </c:pt>
                 <c:pt idx="68">
-                  <c:v>1.3219496908624208E-2</c:v>
+                  <c:v>1.3219496908624206E-2</c:v>
                 </c:pt>
                 <c:pt idx="69">
-                  <c:v>1.3073355825468522E-2</c:v>
+                  <c:v>1.3073355825468525E-2</c:v>
                 </c:pt>
                 <c:pt idx="70">
-                  <c:v>1.2930462793481437E-2</c:v>
+                  <c:v>1.2930462793481439E-2</c:v>
                 </c:pt>
                 <c:pt idx="71">
-                  <c:v>1.2790739869032943E-2</c:v>
+                  <c:v>1.2790739869032945E-2</c:v>
                 </c:pt>
                 <c:pt idx="72">
-                  <c:v>1.2654115666786401E-2</c:v>
+                  <c:v>1.2654115666786403E-2</c:v>
                 </c:pt>
                 <c:pt idx="73">
-                  <c:v>1.2520522718515769E-2</c:v>
+                  <c:v>1.2520522718515774E-2</c:v>
                 </c:pt>
                 <c:pt idx="74">
                   <c:v>1.2389894956481873E-2</c:v>
                 </c:pt>
                 <c:pt idx="75">
-                  <c:v>1.226216600936382E-2</c:v>
+                  <c:v>1.2262166009363822E-2</c:v>
                 </c:pt>
                 <c:pt idx="76">
                   <c:v>1.2137268507278818E-2</c:v>
                 </c:pt>
                 <c:pt idx="77">
-                  <c:v>1.201513416289704E-2</c:v>
+                  <c:v>1.2015134162897042E-2</c:v>
                 </c:pt>
                 <c:pt idx="78">
-                  <c:v>1.1895694199167049E-2</c:v>
+                  <c:v>1.1895694199167053E-2</c:v>
                 </c:pt>
                 <c:pt idx="79">
-                  <c:v>1.1778879743728382E-2</c:v>
+                  <c:v>1.1778879743728387E-2</c:v>
                 </c:pt>
                 <c:pt idx="80">
-                  <c:v>1.1664622002234728E-2</c:v>
+                  <c:v>1.1664622002234731E-2</c:v>
                 </c:pt>
                 <c:pt idx="81">
-                  <c:v>1.1552852221328312E-2</c:v>
+                  <c:v>1.1552852221328316E-2</c:v>
                 </c:pt>
                 <c:pt idx="82">
-                  <c:v>1.1443501567904432E-2</c:v>
+                  <c:v>1.1443501567904437E-2</c:v>
                 </c:pt>
                 <c:pt idx="83">
-                  <c:v>1.1336501065490839E-2</c:v>
+                  <c:v>1.1336501065490842E-2</c:v>
                 </c:pt>
                 <c:pt idx="84">
-                  <c:v>1.1231781670767256E-2</c:v>
+                  <c:v>1.1231781670767263E-2</c:v>
                 </c:pt>
                 <c:pt idx="85">
-                  <c:v>1.1129274493014683E-2</c:v>
+                  <c:v>1.1129274493014684E-2</c:v>
                 </c:pt>
                 <c:pt idx="86">
-                  <c:v>1.1028911100565602E-2</c:v>
+                  <c:v>1.1028911100565603E-2</c:v>
                 </c:pt>
                 <c:pt idx="87">
-                  <c:v>1.0930623841161993E-2</c:v>
+                  <c:v>1.0930623841161995E-2</c:v>
                 </c:pt>
                 <c:pt idx="88">
-                  <c:v>1.0834346121100874E-2</c:v>
+                  <c:v>1.0834346121100872E-2</c:v>
                 </c:pt>
                 <c:pt idx="89">
-                  <c:v>1.0740012620915224E-2</c:v>
+                  <c:v>1.0740012620915227E-2</c:v>
                 </c:pt>
                 <c:pt idx="90">
-                  <c:v>1.064755945424933E-2</c:v>
+                  <c:v>1.0647559454249333E-2</c:v>
                 </c:pt>
                 <c:pt idx="91">
-                  <c:v>1.0556924291722936E-2</c:v>
+                  <c:v>1.055692429172294E-2</c:v>
                 </c:pt>
                 <c:pt idx="92">
-                  <c:v>1.0468046472188651E-2</c:v>
+                  <c:v>1.0468046472188649E-2</c:v>
                 </c:pt>
                 <c:pt idx="93">
-                  <c:v>1.0380867114957996E-2</c:v>
+                  <c:v>1.0380867114958002E-2</c:v>
                 </c:pt>
                 <c:pt idx="94">
-                  <c:v>1.0295329235237575E-2</c:v>
+                  <c:v>1.029532923523758E-2</c:v>
                 </c:pt>
                 <c:pt idx="95">
-                  <c:v>1.0211377856600132E-2</c:v>
+                  <c:v>1.0211377856600133E-2</c:v>
                 </c:pt>
                 <c:pt idx="96">
-                  <c:v>1.0128960111072517E-2</c:v>
+                  <c:v>1.0128960111072519E-2</c:v>
                 </c:pt>
                 <c:pt idx="97">
-                  <c:v>1.004802531873075E-2</c:v>
+                  <c:v>1.0048025318730756E-2</c:v>
                 </c:pt>
                 <c:pt idx="98">
-                  <c:v>9.9685250424942484E-3</c:v>
+                  <c:v>9.9685250424942518E-3</c:v>
                 </c:pt>
                 <c:pt idx="99">
-                  <c:v>9.8904131179433051E-3</c:v>
+                  <c:v>9.8904131179433103E-3</c:v>
                 </c:pt>
                 <c:pt idx="100">
-                  <c:v>9.8136456609583273E-3</c:v>
+                  <c:v>9.813645660958329E-3</c:v>
                 </c:pt>
                 <c:pt idx="101">
                   <c:v>9.7381810572197622E-3</c:v>
                 </c:pt>
                 <c:pt idx="102">
-                  <c:v>9.6639799373166198E-3</c:v>
+                  <c:v>9.6639799373166232E-3</c:v>
                 </c:pt>
                 <c:pt idx="103">
-                  <c:v>9.5910051400363745E-3</c:v>
+                  <c:v>9.5910051400363728E-3</c:v>
                 </c:pt>
                 <c:pt idx="104">
                   <c:v>9.5192216650729772E-3</c:v>
                 </c:pt>
                 <c:pt idx="105">
-                  <c:v>9.4485966154280645E-3</c:v>
+                  <c:v>9.448596615428068E-3</c:v>
                 </c:pt>
                 <c:pt idx="106">
-                  <c:v>9.3790991294250229E-3</c:v>
+                  <c:v>9.3790991294250281E-3</c:v>
                 </c:pt>
                 <c:pt idx="107">
-                  <c:v>9.3107003024695423E-3</c:v>
+                  <c:v>9.3107003024695458E-3</c:v>
                 </c:pt>
                 <c:pt idx="108">
                   <c:v>9.2433730992441832E-3</c:v>
                 </c:pt>
                 <c:pt idx="109">
-                  <c:v>9.1770922576375653E-3</c:v>
+                  <c:v>9.1770922576375688E-3</c:v>
                 </c:pt>
                 <c:pt idx="110">
-                  <c:v>9.1118341861457005E-3</c:v>
+                  <c:v>9.1118341861457022E-3</c:v>
                 </c:pt>
                 <c:pt idx="111">
-                  <c:v>9.047576856633828E-3</c:v>
+                  <c:v>9.0475768566338297E-3</c:v>
                 </c:pt>
                 <c:pt idx="112">
-                  <c:v>8.9842996942215217E-3</c:v>
+                  <c:v>8.9842996942215234E-3</c:v>
                 </c:pt>
                 <c:pt idx="113">
-                  <c:v>8.9219834657565267E-3</c:v>
+                  <c:v>8.921983465756525E-3</c:v>
                 </c:pt>
                 <c:pt idx="114">
-                  <c:v>8.8606101680088929E-3</c:v>
+                  <c:v>8.8606101680088964E-3</c:v>
                 </c:pt>
                 <c:pt idx="115">
-                  <c:v>8.800162916450768E-3</c:v>
+                  <c:v>8.8001629164507714E-3</c:v>
                 </c:pt>
                 <c:pt idx="116">
                   <c:v>8.7406258353424967E-3</c:v>
@@ -3924,328 +3925,328 @@
                   <c:v>8.6819839498117318E-3</c:v>
                 </c:pt>
                 <c:pt idx="118">
-                  <c:v>8.6242230806397816E-3</c:v>
+                  <c:v>8.6242230806397799E-3</c:v>
                 </c:pt>
                 <c:pt idx="119">
-                  <c:v>8.5673297425060985E-3</c:v>
+                  <c:v>8.5673297425061003E-3</c:v>
                 </c:pt>
                 <c:pt idx="120">
                   <c:v>8.5112910464364058E-3</c:v>
                 </c:pt>
                 <c:pt idx="121">
-                  <c:v>8.4560946071501417E-3</c:v>
+                  <c:v>8.4560946071501452E-3</c:v>
                 </c:pt>
                 <c:pt idx="122">
-                  <c:v>8.4017284559044138E-3</c:v>
+                  <c:v>8.4017284559044156E-3</c:v>
                 </c:pt>
                 <c:pt idx="123">
-                  <c:v>8.3481809593162967E-3</c:v>
+                  <c:v>8.3481809593162985E-3</c:v>
                 </c:pt>
                 <c:pt idx="124">
-                  <c:v>8.2954407445309311E-3</c:v>
+                  <c:v>8.2954407445309346E-3</c:v>
                 </c:pt>
                 <c:pt idx="125">
-                  <c:v>8.2434966310022846E-3</c:v>
+                  <c:v>8.2434966310022881E-3</c:v>
                 </c:pt>
                 <c:pt idx="126">
-                  <c:v>8.1923375690704965E-3</c:v>
+                  <c:v>8.1923375690704982E-3</c:v>
                 </c:pt>
                 <c:pt idx="127">
-                  <c:v>8.1419525854487512E-3</c:v>
+                  <c:v>8.1419525854487529E-3</c:v>
                 </c:pt>
                 <c:pt idx="128">
-                  <c:v>8.0923307356632595E-3</c:v>
+                  <c:v>8.092330735663263E-3</c:v>
                 </c:pt>
                 <c:pt idx="129">
                   <c:v>8.0434610634181093E-3</c:v>
                 </c:pt>
                 <c:pt idx="130">
-                  <c:v>7.9953325667811211E-3</c:v>
+                  <c:v>7.9953325667811229E-3</c:v>
                 </c:pt>
                 <c:pt idx="131">
                   <c:v>7.9479341710080413E-3</c:v>
                 </c:pt>
                 <c:pt idx="132">
-                  <c:v>7.9012547077474907E-3</c:v>
+                  <c:v>7.9012547077474925E-3</c:v>
                 </c:pt>
                 <c:pt idx="133">
-                  <c:v>7.8552829003022216E-3</c:v>
+                  <c:v>7.8552829003022233E-3</c:v>
                 </c:pt>
                 <c:pt idx="134">
-                  <c:v>7.8100073545628356E-3</c:v>
+                  <c:v>7.8100073545628382E-3</c:v>
                 </c:pt>
                 <c:pt idx="135">
                   <c:v>7.7654165551879119E-3</c:v>
                 </c:pt>
                 <c:pt idx="136">
-                  <c:v>7.721498866566698E-3</c:v>
+                  <c:v>7.7214988665666989E-3</c:v>
                 </c:pt>
                 <c:pt idx="137">
-                  <c:v>7.6782425380769919E-3</c:v>
+                  <c:v>7.6782425380769927E-3</c:v>
                 </c:pt>
                 <c:pt idx="138">
-                  <c:v>7.6356357131345306E-3</c:v>
+                  <c:v>7.6356357131345332E-3</c:v>
                 </c:pt>
                 <c:pt idx="139">
-                  <c:v>7.5936664415221806E-3</c:v>
+                  <c:v>7.593666441522184E-3</c:v>
                 </c:pt>
                 <c:pt idx="140">
-                  <c:v>7.5523226944853852E-3</c:v>
+                  <c:v>7.5523226944853878E-3</c:v>
                 </c:pt>
                 <c:pt idx="141">
-                  <c:v>7.5115923820909761E-3</c:v>
+                  <c:v>7.5115923820909787E-3</c:v>
                 </c:pt>
                 <c:pt idx="142">
-                  <c:v>7.4714633723578202E-3</c:v>
+                  <c:v>7.4714633723578236E-3</c:v>
                 </c:pt>
                 <c:pt idx="143">
-                  <c:v>7.4319235116927247E-3</c:v>
+                  <c:v>7.4319235116927281E-3</c:v>
                 </c:pt>
                 <c:pt idx="144">
-                  <c:v>7.3929606461908496E-3</c:v>
+                  <c:v>7.3929606461908505E-3</c:v>
                 </c:pt>
                 <c:pt idx="145">
-                  <c:v>7.3545626433929468E-3</c:v>
+                  <c:v>7.3545626433929485E-3</c:v>
                 </c:pt>
                 <c:pt idx="146">
-                  <c:v>7.3167174141281757E-3</c:v>
+                  <c:v>7.3167174141281783E-3</c:v>
                 </c:pt>
                 <c:pt idx="147">
-                  <c:v>7.2794129341087416E-3</c:v>
+                  <c:v>7.2794129341087442E-3</c:v>
                 </c:pt>
                 <c:pt idx="148">
-                  <c:v>7.2426372649836432E-3</c:v>
+                  <c:v>7.242637264983645E-3</c:v>
                 </c:pt>
                 <c:pt idx="149">
-                  <c:v>7.2063785745986953E-3</c:v>
+                  <c:v>7.206378574598697E-3</c:v>
                 </c:pt>
                 <c:pt idx="150">
-                  <c:v>7.1706251562499565E-3</c:v>
+                  <c:v>7.1706251562499582E-3</c:v>
                 </c:pt>
                 <c:pt idx="151">
-                  <c:v>7.1353654467583346E-3</c:v>
+                  <c:v>7.1353654467583372E-3</c:v>
                 </c:pt>
                 <c:pt idx="152">
-                  <c:v>7.100588043229372E-3</c:v>
+                  <c:v>7.1005880432293729E-3</c:v>
                 </c:pt>
                 <c:pt idx="153">
-                  <c:v>7.0662817183986103E-3</c:v>
+                  <c:v>7.0662817183986121E-3</c:v>
                 </c:pt>
                 <c:pt idx="154">
-                  <c:v>7.0324354344954163E-3</c:v>
+                  <c:v>7.0324354344954172E-3</c:v>
                 </c:pt>
                 <c:pt idx="155">
-                  <c:v>6.9990383555879844E-3</c:v>
+                  <c:v>6.9990383555879861E-3</c:v>
                 </c:pt>
                 <c:pt idx="156">
-                  <c:v>6.9660798583985797E-3</c:v>
+                  <c:v>6.9660798583985814E-3</c:v>
                 </c:pt>
                 <c:pt idx="157">
-                  <c:v>6.9335495416014657E-3</c:v>
+                  <c:v>6.9335495416014683E-3</c:v>
                 </c:pt>
                 <c:pt idx="158">
-                  <c:v>6.901437233635622E-3</c:v>
+                  <c:v>6.9014372336356237E-3</c:v>
                 </c:pt>
                 <c:pt idx="159">
-                  <c:v>6.8697329990806046E-3</c:v>
+                  <c:v>6.8697329990806072E-3</c:v>
                 </c:pt>
                 <c:pt idx="160">
-                  <c:v>6.8384271436584699E-3</c:v>
+                  <c:v>6.8384271436584716E-3</c:v>
                 </c:pt>
                 <c:pt idx="161">
-                  <c:v>6.8075102179337675E-3</c:v>
+                  <c:v>6.8075102179337684E-3</c:v>
                 </c:pt>
                 <c:pt idx="162">
-                  <c:v>6.7769730197929567E-3</c:v>
+                  <c:v>6.7769730197929593E-3</c:v>
                 </c:pt>
                 <c:pt idx="163">
-                  <c:v>6.7468065957888125E-3</c:v>
+                  <c:v>6.7468065957888151E-3</c:v>
                 </c:pt>
                 <c:pt idx="164">
-                  <c:v>6.7170022414394905E-3</c:v>
+                  <c:v>6.7170022414394914E-3</c:v>
                 </c:pt>
                 <c:pt idx="165">
                   <c:v>6.6875515005737993E-3</c:v>
                 </c:pt>
                 <c:pt idx="166">
-                  <c:v>6.6584461638117282E-3</c:v>
+                  <c:v>6.65844616381173E-3</c:v>
                 </c:pt>
                 <c:pt idx="167">
-                  <c:v>6.6296782662715126E-3</c:v>
+                  <c:v>6.6296782662715135E-3</c:v>
                 </c:pt>
                 <c:pt idx="168">
-                  <c:v>6.5866400090572536E-3</c:v>
+                  <c:v>6.5866400090572553E-3</c:v>
                 </c:pt>
                 <c:pt idx="169">
-                  <c:v>6.5630340944605233E-3</c:v>
+                  <c:v>6.5630340944605242E-3</c:v>
                 </c:pt>
                 <c:pt idx="170">
-                  <c:v>6.5383897836334779E-3</c:v>
+                  <c:v>6.5383897836334814E-3</c:v>
                 </c:pt>
                 <c:pt idx="171">
-                  <c:v>6.5130993218294056E-3</c:v>
+                  <c:v>6.5130993218294074E-3</c:v>
                 </c:pt>
                 <c:pt idx="172">
-                  <c:v>6.4874401365294636E-3</c:v>
+                  <c:v>6.4874401365294654E-3</c:v>
                 </c:pt>
                 <c:pt idx="173">
-                  <c:v>6.4616077557036267E-3</c:v>
+                  <c:v>6.461607755703631E-3</c:v>
                 </c:pt>
                 <c:pt idx="174">
-                  <c:v>6.4357382464370052E-3</c:v>
+                  <c:v>6.4357382464370061E-3</c:v>
                 </c:pt>
                 <c:pt idx="175">
                   <c:v>6.4099248489804537E-3</c:v>
                 </c:pt>
                 <c:pt idx="176">
-                  <c:v>6.3842304791119683E-3</c:v>
+                  <c:v>6.3842304791119691E-3</c:v>
                 </c:pt>
                 <c:pt idx="177">
-                  <c:v>6.3586968817016679E-3</c:v>
+                  <c:v>6.3586968817016705E-3</c:v>
                 </c:pt>
                 <c:pt idx="178">
-                  <c:v>6.3333512981420545E-3</c:v>
+                  <c:v>6.3333512981420571E-3</c:v>
                 </c:pt>
                 <c:pt idx="179">
-                  <c:v>6.3082112806803212E-3</c:v>
+                  <c:v>6.3082112806803229E-3</c:v>
                 </c:pt>
                 <c:pt idx="180">
-                  <c:v>6.2832879466359565E-3</c:v>
+                  <c:v>6.2832879466359574E-3</c:v>
                 </c:pt>
                 <c:pt idx="181">
-                  <c:v>6.2585879683304934E-3</c:v>
+                  <c:v>6.2585879683304925E-3</c:v>
                 </c:pt>
                 <c:pt idx="182">
-                  <c:v>6.2341147555746374E-3</c:v>
+                  <c:v>6.2341147555746391E-3</c:v>
                 </c:pt>
                 <c:pt idx="183">
-                  <c:v>6.2098692623205418E-3</c:v>
+                  <c:v>6.2098692623205436E-3</c:v>
                 </c:pt>
                 <c:pt idx="184">
-                  <c:v>6.1858506491597447E-3</c:v>
+                  <c:v>6.1858506491597456E-3</c:v>
                 </c:pt>
                 <c:pt idx="185">
                   <c:v>6.1620568611212689E-3</c:v>
                 </c:pt>
                 <c:pt idx="186">
-                  <c:v>6.1384851140760732E-3</c:v>
+                  <c:v>6.1384851140760741E-3</c:v>
                 </c:pt>
                 <c:pt idx="187">
                   <c:v>6.1151322714530793E-3</c:v>
                 </c:pt>
                 <c:pt idx="188">
-                  <c:v>6.0919950945276403E-3</c:v>
+                  <c:v>6.091995094527642E-3</c:v>
                 </c:pt>
                 <c:pt idx="189">
                   <c:v>6.0690703664554157E-3</c:v>
                 </c:pt>
                 <c:pt idx="190">
-                  <c:v>6.0463549191744825E-3</c:v>
+                  <c:v>6.0463549191744834E-3</c:v>
                 </c:pt>
                 <c:pt idx="191">
-                  <c:v>6.0238456109985294E-3</c:v>
+                  <c:v>6.0238456109985303E-3</c:v>
                 </c:pt>
                 <c:pt idx="192">
-                  <c:v>6.0015392980185128E-3</c:v>
+                  <c:v>6.0015392980185137E-3</c:v>
                 </c:pt>
                 <c:pt idx="193">
-                  <c:v>5.9794328228220282E-3</c:v>
+                  <c:v>5.9794328228220308E-3</c:v>
                 </c:pt>
                 <c:pt idx="194">
-                  <c:v>5.9575230247092782E-3</c:v>
+                  <c:v>5.9575230247092799E-3</c:v>
                 </c:pt>
                 <c:pt idx="195">
-                  <c:v>5.9358067640174674E-3</c:v>
+                  <c:v>5.9358067640174692E-3</c:v>
                 </c:pt>
                 <c:pt idx="196">
-                  <c:v>5.9142809493908976E-3</c:v>
+                  <c:v>5.9142809493908984E-3</c:v>
                 </c:pt>
                 <c:pt idx="197">
                   <c:v>5.8929425587770081E-3</c:v>
                 </c:pt>
                 <c:pt idx="198">
-                  <c:v>5.8717886501090917E-3</c:v>
+                  <c:v>5.8717886501090926E-3</c:v>
                 </c:pt>
                 <c:pt idx="199">
-                  <c:v>5.8508163629544079E-3</c:v>
+                  <c:v>5.8508163629544087E-3</c:v>
                 </c:pt>
                 <c:pt idx="200">
-                  <c:v>5.8300229152869754E-3</c:v>
+                  <c:v>5.8300229152869771E-3</c:v>
                 </c:pt>
                 <c:pt idx="201">
-                  <c:v>5.8094055994204743E-3</c:v>
+                  <c:v>5.8094055994204752E-3</c:v>
                 </c:pt>
                 <c:pt idx="202">
-                  <c:v>5.7889617792499645E-3</c:v>
+                  <c:v>5.7889617792499671E-3</c:v>
                 </c:pt>
                 <c:pt idx="203">
-                  <c:v>5.7686888889433244E-3</c:v>
+                  <c:v>5.7686888889433262E-3</c:v>
                 </c:pt>
                 <c:pt idx="204">
                   <c:v>5.7485844320709694E-3</c:v>
                 </c:pt>
                 <c:pt idx="205">
-                  <c:v>5.7286459800341485E-3</c:v>
+                  <c:v>5.7286459800341511E-3</c:v>
                 </c:pt>
                 <c:pt idx="206">
-                  <c:v>5.7088711692287299E-3</c:v>
+                  <c:v>5.7088711692287316E-3</c:v>
                 </c:pt>
                 <c:pt idx="207">
-                  <c:v>5.6892576971555205E-3</c:v>
+                  <c:v>5.6892576971555231E-3</c:v>
                 </c:pt>
                 <c:pt idx="208">
-                  <c:v>5.6698033182073313E-3</c:v>
+                  <c:v>5.6698033182073322E-3</c:v>
                 </c:pt>
                 <c:pt idx="209">
-                  <c:v>5.6505058399242023E-3</c:v>
+                  <c:v>5.6505058399242015E-3</c:v>
                 </c:pt>
                 <c:pt idx="210">
-                  <c:v>5.6313631201887872E-3</c:v>
+                  <c:v>5.6313631201887898E-3</c:v>
                 </c:pt>
                 <c:pt idx="211">
-                  <c:v>5.6123730653819658E-3</c:v>
+                  <c:v>5.6123730653819676E-3</c:v>
                 </c:pt>
                 <c:pt idx="212">
                   <c:v>5.5935336291763182E-3</c:v>
                 </c:pt>
                 <c:pt idx="213">
-                  <c:v>5.5748428115295172E-3</c:v>
+                  <c:v>5.5748428115295181E-3</c:v>
                 </c:pt>
                 <c:pt idx="214">
-                  <c:v>5.5562986575353485E-3</c:v>
+                  <c:v>5.5562986575353503E-3</c:v>
                 </c:pt>
                 <c:pt idx="215">
-                  <c:v>5.5378992559950886E-3</c:v>
+                  <c:v>5.5378992559950895E-3</c:v>
                 </c:pt>
                 <c:pt idx="216">
-                  <c:v>5.5196427377651007E-3</c:v>
+                  <c:v>5.5196427377651033E-3</c:v>
                 </c:pt>
                 <c:pt idx="217">
-                  <c:v>5.501527274044289E-3</c:v>
+                  <c:v>5.5015272740442898E-3</c:v>
                 </c:pt>
                 <c:pt idx="218">
-                  <c:v>5.4835510747626472E-3</c:v>
+                  <c:v>5.4835510747626489E-3</c:v>
                 </c:pt>
                 <c:pt idx="219">
-                  <c:v>5.4657123871576924E-3</c:v>
+                  <c:v>5.4657123871576932E-3</c:v>
                 </c:pt>
                 <c:pt idx="220">
-                  <c:v>5.4480094945340016E-3</c:v>
+                  <c:v>5.4480094945340051E-3</c:v>
                 </c:pt>
                 <c:pt idx="221">
-                  <c:v>5.4304407151382714E-3</c:v>
+                  <c:v>5.4304407151382732E-3</c:v>
                 </c:pt>
                 <c:pt idx="222">
-                  <c:v>5.4130044010679643E-3</c:v>
+                  <c:v>5.4130044010679661E-3</c:v>
                 </c:pt>
                 <c:pt idx="223">
-                  <c:v>5.395698937159534E-3</c:v>
+                  <c:v>5.3956989371595357E-3</c:v>
                 </c:pt>
                 <c:pt idx="224">
-                  <c:v>5.3785227398465947E-3</c:v>
+                  <c:v>5.3785227398465965E-3</c:v>
                 </c:pt>
                 <c:pt idx="225">
-                  <c:v>5.3614742560155809E-3</c:v>
+                  <c:v>5.36147425601558E-3</c:v>
                 </c:pt>
                 <c:pt idx="226">
                   <c:v>5.3445519619027037E-3</c:v>
@@ -4254,175 +4255,175 @@
                   <c:v>5.3277543620673775E-3</c:v>
                 </c:pt>
                 <c:pt idx="228">
-                  <c:v>5.3110799884569905E-3</c:v>
+                  <c:v>5.3110799884569914E-3</c:v>
                 </c:pt>
                 <c:pt idx="229">
-                  <c:v>5.2945273995529491E-3</c:v>
+                  <c:v>5.29452739955295E-3</c:v>
                 </c:pt>
                 <c:pt idx="230">
-                  <c:v>5.2780951795745627E-3</c:v>
+                  <c:v>5.2780951795745653E-3</c:v>
                 </c:pt>
                 <c:pt idx="231">
                   <c:v>5.2617819377139032E-3</c:v>
                 </c:pt>
                 <c:pt idx="232">
-                  <c:v>5.2455863073823409E-3</c:v>
+                  <c:v>5.2455863073823418E-3</c:v>
                 </c:pt>
                 <c:pt idx="233">
-                  <c:v>5.2295069454616492E-3</c:v>
+                  <c:v>5.22950694546165E-3</c:v>
                 </c:pt>
                 <c:pt idx="234">
-                  <c:v>5.213542531562641E-3</c:v>
+                  <c:v>5.2135425315626427E-3</c:v>
                 </c:pt>
                 <c:pt idx="235">
-                  <c:v>5.1976917673000212E-3</c:v>
+                  <c:v>5.1976917673000221E-3</c:v>
                 </c:pt>
                 <c:pt idx="236">
-                  <c:v>5.1819533755926347E-3</c:v>
+                  <c:v>5.1819533755926373E-3</c:v>
                 </c:pt>
                 <c:pt idx="237">
-                  <c:v>5.1663260999933718E-3</c:v>
+                  <c:v>5.1663260999933736E-3</c:v>
                 </c:pt>
                 <c:pt idx="238">
-                  <c:v>5.1508087040494374E-3</c:v>
+                  <c:v>5.1508087040494383E-3</c:v>
                 </c:pt>
                 <c:pt idx="239">
-                  <c:v>5.1353999706885683E-3</c:v>
+                  <c:v>5.1353999706885691E-3</c:v>
                 </c:pt>
                 <c:pt idx="240">
                   <c:v>5.1200987016269154E-3</c:v>
                 </c:pt>
                 <c:pt idx="241">
-                  <c:v>5.1049037167938873E-3</c:v>
+                  <c:v>5.1049037167938882E-3</c:v>
                 </c:pt>
                 <c:pt idx="242">
-                  <c:v>5.0898138537721462E-3</c:v>
+                  <c:v>5.0898138537721479E-3</c:v>
                 </c:pt>
                 <c:pt idx="243">
                   <c:v>5.0748279672532121E-3</c:v>
                 </c:pt>
                 <c:pt idx="244">
-                  <c:v>5.059944928509523E-3</c:v>
+                  <c:v>5.0599449285095239E-3</c:v>
                 </c:pt>
                 <c:pt idx="245">
-                  <c:v>5.0451636248851984E-3</c:v>
+                  <c:v>5.0451636248851992E-3</c:v>
                 </c:pt>
                 <c:pt idx="246">
-                  <c:v>5.0304829593063975E-3</c:v>
+                  <c:v>5.0304829593063984E-3</c:v>
                 </c:pt>
                 <c:pt idx="247">
-                  <c:v>5.0159018498114509E-3</c:v>
+                  <c:v>5.0159018498114501E-3</c:v>
                 </c:pt>
                 <c:pt idx="248">
-                  <c:v>5.0014192291003559E-3</c:v>
+                  <c:v>5.0014192291003567E-3</c:v>
                 </c:pt>
                 <c:pt idx="249">
-                  <c:v>4.9870340441026456E-3</c:v>
+                  <c:v>4.9870340441026473E-3</c:v>
                 </c:pt>
                 <c:pt idx="250">
-                  <c:v>4.9727452555624902E-3</c:v>
+                  <c:v>4.9727452555624911E-3</c:v>
                 </c:pt>
                 <c:pt idx="251">
                   <c:v>4.9585518376408589E-3</c:v>
                 </c:pt>
                 <c:pt idx="252">
-                  <c:v>4.9444527775343774E-3</c:v>
+                  <c:v>4.9444527775343783E-3</c:v>
                 </c:pt>
                 <c:pt idx="253">
-                  <c:v>4.9304470751114077E-3</c:v>
+                  <c:v>4.9304470751114103E-3</c:v>
                 </c:pt>
                 <c:pt idx="254">
-                  <c:v>4.9165337425650484E-3</c:v>
+                  <c:v>4.9165337425650492E-3</c:v>
                 </c:pt>
                 <c:pt idx="255">
-                  <c:v>4.9027118040843691E-3</c:v>
+                  <c:v>4.9027118040843708E-3</c:v>
                 </c:pt>
                 <c:pt idx="256">
-                  <c:v>4.888980295542732E-3</c:v>
+                  <c:v>4.8889802955427329E-3</c:v>
                 </c:pt>
                 <c:pt idx="257">
-                  <c:v>4.8753382642041203E-3</c:v>
+                  <c:v>4.875338264204122E-3</c:v>
                 </c:pt>
                 <c:pt idx="258">
                   <c:v>4.8617847684463136E-3</c:v>
                 </c:pt>
                 <c:pt idx="259">
-                  <c:v>4.848318877501292E-3</c:v>
+                  <c:v>4.8483188775012911E-3</c:v>
                 </c:pt>
                 <c:pt idx="260">
-                  <c:v>4.834939671211928E-3</c:v>
+                  <c:v>4.8349396712119288E-3</c:v>
                 </c:pt>
                 <c:pt idx="261">
-                  <c:v>4.8216462398046802E-3</c:v>
+                  <c:v>4.8216462398046819E-3</c:v>
                 </c:pt>
                 <c:pt idx="262">
-                  <c:v>4.808437683678328E-3</c:v>
+                  <c:v>4.8084376836783297E-3</c:v>
                 </c:pt>
                 <c:pt idx="263">
-                  <c:v>4.7953131132078795E-3</c:v>
+                  <c:v>4.7953131132078813E-3</c:v>
                 </c:pt>
                 <c:pt idx="264">
-                  <c:v>4.7822716485635009E-3</c:v>
+                  <c:v>4.7822716485635026E-3</c:v>
                 </c:pt>
                 <c:pt idx="265">
-                  <c:v>4.7693124195440119E-3</c:v>
+                  <c:v>4.7693124195440136E-3</c:v>
                 </c:pt>
                 <c:pt idx="266">
-                  <c:v>4.7564345654243475E-3</c:v>
+                  <c:v>4.7564345654243492E-3</c:v>
                 </c:pt>
                 <c:pt idx="267">
-                  <c:v>4.7436372348163081E-3</c:v>
+                  <c:v>4.7436372348163098E-3</c:v>
                 </c:pt>
                 <c:pt idx="268">
-                  <c:v>4.7309195855422936E-3</c:v>
+                  <c:v>4.7309195855422953E-3</c:v>
                 </c:pt>
                 <c:pt idx="269">
-                  <c:v>4.7182807845207852E-3</c:v>
+                  <c:v>4.7182807845207869E-3</c:v>
                 </c:pt>
                 <c:pt idx="270">
-                  <c:v>4.7057200076634888E-3</c:v>
+                  <c:v>4.7057200076634897E-3</c:v>
                 </c:pt>
                 <c:pt idx="271">
-                  <c:v>4.6932364397832098E-3</c:v>
+                  <c:v>4.6932364397832107E-3</c:v>
                 </c:pt>
                 <c:pt idx="272">
-                  <c:v>4.6808292745113798E-3</c:v>
+                  <c:v>4.6808292745113807E-3</c:v>
                 </c:pt>
                 <c:pt idx="273">
-                  <c:v>4.668497714225262E-3</c:v>
+                  <c:v>4.6684977142252629E-3</c:v>
                 </c:pt>
                 <c:pt idx="274">
-                  <c:v>4.6562409699834623E-3</c:v>
+                  <c:v>4.6562409699834632E-3</c:v>
                 </c:pt>
                 <c:pt idx="275">
                   <c:v>4.6440582614692659E-3</c:v>
                 </c:pt>
                 <c:pt idx="276">
-                  <c:v>4.631948816941134E-3</c:v>
+                  <c:v>4.6319488169411357E-3</c:v>
                 </c:pt>
                 <c:pt idx="277">
                   <c:v>4.6199118731893706E-3</c:v>
                 </c:pt>
                 <c:pt idx="278">
-                  <c:v>4.6079466754985112E-3</c:v>
+                  <c:v>4.6079466754985103E-3</c:v>
                 </c:pt>
                 <c:pt idx="279">
-                  <c:v>4.5960524776145059E-3</c:v>
+                  <c:v>4.5960524776145076E-3</c:v>
                 </c:pt>
                 <c:pt idx="280">
-                  <c:v>4.5842285417161694E-3</c:v>
+                  <c:v>4.5842285417161703E-3</c:v>
                 </c:pt>
                 <c:pt idx="281">
-                  <c:v>4.5724741383898612E-3</c:v>
+                  <c:v>4.5724741383898621E-3</c:v>
                 </c:pt>
                 <c:pt idx="282">
                   <c:v>4.5607885466073719E-3</c:v>
                 </c:pt>
                 <c:pt idx="283">
-                  <c:v>4.549171053705856E-3</c:v>
+                  <c:v>4.5491710537058569E-3</c:v>
                 </c:pt>
                 <c:pt idx="284">
-                  <c:v>4.5376209553693054E-3</c:v>
+                  <c:v>4.5376209553693071E-3</c:v>
                 </c:pt>
                 <c:pt idx="285">
                   <c:v>4.5261375556112284E-3</c:v>
@@ -4431,91 +4432,91 @@
                   <c:v>4.5147201667577802E-3</c:v>
                 </c:pt>
                 <c:pt idx="287">
-                  <c:v>4.5033681094308903E-3</c:v>
+                  <c:v>4.5033681094308921E-3</c:v>
                 </c:pt>
                 <c:pt idx="288">
-                  <c:v>4.492080712531178E-3</c:v>
+                  <c:v>4.4920807125311797E-3</c:v>
                 </c:pt>
                 <c:pt idx="289">
-                  <c:v>4.4808573132196832E-3</c:v>
+                  <c:v>4.4808573132196841E-3</c:v>
                 </c:pt>
                 <c:pt idx="290">
-                  <c:v>4.4696972568985978E-3</c:v>
+                  <c:v>4.4696972568985987E-3</c:v>
                 </c:pt>
                 <c:pt idx="291">
-                  <c:v>4.4585998971904154E-3</c:v>
+                  <c:v>4.4585998971904163E-3</c:v>
                 </c:pt>
                 <c:pt idx="292">
-                  <c:v>4.4475645959149305E-3</c:v>
+                  <c:v>4.4475645959149322E-3</c:v>
                 </c:pt>
                 <c:pt idx="293">
-                  <c:v>4.4365907230644493E-3</c:v>
+                  <c:v>4.436590723064451E-3</c:v>
                 </c:pt>
                 <c:pt idx="294">
                   <c:v>4.4256776567762612E-3</c:v>
                 </c:pt>
                 <c:pt idx="295">
-                  <c:v>4.4148247833026193E-3</c:v>
+                  <c:v>4.4148247833026202E-3</c:v>
                 </c:pt>
                 <c:pt idx="296">
-                  <c:v>4.4040314969779745E-3</c:v>
+                  <c:v>4.4040314969779762E-3</c:v>
                 </c:pt>
                 <c:pt idx="297">
-                  <c:v>4.3932972001832511E-3</c:v>
+                  <c:v>4.3932972001832519E-3</c:v>
                 </c:pt>
                 <c:pt idx="298">
-                  <c:v>4.3826213033070346E-3</c:v>
+                  <c:v>4.3826213033070372E-3</c:v>
                 </c:pt>
                 <c:pt idx="299">
-                  <c:v>4.3720032247036708E-3</c:v>
+                  <c:v>4.3720032247036734E-3</c:v>
                 </c:pt>
                 <c:pt idx="300">
-                  <c:v>4.3614423906483601E-3</c:v>
+                  <c:v>4.3614423906483618E-3</c:v>
                 </c:pt>
                 <c:pt idx="301">
                   <c:v>4.3509382352887671E-3</c:v>
                 </c:pt>
                 <c:pt idx="302">
-                  <c:v>4.3404902005937654E-3</c:v>
+                  <c:v>4.3404902005937662E-3</c:v>
                 </c:pt>
                 <c:pt idx="303">
-                  <c:v>4.330097736298809E-3</c:v>
+                  <c:v>4.3300977362988099E-3</c:v>
                 </c:pt>
                 <c:pt idx="304">
-                  <c:v>4.3197602998482475E-3</c:v>
+                  <c:v>4.3197602998482493E-3</c:v>
                 </c:pt>
                 <c:pt idx="305">
-                  <c:v>4.3094773563346223E-3</c:v>
+                  <c:v>4.3094773563346232E-3</c:v>
                 </c:pt>
                 <c:pt idx="306">
-                  <c:v>4.2992483784349191E-3</c:v>
+                  <c:v>4.29924837843492E-3</c:v>
                 </c:pt>
                 <c:pt idx="307">
-                  <c:v>4.2890728463440197E-3</c:v>
+                  <c:v>4.2890728463440206E-3</c:v>
                 </c:pt>
                 <c:pt idx="308">
-                  <c:v>4.2789502477053034E-3</c:v>
+                  <c:v>4.2789502477053026E-3</c:v>
                 </c:pt>
                 <c:pt idx="309">
                   <c:v>4.2688800775385546E-3</c:v>
                 </c:pt>
                 <c:pt idx="310">
-                  <c:v>4.2588618381655067E-3</c:v>
+                  <c:v>4.2588618381655076E-3</c:v>
                 </c:pt>
                 <c:pt idx="311">
-                  <c:v>4.248895039132769E-3</c:v>
+                  <c:v>4.2488950391327699E-3</c:v>
                 </c:pt>
                 <c:pt idx="312">
-                  <c:v>4.2389791971326586E-3</c:v>
+                  <c:v>4.2389791971326612E-3</c:v>
                 </c:pt>
                 <c:pt idx="313">
                   <c:v>4.2291138359217984E-3</c:v>
                 </c:pt>
                 <c:pt idx="314">
-                  <c:v>4.2192984862379082E-3</c:v>
+                  <c:v>4.21929848623791E-3</c:v>
                 </c:pt>
                 <c:pt idx="315">
-                  <c:v>4.2095326857145565E-3</c:v>
+                  <c:v>4.2095326857145591E-3</c:v>
                 </c:pt>
                 <c:pt idx="316">
                   <c:v>4.1998159787945697E-3</c:v>
@@ -4524,13 +4525,13 @@
                   <c:v>4.1901479166416133E-3</c:v>
                 </c:pt>
                 <c:pt idx="318">
-                  <c:v>4.1805280570507133E-3</c:v>
+                  <c:v>4.1805280570507124E-3</c:v>
                 </c:pt>
                 <c:pt idx="319">
                   <c:v>4.1709559643573488E-3</c:v>
                 </c:pt>
                 <c:pt idx="320">
-                  <c:v>4.1614312093457839E-3</c:v>
+                  <c:v>4.1614312093457831E-3</c:v>
                 </c:pt>
                 <c:pt idx="321">
                   <c:v>4.1519533691562142E-3</c:v>
@@ -4539,16 +4540,16 @@
                   <c:v>4.1425220271913473E-3</c:v>
                 </c:pt>
                 <c:pt idx="323">
-                  <c:v>4.1331367730224194E-3</c:v>
+                  <c:v>4.1331367730224186E-3</c:v>
                 </c:pt>
                 <c:pt idx="324">
-                  <c:v>4.1237972022945884E-3</c:v>
+                  <c:v>4.1237972022945893E-3</c:v>
                 </c:pt>
                 <c:pt idx="325">
                   <c:v>4.1145029166321069E-3</c:v>
                 </c:pt>
                 <c:pt idx="326">
-                  <c:v>4.1052535235433169E-3</c:v>
+                  <c:v>4.1052535235433186E-3</c:v>
                 </c:pt>
                 <c:pt idx="327">
                   <c:v>4.0960486363254573E-3</c:v>
@@ -4563,730 +4564,730 @@
                   <c:v>4.0686972277077437E-3</c:v>
                 </c:pt>
                 <c:pt idx="331">
-                  <c:v>4.0596666093998474E-3</c:v>
+                  <c:v>4.0596666093998491E-3</c:v>
                 </c:pt>
                 <c:pt idx="332">
-                  <c:v>4.0506786469617657E-3</c:v>
+                  <c:v>4.0506786469617674E-3</c:v>
                 </c:pt>
                 <c:pt idx="333">
-                  <c:v>4.0417329864359895E-3</c:v>
+                  <c:v>4.0417329864359903E-3</c:v>
                 </c:pt>
                 <c:pt idx="334">
-                  <c:v>4.0328292789947378E-3</c:v>
+                  <c:v>4.0328292789947387E-3</c:v>
                 </c:pt>
                 <c:pt idx="335">
-                  <c:v>4.0239671808480109E-3</c:v>
+                  <c:v>4.0239671808480117E-3</c:v>
                 </c:pt>
                 <c:pt idx="336">
-                  <c:v>4.015146353152285E-3</c:v>
+                  <c:v>4.0151463531522859E-3</c:v>
                 </c:pt>
                 <c:pt idx="337">
-                  <c:v>4.0063664619200577E-3</c:v>
+                  <c:v>4.0063664619200594E-3</c:v>
                 </c:pt>
                 <c:pt idx="338">
-                  <c:v>3.9976271779302366E-3</c:v>
+                  <c:v>3.9976271779302375E-3</c:v>
                 </c:pt>
                 <c:pt idx="339">
-                  <c:v>3.988928176639552E-3</c:v>
+                  <c:v>3.9889281766395529E-3</c:v>
                 </c:pt>
                 <c:pt idx="340">
-                  <c:v>3.9802691380949494E-3</c:v>
+                  <c:v>3.9802691380949502E-3</c:v>
                 </c:pt>
                 <c:pt idx="341">
-                  <c:v>3.9716497468469721E-3</c:v>
+                  <c:v>3.971649746846973E-3</c:v>
                 </c:pt>
                 <c:pt idx="342">
-                  <c:v>3.9630696918642521E-3</c:v>
+                  <c:v>3.963069691864253E-3</c:v>
                 </c:pt>
                 <c:pt idx="343">
-                  <c:v>3.9545286664492306E-3</c:v>
+                  <c:v>3.9545286664492314E-3</c:v>
                 </c:pt>
                 <c:pt idx="344">
-                  <c:v>3.9460263681548027E-3</c:v>
+                  <c:v>3.9460263681548036E-3</c:v>
                 </c:pt>
                 <c:pt idx="345">
-                  <c:v>3.9375624987023627E-3</c:v>
+                  <c:v>3.9375624987023645E-3</c:v>
                 </c:pt>
                 <c:pt idx="346">
-                  <c:v>3.929136763901003E-3</c:v>
+                  <c:v>3.9291367639010047E-3</c:v>
                 </c:pt>
                 <c:pt idx="347">
-                  <c:v>3.9207488735677788E-3</c:v>
+                  <c:v>3.9207488735677797E-3</c:v>
                 </c:pt>
                 <c:pt idx="348">
-                  <c:v>3.9123985414495086E-3</c:v>
+                  <c:v>3.9123985414495095E-3</c:v>
                 </c:pt>
                 <c:pt idx="349">
-                  <c:v>3.9040854851456071E-3</c:v>
+                  <c:v>3.9040854851456076E-3</c:v>
                 </c:pt>
                 <c:pt idx="350">
-                  <c:v>3.895809426032282E-3</c:v>
+                  <c:v>3.8958094260322824E-3</c:v>
                 </c:pt>
                 <c:pt idx="351">
-                  <c:v>3.887570089187956E-3</c:v>
+                  <c:v>3.8875700891879577E-3</c:v>
                 </c:pt>
                 <c:pt idx="352">
-                  <c:v>3.879367203320115E-3</c:v>
+                  <c:v>3.8793672033201158E-3</c:v>
                 </c:pt>
                 <c:pt idx="353">
                   <c:v>3.8712005006932872E-3</c:v>
                 </c:pt>
                 <c:pt idx="354">
-                  <c:v>3.8630697170583986E-3</c:v>
+                  <c:v>3.8630697170583999E-3</c:v>
                 </c:pt>
                 <c:pt idx="355">
-                  <c:v>3.8549745915833788E-3</c:v>
+                  <c:v>3.8549745915833801E-3</c:v>
                 </c:pt>
                 <c:pt idx="356">
-                  <c:v>3.8469148667852745E-3</c:v>
+                  <c:v>3.8469148667852754E-3</c:v>
                 </c:pt>
                 <c:pt idx="357">
-                  <c:v>3.838890288463096E-3</c:v>
+                  <c:v>3.8388902884630969E-3</c:v>
                 </c:pt>
                 <c:pt idx="358">
-                  <c:v>3.8309006056327847E-3</c:v>
+                  <c:v>3.8309006056327856E-3</c:v>
                 </c:pt>
                 <c:pt idx="359">
-                  <c:v>3.8229455704625911E-3</c:v>
+                  <c:v>3.8229455704625916E-3</c:v>
                 </c:pt>
                 <c:pt idx="360">
-                  <c:v>3.8150249382103139E-3</c:v>
+                  <c:v>3.8150249382103152E-3</c:v>
                 </c:pt>
                 <c:pt idx="361">
-                  <c:v>3.8071384671616595E-3</c:v>
+                  <c:v>3.8071384671616608E-3</c:v>
                 </c:pt>
                 <c:pt idx="362">
-                  <c:v>3.7992859185695164E-3</c:v>
+                  <c:v>3.7992859185695177E-3</c:v>
                 </c:pt>
                 <c:pt idx="363">
-                  <c:v>3.7914670565950561E-3</c:v>
+                  <c:v>3.7914670565950574E-3</c:v>
                 </c:pt>
                 <c:pt idx="364">
-                  <c:v>3.7836816482494976E-3</c:v>
+                  <c:v>3.7836816482494993E-3</c:v>
                 </c:pt>
                 <c:pt idx="365">
-                  <c:v>3.7759294633373675E-3</c:v>
+                  <c:v>3.7759294633373684E-3</c:v>
                 </c:pt>
                 <c:pt idx="366">
-                  <c:v>3.7682102744009795E-3</c:v>
+                  <c:v>3.7682102744009808E-3</c:v>
                 </c:pt>
                 <c:pt idx="367">
-                  <c:v>3.7605238566658901E-3</c:v>
+                  <c:v>3.7605238566658914E-3</c:v>
                 </c:pt>
                 <c:pt idx="368">
-                  <c:v>3.7528699879876186E-3</c:v>
+                  <c:v>3.7528699879876195E-3</c:v>
                 </c:pt>
                 <c:pt idx="369">
-                  <c:v>3.7452484487996173E-3</c:v>
+                  <c:v>3.7452484487996186E-3</c:v>
                 </c:pt>
                 <c:pt idx="370">
-                  <c:v>3.7376590220622062E-3</c:v>
+                  <c:v>3.737659022062207E-3</c:v>
                 </c:pt>
                 <c:pt idx="371">
-                  <c:v>3.7301014932126252E-3</c:v>
+                  <c:v>3.7301014932126257E-3</c:v>
                 </c:pt>
                 <c:pt idx="372">
-                  <c:v>3.7225756501163242E-3</c:v>
+                  <c:v>3.722575650116325E-3</c:v>
                 </c:pt>
                 <c:pt idx="373">
-                  <c:v>3.7150812830191657E-3</c:v>
+                  <c:v>3.7150812830191665E-3</c:v>
                 </c:pt>
                 <c:pt idx="374">
-                  <c:v>3.7076181845007647E-3</c:v>
+                  <c:v>3.7076181845007656E-3</c:v>
                 </c:pt>
                 <c:pt idx="375">
-                  <c:v>3.700186149428858E-3</c:v>
+                  <c:v>3.7001861494288589E-3</c:v>
                 </c:pt>
                 <c:pt idx="376">
-                  <c:v>3.6927849749146574E-3</c:v>
+                  <c:v>3.6927849749146583E-3</c:v>
                 </c:pt>
                 <c:pt idx="377">
-                  <c:v>3.6854144602692478E-3</c:v>
+                  <c:v>3.6854144602692486E-3</c:v>
                 </c:pt>
                 <c:pt idx="378">
-                  <c:v>3.6780744069609688E-3</c:v>
+                  <c:v>3.6780744069609701E-3</c:v>
                 </c:pt>
                 <c:pt idx="379">
-                  <c:v>3.6707646185736931E-3</c:v>
+                  <c:v>3.670764618573694E-3</c:v>
                 </c:pt>
                 <c:pt idx="380">
-                  <c:v>3.6634849007661299E-3</c:v>
+                  <c:v>3.6634849007661308E-3</c:v>
                 </c:pt>
                 <c:pt idx="381">
-                  <c:v>3.6562350612320067E-3</c:v>
+                  <c:v>3.656235061232008E-3</c:v>
                 </c:pt>
                 <c:pt idx="382">
-                  <c:v>3.6490149096612009E-3</c:v>
+                  <c:v>3.6490149096612017E-3</c:v>
                 </c:pt>
                 <c:pt idx="383">
-                  <c:v>3.6418242577017125E-3</c:v>
+                  <c:v>3.6418242577017142E-3</c:v>
                 </c:pt>
                 <c:pt idx="384">
-                  <c:v>3.6346629189225564E-3</c:v>
+                  <c:v>3.6346629189225577E-3</c:v>
                 </c:pt>
                 <c:pt idx="385">
-                  <c:v>3.6275307087774941E-3</c:v>
+                  <c:v>3.6275307087774962E-3</c:v>
                 </c:pt>
                 <c:pt idx="386">
-                  <c:v>3.6204274445695507E-3</c:v>
+                  <c:v>3.620427444569552E-3</c:v>
                 </c:pt>
                 <c:pt idx="387">
-                  <c:v>3.6133529454165187E-3</c:v>
+                  <c:v>3.61335294541652E-3</c:v>
                 </c:pt>
                 <c:pt idx="388">
-                  <c:v>3.6063070322170294E-3</c:v>
+                  <c:v>3.6063070322170307E-3</c:v>
                 </c:pt>
                 <c:pt idx="389">
-                  <c:v>3.599289527617601E-3</c:v>
+                  <c:v>3.5992895276176018E-3</c:v>
                 </c:pt>
                 <c:pt idx="390">
-                  <c:v>3.5923002559803351E-3</c:v>
+                  <c:v>3.5923002559803364E-3</c:v>
                 </c:pt>
                 <c:pt idx="391">
-                  <c:v>3.5853390433515223E-3</c:v>
+                  <c:v>3.5853390433515241E-3</c:v>
                 </c:pt>
                 <c:pt idx="392">
-                  <c:v>3.5784057174307491E-3</c:v>
+                  <c:v>3.5784057174307496E-3</c:v>
                 </c:pt>
                 <c:pt idx="393">
-                  <c:v>3.5715001075409675E-3</c:v>
+                  <c:v>3.5715001075409683E-3</c:v>
                 </c:pt>
                 <c:pt idx="394">
-                  <c:v>3.5646220445991264E-3</c:v>
+                  <c:v>3.5646220445991273E-3</c:v>
                 </c:pt>
                 <c:pt idx="395">
-                  <c:v>3.5577713610875218E-3</c:v>
+                  <c:v>3.5577713610875231E-3</c:v>
                 </c:pt>
                 <c:pt idx="396">
-                  <c:v>3.5509478910257875E-3</c:v>
+                  <c:v>3.5509478910257879E-3</c:v>
                 </c:pt>
                 <c:pt idx="397">
-                  <c:v>3.5441514699437516E-3</c:v>
+                  <c:v>3.544151469943752E-3</c:v>
                 </c:pt>
                 <c:pt idx="398">
-                  <c:v>3.5373819348545441E-3</c:v>
+                  <c:v>3.5373819348545449E-3</c:v>
                 </c:pt>
                 <c:pt idx="399">
-                  <c:v>3.5306391242287531E-3</c:v>
+                  <c:v>3.5306391242287535E-3</c:v>
                 </c:pt>
                 <c:pt idx="400">
-                  <c:v>3.5239228779689021E-3</c:v>
+                  <c:v>3.5239228779689034E-3</c:v>
                 </c:pt>
                 <c:pt idx="401">
-                  <c:v>3.5172330373846854E-3</c:v>
+                  <c:v>3.5172330373846859E-3</c:v>
                 </c:pt>
                 <c:pt idx="402">
-                  <c:v>3.510569445168729E-3</c:v>
+                  <c:v>3.5105694451687294E-3</c:v>
                 </c:pt>
                 <c:pt idx="403">
-                  <c:v>3.5039319453729289E-3</c:v>
+                  <c:v>3.5039319453729306E-3</c:v>
                 </c:pt>
                 <c:pt idx="404">
-                  <c:v>3.4973203833853607E-3</c:v>
+                  <c:v>3.497320383385362E-3</c:v>
                 </c:pt>
                 <c:pt idx="405">
-                  <c:v>3.4907346059077733E-3</c:v>
+                  <c:v>3.4907346059077746E-3</c:v>
                 </c:pt>
                 <c:pt idx="406">
-                  <c:v>3.4841744609335175E-3</c:v>
+                  <c:v>3.4841744609335188E-3</c:v>
                 </c:pt>
                 <c:pt idx="407">
-                  <c:v>3.4776397977261363E-3</c:v>
+                  <c:v>3.477639797726138E-3</c:v>
                 </c:pt>
                 <c:pt idx="408">
-                  <c:v>3.4711304667983073E-3</c:v>
+                  <c:v>3.4711304667983086E-3</c:v>
                 </c:pt>
                 <c:pt idx="409">
-                  <c:v>3.4646463198914567E-3</c:v>
+                  <c:v>3.464646319891458E-3</c:v>
                 </c:pt>
                 <c:pt idx="410">
-                  <c:v>3.4581872099556979E-3</c:v>
+                  <c:v>3.4581872099556992E-3</c:v>
                 </c:pt>
                 <c:pt idx="411">
-                  <c:v>3.4517529911303503E-3</c:v>
+                  <c:v>3.4517529911303512E-3</c:v>
                 </c:pt>
                 <c:pt idx="412">
-                  <c:v>3.4453435187248777E-3</c:v>
+                  <c:v>3.4453435187248786E-3</c:v>
                 </c:pt>
                 <c:pt idx="413">
-                  <c:v>3.4389586492002905E-3</c:v>
+                  <c:v>3.438958649200291E-3</c:v>
                 </c:pt>
                 <c:pt idx="414">
-                  <c:v>3.4325982401509779E-3</c:v>
+                  <c:v>3.4325982401509792E-3</c:v>
                 </c:pt>
                 <c:pt idx="415">
-                  <c:v>3.4262621502870148E-3</c:v>
+                  <c:v>3.4262621502870157E-3</c:v>
                 </c:pt>
                 <c:pt idx="416">
                   <c:v>3.4199502394167696E-3</c:v>
                 </c:pt>
                 <c:pt idx="417">
-                  <c:v>3.4136623684301254E-3</c:v>
+                  <c:v>3.4136623684301259E-3</c:v>
                 </c:pt>
                 <c:pt idx="418">
-                  <c:v>3.4073983992818717E-3</c:v>
+                  <c:v>3.4073983992818726E-3</c:v>
                 </c:pt>
                 <c:pt idx="419">
                   <c:v>3.4011581949756602E-3</c:v>
                 </c:pt>
                 <c:pt idx="420">
-                  <c:v>3.3949416195481908E-3</c:v>
+                  <c:v>3.3949416195481912E-3</c:v>
                 </c:pt>
                 <c:pt idx="421">
-                  <c:v>3.3887485380539955E-3</c:v>
+                  <c:v>3.3887485380539959E-3</c:v>
                 </c:pt>
                 <c:pt idx="422">
-                  <c:v>3.3825788165502465E-3</c:v>
+                  <c:v>3.3825788165502469E-3</c:v>
                 </c:pt>
                 <c:pt idx="423">
-                  <c:v>3.376432322082297E-3</c:v>
+                  <c:v>3.3764323220822974E-3</c:v>
                 </c:pt>
                 <c:pt idx="424">
-                  <c:v>3.3703089226692334E-3</c:v>
+                  <c:v>3.3703089226692338E-3</c:v>
                 </c:pt>
                 <c:pt idx="425">
-                  <c:v>3.3642084872899376E-3</c:v>
+                  <c:v>3.364208487289938E-3</c:v>
                 </c:pt>
                 <c:pt idx="426">
-                  <c:v>3.3581308858695313E-3</c:v>
+                  <c:v>3.3581308858695322E-3</c:v>
                 </c:pt>
                 <c:pt idx="427">
-                  <c:v>3.3520759892658645E-3</c:v>
+                  <c:v>3.352075989265864E-3</c:v>
                 </c:pt>
                 <c:pt idx="428">
                   <c:v>3.3460436692566466E-3</c:v>
                 </c:pt>
                 <c:pt idx="429">
-                  <c:v>3.3400337985266919E-3</c:v>
+                  <c:v>3.3400337985266932E-3</c:v>
                 </c:pt>
                 <c:pt idx="430">
-                  <c:v>3.3340462506554467E-3</c:v>
+                  <c:v>3.3340462506554476E-3</c:v>
                 </c:pt>
                 <c:pt idx="431">
-                  <c:v>3.3280809001048467E-3</c:v>
+                  <c:v>3.3280809001048472E-3</c:v>
                 </c:pt>
                 <c:pt idx="432">
-                  <c:v>3.3221376222075131E-3</c:v>
+                  <c:v>3.3221376222075144E-3</c:v>
                 </c:pt>
                 <c:pt idx="433">
                   <c:v>3.3162162931551034E-3</c:v>
                 </c:pt>
                 <c:pt idx="434">
-                  <c:v>3.3103167899869502E-3</c:v>
+                  <c:v>3.3103167899869511E-3</c:v>
                 </c:pt>
                 <c:pt idx="435">
-                  <c:v>3.3044389905791025E-3</c:v>
+                  <c:v>3.3044389905791029E-3</c:v>
                 </c:pt>
                 <c:pt idx="436">
-                  <c:v>3.2985827736333457E-3</c:v>
+                  <c:v>3.2985827736333466E-3</c:v>
                 </c:pt>
                 <c:pt idx="437">
-                  <c:v>3.2927480186667117E-3</c:v>
+                  <c:v>3.2927480186667126E-3</c:v>
                 </c:pt>
                 <c:pt idx="438">
-                  <c:v>3.2869346060010757E-3</c:v>
+                  <c:v>3.286934606001077E-3</c:v>
                 </c:pt>
                 <c:pt idx="439">
-                  <c:v>3.2811424167530833E-3</c:v>
+                  <c:v>3.2811424167530838E-3</c:v>
                 </c:pt>
                 <c:pt idx="440">
-                  <c:v>3.2753713328242586E-3</c:v>
+                  <c:v>3.2753713328242595E-3</c:v>
                 </c:pt>
                 <c:pt idx="441">
-                  <c:v>3.269621236891227E-3</c:v>
+                  <c:v>3.2696212368912283E-3</c:v>
                 </c:pt>
                 <c:pt idx="442">
-                  <c:v>3.2638920123963205E-3</c:v>
+                  <c:v>3.2638920123963218E-3</c:v>
                 </c:pt>
                 <c:pt idx="443">
-                  <c:v>3.2581835435383198E-3</c:v>
+                  <c:v>3.2581835435383211E-3</c:v>
                 </c:pt>
                 <c:pt idx="444">
-                  <c:v>3.2524957152633501E-3</c:v>
+                  <c:v>3.2524957152633509E-3</c:v>
                 </c:pt>
                 <c:pt idx="445">
                   <c:v>3.2468284132559882E-3</c:v>
                 </c:pt>
                 <c:pt idx="446">
-                  <c:v>3.2411815239306425E-3</c:v>
+                  <c:v>3.2411815239306438E-3</c:v>
                 </c:pt>
                 <c:pt idx="447">
-                  <c:v>3.2355549344229672E-3</c:v>
+                  <c:v>3.2355549344229677E-3</c:v>
                 </c:pt>
                 <c:pt idx="448">
-                  <c:v>3.2299485325815989E-3</c:v>
+                  <c:v>3.2299485325815998E-3</c:v>
                 </c:pt>
                 <c:pt idx="449">
-                  <c:v>3.2243622069599693E-3</c:v>
+                  <c:v>3.2243622069599706E-3</c:v>
                 </c:pt>
                 <c:pt idx="450">
-                  <c:v>3.2187958468083175E-3</c:v>
+                  <c:v>3.2187958468083188E-3</c:v>
                 </c:pt>
                 <c:pt idx="451">
-                  <c:v>3.213249342065851E-3</c:v>
+                  <c:v>3.2132493420658518E-3</c:v>
                 </c:pt>
                 <c:pt idx="452">
-                  <c:v>3.2077225833531142E-3</c:v>
+                  <c:v>3.207722583353115E-3</c:v>
                 </c:pt>
                 <c:pt idx="453">
-                  <c:v>3.2022154619644081E-3</c:v>
+                  <c:v>3.2022154619644086E-3</c:v>
                 </c:pt>
                 <c:pt idx="454">
-                  <c:v>3.196727869860483E-3</c:v>
+                  <c:v>3.1967278698604839E-3</c:v>
                 </c:pt>
                 <c:pt idx="455">
                   <c:v>3.1912596996612644E-3</c:v>
                 </c:pt>
                 <c:pt idx="456">
-                  <c:v>3.1858108446387655E-3</c:v>
+                  <c:v>3.1858108446387659E-3</c:v>
                 </c:pt>
                 <c:pt idx="457">
-                  <c:v>3.1803811987102088E-3</c:v>
+                  <c:v>3.1803811987102101E-3</c:v>
                 </c:pt>
                 <c:pt idx="458">
-                  <c:v>3.1749706564310485E-3</c:v>
+                  <c:v>3.1749706564310493E-3</c:v>
                 </c:pt>
                 <c:pt idx="459">
-                  <c:v>3.1695791129884316E-3</c:v>
+                  <c:v>3.1695791129884325E-3</c:v>
                 </c:pt>
                 <c:pt idx="460">
-                  <c:v>3.1642064641945558E-3</c:v>
+                  <c:v>3.1642064641945566E-3</c:v>
                 </c:pt>
                 <c:pt idx="461">
                   <c:v>3.1588526064801462E-3</c:v>
                 </c:pt>
                 <c:pt idx="462">
-                  <c:v>3.1535174368882593E-3</c:v>
+                  <c:v>3.1535174368882602E-3</c:v>
                 </c:pt>
                 <c:pt idx="463">
-                  <c:v>3.1482008530678771E-3</c:v>
+                  <c:v>3.1482008530678779E-3</c:v>
                 </c:pt>
                 <c:pt idx="464">
-                  <c:v>3.1429027532679414E-3</c:v>
+                  <c:v>3.1429027532679423E-3</c:v>
                 </c:pt>
                 <c:pt idx="465">
-                  <c:v>3.137623036331218E-3</c:v>
+                  <c:v>3.1376230363312188E-3</c:v>
                 </c:pt>
                 <c:pt idx="466">
-                  <c:v>3.1323616016884184E-3</c:v>
+                  <c:v>3.1323616016884193E-3</c:v>
                 </c:pt>
                 <c:pt idx="467">
-                  <c:v>3.1271183493523998E-3</c:v>
+                  <c:v>3.1271183493524015E-3</c:v>
                 </c:pt>
                 <c:pt idx="468">
-                  <c:v>3.1218931799123504E-3</c:v>
+                  <c:v>3.1218931799123517E-3</c:v>
                 </c:pt>
                 <c:pt idx="469">
-                  <c:v>3.1166859945282082E-3</c:v>
+                  <c:v>3.1166859945282077E-3</c:v>
                 </c:pt>
                 <c:pt idx="470">
                   <c:v>3.1114966949251041E-3</c:v>
                 </c:pt>
                 <c:pt idx="471">
-                  <c:v>3.1063251833878766E-3</c:v>
+                  <c:v>3.106325183387877E-3</c:v>
                 </c:pt>
                 <c:pt idx="472">
-                  <c:v>3.1011713627556222E-3</c:v>
+                  <c:v>3.1011713627556235E-3</c:v>
                 </c:pt>
                 <c:pt idx="473">
                   <c:v>3.0960351364164801E-3</c:v>
                 </c:pt>
                 <c:pt idx="474">
-                  <c:v>3.0909164083022952E-3</c:v>
+                  <c:v>3.090916408302296E-3</c:v>
                 </c:pt>
                 <c:pt idx="475">
-                  <c:v>3.0858150828834995E-3</c:v>
+                  <c:v>3.0858150828835E-3</c:v>
                 </c:pt>
                 <c:pt idx="476">
-                  <c:v>3.0807310651639972E-3</c:v>
+                  <c:v>3.0807310651639985E-3</c:v>
                 </c:pt>
                 <c:pt idx="477">
-                  <c:v>3.0756642606761379E-3</c:v>
+                  <c:v>3.0756642606761387E-3</c:v>
                 </c:pt>
                 <c:pt idx="478">
-                  <c:v>3.0706145754756764E-3</c:v>
+                  <c:v>3.0706145754756777E-3</c:v>
                 </c:pt>
                 <c:pt idx="479">
-                  <c:v>3.065581916136957E-3</c:v>
+                  <c:v>3.0655819161369583E-3</c:v>
                 </c:pt>
                 <c:pt idx="480">
-                  <c:v>3.060566189747991E-3</c:v>
+                  <c:v>3.0605661897479919E-3</c:v>
                 </c:pt>
                 <c:pt idx="481">
-                  <c:v>3.0555673039056471E-3</c:v>
+                  <c:v>3.0555673039056475E-3</c:v>
                 </c:pt>
                 <c:pt idx="482">
-                  <c:v>3.0505851667109707E-3</c:v>
+                  <c:v>3.050585166710972E-3</c:v>
                 </c:pt>
                 <c:pt idx="483">
-                  <c:v>3.0456196867644017E-3</c:v>
+                  <c:v>3.0456196867644026E-3</c:v>
                 </c:pt>
                 <c:pt idx="484">
-                  <c:v>3.040670773161184E-3</c:v>
+                  <c:v>3.0406707731611845E-3</c:v>
                 </c:pt>
                 <c:pt idx="485">
-                  <c:v>3.0357383354867222E-3</c:v>
+                  <c:v>3.0357383354867227E-3</c:v>
                 </c:pt>
                 <c:pt idx="486">
-                  <c:v>3.0308222838120371E-3</c:v>
+                  <c:v>3.030822283812038E-3</c:v>
                 </c:pt>
                 <c:pt idx="487">
-                  <c:v>3.0259225286892767E-3</c:v>
+                  <c:v>3.025922528689278E-3</c:v>
                 </c:pt>
                 <c:pt idx="488">
-                  <c:v>3.021038981147168E-3</c:v>
+                  <c:v>3.0210389811471685E-3</c:v>
                 </c:pt>
                 <c:pt idx="489">
-                  <c:v>3.016171552686625E-3</c:v>
+                  <c:v>3.0161715526866258E-3</c:v>
                 </c:pt>
                 <c:pt idx="490">
-                  <c:v>3.0113201552763235E-3</c:v>
+                  <c:v>3.0113201552763244E-3</c:v>
                 </c:pt>
                 <c:pt idx="491">
-                  <c:v>3.0064847013483264E-3</c:v>
+                  <c:v>3.0064847013483277E-3</c:v>
                 </c:pt>
                 <c:pt idx="492">
                   <c:v>3.0016651037937433E-3</c:v>
                 </c:pt>
                 <c:pt idx="493">
-                  <c:v>2.9968612759584067E-3</c:v>
+                  <c:v>2.9968612759584076E-3</c:v>
                 </c:pt>
                 <c:pt idx="494">
                   <c:v>2.9920731316385864E-3</c:v>
                 </c:pt>
                 <c:pt idx="495">
-                  <c:v>2.9873005850767544E-3</c:v>
+                  <c:v>2.9873005850767557E-3</c:v>
                 </c:pt>
                 <c:pt idx="496">
-                  <c:v>2.9825435509573043E-3</c:v>
+                  <c:v>2.9825435509573056E-3</c:v>
                 </c:pt>
                 <c:pt idx="497">
-                  <c:v>2.9778019444023736E-3</c:v>
+                  <c:v>2.9778019444023749E-3</c:v>
                 </c:pt>
                 <c:pt idx="498">
-                  <c:v>2.9730756809676307E-3</c:v>
+                  <c:v>2.9730756809676316E-3</c:v>
                 </c:pt>
                 <c:pt idx="499">
-                  <c:v>2.9683646766381143E-3</c:v>
+                  <c:v>2.9683646766381151E-3</c:v>
                 </c:pt>
                 <c:pt idx="500">
-                  <c:v>2.9636688478240688E-3</c:v>
+                  <c:v>2.9636688478240697E-3</c:v>
                 </c:pt>
                 <c:pt idx="501">
-                  <c:v>2.958988111356798E-3</c:v>
+                  <c:v>2.9589881113567984E-3</c:v>
                 </c:pt>
                 <c:pt idx="502">
-                  <c:v>2.9543223844845723E-3</c:v>
+                  <c:v>2.9543223844845732E-3</c:v>
                 </c:pt>
                 <c:pt idx="503">
-                  <c:v>2.9496715848684853E-3</c:v>
+                  <c:v>2.9496715848684857E-3</c:v>
                 </c:pt>
                 <c:pt idx="504">
-                  <c:v>2.945035630578395E-3</c:v>
+                  <c:v>2.9450356305783954E-3</c:v>
                 </c:pt>
                 <c:pt idx="505">
-                  <c:v>2.9404144400887629E-3</c:v>
+                  <c:v>2.9404144400887637E-3</c:v>
                 </c:pt>
                 <c:pt idx="506">
                   <c:v>2.9358079322747018E-3</c:v>
                 </c:pt>
                 <c:pt idx="507">
-                  <c:v>2.9312160264078277E-3</c:v>
+                  <c:v>2.9312160264078281E-3</c:v>
                 </c:pt>
                 <c:pt idx="508">
-                  <c:v>2.9266386421521666E-3</c:v>
+                  <c:v>2.9266386421521674E-3</c:v>
                 </c:pt>
                 <c:pt idx="509">
-                  <c:v>2.9220756995602462E-3</c:v>
+                  <c:v>2.9220756995602458E-3</c:v>
                 </c:pt>
                 <c:pt idx="510">
-                  <c:v>2.9175271190689028E-3</c:v>
+                  <c:v>2.9175271190689037E-3</c:v>
                 </c:pt>
                 <c:pt idx="511">
-                  <c:v>2.9129928214953792E-3</c:v>
+                  <c:v>2.9129928214953796E-3</c:v>
                 </c:pt>
                 <c:pt idx="512">
-                  <c:v>2.9084727280331737E-3</c:v>
+                  <c:v>2.9084727280331746E-3</c:v>
                 </c:pt>
                 <c:pt idx="513">
-                  <c:v>2.9039667602481258E-3</c:v>
+                  <c:v>2.9039667602481266E-3</c:v>
                 </c:pt>
                 <c:pt idx="514">
-                  <c:v>2.8994748400743274E-3</c:v>
+                  <c:v>2.8994748400743282E-3</c:v>
                 </c:pt>
                 <c:pt idx="515">
-                  <c:v>2.8949968898101383E-3</c:v>
+                  <c:v>2.8949968898101391E-3</c:v>
                 </c:pt>
                 <c:pt idx="516">
-                  <c:v>2.8905328321141635E-3</c:v>
+                  <c:v>2.8905328321141639E-3</c:v>
                 </c:pt>
                 <c:pt idx="517">
-                  <c:v>2.8860825900012344E-3</c:v>
+                  <c:v>2.8860825900012348E-3</c:v>
                 </c:pt>
                 <c:pt idx="518">
-                  <c:v>2.8816460868384807E-3</c:v>
+                  <c:v>2.8816460868384811E-3</c:v>
                 </c:pt>
                 <c:pt idx="519">
-                  <c:v>2.8772232463411874E-3</c:v>
+                  <c:v>2.8772232463411883E-3</c:v>
                 </c:pt>
                 <c:pt idx="520">
                   <c:v>2.8728139925689356E-3</c:v>
                 </c:pt>
                 <c:pt idx="521">
-                  <c:v>2.868418249921532E-3</c:v>
+                  <c:v>2.8684182499215333E-3</c:v>
                 </c:pt>
                 <c:pt idx="522">
-                  <c:v>2.8640359431349894E-3</c:v>
+                  <c:v>2.8640359431349898E-3</c:v>
                 </c:pt>
                 <c:pt idx="523">
-                  <c:v>2.8596669972776505E-3</c:v>
+                  <c:v>2.8596669972776509E-3</c:v>
                 </c:pt>
                 <c:pt idx="524">
-                  <c:v>2.8553113377460899E-3</c:v>
+                  <c:v>2.8553113377460903E-3</c:v>
                 </c:pt>
                 <c:pt idx="525">
-                  <c:v>2.8509688902611562E-3</c:v>
+                  <c:v>2.8509688902611566E-3</c:v>
                 </c:pt>
                 <c:pt idx="526">
-                  <c:v>2.8466395808640446E-3</c:v>
+                  <c:v>2.846639580864045E-3</c:v>
                 </c:pt>
                 <c:pt idx="527">
-                  <c:v>2.8423233359122502E-3</c:v>
+                  <c:v>2.8423233359122506E-3</c:v>
                 </c:pt>
                 <c:pt idx="528">
-                  <c:v>2.8380200820756415E-3</c:v>
+                  <c:v>2.838020082075642E-3</c:v>
                 </c:pt>
                 <c:pt idx="529">
-                  <c:v>2.8337297463324898E-3</c:v>
+                  <c:v>2.8337297463324911E-3</c:v>
                 </c:pt>
                 <c:pt idx="530">
-                  <c:v>2.8294522559655266E-3</c:v>
+                  <c:v>2.8294522559655271E-3</c:v>
                 </c:pt>
                 <c:pt idx="531">
-                  <c:v>2.8251875385579385E-3</c:v>
+                  <c:v>2.8251875385579398E-3</c:v>
                 </c:pt>
                 <c:pt idx="532">
-                  <c:v>2.82093552198946E-3</c:v>
+                  <c:v>2.8209355219894609E-3</c:v>
                 </c:pt>
                 <c:pt idx="533">
-                  <c:v>2.8166961344324691E-3</c:v>
+                  <c:v>2.8166961344324687E-3</c:v>
                 </c:pt>
                 <c:pt idx="534">
-                  <c:v>2.812469304347994E-3</c:v>
+                  <c:v>2.8124693043479945E-3</c:v>
                 </c:pt>
                 <c:pt idx="535">
-                  <c:v>2.8082549604818798E-3</c:v>
+                  <c:v>2.8082549604818803E-3</c:v>
                 </c:pt>
                 <c:pt idx="536">
-                  <c:v>2.8040530318608229E-3</c:v>
+                  <c:v>2.8040530318608234E-3</c:v>
                 </c:pt>
                 <c:pt idx="537">
-                  <c:v>2.7998634477885104E-3</c:v>
+                  <c:v>2.7998634477885112E-3</c:v>
                 </c:pt>
                 <c:pt idx="538">
-                  <c:v>2.7956861378417414E-3</c:v>
+                  <c:v>2.7956861378417418E-3</c:v>
                 </c:pt>
                 <c:pt idx="539">
-                  <c:v>2.7915210318666069E-3</c:v>
+                  <c:v>2.7915210318666082E-3</c:v>
                 </c:pt>
                 <c:pt idx="540">
-                  <c:v>2.7873680599745983E-3</c:v>
+                  <c:v>2.7873680599745996E-3</c:v>
                 </c:pt>
                 <c:pt idx="541">
-                  <c:v>2.7832271525388484E-3</c:v>
+                  <c:v>2.7832271525388493E-3</c:v>
                 </c:pt>
                 <c:pt idx="542">
-                  <c:v>2.7790982401902516E-3</c:v>
+                  <c:v>2.779098240190252E-3</c:v>
                 </c:pt>
                 <c:pt idx="543">
-                  <c:v>2.7749812538138134E-3</c:v>
+                  <c:v>2.7749812538138147E-3</c:v>
                 </c:pt>
                 <c:pt idx="544">
                   <c:v>2.7708761245448031E-3</c:v>
                 </c:pt>
                 <c:pt idx="545">
-                  <c:v>2.7667827837650773E-3</c:v>
+                  <c:v>2.7667827837650786E-3</c:v>
                 </c:pt>
                 <c:pt idx="546">
-                  <c:v>2.7627011630993845E-3</c:v>
+                  <c:v>2.7627011630993853E-3</c:v>
                 </c:pt>
                 <c:pt idx="547">
-                  <c:v>2.7586311944117173E-3</c:v>
+                  <c:v>2.7586311944117182E-3</c:v>
                 </c:pt>
                 <c:pt idx="548">
-                  <c:v>2.7545728098016843E-3</c:v>
+                  <c:v>2.7545728098016852E-3</c:v>
                 </c:pt>
                 <c:pt idx="549">
-                  <c:v>2.7505259416009038E-3</c:v>
+                  <c:v>2.7505259416009051E-3</c:v>
                 </c:pt>
                 <c:pt idx="550">
-                  <c:v>2.7464905223694765E-3</c:v>
+                  <c:v>2.7464905223694778E-3</c:v>
                 </c:pt>
                 <c:pt idx="551">
-                  <c:v>2.7424664848924793E-3</c:v>
+                  <c:v>2.7424664848924802E-3</c:v>
                 </c:pt>
                 <c:pt idx="552">
-                  <c:v>2.7384537621764926E-3</c:v>
+                  <c:v>2.7384537621764939E-3</c:v>
                 </c:pt>
                 <c:pt idx="553">
-                  <c:v>2.7344522874461763E-3</c:v>
+                  <c:v>2.7344522874461776E-3</c:v>
                 </c:pt>
                 <c:pt idx="554">
-                  <c:v>2.7304619941409098E-3</c:v>
+                  <c:v>2.7304619941409102E-3</c:v>
                 </c:pt>
                 <c:pt idx="555">
-                  <c:v>2.7264828159114921E-3</c:v>
+                  <c:v>2.726482815911493E-3</c:v>
                 </c:pt>
                 <c:pt idx="556">
-                  <c:v>2.7225146866168286E-3</c:v>
+                  <c:v>2.7225146866168295E-3</c:v>
                 </c:pt>
                 <c:pt idx="557">
-                  <c:v>2.7185575403207729E-3</c:v>
+                  <c:v>2.7185575403207742E-3</c:v>
                 </c:pt>
                 <c:pt idx="558">
-                  <c:v>2.7146113112889647E-3</c:v>
+                  <c:v>2.7146113112889655E-3</c:v>
                 </c:pt>
                 <c:pt idx="559">
                   <c:v>2.7106759339857343E-3</c:v>
                 </c:pt>
                 <c:pt idx="560">
-                  <c:v>2.7067513430710931E-3</c:v>
+                  <c:v>2.706751343071094E-3</c:v>
                 </c:pt>
                 <c:pt idx="561">
-                  <c:v>2.7028374733978136E-3</c:v>
+                  <c:v>2.702837473397814E-3</c:v>
                 </c:pt>
                 <c:pt idx="562">
-                  <c:v>2.6989342600084848E-3</c:v>
+                  <c:v>2.6989342600084862E-3</c:v>
                 </c:pt>
                 <c:pt idx="563">
-                  <c:v>2.6950416381327875E-3</c:v>
+                  <c:v>2.6950416381327879E-3</c:v>
                 </c:pt>
                 <c:pt idx="564">
-                  <c:v>2.69115954318476E-3</c:v>
+                  <c:v>2.6911595431847605E-3</c:v>
                 </c:pt>
                 <c:pt idx="565">
-                  <c:v>2.6872879107600806E-3</c:v>
+                  <c:v>2.6872879107600815E-3</c:v>
                 </c:pt>
                 <c:pt idx="566">
-                  <c:v>2.6834266766336281E-3</c:v>
+                  <c:v>2.6834266766336289E-3</c:v>
                 </c:pt>
                 <c:pt idx="567">
-                  <c:v>2.679575776756937E-3</c:v>
+                  <c:v>2.6795757767569383E-3</c:v>
                 </c:pt>
                 <c:pt idx="568">
-                  <c:v>2.6757351472558532E-3</c:v>
+                  <c:v>2.675735147255854E-3</c:v>
                 </c:pt>
                 <c:pt idx="569">
-                  <c:v>2.6719047244282441E-3</c:v>
+                  <c:v>2.6719047244282445E-3</c:v>
                 </c:pt>
                 <c:pt idx="570">
-                  <c:v>2.6680844447418369E-3</c:v>
+                  <c:v>2.6680844447418382E-3</c:v>
                 </c:pt>
                 <c:pt idx="571">
-                  <c:v>2.6642742448321414E-3</c:v>
+                  <c:v>2.6642742448321427E-3</c:v>
                 </c:pt>
                 <c:pt idx="572">
-                  <c:v>2.6604740615004696E-3</c:v>
+                  <c:v>2.6604740615004704E-3</c:v>
                 </c:pt>
                 <c:pt idx="573">
                   <c:v>2.6566838317120802E-3</c:v>
@@ -5295,220 +5296,220 @@
                   <c:v>2.6529034925944312E-3</c:v>
                 </c:pt>
                 <c:pt idx="575">
-                  <c:v>2.6491329814355632E-3</c:v>
+                  <c:v>2.6491329814355641E-3</c:v>
                 </c:pt>
                 <c:pt idx="576">
-                  <c:v>2.6453722356825633E-3</c:v>
+                  <c:v>2.6453722356825642E-3</c:v>
                 </c:pt>
                 <c:pt idx="577">
-                  <c:v>2.6416211929402478E-3</c:v>
+                  <c:v>2.6416211929402487E-3</c:v>
                 </c:pt>
                 <c:pt idx="578">
-                  <c:v>2.6378797909697902E-3</c:v>
+                  <c:v>2.6378797909697906E-3</c:v>
                 </c:pt>
                 <c:pt idx="579">
-                  <c:v>2.6341479676877241E-3</c:v>
+                  <c:v>2.634147967687725E-3</c:v>
                 </c:pt>
                 <c:pt idx="580">
-                  <c:v>2.6304256611648764E-3</c:v>
+                  <c:v>2.6304256611648772E-3</c:v>
                 </c:pt>
                 <c:pt idx="581">
-                  <c:v>2.6267128096255435E-3</c:v>
+                  <c:v>2.6267128096255439E-3</c:v>
                 </c:pt>
                 <c:pt idx="582">
-                  <c:v>2.6230093514467995E-3</c:v>
+                  <c:v>2.6230093514468004E-3</c:v>
                 </c:pt>
                 <c:pt idx="583">
-                  <c:v>2.6193152251579193E-3</c:v>
+                  <c:v>2.6193152251579202E-3</c:v>
                 </c:pt>
                 <c:pt idx="584">
-                  <c:v>2.6156303694399655E-3</c:v>
+                  <c:v>2.6156303694399659E-3</c:v>
                 </c:pt>
                 <c:pt idx="585">
-                  <c:v>2.6119547231255903E-3</c:v>
+                  <c:v>2.6119547231255912E-3</c:v>
                 </c:pt>
                 <c:pt idx="586">
-                  <c:v>2.6082882251988637E-3</c:v>
+                  <c:v>2.6082882251988642E-3</c:v>
                 </c:pt>
                 <c:pt idx="587">
-                  <c:v>2.6046308147954327E-3</c:v>
+                  <c:v>2.6046308147954344E-3</c:v>
                 </c:pt>
                 <c:pt idx="588">
-                  <c:v>2.6009824312026612E-3</c:v>
+                  <c:v>2.6009824312026616E-3</c:v>
                 </c:pt>
                 <c:pt idx="589">
-                  <c:v>2.5973430138601628E-3</c:v>
+                  <c:v>2.5973430138601632E-3</c:v>
                 </c:pt>
                 <c:pt idx="590">
-                  <c:v>2.5937125023602543E-3</c:v>
+                  <c:v>2.5937125023602556E-3</c:v>
                 </c:pt>
                 <c:pt idx="591">
                   <c:v>2.5900908364488045E-3</c:v>
                 </c:pt>
                 <c:pt idx="592">
-                  <c:v>2.586477956026176E-3</c:v>
+                  <c:v>2.5864779560261768E-3</c:v>
                 </c:pt>
                 <c:pt idx="593">
-                  <c:v>2.5828738011483277E-3</c:v>
+                  <c:v>2.5828738011483285E-3</c:v>
                 </c:pt>
                 <c:pt idx="594">
-                  <c:v>2.5792783120281416E-3</c:v>
+                  <c:v>2.5792783120281411E-3</c:v>
                 </c:pt>
                 <c:pt idx="595">
-                  <c:v>2.5756914290369711E-3</c:v>
+                  <c:v>2.5756914290369715E-3</c:v>
                 </c:pt>
                 <c:pt idx="596">
-                  <c:v>2.5721130927063452E-3</c:v>
+                  <c:v>2.5721130927063456E-3</c:v>
                 </c:pt>
                 <c:pt idx="597">
-                  <c:v>2.5685432437299177E-3</c:v>
+                  <c:v>2.568543243729919E-3</c:v>
                 </c:pt>
                 <c:pt idx="598">
-                  <c:v>2.5649818229655373E-3</c:v>
+                  <c:v>2.5649818229655391E-3</c:v>
                 </c:pt>
                 <c:pt idx="599">
-                  <c:v>2.5614287714376925E-3</c:v>
+                  <c:v>2.5614287714376938E-3</c:v>
                 </c:pt>
                 <c:pt idx="600">
-                  <c:v>2.557884030339976E-3</c:v>
+                  <c:v>2.5578840303399769E-3</c:v>
                 </c:pt>
                 <c:pt idx="601">
-                  <c:v>2.5543475410379326E-3</c:v>
+                  <c:v>2.5543475410379343E-3</c:v>
                 </c:pt>
                 <c:pt idx="602">
-                  <c:v>2.5508192450720587E-3</c:v>
+                  <c:v>2.55081924507206E-3</c:v>
                 </c:pt>
                 <c:pt idx="603">
-                  <c:v>2.5472990841610465E-3</c:v>
+                  <c:v>2.5472990841610473E-3</c:v>
                 </c:pt>
                 <c:pt idx="604">
-                  <c:v>2.5437870002052616E-3</c:v>
+                  <c:v>2.5437870002052621E-3</c:v>
                 </c:pt>
                 <c:pt idx="605">
-                  <c:v>2.5402829352904554E-3</c:v>
+                  <c:v>2.5402829352904558E-3</c:v>
                 </c:pt>
                 <c:pt idx="606">
-                  <c:v>2.5367868316917498E-3</c:v>
+                  <c:v>2.5367868316917503E-3</c:v>
                 </c:pt>
                 <c:pt idx="607">
-                  <c:v>2.5332986318778185E-3</c:v>
+                  <c:v>2.533298631877819E-3</c:v>
                 </c:pt>
                 <c:pt idx="608">
-                  <c:v>2.5298182785153983E-3</c:v>
+                  <c:v>2.5298182785153996E-3</c:v>
                 </c:pt>
                 <c:pt idx="609">
-                  <c:v>2.5263457144740131E-3</c:v>
+                  <c:v>2.5263457144740135E-3</c:v>
                 </c:pt>
                 <c:pt idx="610">
-                  <c:v>2.5228808828309445E-3</c:v>
+                  <c:v>2.522880882830945E-3</c:v>
                 </c:pt>
                 <c:pt idx="611">
-                  <c:v>2.5194237268765162E-3</c:v>
+                  <c:v>2.5194237268765171E-3</c:v>
                 </c:pt>
                 <c:pt idx="612">
-                  <c:v>2.5159741901196538E-3</c:v>
+                  <c:v>2.5159741901196542E-3</c:v>
                 </c:pt>
                 <c:pt idx="613">
-                  <c:v>2.5125322162936662E-3</c:v>
+                  <c:v>2.5125322162936666E-3</c:v>
                 </c:pt>
                 <c:pt idx="614">
-                  <c:v>2.5090977493624476E-3</c:v>
+                  <c:v>2.5090977493624489E-3</c:v>
                 </c:pt>
                 <c:pt idx="615">
-                  <c:v>2.5056707335267825E-3</c:v>
+                  <c:v>2.5056707335267829E-3</c:v>
                 </c:pt>
                 <c:pt idx="616">
                   <c:v>2.5022511132310847E-3</c:v>
                 </c:pt>
                 <c:pt idx="617">
-                  <c:v>2.498838833170466E-3</c:v>
+                  <c:v>2.4988388331704664E-3</c:v>
                 </c:pt>
                 <c:pt idx="618">
-                  <c:v>2.4954338382979879E-3</c:v>
+                  <c:v>2.4954338382979888E-3</c:v>
                 </c:pt>
                 <c:pt idx="619">
-                  <c:v>2.4920360738323491E-3</c:v>
+                  <c:v>2.4920360738323495E-3</c:v>
                 </c:pt>
                 <c:pt idx="620">
                   <c:v>2.4886454852657775E-3</c:v>
                 </c:pt>
                 <c:pt idx="621">
-                  <c:v>2.4852620183724514E-3</c:v>
+                  <c:v>2.4852620183724522E-3</c:v>
                 </c:pt>
                 <c:pt idx="622">
-                  <c:v>2.4818856192169807E-3</c:v>
+                  <c:v>2.4818856192169812E-3</c:v>
                 </c:pt>
                 <c:pt idx="623">
                   <c:v>2.4785162341635254E-3</c:v>
                 </c:pt>
                 <c:pt idx="624">
-                  <c:v>2.4751538098850066E-3</c:v>
+                  <c:v>2.4751538098850071E-3</c:v>
                 </c:pt>
                 <c:pt idx="625">
                   <c:v>2.471798293372845E-3</c:v>
                 </c:pt>
                 <c:pt idx="626">
-                  <c:v>2.4684496319470001E-3</c:v>
+                  <c:v>2.4684496319470005E-3</c:v>
                 </c:pt>
                 <c:pt idx="627">
-                  <c:v>2.465107773266409E-3</c:v>
+                  <c:v>2.4651077732664099E-3</c:v>
                 </c:pt>
                 <c:pt idx="628">
-                  <c:v>2.4617726653397621E-3</c:v>
+                  <c:v>2.4617726653397625E-3</c:v>
                 </c:pt>
                 <c:pt idx="629">
-                  <c:v>2.4584442565366814E-3</c:v>
+                  <c:v>2.4584442565366818E-3</c:v>
                 </c:pt>
                 <c:pt idx="630">
-                  <c:v>2.455122495599333E-3</c:v>
+                  <c:v>2.4551224955993334E-3</c:v>
                 </c:pt>
                 <c:pt idx="631">
                   <c:v>2.4518073316544095E-3</c:v>
                 </c:pt>
                 <c:pt idx="632">
-                  <c:v>2.4484987142254864E-3</c:v>
+                  <c:v>2.4484987142254873E-3</c:v>
                 </c:pt>
                 <c:pt idx="633">
-                  <c:v>2.4451965932458931E-3</c:v>
+                  <c:v>2.4451965932458936E-3</c:v>
                 </c:pt>
                 <c:pt idx="634">
-                  <c:v>2.4419009190719014E-3</c:v>
+                  <c:v>2.4419009190719018E-3</c:v>
                 </c:pt>
                 <c:pt idx="635">
-                  <c:v>2.4386116424964196E-3</c:v>
+                  <c:v>2.4386116424964205E-3</c:v>
                 </c:pt>
                 <c:pt idx="636">
-                  <c:v>2.4353287147631307E-3</c:v>
+                  <c:v>2.4353287147631311E-3</c:v>
                 </c:pt>
                 <c:pt idx="637">
                   <c:v>2.4320520875810506E-3</c:v>
                 </c:pt>
                 <c:pt idx="638">
-                  <c:v>2.4287817131395037E-3</c:v>
+                  <c:v>2.4287817131395046E-3</c:v>
                 </c:pt>
                 <c:pt idx="639">
-                  <c:v>2.4255175441236882E-3</c:v>
+                  <c:v>2.4255175441236887E-3</c:v>
                 </c:pt>
                 <c:pt idx="640">
-                  <c:v>2.4222595337306291E-3</c:v>
+                  <c:v>2.4222595337306287E-3</c:v>
                 </c:pt>
                 <c:pt idx="641">
                   <c:v>2.4190076356855874E-3</c:v>
                 </c:pt>
                 <c:pt idx="642">
-                  <c:v>2.4157618042590502E-3</c:v>
+                  <c:v>2.4157618042590506E-3</c:v>
                 </c:pt>
                 <c:pt idx="643">
                   <c:v>2.4125219942841619E-3</c:v>
                 </c:pt>
                 <c:pt idx="644">
-                  <c:v>2.4092881611746534E-3</c:v>
+                  <c:v>2.4092881611746538E-3</c:v>
                 </c:pt>
                 <c:pt idx="645">
-                  <c:v>2.4060602609433076E-3</c:v>
+                  <c:v>2.406060260943308E-3</c:v>
                 </c:pt>
                 <c:pt idx="646">
-                  <c:v>2.4028382502210323E-3</c:v>
+                  <c:v>2.4028382502210336E-3</c:v>
                 </c:pt>
                 <c:pt idx="647">
                   <c:v>2.3996220862762081E-3</c:v>
@@ -5517,40 +5518,40 @@
                   <c:v>2.3964117270348795E-3</c:v>
                 </c:pt>
                 <c:pt idx="649">
-                  <c:v>2.3932071311012913E-3</c:v>
+                  <c:v>2.3932071311012918E-3</c:v>
                 </c:pt>
                 <c:pt idx="650">
-                  <c:v>2.3900082577790068E-3</c:v>
+                  <c:v>2.3900082577790077E-3</c:v>
                 </c:pt>
                 <c:pt idx="651">
-                  <c:v>2.3868150670926539E-3</c:v>
+                  <c:v>2.3868150670926544E-3</c:v>
                 </c:pt>
                 <c:pt idx="652">
-                  <c:v>2.3836275198101135E-3</c:v>
+                  <c:v>2.3836275198101144E-3</c:v>
                 </c:pt>
                 <c:pt idx="653">
-                  <c:v>2.3804455774653673E-3</c:v>
+                  <c:v>2.3804455774653682E-3</c:v>
                 </c:pt>
                 <c:pt idx="654">
-                  <c:v>2.3772692023818513E-3</c:v>
+                  <c:v>2.3772692023818517E-3</c:v>
                 </c:pt>
                 <c:pt idx="655">
-                  <c:v>2.3740983576964318E-3</c:v>
+                  <c:v>2.3740983576964326E-3</c:v>
                 </c:pt>
                 <c:pt idx="656">
                   <c:v>2.3709330073838691E-3</c:v>
                 </c:pt>
                 <c:pt idx="657">
-                  <c:v>2.3677731162819308E-3</c:v>
+                  <c:v>2.3677731162819321E-3</c:v>
                 </c:pt>
                 <c:pt idx="658">
-                  <c:v>2.3646186501170559E-3</c:v>
+                  <c:v>2.3646186501170563E-3</c:v>
                 </c:pt>
                 <c:pt idx="659">
-                  <c:v>2.3614695755305479E-3</c:v>
+                  <c:v>2.3614695755305483E-3</c:v>
                 </c:pt>
                 <c:pt idx="660">
-                  <c:v>2.3583258601053893E-3</c:v>
+                  <c:v>2.3583258601053898E-3</c:v>
                 </c:pt>
                 <c:pt idx="661">
                   <c:v>2.3551874723936215E-3</c:v>
@@ -5559,16 +5560,16 @@
                   <c:v>2.3520543819441644E-3</c:v>
                 </c:pt>
                 <c:pt idx="663">
-                  <c:v>2.3489265593313871E-3</c:v>
+                  <c:v>2.3489265593313879E-3</c:v>
                 </c:pt>
                 <c:pt idx="664">
                   <c:v>2.3458039761840759E-3</c:v>
                 </c:pt>
                 <c:pt idx="665">
-                  <c:v>2.3426866052149433E-3</c:v>
+                  <c:v>2.3426866052149438E-3</c:v>
                 </c:pt>
                 <c:pt idx="666">
-                  <c:v>2.3395744202507583E-3</c:v>
+                  <c:v>2.3395744202507588E-3</c:v>
                 </c:pt>
                 <c:pt idx="667">
                   <c:v>2.3364673962628581E-3</c:v>
@@ -5580,187 +5581,187 @@
                   <c:v>2.3302687370110511E-3</c:v>
                 </c:pt>
                 <c:pt idx="670">
-                  <c:v>2.3271770576946695E-3</c:v>
+                  <c:v>2.3271770576946704E-3</c:v>
                 </c:pt>
                 <c:pt idx="671">
-                  <c:v>2.3240904513139858E-3</c:v>
+                  <c:v>2.3240904513139862E-3</c:v>
                 </c:pt>
                 <c:pt idx="672">
                   <c:v>2.3210088990383224E-3</c:v>
                 </c:pt>
                 <c:pt idx="673">
-                  <c:v>2.3179323833745278E-3</c:v>
+                  <c:v>2.3179323833745283E-3</c:v>
                 </c:pt>
                 <c:pt idx="674">
-                  <c:v>2.3148608882005671E-3</c:v>
+                  <c:v>2.3148608882005675E-3</c:v>
                 </c:pt>
                 <c:pt idx="675">
-                  <c:v>2.3117943987992725E-3</c:v>
+                  <c:v>2.3117943987992734E-3</c:v>
                 </c:pt>
                 <c:pt idx="676">
-                  <c:v>2.3087329018925003E-3</c:v>
+                  <c:v>2.3087329018925012E-3</c:v>
                 </c:pt>
                 <c:pt idx="677">
-                  <c:v>2.3056763856753189E-3</c:v>
+                  <c:v>2.3056763856753194E-3</c:v>
                 </c:pt>
                 <c:pt idx="678">
-                  <c:v>2.302624839850598E-3</c:v>
+                  <c:v>2.3026248398505984E-3</c:v>
                 </c:pt>
                 <c:pt idx="679">
-                  <c:v>2.299578255663493E-3</c:v>
+                  <c:v>2.2995782556634939E-3</c:v>
                 </c:pt>
                 <c:pt idx="680">
-                  <c:v>2.2965366259361493E-3</c:v>
+                  <c:v>2.2965366259361498E-3</c:v>
                 </c:pt>
                 <c:pt idx="681">
-                  <c:v>2.2934999451023272E-3</c:v>
+                  <c:v>2.2934999451023281E-3</c:v>
                 </c:pt>
                 <c:pt idx="682">
-                  <c:v>2.2904682092419865E-3</c:v>
+                  <c:v>2.2904682092419869E-3</c:v>
                 </c:pt>
                 <c:pt idx="683">
-                  <c:v>2.2874414161157689E-3</c:v>
+                  <c:v>2.2874414161157693E-3</c:v>
                 </c:pt>
                 <c:pt idx="684">
-                  <c:v>2.2844195651992205E-3</c:v>
+                  <c:v>2.284419565199221E-3</c:v>
                 </c:pt>
                 <c:pt idx="685">
-                  <c:v>2.2814026577167665E-3</c:v>
+                  <c:v>2.2814026577167674E-3</c:v>
                 </c:pt>
                 <c:pt idx="686">
-                  <c:v>2.2783906966753024E-3</c:v>
+                  <c:v>2.2783906966753037E-3</c:v>
                 </c:pt>
                 <c:pt idx="687">
-                  <c:v>2.2753836868973361E-3</c:v>
+                  <c:v>2.2753836868973374E-3</c:v>
                 </c:pt>
                 <c:pt idx="688">
-                  <c:v>2.2723816350535384E-3</c:v>
+                  <c:v>2.2723816350535388E-3</c:v>
                 </c:pt>
                 <c:pt idx="689">
-                  <c:v>2.2693845496946793E-3</c:v>
+                  <c:v>2.2693845496946806E-3</c:v>
                 </c:pt>
                 <c:pt idx="690">
-                  <c:v>2.2663924412828023E-3</c:v>
+                  <c:v>2.2663924412828036E-3</c:v>
                 </c:pt>
                 <c:pt idx="691">
-                  <c:v>2.2634053222214639E-3</c:v>
+                  <c:v>2.2634053222214648E-3</c:v>
                 </c:pt>
                 <c:pt idx="692">
-                  <c:v>2.2604232068850517E-3</c:v>
+                  <c:v>2.260423206885053E-3</c:v>
                 </c:pt>
                 <c:pt idx="693">
-                  <c:v>2.2574461116469037E-3</c:v>
+                  <c:v>2.2574461116469046E-3</c:v>
                 </c:pt>
                 <c:pt idx="694">
-                  <c:v>2.2544740549062842E-3</c:v>
+                  <c:v>2.2544740549062846E-3</c:v>
                 </c:pt>
                 <c:pt idx="695">
-                  <c:v>2.2515070571138491E-3</c:v>
+                  <c:v>2.2515070571138495E-3</c:v>
                 </c:pt>
                 <c:pt idx="696">
-                  <c:v>2.2485451407956878E-3</c:v>
+                  <c:v>2.2485451407956887E-3</c:v>
                 </c:pt>
                 <c:pt idx="697">
-                  <c:v>2.2455883305756413E-3</c:v>
+                  <c:v>2.2455883305756417E-3</c:v>
                 </c:pt>
                 <c:pt idx="698">
                   <c:v>2.2426366531958252E-3</c:v>
                 </c:pt>
                 <c:pt idx="699">
-                  <c:v>2.2396901375351117E-3</c:v>
+                  <c:v>2.2396901375351121E-3</c:v>
                 </c:pt>
                 <c:pt idx="700">
                   <c:v>2.2367488146255222E-3</c:v>
                 </c:pt>
                 <c:pt idx="701">
-                  <c:v>2.2338127176662966E-3</c:v>
+                  <c:v>2.2338127176662974E-3</c:v>
                 </c:pt>
                 <c:pt idx="702">
-                  <c:v>2.2308818820354665E-3</c:v>
+                  <c:v>2.2308818820354673E-3</c:v>
                 </c:pt>
                 <c:pt idx="703">
-                  <c:v>2.2279563452987758E-3</c:v>
+                  <c:v>2.2279563452987767E-3</c:v>
                 </c:pt>
                 <c:pt idx="704">
-                  <c:v>2.2250361472157597E-3</c:v>
+                  <c:v>2.225036147215761E-3</c:v>
                 </c:pt>
                 <c:pt idx="705">
-                  <c:v>2.2221213297427891E-3</c:v>
+                  <c:v>2.2221213297427896E-3</c:v>
                 </c:pt>
                 <c:pt idx="706">
-                  <c:v>2.2192119370329829E-3</c:v>
+                  <c:v>2.2192119370329838E-3</c:v>
                 </c:pt>
                 <c:pt idx="707">
-                  <c:v>2.2163080154326336E-3</c:v>
+                  <c:v>2.2163080154326341E-3</c:v>
                 </c:pt>
                 <c:pt idx="708">
                   <c:v>2.2134096134741E-3</c:v>
                 </c:pt>
                 <c:pt idx="709">
-                  <c:v>2.2105167818650111E-3</c:v>
+                  <c:v>2.210516781865012E-3</c:v>
                 </c:pt>
                 <c:pt idx="710">
-                  <c:v>2.2076295734734016E-3</c:v>
+                  <c:v>2.207629573473402E-3</c:v>
                 </c:pt>
                 <c:pt idx="711">
                   <c:v>2.2047480433088351E-3</c:v>
                 </c:pt>
                 <c:pt idx="712">
-                  <c:v>2.201872248499161E-3</c:v>
+                  <c:v>2.2018722484991615E-3</c:v>
                 </c:pt>
                 <c:pt idx="713">
-                  <c:v>2.199002248262832E-3</c:v>
+                  <c:v>2.1990022482628333E-3</c:v>
                 </c:pt>
                 <c:pt idx="714">
-                  <c:v>2.1961381038764715E-3</c:v>
+                  <c:v>2.1961381038764719E-3</c:v>
                 </c:pt>
                 <c:pt idx="715">
-                  <c:v>2.1932798786378619E-3</c:v>
+                  <c:v>2.1932798786378624E-3</c:v>
                 </c:pt>
                 <c:pt idx="716">
-                  <c:v>2.1904276378236949E-3</c:v>
+                  <c:v>2.1904276378236953E-3</c:v>
                 </c:pt>
                 <c:pt idx="717">
-                  <c:v>2.1875814486423868E-3</c:v>
+                  <c:v>2.1875814486423889E-3</c:v>
                 </c:pt>
                 <c:pt idx="718">
-                  <c:v>2.184741380181631E-3</c:v>
+                  <c:v>2.1847413801816319E-3</c:v>
                 </c:pt>
                 <c:pt idx="719">
-                  <c:v>2.1819075033505798E-3</c:v>
+                  <c:v>2.1819075033505807E-3</c:v>
                 </c:pt>
                 <c:pt idx="720">
-                  <c:v>2.1790798908164961E-3</c:v>
+                  <c:v>2.179079890816497E-3</c:v>
                 </c:pt>
                 <c:pt idx="721">
                   <c:v>2.1762586169359675E-3</c:v>
                 </c:pt>
                 <c:pt idx="722">
-                  <c:v>2.1734437576804212E-3</c:v>
+                  <c:v>2.173443757680422E-3</c:v>
                 </c:pt>
                 <c:pt idx="723">
-                  <c:v>2.1706353905559589E-3</c:v>
+                  <c:v>2.1706353905559597E-3</c:v>
                 </c:pt>
                 <c:pt idx="724">
-                  <c:v>2.1678335945175017E-3</c:v>
+                  <c:v>2.1678335945175026E-3</c:v>
                 </c:pt>
                 <c:pt idx="725">
-                  <c:v>2.1650384498772728E-3</c:v>
+                  <c:v>2.1650384498772737E-3</c:v>
                 </c:pt>
                 <c:pt idx="726">
-                  <c:v>2.1622500382074273E-3</c:v>
+                  <c:v>2.1622500382074282E-3</c:v>
                 </c:pt>
                 <c:pt idx="727">
                   <c:v>2.1594684422371691E-3</c:v>
                 </c:pt>
                 <c:pt idx="728">
-                  <c:v>2.1566937457442627E-3</c:v>
+                  <c:v>2.1566937457442635E-3</c:v>
                 </c:pt>
                 <c:pt idx="729">
-                  <c:v>2.1539260334409367E-3</c:v>
+                  <c:v>2.153926033440938E-3</c:v>
                 </c:pt>
                 <c:pt idx="730">
-                  <c:v>2.1511653908545545E-3</c:v>
+                  <c:v>2.1511653908545549E-3</c:v>
                 </c:pt>
                 <c:pt idx="731">
                   <c:v>2.1484119042030295E-3</c:v>
@@ -5769,151 +5770,151 @@
                   <c:v>2.1456656602652372E-3</c:v>
                 </c:pt>
                 <c:pt idx="733">
-                  <c:v>2.1429267462465948E-3</c:v>
+                  <c:v>2.1429267462465961E-3</c:v>
                 </c:pt>
                 <c:pt idx="734">
-                  <c:v>2.1401952496402049E-3</c:v>
+                  <c:v>2.1401952496402058E-3</c:v>
                 </c:pt>
                 <c:pt idx="735">
-                  <c:v>2.1374712580837195E-3</c:v>
+                  <c:v>2.1374712580837204E-3</c:v>
                 </c:pt>
                 <c:pt idx="736">
-                  <c:v>2.1347548592122261E-3</c:v>
+                  <c:v>2.134754859212227E-3</c:v>
                 </c:pt>
                 <c:pt idx="737">
                   <c:v>2.1320461405077646E-3</c:v>
                 </c:pt>
                 <c:pt idx="738">
-                  <c:v>2.1293451891455078E-3</c:v>
+                  <c:v>2.1293451891455082E-3</c:v>
                 </c:pt>
                 <c:pt idx="739">
-                  <c:v>2.126652091837333E-3</c:v>
+                  <c:v>2.1266520918373339E-3</c:v>
                 </c:pt>
                 <c:pt idx="740">
-                  <c:v>2.1239669346730721E-3</c:v>
+                  <c:v>2.1239669346730726E-3</c:v>
                 </c:pt>
                 <c:pt idx="741">
-                  <c:v>2.121289802960071E-3</c:v>
+                  <c:v>2.1212898029600719E-3</c:v>
                 </c:pt>
                 <c:pt idx="742">
-                  <c:v>2.1186207810613917E-3</c:v>
+                  <c:v>2.118620781061393E-3</c:v>
                 </c:pt>
                 <c:pt idx="743">
-                  <c:v>2.1159599522333357E-3</c:v>
+                  <c:v>2.1159599522333362E-3</c:v>
                 </c:pt>
                 <c:pt idx="744">
-                  <c:v>2.1133073984628834E-3</c:v>
+                  <c:v>2.1133073984628842E-3</c:v>
                 </c:pt>
                 <c:pt idx="745">
-                  <c:v>2.1106632003055239E-3</c:v>
+                  <c:v>2.1106632003055244E-3</c:v>
                 </c:pt>
                 <c:pt idx="746">
-                  <c:v>2.1080274367241332E-3</c:v>
+                  <c:v>2.1080274367241336E-3</c:v>
                 </c:pt>
                 <c:pt idx="747">
-                  <c:v>2.105400184929536E-3</c:v>
+                  <c:v>2.1054001849295364E-3</c:v>
                 </c:pt>
                 <c:pt idx="748">
-                  <c:v>2.1027815202234422E-3</c:v>
+                  <c:v>2.1027815202234426E-3</c:v>
                 </c:pt>
                 <c:pt idx="749">
-                  <c:v>2.1001715158442428E-3</c:v>
+                  <c:v>2.1001715158442437E-3</c:v>
                 </c:pt>
                 <c:pt idx="750">
-                  <c:v>2.0975702428163942E-3</c:v>
+                  <c:v>2.0975702428163955E-3</c:v>
                 </c:pt>
                 <c:pt idx="751">
-                  <c:v>2.0949777698041549E-3</c:v>
+                  <c:v>2.0949777698041558E-3</c:v>
                 </c:pt>
                 <c:pt idx="752">
-                  <c:v>2.0923941629700281E-3</c:v>
+                  <c:v>2.0923941629700286E-3</c:v>
                 </c:pt>
                 <c:pt idx="753">
                   <c:v>2.0898194858387591E-3</c:v>
                 </c:pt>
                 <c:pt idx="754">
-                  <c:v>2.0872537991674586E-3</c:v>
+                  <c:v>2.0872537991674595E-3</c:v>
                 </c:pt>
                 <c:pt idx="755">
-                  <c:v>2.0846971608223489E-3</c:v>
+                  <c:v>2.0846971608223502E-3</c:v>
                 </c:pt>
                 <c:pt idx="756">
-                  <c:v>2.0821496256627024E-3</c:v>
+                  <c:v>2.0821496256627028E-3</c:v>
                 </c:pt>
                 <c:pt idx="757">
-                  <c:v>2.0796112454326298E-3</c:v>
+                  <c:v>2.0796112454326307E-3</c:v>
                 </c:pt>
                 <c:pt idx="758">
-                  <c:v>2.0770820686610574E-3</c:v>
+                  <c:v>2.0770820686610587E-3</c:v>
                 </c:pt>
                 <c:pt idx="759">
-                  <c:v>2.0745621405704072E-3</c:v>
+                  <c:v>2.0745621405704076E-3</c:v>
                 </c:pt>
                 <c:pt idx="760">
-                  <c:v>2.0720515029943516E-3</c:v>
+                  <c:v>2.072051502994352E-3</c:v>
                 </c:pt>
                 <c:pt idx="761">
-                  <c:v>2.0695501943051153E-3</c:v>
+                  <c:v>2.0695501943051157E-3</c:v>
                 </c:pt>
                 <c:pt idx="762">
-                  <c:v>2.0670582493505026E-3</c:v>
+                  <c:v>2.0670582493505034E-3</c:v>
                 </c:pt>
                 <c:pt idx="763">
-                  <c:v>2.0645756994008961E-3</c:v>
+                  <c:v>2.0645756994008965E-3</c:v>
                 </c:pt>
                 <c:pt idx="764">
-                  <c:v>2.0621025721066014E-3</c:v>
+                  <c:v>2.0621025721066022E-3</c:v>
                 </c:pt>
                 <c:pt idx="765">
-                  <c:v>2.0596388914654608E-3</c:v>
+                  <c:v>2.0596388914654613E-3</c:v>
                 </c:pt>
                 <c:pt idx="766">
-                  <c:v>2.0571846778009734E-3</c:v>
+                  <c:v>2.0571846778009747E-3</c:v>
                 </c:pt>
                 <c:pt idx="767">
-                  <c:v>2.0547399477508178E-3</c:v>
+                  <c:v>2.0547399477508187E-3</c:v>
                 </c:pt>
                 <c:pt idx="768">
-                  <c:v>2.0523047142659082E-3</c:v>
+                  <c:v>2.0523047142659086E-3</c:v>
                 </c:pt>
                 <c:pt idx="769">
                   <c:v>2.0498789866196551E-3</c:v>
                 </c:pt>
                 <c:pt idx="770">
-                  <c:v>2.0474627704274626E-3</c:v>
+                  <c:v>2.0474627704274635E-3</c:v>
                 </c:pt>
                 <c:pt idx="771">
-                  <c:v>2.0450560676761567E-3</c:v>
+                  <c:v>2.0450560676761576E-3</c:v>
                 </c:pt>
                 <c:pt idx="772">
                   <c:v>2.0426588767631171E-3</c:v>
                 </c:pt>
                 <c:pt idx="773">
-                  <c:v>2.0402711925446618E-3</c:v>
+                  <c:v>2.0402711925446623E-3</c:v>
                 </c:pt>
                 <c:pt idx="774">
-                  <c:v>2.0378930063935218E-3</c:v>
+                  <c:v>2.0378930063935223E-3</c:v>
                 </c:pt>
                 <c:pt idx="775">
-                  <c:v>2.0355243062647674E-3</c:v>
+                  <c:v>2.0355243062647678E-3</c:v>
                 </c:pt>
                 <c:pt idx="776">
-                  <c:v>2.0331650767698843E-3</c:v>
+                  <c:v>2.0331650767698847E-3</c:v>
                 </c:pt>
                 <c:pt idx="777">
-                  <c:v>2.0308152992583517E-3</c:v>
+                  <c:v>2.0308152992583521E-3</c:v>
                 </c:pt>
                 <c:pt idx="778">
-                  <c:v>2.0284749519063551E-3</c:v>
+                  <c:v>2.028474951906356E-3</c:v>
                 </c:pt>
                 <c:pt idx="779">
-                  <c:v>2.0261440098119101E-3</c:v>
+                  <c:v>2.026144009811911E-3</c:v>
                 </c:pt>
                 <c:pt idx="780">
-                  <c:v>2.0238224450959065E-3</c:v>
+                  <c:v>2.0238224450959074E-3</c:v>
                 </c:pt>
                 <c:pt idx="781">
-                  <c:v>2.02151022700845E-3</c:v>
+                  <c:v>2.0215102270084509E-3</c:v>
                 </c:pt>
                 <c:pt idx="782">
                   <c:v>2.0192073220398356E-3</c:v>
@@ -5922,663 +5923,663 @@
                   <c:v>2.0169136940356336E-3</c:v>
                 </c:pt>
                 <c:pt idx="784">
-                  <c:v>2.014629304315156E-3</c:v>
+                  <c:v>2.0146293043151564E-3</c:v>
                 </c:pt>
                 <c:pt idx="785">
-                  <c:v>2.0123541117927114E-3</c:v>
+                  <c:v>2.0123541117927119E-3</c:v>
                 </c:pt>
                 <c:pt idx="786">
-                  <c:v>2.0100880731011139E-3</c:v>
+                  <c:v>2.0100880731011143E-3</c:v>
                 </c:pt>
                 <c:pt idx="787">
-                  <c:v>2.0078311427166691E-3</c:v>
+                  <c:v>2.0078311427166699E-3</c:v>
                 </c:pt>
                 <c:pt idx="788">
-                  <c:v>2.0055832730852285E-3</c:v>
+                  <c:v>2.0055832730852289E-3</c:v>
                 </c:pt>
                 <c:pt idx="789">
-                  <c:v>2.00334441474869E-3</c:v>
+                  <c:v>2.0033444147486905E-3</c:v>
                 </c:pt>
                 <c:pt idx="790">
-                  <c:v>2.0011145164712954E-3</c:v>
+                  <c:v>2.0011145164712963E-3</c:v>
                 </c:pt>
                 <c:pt idx="791">
-                  <c:v>1.9988935253653656E-3</c:v>
+                  <c:v>1.9988935253653661E-3</c:v>
                 </c:pt>
                 <c:pt idx="792">
-                  <c:v>1.996681387015864E-3</c:v>
+                  <c:v>1.9966813870158644E-3</c:v>
                 </c:pt>
                 <c:pt idx="793">
-                  <c:v>1.9944780456034529E-3</c:v>
+                  <c:v>1.9944780456034534E-3</c:v>
                 </c:pt>
                 <c:pt idx="794">
-                  <c:v>1.9922834440254762E-3</c:v>
+                  <c:v>1.9922834440254766E-3</c:v>
                 </c:pt>
                 <c:pt idx="795">
-                  <c:v>1.9900975240145589E-3</c:v>
+                  <c:v>1.9900975240145597E-3</c:v>
                 </c:pt>
                 <c:pt idx="796">
-                  <c:v>1.9879202262545019E-3</c:v>
+                  <c:v>1.9879202262545023E-3</c:v>
                 </c:pt>
                 <c:pt idx="797">
-                  <c:v>1.9857514904930828E-3</c:v>
+                  <c:v>1.9857514904930832E-3</c:v>
                 </c:pt>
                 <c:pt idx="798">
                   <c:v>1.9835912556515128E-3</c:v>
                 </c:pt>
                 <c:pt idx="799">
-                  <c:v>1.9814394599303449E-3</c:v>
+                  <c:v>1.9814394599303453E-3</c:v>
                 </c:pt>
                 <c:pt idx="800">
-                  <c:v>1.9792960409115113E-3</c:v>
+                  <c:v>1.9792960409115118E-3</c:v>
                 </c:pt>
                 <c:pt idx="801">
-                  <c:v>1.9771609356564351E-3</c:v>
+                  <c:v>1.9771609356564355E-3</c:v>
                 </c:pt>
                 <c:pt idx="802">
-                  <c:v>1.9750340808000534E-3</c:v>
+                  <c:v>1.9750340808000538E-3</c:v>
                 </c:pt>
                 <c:pt idx="803">
-                  <c:v>1.9729154126405298E-3</c:v>
+                  <c:v>1.9729154126405303E-3</c:v>
                 </c:pt>
                 <c:pt idx="804">
-                  <c:v>1.9708048672247452E-3</c:v>
+                  <c:v>1.9708048672247456E-3</c:v>
                 </c:pt>
                 <c:pt idx="805">
-                  <c:v>1.9687023804294038E-3</c:v>
+                  <c:v>1.9687023804294043E-3</c:v>
                 </c:pt>
                 <c:pt idx="806">
-                  <c:v>1.9666078880377232E-3</c:v>
+                  <c:v>1.9666078880377236E-3</c:v>
                 </c:pt>
                 <c:pt idx="807">
-                  <c:v>1.9645213258118665E-3</c:v>
+                  <c:v>1.964521325811867E-3</c:v>
                 </c:pt>
                 <c:pt idx="808">
-                  <c:v>1.9624426295608522E-3</c:v>
+                  <c:v>1.9624426295608527E-3</c:v>
                 </c:pt>
                 <c:pt idx="809">
-                  <c:v>1.960371735204379E-3</c:v>
+                  <c:v>1.9603717352043794E-3</c:v>
                 </c:pt>
                 <c:pt idx="810">
-                  <c:v>1.9583085788321838E-3</c:v>
+                  <c:v>1.9583085788321842E-3</c:v>
                 </c:pt>
                 <c:pt idx="811">
-                  <c:v>1.9562530967594813E-3</c:v>
+                  <c:v>1.9562530967594817E-3</c:v>
                 </c:pt>
                 <c:pt idx="812">
-                  <c:v>1.9542052255781682E-3</c:v>
+                  <c:v>1.9542052255781686E-3</c:v>
                 </c:pt>
                 <c:pt idx="813">
                   <c:v>1.9521649022041603E-3</c:v>
                 </c:pt>
                 <c:pt idx="814">
-                  <c:v>1.950132063920971E-3</c:v>
+                  <c:v>1.9501320639209716E-3</c:v>
                 </c:pt>
                 <c:pt idx="815">
-                  <c:v>1.9481066484195008E-3</c:v>
+                  <c:v>1.948106648419501E-3</c:v>
                 </c:pt>
                 <c:pt idx="816">
-                  <c:v>1.9460885938343536E-3</c:v>
+                  <c:v>1.9460885938343542E-3</c:v>
                 </c:pt>
                 <c:pt idx="817">
-                  <c:v>1.944077838776752E-3</c:v>
+                  <c:v>1.9440778387767527E-3</c:v>
                 </c:pt>
                 <c:pt idx="818">
-                  <c:v>1.9420743223641508E-3</c:v>
+                  <c:v>1.942074322364151E-3</c:v>
                 </c:pt>
                 <c:pt idx="819">
-                  <c:v>1.9400779842468384E-3</c:v>
+                  <c:v>1.9400779842468393E-3</c:v>
                 </c:pt>
                 <c:pt idx="820">
-                  <c:v>1.9380887646315503E-3</c:v>
+                  <c:v>1.9380887646315509E-3</c:v>
                 </c:pt>
                 <c:pt idx="821">
-                  <c:v>1.9361066043023113E-3</c:v>
+                  <c:v>1.9361066043023117E-3</c:v>
                 </c:pt>
                 <c:pt idx="822">
-                  <c:v>1.9341314446386594E-3</c:v>
+                  <c:v>1.9341314446386601E-3</c:v>
                 </c:pt>
                 <c:pt idx="823">
-                  <c:v>1.9321632276314113E-3</c:v>
+                  <c:v>1.9321632276314115E-3</c:v>
                 </c:pt>
                 <c:pt idx="824">
-                  <c:v>1.9302018958960649E-3</c:v>
+                  <c:v>1.9302018958960651E-3</c:v>
                 </c:pt>
                 <c:pt idx="825">
-                  <c:v>1.9282473926841035E-3</c:v>
+                  <c:v>1.9282473926841037E-3</c:v>
                 </c:pt>
                 <c:pt idx="826">
-                  <c:v>1.9262996618922064E-3</c:v>
+                  <c:v>1.9262996618922069E-3</c:v>
                 </c:pt>
                 <c:pt idx="827">
-                  <c:v>1.9243586480696315E-3</c:v>
+                  <c:v>1.9243586480696317E-3</c:v>
                 </c:pt>
                 <c:pt idx="828">
-                  <c:v>1.922424296423822E-3</c:v>
+                  <c:v>1.9224242964238222E-3</c:v>
                 </c:pt>
                 <c:pt idx="829">
                   <c:v>1.9204965528243742E-3</c:v>
                 </c:pt>
                 <c:pt idx="830">
-                  <c:v>1.9185753638056482E-3</c:v>
+                  <c:v>1.9185753638056486E-3</c:v>
                 </c:pt>
                 <c:pt idx="831">
-                  <c:v>1.9166606765678074E-3</c:v>
+                  <c:v>1.9166606765678078E-3</c:v>
                 </c:pt>
                 <c:pt idx="832">
-                  <c:v>1.9147524389767692E-3</c:v>
+                  <c:v>1.9147524389767701E-3</c:v>
                 </c:pt>
                 <c:pt idx="833">
-                  <c:v>1.9128505995629828E-3</c:v>
+                  <c:v>1.9128505995629833E-3</c:v>
                 </c:pt>
                 <c:pt idx="834">
-                  <c:v>1.9109551075191108E-3</c:v>
+                  <c:v>1.9109551075191112E-3</c:v>
                 </c:pt>
                 <c:pt idx="835">
-                  <c:v>1.9090659126968466E-3</c:v>
+                  <c:v>1.9090659126968471E-3</c:v>
                 </c:pt>
                 <c:pt idx="836">
-                  <c:v>1.9071829656028005E-3</c:v>
+                  <c:v>1.9071829656028009E-3</c:v>
                 </c:pt>
                 <c:pt idx="837">
                   <c:v>1.9053062173937647E-3</c:v>
                 </c:pt>
                 <c:pt idx="838">
-                  <c:v>1.9034356198711258E-3</c:v>
+                  <c:v>1.9034356198711262E-3</c:v>
                 </c:pt>
                 <c:pt idx="839">
-                  <c:v>1.9015711254748344E-3</c:v>
+                  <c:v>1.9015711254748346E-3</c:v>
                 </c:pt>
                 <c:pt idx="840">
-                  <c:v>1.8997126872767245E-3</c:v>
+                  <c:v>1.8997126872767249E-3</c:v>
                 </c:pt>
                 <c:pt idx="841">
                   <c:v>1.8978602589734682E-3</c:v>
                 </c:pt>
                 <c:pt idx="842">
-                  <c:v>1.8960137948790404E-3</c:v>
+                  <c:v>1.8960137948790411E-3</c:v>
                 </c:pt>
                 <c:pt idx="843">
-                  <c:v>1.8941732499168987E-3</c:v>
+                  <c:v>1.8941732499168993E-3</c:v>
                 </c:pt>
                 <c:pt idx="844">
-                  <c:v>1.8923385796118632E-3</c:v>
+                  <c:v>1.8923385796118641E-3</c:v>
                 </c:pt>
                 <c:pt idx="845">
-                  <c:v>1.8905097400817019E-3</c:v>
+                  <c:v>1.8905097400817026E-3</c:v>
                 </c:pt>
                 <c:pt idx="846">
-                  <c:v>1.8886866880285663E-3</c:v>
+                  <c:v>1.8886866880285667E-3</c:v>
                 </c:pt>
                 <c:pt idx="847">
-                  <c:v>1.8868693807302535E-3</c:v>
+                  <c:v>1.886869380730254E-3</c:v>
                 </c:pt>
                 <c:pt idx="848">
-                  <c:v>1.8850577760313434E-3</c:v>
+                  <c:v>1.8850577760313443E-3</c:v>
                 </c:pt>
                 <c:pt idx="849">
-                  <c:v>1.883251832334219E-3</c:v>
+                  <c:v>1.8832518323342196E-3</c:v>
                 </c:pt>
                 <c:pt idx="850">
-                  <c:v>1.8814515085900597E-3</c:v>
+                  <c:v>1.8814515085900602E-3</c:v>
                 </c:pt>
                 <c:pt idx="851">
-                  <c:v>1.8796567642897996E-3</c:v>
+                  <c:v>1.8796567642898002E-3</c:v>
                 </c:pt>
                 <c:pt idx="852">
-                  <c:v>1.8778675594550587E-3</c:v>
+                  <c:v>1.8778675594550592E-3</c:v>
                 </c:pt>
                 <c:pt idx="853">
-                  <c:v>1.8760838546291003E-3</c:v>
+                  <c:v>1.8760838546291007E-3</c:v>
                 </c:pt>
                 <c:pt idx="854">
-                  <c:v>1.874305610867827E-3</c:v>
+                  <c:v>1.8743056108678276E-3</c:v>
                 </c:pt>
                 <c:pt idx="855">
-                  <c:v>1.8725327897308047E-3</c:v>
+                  <c:v>1.8725327897308054E-3</c:v>
                 </c:pt>
                 <c:pt idx="856">
-                  <c:v>1.8707653532723902E-3</c:v>
+                  <c:v>1.8707653532723904E-3</c:v>
                 </c:pt>
                 <c:pt idx="857">
-                  <c:v>1.8690032640328942E-3</c:v>
+                  <c:v>1.8690032640328947E-3</c:v>
                 </c:pt>
                 <c:pt idx="858">
-                  <c:v>1.8672464850299113E-3</c:v>
+                  <c:v>1.8672464850299116E-3</c:v>
                 </c:pt>
                 <c:pt idx="859">
-                  <c:v>1.8654949797496682E-3</c:v>
+                  <c:v>1.8654949797496684E-3</c:v>
                 </c:pt>
                 <c:pt idx="860">
-                  <c:v>1.8637487121385284E-3</c:v>
+                  <c:v>1.8637487121385288E-3</c:v>
                 </c:pt>
                 <c:pt idx="861">
-                  <c:v>1.8620076465946317E-3</c:v>
+                  <c:v>1.8620076465946322E-3</c:v>
                 </c:pt>
                 <c:pt idx="862">
-                  <c:v>1.8602717479596254E-3</c:v>
+                  <c:v>1.8602717479596258E-3</c:v>
                 </c:pt>
                 <c:pt idx="863">
-                  <c:v>1.8585409815105589E-3</c:v>
+                  <c:v>1.8585409815105596E-3</c:v>
                 </c:pt>
                 <c:pt idx="864">
-                  <c:v>1.8568153129519011E-3</c:v>
+                  <c:v>1.8568153129519015E-3</c:v>
                 </c:pt>
                 <c:pt idx="865">
-                  <c:v>1.8550947084077008E-3</c:v>
+                  <c:v>1.8550947084077013E-3</c:v>
                 </c:pt>
                 <c:pt idx="866">
-                  <c:v>1.8533791344138803E-3</c:v>
+                  <c:v>1.8533791344138809E-3</c:v>
                 </c:pt>
                 <c:pt idx="867">
-                  <c:v>1.8516685579107151E-3</c:v>
+                  <c:v>1.8516685579107156E-3</c:v>
                 </c:pt>
                 <c:pt idx="868">
-                  <c:v>1.8499629462354094E-3</c:v>
+                  <c:v>1.8499629462354098E-3</c:v>
                 </c:pt>
                 <c:pt idx="869">
-                  <c:v>1.8482622671148513E-3</c:v>
+                  <c:v>1.8482622671148515E-3</c:v>
                 </c:pt>
                 <c:pt idx="870">
-                  <c:v>1.8465664886584919E-3</c:v>
+                  <c:v>1.8465664886584924E-3</c:v>
                 </c:pt>
                 <c:pt idx="871">
-                  <c:v>1.8448755793514268E-3</c:v>
+                  <c:v>1.8448755793514275E-3</c:v>
                 </c:pt>
                 <c:pt idx="872">
-                  <c:v>1.8431895080475652E-3</c:v>
+                  <c:v>1.8431895080475657E-3</c:v>
                 </c:pt>
                 <c:pt idx="873">
-                  <c:v>1.8415082439629535E-3</c:v>
+                  <c:v>1.8415082439629537E-3</c:v>
                 </c:pt>
                 <c:pt idx="874">
-                  <c:v>1.8398317566693033E-3</c:v>
+                  <c:v>1.8398317566693035E-3</c:v>
                 </c:pt>
                 <c:pt idx="875">
-                  <c:v>1.8381600160875702E-3</c:v>
+                  <c:v>1.8381600160875707E-3</c:v>
                 </c:pt>
                 <c:pt idx="876">
-                  <c:v>1.8364929924817835E-3</c:v>
+                  <c:v>1.8364929924817842E-3</c:v>
                 </c:pt>
                 <c:pt idx="877">
                   <c:v>1.8348306564528963E-3</c:v>
                 </c:pt>
                 <c:pt idx="878">
-                  <c:v>1.8331729789328891E-3</c:v>
+                  <c:v>1.8331729789328897E-3</c:v>
                 </c:pt>
                 <c:pt idx="879">
-                  <c:v>1.8315199311789265E-3</c:v>
+                  <c:v>1.8315199311789269E-3</c:v>
                 </c:pt>
                 <c:pt idx="880">
-                  <c:v>1.8298714847676748E-3</c:v>
+                  <c:v>1.8298714847676751E-3</c:v>
                 </c:pt>
                 <c:pt idx="881">
-                  <c:v>1.828227611589781E-3</c:v>
+                  <c:v>1.8282276115897816E-3</c:v>
                 </c:pt>
                 <c:pt idx="882">
-                  <c:v>1.8265882838444075E-3</c:v>
+                  <c:v>1.8265882838444079E-3</c:v>
                 </c:pt>
                 <c:pt idx="883">
-                  <c:v>1.8249534740340217E-3</c:v>
+                  <c:v>1.8249534740340224E-3</c:v>
                 </c:pt>
                 <c:pt idx="884">
-                  <c:v>1.8233231549590989E-3</c:v>
+                  <c:v>1.8233231549590991E-3</c:v>
                 </c:pt>
                 <c:pt idx="885">
-                  <c:v>1.8216972997131726E-3</c:v>
+                  <c:v>1.8216972997131728E-3</c:v>
                 </c:pt>
                 <c:pt idx="886">
-                  <c:v>1.8200758816778711E-3</c:v>
+                  <c:v>1.8200758816778718E-3</c:v>
                 </c:pt>
                 <c:pt idx="887">
-                  <c:v>1.8184588745180953E-3</c:v>
+                  <c:v>1.818458874518096E-3</c:v>
                 </c:pt>
                 <c:pt idx="888">
                   <c:v>1.8168462521772942E-3</c:v>
                 </c:pt>
                 <c:pt idx="889">
-                  <c:v>1.8152379888728937E-3</c:v>
+                  <c:v>1.8152379888728943E-3</c:v>
                 </c:pt>
                 <c:pt idx="890">
-                  <c:v>1.8136340590917711E-3</c:v>
+                  <c:v>1.8136340590917714E-3</c:v>
                 </c:pt>
                 <c:pt idx="891">
-                  <c:v>1.8120344375859448E-3</c:v>
+                  <c:v>1.8120344375859453E-3</c:v>
                 </c:pt>
                 <c:pt idx="892">
-                  <c:v>1.8104390993681715E-3</c:v>
+                  <c:v>1.8104390993681717E-3</c:v>
                 </c:pt>
                 <c:pt idx="893">
-                  <c:v>1.8088480197078474E-3</c:v>
+                  <c:v>1.808848019707848E-3</c:v>
                 </c:pt>
                 <c:pt idx="894">
-                  <c:v>1.8072611741268853E-3</c:v>
+                  <c:v>1.8072611741268858E-3</c:v>
                 </c:pt>
                 <c:pt idx="895">
-                  <c:v>1.8056785383957004E-3</c:v>
+                  <c:v>1.8056785383957011E-3</c:v>
                 </c:pt>
                 <c:pt idx="896">
-                  <c:v>1.8041000885293311E-3</c:v>
+                  <c:v>1.8041000885293315E-3</c:v>
                 </c:pt>
                 <c:pt idx="897">
-                  <c:v>1.802525800783598E-3</c:v>
+                  <c:v>1.8025258007835984E-3</c:v>
                 </c:pt>
                 <c:pt idx="898">
-                  <c:v>1.8009556516513621E-3</c:v>
+                  <c:v>1.8009556516513626E-3</c:v>
                 </c:pt>
                 <c:pt idx="899">
-                  <c:v>1.7993896178588919E-3</c:v>
+                  <c:v>1.7993896178588923E-3</c:v>
                 </c:pt>
                 <c:pt idx="900">
-                  <c:v>1.7978276763622688E-3</c:v>
+                  <c:v>1.7978276763622692E-3</c:v>
                 </c:pt>
                 <c:pt idx="901">
-                  <c:v>1.7962698043439565E-3</c:v>
+                  <c:v>1.7962698043439572E-3</c:v>
                 </c:pt>
                 <c:pt idx="902">
-                  <c:v>1.7947159792092587E-3</c:v>
+                  <c:v>1.7947159792092596E-3</c:v>
                 </c:pt>
                 <c:pt idx="903">
-                  <c:v>1.7931661785831397E-3</c:v>
+                  <c:v>1.7931661785831404E-3</c:v>
                 </c:pt>
                 <c:pt idx="904">
-                  <c:v>1.7916203803068154E-3</c:v>
+                  <c:v>1.791620380306816E-3</c:v>
                 </c:pt>
                 <c:pt idx="905">
-                  <c:v>1.7900785624346653E-3</c:v>
+                  <c:v>1.790078562434666E-3</c:v>
                 </c:pt>
                 <c:pt idx="906">
-                  <c:v>1.7885407032309987E-3</c:v>
+                  <c:v>1.7885407032309992E-3</c:v>
                 </c:pt>
                 <c:pt idx="907">
-                  <c:v>1.7870067811670872E-3</c:v>
+                  <c:v>1.7870067811670877E-3</c:v>
                 </c:pt>
                 <c:pt idx="908">
-                  <c:v>1.7854767749181037E-3</c:v>
+                  <c:v>1.7854767749181043E-3</c:v>
                 </c:pt>
                 <c:pt idx="909">
-                  <c:v>1.7839506633602123E-3</c:v>
+                  <c:v>1.783950663360213E-3</c:v>
                 </c:pt>
                 <c:pt idx="910">
-                  <c:v>1.7824284255677037E-3</c:v>
+                  <c:v>1.7824284255677045E-3</c:v>
                 </c:pt>
                 <c:pt idx="911">
-                  <c:v>1.7809100408101423E-3</c:v>
+                  <c:v>1.7809100408101427E-3</c:v>
                 </c:pt>
                 <c:pt idx="912">
-                  <c:v>1.7793954885496502E-3</c:v>
+                  <c:v>1.7793954885496506E-3</c:v>
                 </c:pt>
                 <c:pt idx="913">
-                  <c:v>1.7778847484381864E-3</c:v>
+                  <c:v>1.7778847484381868E-3</c:v>
                 </c:pt>
                 <c:pt idx="914">
-                  <c:v>1.7763778003149118E-3</c:v>
+                  <c:v>1.7763778003149126E-3</c:v>
                 </c:pt>
                 <c:pt idx="915">
-                  <c:v>1.7748746242035708E-3</c:v>
+                  <c:v>1.7748746242035715E-3</c:v>
                 </c:pt>
                 <c:pt idx="916">
-                  <c:v>1.7733752003099941E-3</c:v>
+                  <c:v>1.7733752003099943E-3</c:v>
                 </c:pt>
                 <c:pt idx="917">
-                  <c:v>1.7718795090195503E-3</c:v>
+                  <c:v>1.7718795090195508E-3</c:v>
                 </c:pt>
                 <c:pt idx="918">
-                  <c:v>1.7703875308947715E-3</c:v>
+                  <c:v>1.7703875308947726E-3</c:v>
                 </c:pt>
                 <c:pt idx="919">
-                  <c:v>1.7688992466728898E-3</c:v>
+                  <c:v>1.7688992466728902E-3</c:v>
                 </c:pt>
                 <c:pt idx="920">
-                  <c:v>1.7674146372635747E-3</c:v>
+                  <c:v>1.7674146372635749E-3</c:v>
                 </c:pt>
                 <c:pt idx="921">
-                  <c:v>1.7659336837465239E-3</c:v>
+                  <c:v>1.7659336837465244E-3</c:v>
                 </c:pt>
                 <c:pt idx="922">
-                  <c:v>1.7644563673692899E-3</c:v>
+                  <c:v>1.7644563673692906E-3</c:v>
                 </c:pt>
                 <c:pt idx="923">
-                  <c:v>1.7629826695450344E-3</c:v>
+                  <c:v>1.7629826695450353E-3</c:v>
                 </c:pt>
                 <c:pt idx="924">
-                  <c:v>1.7615125718503592E-3</c:v>
+                  <c:v>1.7615125718503601E-3</c:v>
                 </c:pt>
                 <c:pt idx="925">
-                  <c:v>1.7600460560231585E-3</c:v>
+                  <c:v>1.7600460560231589E-3</c:v>
                 </c:pt>
                 <c:pt idx="926">
-                  <c:v>1.7585831039605361E-3</c:v>
+                  <c:v>1.7585831039605368E-3</c:v>
                 </c:pt>
                 <c:pt idx="927">
-                  <c:v>1.7571236977167615E-3</c:v>
+                  <c:v>1.7571236977167619E-3</c:v>
                 </c:pt>
                 <c:pt idx="928">
-                  <c:v>1.7556678195012317E-3</c:v>
+                  <c:v>1.7556678195012325E-3</c:v>
                 </c:pt>
                 <c:pt idx="929">
-                  <c:v>1.754215451676503E-3</c:v>
+                  <c:v>1.7542154516765041E-3</c:v>
                 </c:pt>
                 <c:pt idx="930">
-                  <c:v>1.7527665767563361E-3</c:v>
+                  <c:v>1.7527665767563367E-3</c:v>
                 </c:pt>
                 <c:pt idx="931">
-                  <c:v>1.7513211774037873E-3</c:v>
+                  <c:v>1.7513211774037878E-3</c:v>
                 </c:pt>
                 <c:pt idx="932">
-                  <c:v>1.74987923642937E-3</c:v>
+                  <c:v>1.7498792364293702E-3</c:v>
                 </c:pt>
                 <c:pt idx="933">
-                  <c:v>1.7484407367891139E-3</c:v>
+                  <c:v>1.7484407367891145E-3</c:v>
                 </c:pt>
                 <c:pt idx="934">
-                  <c:v>1.7470056615828799E-3</c:v>
+                  <c:v>1.7470056615828805E-3</c:v>
                 </c:pt>
                 <c:pt idx="935">
-                  <c:v>1.7455739940524691E-3</c:v>
+                  <c:v>1.7455739940524695E-3</c:v>
                 </c:pt>
                 <c:pt idx="936">
-                  <c:v>1.7441457175799595E-3</c:v>
+                  <c:v>1.74414571757996E-3</c:v>
                 </c:pt>
                 <c:pt idx="937">
-                  <c:v>1.7427208156859078E-3</c:v>
+                  <c:v>1.7427208156859085E-3</c:v>
                 </c:pt>
                 <c:pt idx="938">
-                  <c:v>1.741299272027746E-3</c:v>
+                  <c:v>1.7412992720277462E-3</c:v>
                 </c:pt>
                 <c:pt idx="939">
-                  <c:v>1.7398810703980331E-3</c:v>
+                  <c:v>1.7398810703980335E-3</c:v>
                 </c:pt>
                 <c:pt idx="940">
-                  <c:v>1.7384661947228916E-3</c:v>
+                  <c:v>1.7384661947228923E-3</c:v>
                 </c:pt>
                 <c:pt idx="941">
-                  <c:v>1.7370546290603642E-3</c:v>
+                  <c:v>1.7370546290603648E-3</c:v>
                 </c:pt>
                 <c:pt idx="942">
-                  <c:v>1.7356463575988372E-3</c:v>
+                  <c:v>1.7356463575988377E-3</c:v>
                 </c:pt>
                 <c:pt idx="943">
-                  <c:v>1.7342413646555211E-3</c:v>
+                  <c:v>1.7342413646555218E-3</c:v>
                 </c:pt>
                 <c:pt idx="944">
-                  <c:v>1.7328396346748475E-3</c:v>
+                  <c:v>1.732839634674848E-3</c:v>
                 </c:pt>
                 <c:pt idx="945">
-                  <c:v>1.7314411522270561E-3</c:v>
+                  <c:v>1.7314411522270563E-3</c:v>
                 </c:pt>
                 <c:pt idx="946">
-                  <c:v>1.7300459020066529E-3</c:v>
+                  <c:v>1.7300459020066535E-3</c:v>
                 </c:pt>
                 <c:pt idx="947">
-                  <c:v>1.7286538688309925E-3</c:v>
+                  <c:v>1.7286538688309932E-3</c:v>
                 </c:pt>
                 <c:pt idx="948">
-                  <c:v>1.7272650376388219E-3</c:v>
+                  <c:v>1.7272650376388226E-3</c:v>
                 </c:pt>
                 <c:pt idx="949">
-                  <c:v>1.7258793934888654E-3</c:v>
+                  <c:v>1.7258793934888659E-3</c:v>
                 </c:pt>
                 <c:pt idx="950">
-                  <c:v>1.7244969215584674E-3</c:v>
+                  <c:v>1.7244969215584683E-3</c:v>
                 </c:pt>
                 <c:pt idx="951">
-                  <c:v>1.723117607142219E-3</c:v>
+                  <c:v>1.7231176071422197E-3</c:v>
                 </c:pt>
                 <c:pt idx="952">
-                  <c:v>1.7217414356505984E-3</c:v>
+                  <c:v>1.7217414356505989E-3</c:v>
                 </c:pt>
                 <c:pt idx="953">
-                  <c:v>1.7203683926086707E-3</c:v>
+                  <c:v>1.7203683926086709E-3</c:v>
                 </c:pt>
                 <c:pt idx="954">
-                  <c:v>1.7189984636547463E-3</c:v>
+                  <c:v>1.7189984636547468E-3</c:v>
                 </c:pt>
                 <c:pt idx="955">
-                  <c:v>1.7176316345391459E-3</c:v>
+                  <c:v>1.7176316345391461E-3</c:v>
                 </c:pt>
                 <c:pt idx="956">
-                  <c:v>1.7162678911229242E-3</c:v>
+                  <c:v>1.7162678911229246E-3</c:v>
                 </c:pt>
                 <c:pt idx="957">
-                  <c:v>1.7149072193765856E-3</c:v>
+                  <c:v>1.7149072193765864E-3</c:v>
                 </c:pt>
                 <c:pt idx="958">
-                  <c:v>1.7135496053789457E-3</c:v>
+                  <c:v>1.7135496053789459E-3</c:v>
                 </c:pt>
                 <c:pt idx="959">
-                  <c:v>1.7121950353158083E-3</c:v>
+                  <c:v>1.7121950353158088E-3</c:v>
                 </c:pt>
                 <c:pt idx="960">
-                  <c:v>1.710843495478888E-3</c:v>
+                  <c:v>1.7108434954788885E-3</c:v>
                 </c:pt>
                 <c:pt idx="961">
-                  <c:v>1.7094949722645707E-3</c:v>
+                  <c:v>1.7094949722645709E-3</c:v>
                 </c:pt>
                 <c:pt idx="962">
-                  <c:v>1.7081494521727985E-3</c:v>
+                  <c:v>1.7081494521727989E-3</c:v>
                 </c:pt>
                 <c:pt idx="963">
-                  <c:v>1.7068069218058987E-3</c:v>
+                  <c:v>1.7068069218058994E-3</c:v>
                 </c:pt>
                 <c:pt idx="964">
-                  <c:v>1.7054673678674663E-3</c:v>
+                  <c:v>1.7054673678674665E-3</c:v>
                 </c:pt>
                 <c:pt idx="965">
-                  <c:v>1.7041307771613146E-3</c:v>
+                  <c:v>1.7041307771613152E-3</c:v>
                 </c:pt>
                 <c:pt idx="966">
-                  <c:v>1.7027971365903391E-3</c:v>
+                  <c:v>1.7027971365903398E-3</c:v>
                 </c:pt>
                 <c:pt idx="967">
-                  <c:v>1.7014664331554139E-3</c:v>
+                  <c:v>1.7014664331554143E-3</c:v>
                 </c:pt>
                 <c:pt idx="968">
-                  <c:v>1.7001386539544396E-3</c:v>
+                  <c:v>1.70013865395444E-3</c:v>
                 </c:pt>
                 <c:pt idx="969">
-                  <c:v>1.6988137861811714E-3</c:v>
+                  <c:v>1.698813786181172E-3</c:v>
                 </c:pt>
                 <c:pt idx="970">
                   <c:v>1.6974918171243029E-3</c:v>
                 </c:pt>
                 <c:pt idx="971">
-                  <c:v>1.6961727341663986E-3</c:v>
+                  <c:v>1.6961727341663995E-3</c:v>
                 </c:pt>
                 <c:pt idx="972">
-                  <c:v>1.6948565247829025E-3</c:v>
+                  <c:v>1.6948565247829031E-3</c:v>
                 </c:pt>
                 <c:pt idx="973">
-                  <c:v>1.6935431765411706E-3</c:v>
+                  <c:v>1.6935431765411713E-3</c:v>
                 </c:pt>
                 <c:pt idx="974">
-                  <c:v>1.692232677099461E-3</c:v>
+                  <c:v>1.6922326770994612E-3</c:v>
                 </c:pt>
                 <c:pt idx="975">
-                  <c:v>1.690925014206037E-3</c:v>
+                  <c:v>1.6909250142060376E-3</c:v>
                 </c:pt>
                 <c:pt idx="976">
-                  <c:v>1.6896201756981749E-3</c:v>
+                  <c:v>1.6896201756981752E-3</c:v>
                 </c:pt>
                 <c:pt idx="977">
-                  <c:v>1.6883181495012483E-3</c:v>
+                  <c:v>1.6883181495012491E-3</c:v>
                 </c:pt>
                 <c:pt idx="978">
-                  <c:v>1.6870189236278237E-3</c:v>
+                  <c:v>1.6870189236278246E-3</c:v>
                 </c:pt>
                 <c:pt idx="979">
-                  <c:v>1.6857224861767143E-3</c:v>
+                  <c:v>1.6857224861767147E-3</c:v>
                 </c:pt>
                 <c:pt idx="980">
-                  <c:v>1.6844288253321652E-3</c:v>
+                  <c:v>1.6844288253321656E-3</c:v>
                 </c:pt>
                 <c:pt idx="981">
-                  <c:v>1.6831379293628817E-3</c:v>
+                  <c:v>1.6831379293628826E-3</c:v>
                 </c:pt>
                 <c:pt idx="982">
-                  <c:v>1.6818497866212027E-3</c:v>
+                  <c:v>1.6818497866212031E-3</c:v>
                 </c:pt>
                 <c:pt idx="983">
-                  <c:v>1.680564385542277E-3</c:v>
+                  <c:v>1.6805643855422774E-3</c:v>
                 </c:pt>
                 <c:pt idx="984">
-                  <c:v>1.6792817146431469E-3</c:v>
+                  <c:v>1.6792817146431473E-3</c:v>
                 </c:pt>
                 <c:pt idx="985">
-                  <c:v>1.6780017625219737E-3</c:v>
+                  <c:v>1.6780017625219743E-3</c:v>
                 </c:pt>
                 <c:pt idx="986">
-                  <c:v>1.6767245178571737E-3</c:v>
+                  <c:v>1.6767245178571739E-3</c:v>
                 </c:pt>
                 <c:pt idx="987">
-                  <c:v>1.6754499694066362E-3</c:v>
+                  <c:v>1.6754499694066369E-3</c:v>
                 </c:pt>
                 <c:pt idx="988">
-                  <c:v>1.6741781060069E-3</c:v>
+                  <c:v>1.6741781060069006E-3</c:v>
                 </c:pt>
                 <c:pt idx="989">
-                  <c:v>1.6729089165723693E-3</c:v>
+                  <c:v>1.6729089165723697E-3</c:v>
                 </c:pt>
                 <c:pt idx="990">
-                  <c:v>1.671642390094521E-3</c:v>
+                  <c:v>1.6716423900945214E-3</c:v>
                 </c:pt>
                 <c:pt idx="991">
-                  <c:v>1.6703785156411807E-3</c:v>
+                  <c:v>1.6703785156411812E-3</c:v>
                 </c:pt>
                 <c:pt idx="992">
-                  <c:v>1.6691172823556973E-3</c:v>
+                  <c:v>1.6691172823556975E-3</c:v>
                 </c:pt>
                 <c:pt idx="993">
-                  <c:v>1.6678586794562403E-3</c:v>
+                  <c:v>1.6678586794562408E-3</c:v>
                 </c:pt>
                 <c:pt idx="994">
-                  <c:v>1.6666026962350098E-3</c:v>
+                  <c:v>1.6666026962350105E-3</c:v>
                 </c:pt>
                 <c:pt idx="995">
-                  <c:v>1.665349322057579E-3</c:v>
+                  <c:v>1.6653493220575794E-3</c:v>
                 </c:pt>
                 <c:pt idx="996">
-                  <c:v>1.6640985463620796E-3</c:v>
+                  <c:v>1.6640985463620803E-3</c:v>
                 </c:pt>
                 <c:pt idx="997">
-                  <c:v>1.6628503586585883E-3</c:v>
+                  <c:v>1.6628503586585887E-3</c:v>
                 </c:pt>
                 <c:pt idx="998">
-                  <c:v>1.6616047485283249E-3</c:v>
+                  <c:v>1.6616047485283252E-3</c:v>
                 </c:pt>
                 <c:pt idx="999">
-                  <c:v>1.6603617056230309E-3</c:v>
+                  <c:v>1.6603617056230313E-3</c:v>
                 </c:pt>
               </c:numCache>
             </c:numRef>
           </c:val>
         </c:ser>
         <c:marker val="1"/>
-        <c:axId val="153094784"/>
-        <c:axId val="40399616"/>
+        <c:axId val="101663488"/>
+        <c:axId val="101665408"/>
       </c:lineChart>
       <c:catAx>
-        <c:axId val="153094784"/>
+        <c:axId val="101663488"/>
         <c:scaling>
           <c:orientation val="minMax"/>
         </c:scaling>
@@ -6612,7 +6613,7 @@
             <a:endParaRPr lang="en-US"/>
           </a:p>
         </c:txPr>
-        <c:crossAx val="40399616"/>
+        <c:crossAx val="101665408"/>
         <c:crosses val="autoZero"/>
         <c:auto val="1"/>
         <c:lblAlgn val="ctr"/>
@@ -6621,7 +6622,7 @@
         <c:tickMarkSkip val="99"/>
       </c:catAx>
       <c:valAx>
-        <c:axId val="40399616"/>
+        <c:axId val="101665408"/>
         <c:scaling>
           <c:orientation val="minMax"/>
         </c:scaling>
@@ -6656,14 +6657,23 @@
             <a:endParaRPr lang="en-US"/>
           </a:p>
         </c:txPr>
-        <c:crossAx val="153094784"/>
+        <c:crossAx val="101663488"/>
         <c:crosses val="autoZero"/>
         <c:crossBetween val="midCat"/>
       </c:valAx>
     </c:plotArea>
     <c:legend>
       <c:legendPos val="r"/>
-      <c:layout/>
+      <c:layout>
+        <c:manualLayout>
+          <c:xMode val="edge"/>
+          <c:yMode val="edge"/>
+          <c:x val="0.65456674986799035"/>
+          <c:y val="0.4593347971920726"/>
+          <c:w val="0.19618793784500738"/>
+          <c:h val="8.1330405615854806E-2"/>
+        </c:manualLayout>
+      </c:layout>
       <c:txPr>
         <a:bodyPr/>
         <a:lstStyle/>
@@ -6933,7 +6943,7 @@
     </p:spTree>
     <p:extLst>
       <p:ext uri="{BB962C8B-B14F-4D97-AF65-F5344CB8AC3E}">
-        <p14:creationId xmlns:p14="http://schemas.microsoft.com/office/powerpoint/2010/main" xmlns="" val="1535185195"/>
+        <p14:creationId xmlns="" xmlns:p14="http://schemas.microsoft.com/office/powerpoint/2010/main" val="1535185195"/>
       </p:ext>
     </p:extLst>
   </p:cSld>
@@ -7218,7 +7228,7 @@
     </p:spTree>
     <p:extLst>
       <p:ext uri="{BB962C8B-B14F-4D97-AF65-F5344CB8AC3E}">
-        <p14:creationId xmlns:p14="http://schemas.microsoft.com/office/powerpoint/2010/main" xmlns="" val="1252035544"/>
+        <p14:creationId xmlns="" xmlns:p14="http://schemas.microsoft.com/office/powerpoint/2010/main" val="1252035544"/>
       </p:ext>
     </p:extLst>
   </p:cSld>
@@ -7391,7 +7401,7 @@
     </p:spTree>
     <p:extLst>
       <p:ext uri="{BB962C8B-B14F-4D97-AF65-F5344CB8AC3E}">
-        <p14:creationId xmlns:p14="http://schemas.microsoft.com/office/powerpoint/2010/main" xmlns="" val="2762954207"/>
+        <p14:creationId xmlns="" xmlns:p14="http://schemas.microsoft.com/office/powerpoint/2010/main" val="2762954207"/>
       </p:ext>
     </p:extLst>
   </p:cSld>
@@ -7574,7 +7584,7 @@
     </p:spTree>
     <p:extLst>
       <p:ext uri="{BB962C8B-B14F-4D97-AF65-F5344CB8AC3E}">
-        <p14:creationId xmlns:p14="http://schemas.microsoft.com/office/powerpoint/2010/main" xmlns="" val="4184834705"/>
+        <p14:creationId xmlns="" xmlns:p14="http://schemas.microsoft.com/office/powerpoint/2010/main" val="4184834705"/>
       </p:ext>
     </p:extLst>
   </p:cSld>
@@ -7747,7 +7757,7 @@
     </p:spTree>
     <p:extLst>
       <p:ext uri="{BB962C8B-B14F-4D97-AF65-F5344CB8AC3E}">
-        <p14:creationId xmlns:p14="http://schemas.microsoft.com/office/powerpoint/2010/main" xmlns="" val="3146986748"/>
+        <p14:creationId xmlns="" xmlns:p14="http://schemas.microsoft.com/office/powerpoint/2010/main" val="3146986748"/>
       </p:ext>
     </p:extLst>
   </p:cSld>
@@ -7997,7 +8007,7 @@
     </p:spTree>
     <p:extLst>
       <p:ext uri="{BB962C8B-B14F-4D97-AF65-F5344CB8AC3E}">
-        <p14:creationId xmlns:p14="http://schemas.microsoft.com/office/powerpoint/2010/main" xmlns="" val="921976296"/>
+        <p14:creationId xmlns="" xmlns:p14="http://schemas.microsoft.com/office/powerpoint/2010/main" val="921976296"/>
       </p:ext>
     </p:extLst>
   </p:cSld>
@@ -8231,7 +8241,7 @@
     </p:spTree>
     <p:extLst>
       <p:ext uri="{BB962C8B-B14F-4D97-AF65-F5344CB8AC3E}">
-        <p14:creationId xmlns:p14="http://schemas.microsoft.com/office/powerpoint/2010/main" xmlns="" val="674776688"/>
+        <p14:creationId xmlns="" xmlns:p14="http://schemas.microsoft.com/office/powerpoint/2010/main" val="674776688"/>
       </p:ext>
     </p:extLst>
   </p:cSld>
@@ -8600,7 +8610,7 @@
     </p:spTree>
     <p:extLst>
       <p:ext uri="{BB962C8B-B14F-4D97-AF65-F5344CB8AC3E}">
-        <p14:creationId xmlns:p14="http://schemas.microsoft.com/office/powerpoint/2010/main" xmlns="" val="967121709"/>
+        <p14:creationId xmlns="" xmlns:p14="http://schemas.microsoft.com/office/powerpoint/2010/main" val="967121709"/>
       </p:ext>
     </p:extLst>
   </p:cSld>
@@ -8722,7 +8732,7 @@
     </p:spTree>
     <p:extLst>
       <p:ext uri="{BB962C8B-B14F-4D97-AF65-F5344CB8AC3E}">
-        <p14:creationId xmlns:p14="http://schemas.microsoft.com/office/powerpoint/2010/main" xmlns="" val="656162686"/>
+        <p14:creationId xmlns="" xmlns:p14="http://schemas.microsoft.com/office/powerpoint/2010/main" val="656162686"/>
       </p:ext>
     </p:extLst>
   </p:cSld>
@@ -8822,7 +8832,7 @@
     </p:spTree>
     <p:extLst>
       <p:ext uri="{BB962C8B-B14F-4D97-AF65-F5344CB8AC3E}">
-        <p14:creationId xmlns:p14="http://schemas.microsoft.com/office/powerpoint/2010/main" xmlns="" val="3133424761"/>
+        <p14:creationId xmlns="" xmlns:p14="http://schemas.microsoft.com/office/powerpoint/2010/main" val="3133424761"/>
       </p:ext>
     </p:extLst>
   </p:cSld>
@@ -9102,7 +9112,7 @@
     </p:spTree>
     <p:extLst>
       <p:ext uri="{BB962C8B-B14F-4D97-AF65-F5344CB8AC3E}">
-        <p14:creationId xmlns:p14="http://schemas.microsoft.com/office/powerpoint/2010/main" xmlns="" val="3468320446"/>
+        <p14:creationId xmlns="" xmlns:p14="http://schemas.microsoft.com/office/powerpoint/2010/main" val="3468320446"/>
       </p:ext>
     </p:extLst>
   </p:cSld>
@@ -9362,7 +9372,7 @@
     </p:spTree>
     <p:extLst>
       <p:ext uri="{BB962C8B-B14F-4D97-AF65-F5344CB8AC3E}">
-        <p14:creationId xmlns:p14="http://schemas.microsoft.com/office/powerpoint/2010/main" xmlns="" val="1482800273"/>
+        <p14:creationId xmlns="" xmlns:p14="http://schemas.microsoft.com/office/powerpoint/2010/main" val="1482800273"/>
       </p:ext>
     </p:extLst>
   </p:cSld>
@@ -9617,7 +9627,7 @@
     </p:spTree>
     <p:extLst>
       <p:ext uri="{BB962C8B-B14F-4D97-AF65-F5344CB8AC3E}">
-        <p14:creationId xmlns:p14="http://schemas.microsoft.com/office/powerpoint/2010/main" xmlns="" val="2766900715"/>
+        <p14:creationId xmlns="" xmlns:p14="http://schemas.microsoft.com/office/powerpoint/2010/main" val="2766900715"/>
       </p:ext>
     </p:extLst>
   </p:cSld>
@@ -9941,7 +9951,7 @@
           <p:cNvPr id="5" name="Rectangle 4">
             <a:extLst>
               <a:ext uri="{FF2B5EF4-FFF2-40B4-BE49-F238E27FC236}">
-                <a16:creationId xmlns:a16="http://schemas.microsoft.com/office/drawing/2014/main" xmlns="" id="{C409AC58-2162-4EEC-B138-250DBBF30288}"/>
+                <a16:creationId xmlns="" xmlns:a16="http://schemas.microsoft.com/office/drawing/2014/main" id="{C409AC58-2162-4EEC-B138-250DBBF30288}"/>
               </a:ext>
             </a:extLst>
           </p:cNvPr>
@@ -10296,7 +10306,7 @@
           <a:blip r:embed="rId2" cstate="print">
             <a:extLst>
               <a:ext uri="{28A0092B-C50C-407E-A947-70E740481C1C}">
-                <a14:useLocalDpi xmlns:a14="http://schemas.microsoft.com/office/drawing/2010/main" xmlns="" val="0"/>
+                <a14:useLocalDpi xmlns="" xmlns:a14="http://schemas.microsoft.com/office/drawing/2010/main" val="0"/>
               </a:ext>
             </a:extLst>
           </a:blip>
@@ -10316,7 +10326,7 @@
           <a:noFill/>
           <a:extLst>
             <a:ext uri="{909E8E84-426E-40DD-AFC4-6F175D3DCCD1}">
-              <a14:hiddenFill xmlns:a14="http://schemas.microsoft.com/office/drawing/2010/main" xmlns="">
+              <a14:hiddenFill xmlns="" xmlns:a14="http://schemas.microsoft.com/office/drawing/2010/main">
                 <a:solidFill>
                   <a:srgbClr val="FFFFFF"/>
                 </a:solidFill>
@@ -10330,7 +10340,7 @@
           <p:cNvPr id="2" name="Date Placeholder 1">
             <a:extLst>
               <a:ext uri="{FF2B5EF4-FFF2-40B4-BE49-F238E27FC236}">
-                <a16:creationId xmlns:a16="http://schemas.microsoft.com/office/drawing/2014/main" xmlns="" id="{1FEBBEBC-180F-4554-9433-0F45F01ADA17}"/>
+                <a16:creationId xmlns="" xmlns:a16="http://schemas.microsoft.com/office/drawing/2014/main" id="{1FEBBEBC-180F-4554-9433-0F45F01ADA17}"/>
               </a:ext>
             </a:extLst>
           </p:cNvPr>
@@ -10360,7 +10370,7 @@
           <p:cNvPr id="3" name="Slide Number Placeholder 2">
             <a:extLst>
               <a:ext uri="{FF2B5EF4-FFF2-40B4-BE49-F238E27FC236}">
-                <a16:creationId xmlns:a16="http://schemas.microsoft.com/office/drawing/2014/main" xmlns="" id="{22219251-2539-4EA6-9027-2F2AE5C97949}"/>
+                <a16:creationId xmlns="" xmlns:a16="http://schemas.microsoft.com/office/drawing/2014/main" id="{22219251-2539-4EA6-9027-2F2AE5C97949}"/>
               </a:ext>
             </a:extLst>
           </p:cNvPr>
@@ -10390,7 +10400,7 @@
           <p:cNvPr id="6" name="Table 6">
             <a:extLst>
               <a:ext uri="{FF2B5EF4-FFF2-40B4-BE49-F238E27FC236}">
-                <a16:creationId xmlns:a16="http://schemas.microsoft.com/office/drawing/2014/main" xmlns="" id="{B83DB7B4-5812-42F9-8D4D-54AA04099C4A}"/>
+                <a16:creationId xmlns="" xmlns:a16="http://schemas.microsoft.com/office/drawing/2014/main" id="{B83DB7B4-5812-42F9-8D4D-54AA04099C4A}"/>
               </a:ext>
             </a:extLst>
           </p:cNvPr>
@@ -10400,7 +10410,7 @@
           <p:nvPr>
             <p:extLst>
               <p:ext uri="{D42A27DB-BD31-4B8C-83A1-F6EECF244321}">
-                <p14:modId xmlns:p14="http://schemas.microsoft.com/office/powerpoint/2010/main" xmlns="" val="2301097977"/>
+                <p14:modId xmlns="" xmlns:p14="http://schemas.microsoft.com/office/powerpoint/2010/main" val="2301097977"/>
               </p:ext>
             </p:extLst>
           </p:nvPr>
@@ -10419,14 +10429,14 @@
                 <a:gridCol w="5207082">
                   <a:extLst>
                     <a:ext uri="{9D8B030D-6E8A-4147-A177-3AD203B41FA5}">
-                      <a16:colId xmlns:a16="http://schemas.microsoft.com/office/drawing/2014/main" xmlns="" val="3291672"/>
+                      <a16:colId xmlns="" xmlns:a16="http://schemas.microsoft.com/office/drawing/2014/main" val="3291672"/>
                     </a:ext>
                   </a:extLst>
                 </a:gridCol>
                 <a:gridCol w="3800376">
                   <a:extLst>
                     <a:ext uri="{9D8B030D-6E8A-4147-A177-3AD203B41FA5}">
-                      <a16:colId xmlns:a16="http://schemas.microsoft.com/office/drawing/2014/main" xmlns="" val="3282628654"/>
+                      <a16:colId xmlns="" xmlns:a16="http://schemas.microsoft.com/office/drawing/2014/main" val="3282628654"/>
                     </a:ext>
                   </a:extLst>
                 </a:gridCol>
@@ -10555,7 +10565,7 @@
                 </a:tc>
                 <a:extLst>
                   <a:ext uri="{0D108BD9-81ED-4DB2-BD59-A6C34878D82A}">
-                    <a16:rowId xmlns:a16="http://schemas.microsoft.com/office/drawing/2014/main" xmlns="" val="2302665074"/>
+                    <a16:rowId xmlns="" xmlns:a16="http://schemas.microsoft.com/office/drawing/2014/main" val="2302665074"/>
                   </a:ext>
                 </a:extLst>
               </a:tr>
@@ -10699,7 +10709,7 @@
                 </a:tc>
                 <a:extLst>
                   <a:ext uri="{0D108BD9-81ED-4DB2-BD59-A6C34878D82A}">
-                    <a16:rowId xmlns:a16="http://schemas.microsoft.com/office/drawing/2014/main" xmlns="" val="3101617131"/>
+                    <a16:rowId xmlns="" xmlns:a16="http://schemas.microsoft.com/office/drawing/2014/main" val="3101617131"/>
                   </a:ext>
                 </a:extLst>
               </a:tr>
@@ -10843,7 +10853,7 @@
                 </a:tc>
                 <a:extLst>
                   <a:ext uri="{0D108BD9-81ED-4DB2-BD59-A6C34878D82A}">
-                    <a16:rowId xmlns:a16="http://schemas.microsoft.com/office/drawing/2014/main" xmlns="" val="3378807038"/>
+                    <a16:rowId xmlns="" xmlns:a16="http://schemas.microsoft.com/office/drawing/2014/main" val="3378807038"/>
                   </a:ext>
                 </a:extLst>
               </a:tr>
@@ -10987,7 +10997,7 @@
                 </a:tc>
                 <a:extLst>
                   <a:ext uri="{0D108BD9-81ED-4DB2-BD59-A6C34878D82A}">
-                    <a16:rowId xmlns:a16="http://schemas.microsoft.com/office/drawing/2014/main" xmlns="" val="3064880953"/>
+                    <a16:rowId xmlns="" xmlns:a16="http://schemas.microsoft.com/office/drawing/2014/main" val="3064880953"/>
                   </a:ext>
                 </a:extLst>
               </a:tr>
@@ -10998,7 +11008,7 @@
     </p:spTree>
     <p:extLst>
       <p:ext uri="{BB962C8B-B14F-4D97-AF65-F5344CB8AC3E}">
-        <p14:creationId xmlns:p14="http://schemas.microsoft.com/office/powerpoint/2010/main" xmlns="" val="1664478098"/>
+        <p14:creationId xmlns="" xmlns:p14="http://schemas.microsoft.com/office/powerpoint/2010/main" val="1664478098"/>
       </p:ext>
     </p:extLst>
   </p:cSld>
@@ -13305,13 +13315,9 @@
           <a:lstStyle/>
           <a:p>
             <a:pPr algn="just">
-              <a:buFont typeface="Wingdings" panose="05000000000000000000" pitchFamily="2" charset="2"/>
-              <a:buChar char="Ø"/>
+              <a:buNone/>
             </a:pPr>
-            <a:r>
-              <a:rPr lang="en-US" dirty="0" smtClean="0"/>
-              <a:t>MATLAB</a:t>
-            </a:r>
+            <a:endParaRPr lang="en-US" dirty="0" smtClean="0"/>
           </a:p>
           <a:p>
             <a:pPr algn="just">
@@ -13374,7 +13380,7 @@
           <p:cNvPr id="6" name="TextBox 5">
             <a:extLst>
               <a:ext uri="{FF2B5EF4-FFF2-40B4-BE49-F238E27FC236}">
-                <a16:creationId xmlns:a16="http://schemas.microsoft.com/office/drawing/2014/main" xmlns="" id="{74347C76-4F23-44C2-8A76-7BCB3209A5F3}"/>
+                <a16:creationId xmlns="" xmlns:a16="http://schemas.microsoft.com/office/drawing/2014/main" id="{74347C76-4F23-44C2-8A76-7BCB3209A5F3}"/>
               </a:ext>
             </a:extLst>
           </p:cNvPr>
@@ -13414,10 +13420,357 @@
           </a:p>
         </p:txBody>
       </p:sp>
+      <p:graphicFrame>
+        <p:nvGraphicFramePr>
+          <p:cNvPr id="7" name="Table 6"/>
+          <p:cNvGraphicFramePr>
+            <a:graphicFrameLocks noGrp="1"/>
+          </p:cNvGraphicFramePr>
+          <p:nvPr/>
+        </p:nvGraphicFramePr>
+        <p:xfrm>
+          <a:off x="940280" y="1009288"/>
+          <a:ext cx="10299939" cy="4891184"/>
+        </p:xfrm>
+        <a:graphic>
+          <a:graphicData uri="http://schemas.openxmlformats.org/drawingml/2006/table">
+            <a:tbl>
+              <a:tblPr firstRow="1" bandRow="1">
+                <a:tableStyleId>{5C22544A-7EE6-4342-B048-85BDC9FD1C3A}</a:tableStyleId>
+              </a:tblPr>
+              <a:tblGrid>
+                <a:gridCol w="1319841"/>
+                <a:gridCol w="5503653"/>
+                <a:gridCol w="3476445"/>
+              </a:tblGrid>
+              <a:tr h="611398">
+                <a:tc>
+                  <a:txBody>
+                    <a:bodyPr/>
+                    <a:lstStyle/>
+                    <a:p>
+                      <a:pPr algn="ctr"/>
+                      <a:r>
+                        <a:rPr lang="en-US" dirty="0" smtClean="0"/>
+                        <a:t>S. No</a:t>
+                      </a:r>
+                      <a:endParaRPr lang="en-US" dirty="0"/>
+                    </a:p>
+                  </a:txBody>
+                  <a:tcPr anchor="ctr"/>
+                </a:tc>
+                <a:tc>
+                  <a:txBody>
+                    <a:bodyPr/>
+                    <a:lstStyle/>
+                    <a:p>
+                      <a:pPr algn="ctr"/>
+                      <a:r>
+                        <a:rPr lang="en-US" dirty="0" smtClean="0"/>
+                        <a:t>Work</a:t>
+                      </a:r>
+                      <a:endParaRPr lang="en-US" dirty="0"/>
+                    </a:p>
+                  </a:txBody>
+                  <a:tcPr anchor="ctr"/>
+                </a:tc>
+                <a:tc>
+                  <a:txBody>
+                    <a:bodyPr/>
+                    <a:lstStyle/>
+                    <a:p>
+                      <a:pPr algn="ctr"/>
+                      <a:r>
+                        <a:rPr lang="en-US" dirty="0" smtClean="0"/>
+                        <a:t>Number of Weeks</a:t>
+                      </a:r>
+                      <a:endParaRPr lang="en-US" dirty="0"/>
+                    </a:p>
+                  </a:txBody>
+                  <a:tcPr anchor="ctr"/>
+                </a:tc>
+              </a:tr>
+              <a:tr h="611398">
+                <a:tc>
+                  <a:txBody>
+                    <a:bodyPr/>
+                    <a:lstStyle/>
+                    <a:p>
+                      <a:pPr algn="ctr"/>
+                      <a:r>
+                        <a:rPr lang="en-US" dirty="0" smtClean="0"/>
+                        <a:t>1</a:t>
+                      </a:r>
+                      <a:endParaRPr lang="en-US" dirty="0"/>
+                    </a:p>
+                  </a:txBody>
+                  <a:tcPr anchor="ctr"/>
+                </a:tc>
+                <a:tc>
+                  <a:txBody>
+                    <a:bodyPr/>
+                    <a:lstStyle/>
+                    <a:p>
+                      <a:pPr algn="ctr"/>
+                      <a:endParaRPr lang="en-US" dirty="0"/>
+                    </a:p>
+                  </a:txBody>
+                  <a:tcPr anchor="ctr"/>
+                </a:tc>
+                <a:tc>
+                  <a:txBody>
+                    <a:bodyPr/>
+                    <a:lstStyle/>
+                    <a:p>
+                      <a:pPr algn="ctr"/>
+                      <a:endParaRPr lang="en-US"/>
+                    </a:p>
+                  </a:txBody>
+                  <a:tcPr anchor="ctr"/>
+                </a:tc>
+              </a:tr>
+              <a:tr h="611398">
+                <a:tc>
+                  <a:txBody>
+                    <a:bodyPr/>
+                    <a:lstStyle/>
+                    <a:p>
+                      <a:pPr algn="ctr"/>
+                      <a:r>
+                        <a:rPr lang="en-US" dirty="0" smtClean="0"/>
+                        <a:t>2</a:t>
+                      </a:r>
+                      <a:endParaRPr lang="en-US" dirty="0"/>
+                    </a:p>
+                  </a:txBody>
+                  <a:tcPr anchor="ctr"/>
+                </a:tc>
+                <a:tc>
+                  <a:txBody>
+                    <a:bodyPr/>
+                    <a:lstStyle/>
+                    <a:p>
+                      <a:pPr algn="ctr"/>
+                      <a:endParaRPr lang="en-US" dirty="0"/>
+                    </a:p>
+                  </a:txBody>
+                  <a:tcPr anchor="ctr"/>
+                </a:tc>
+                <a:tc>
+                  <a:txBody>
+                    <a:bodyPr/>
+                    <a:lstStyle/>
+                    <a:p>
+                      <a:pPr algn="ctr"/>
+                      <a:endParaRPr lang="en-US"/>
+                    </a:p>
+                  </a:txBody>
+                  <a:tcPr anchor="ctr"/>
+                </a:tc>
+              </a:tr>
+              <a:tr h="611398">
+                <a:tc>
+                  <a:txBody>
+                    <a:bodyPr/>
+                    <a:lstStyle/>
+                    <a:p>
+                      <a:pPr algn="ctr"/>
+                      <a:r>
+                        <a:rPr lang="en-US" dirty="0" smtClean="0"/>
+                        <a:t>3</a:t>
+                      </a:r>
+                      <a:endParaRPr lang="en-US" dirty="0"/>
+                    </a:p>
+                  </a:txBody>
+                  <a:tcPr anchor="ctr"/>
+                </a:tc>
+                <a:tc>
+                  <a:txBody>
+                    <a:bodyPr/>
+                    <a:lstStyle/>
+                    <a:p>
+                      <a:pPr algn="ctr"/>
+                      <a:endParaRPr lang="en-US"/>
+                    </a:p>
+                  </a:txBody>
+                  <a:tcPr anchor="ctr"/>
+                </a:tc>
+                <a:tc>
+                  <a:txBody>
+                    <a:bodyPr/>
+                    <a:lstStyle/>
+                    <a:p>
+                      <a:pPr algn="ctr"/>
+                      <a:endParaRPr lang="en-US"/>
+                    </a:p>
+                  </a:txBody>
+                  <a:tcPr anchor="ctr"/>
+                </a:tc>
+              </a:tr>
+              <a:tr h="611398">
+                <a:tc>
+                  <a:txBody>
+                    <a:bodyPr/>
+                    <a:lstStyle/>
+                    <a:p>
+                      <a:pPr algn="ctr"/>
+                      <a:r>
+                        <a:rPr lang="en-US" dirty="0" smtClean="0"/>
+                        <a:t>4</a:t>
+                      </a:r>
+                      <a:endParaRPr lang="en-US" dirty="0"/>
+                    </a:p>
+                  </a:txBody>
+                  <a:tcPr anchor="ctr"/>
+                </a:tc>
+                <a:tc>
+                  <a:txBody>
+                    <a:bodyPr/>
+                    <a:lstStyle/>
+                    <a:p>
+                      <a:pPr algn="ctr"/>
+                      <a:endParaRPr lang="en-US"/>
+                    </a:p>
+                  </a:txBody>
+                  <a:tcPr anchor="ctr"/>
+                </a:tc>
+                <a:tc>
+                  <a:txBody>
+                    <a:bodyPr/>
+                    <a:lstStyle/>
+                    <a:p>
+                      <a:pPr algn="ctr"/>
+                      <a:endParaRPr lang="en-US" dirty="0"/>
+                    </a:p>
+                  </a:txBody>
+                  <a:tcPr anchor="ctr"/>
+                </a:tc>
+              </a:tr>
+              <a:tr h="611398">
+                <a:tc>
+                  <a:txBody>
+                    <a:bodyPr/>
+                    <a:lstStyle/>
+                    <a:p>
+                      <a:pPr algn="ctr"/>
+                      <a:r>
+                        <a:rPr lang="en-US" dirty="0" smtClean="0"/>
+                        <a:t>5</a:t>
+                      </a:r>
+                      <a:endParaRPr lang="en-US" dirty="0"/>
+                    </a:p>
+                  </a:txBody>
+                  <a:tcPr anchor="ctr"/>
+                </a:tc>
+                <a:tc>
+                  <a:txBody>
+                    <a:bodyPr/>
+                    <a:lstStyle/>
+                    <a:p>
+                      <a:pPr algn="ctr"/>
+                      <a:endParaRPr lang="en-US"/>
+                    </a:p>
+                  </a:txBody>
+                  <a:tcPr anchor="ctr"/>
+                </a:tc>
+                <a:tc>
+                  <a:txBody>
+                    <a:bodyPr/>
+                    <a:lstStyle/>
+                    <a:p>
+                      <a:pPr algn="ctr"/>
+                      <a:endParaRPr lang="en-US"/>
+                    </a:p>
+                  </a:txBody>
+                  <a:tcPr anchor="ctr"/>
+                </a:tc>
+              </a:tr>
+              <a:tr h="611398">
+                <a:tc>
+                  <a:txBody>
+                    <a:bodyPr/>
+                    <a:lstStyle/>
+                    <a:p>
+                      <a:pPr algn="ctr"/>
+                      <a:r>
+                        <a:rPr lang="en-US" dirty="0" smtClean="0"/>
+                        <a:t>6</a:t>
+                      </a:r>
+                      <a:endParaRPr lang="en-US" dirty="0"/>
+                    </a:p>
+                  </a:txBody>
+                  <a:tcPr anchor="ctr"/>
+                </a:tc>
+                <a:tc>
+                  <a:txBody>
+                    <a:bodyPr/>
+                    <a:lstStyle/>
+                    <a:p>
+                      <a:pPr algn="ctr"/>
+                      <a:endParaRPr lang="en-US"/>
+                    </a:p>
+                  </a:txBody>
+                  <a:tcPr anchor="ctr"/>
+                </a:tc>
+                <a:tc>
+                  <a:txBody>
+                    <a:bodyPr/>
+                    <a:lstStyle/>
+                    <a:p>
+                      <a:pPr algn="ctr"/>
+                      <a:endParaRPr lang="en-US"/>
+                    </a:p>
+                  </a:txBody>
+                  <a:tcPr anchor="ctr"/>
+                </a:tc>
+              </a:tr>
+              <a:tr h="611398">
+                <a:tc>
+                  <a:txBody>
+                    <a:bodyPr/>
+                    <a:lstStyle/>
+                    <a:p>
+                      <a:pPr algn="ctr"/>
+                      <a:r>
+                        <a:rPr lang="en-US" dirty="0" smtClean="0"/>
+                        <a:t>7</a:t>
+                      </a:r>
+                      <a:endParaRPr lang="en-US" dirty="0"/>
+                    </a:p>
+                  </a:txBody>
+                  <a:tcPr anchor="ctr"/>
+                </a:tc>
+                <a:tc>
+                  <a:txBody>
+                    <a:bodyPr/>
+                    <a:lstStyle/>
+                    <a:p>
+                      <a:pPr algn="ctr"/>
+                      <a:endParaRPr lang="en-US"/>
+                    </a:p>
+                  </a:txBody>
+                  <a:tcPr anchor="ctr"/>
+                </a:tc>
+                <a:tc>
+                  <a:txBody>
+                    <a:bodyPr/>
+                    <a:lstStyle/>
+                    <a:p>
+                      <a:pPr algn="ctr"/>
+                      <a:endParaRPr lang="en-US" dirty="0"/>
+                    </a:p>
+                  </a:txBody>
+                  <a:tcPr anchor="ctr"/>
+                </a:tc>
+              </a:tr>
+            </a:tbl>
+          </a:graphicData>
+        </a:graphic>
+      </p:graphicFrame>
     </p:spTree>
     <p:extLst>
       <p:ext uri="{BB962C8B-B14F-4D97-AF65-F5344CB8AC3E}">
-        <p14:creationId xmlns:p14="http://schemas.microsoft.com/office/powerpoint/2010/main" xmlns="" val="1906710318"/>
+        <p14:creationId xmlns="" xmlns:p14="http://schemas.microsoft.com/office/powerpoint/2010/main" val="1906710318"/>
       </p:ext>
     </p:extLst>
   </p:cSld>
@@ -13472,33 +13825,13 @@
           <a:lstStyle/>
           <a:p>
             <a:pPr algn="just">
-              <a:buFont typeface="Wingdings" panose="05000000000000000000" pitchFamily="2" charset="2"/>
-              <a:buChar char="Ø"/>
+              <a:buNone/>
             </a:pPr>
             <a:r>
-              <a:rPr lang="en-US" dirty="0"/>
-              <a:t>The faults in the power system will play a major role in the system stability</a:t>
+              <a:rPr lang="en-US" dirty="0" err="1" smtClean="0"/>
+              <a:t>chfc</a:t>
             </a:r>
-          </a:p>
-          <a:p>
-            <a:pPr algn="just">
-              <a:buFont typeface="Wingdings" panose="05000000000000000000" pitchFamily="2" charset="2"/>
-              <a:buChar char="Ø"/>
-            </a:pPr>
-            <a:r>
-              <a:rPr lang="en-US" dirty="0"/>
-              <a:t>Fault classification is important for the operation of the healthy phases.</a:t>
-            </a:r>
-          </a:p>
-          <a:p>
-            <a:pPr algn="just">
-              <a:buFont typeface="Wingdings" panose="05000000000000000000" pitchFamily="2" charset="2"/>
-              <a:buChar char="Ø"/>
-            </a:pPr>
-            <a:r>
-              <a:rPr lang="en-US" dirty="0"/>
-              <a:t>Power system reliability gets improved.</a:t>
-            </a:r>
+            <a:endParaRPr lang="en-US" dirty="0"/>
           </a:p>
           <a:p>
             <a:pPr algn="just">
@@ -13562,7 +13895,7 @@
           <p:cNvPr id="6" name="TextBox 5">
             <a:extLst>
               <a:ext uri="{FF2B5EF4-FFF2-40B4-BE49-F238E27FC236}">
-                <a16:creationId xmlns:a16="http://schemas.microsoft.com/office/drawing/2014/main" xmlns="" id="{74347C76-4F23-44C2-8A76-7BCB3209A5F3}"/>
+                <a16:creationId xmlns="" xmlns:a16="http://schemas.microsoft.com/office/drawing/2014/main" id="{74347C76-4F23-44C2-8A76-7BCB3209A5F3}"/>
               </a:ext>
             </a:extLst>
           </p:cNvPr>
@@ -13600,7 +13933,7 @@
     </p:spTree>
     <p:extLst>
       <p:ext uri="{BB962C8B-B14F-4D97-AF65-F5344CB8AC3E}">
-        <p14:creationId xmlns:p14="http://schemas.microsoft.com/office/powerpoint/2010/main" xmlns="" val="1906710318"/>
+        <p14:creationId xmlns="" xmlns:p14="http://schemas.microsoft.com/office/powerpoint/2010/main" val="1906710318"/>
       </p:ext>
     </p:extLst>
   </p:cSld>
@@ -13639,7 +13972,7 @@
           <p:cNvPr id="3" name="Content Placeholder 2">
             <a:extLst>
               <a:ext uri="{FF2B5EF4-FFF2-40B4-BE49-F238E27FC236}">
-                <a16:creationId xmlns:a16="http://schemas.microsoft.com/office/drawing/2014/main" xmlns="" id="{A5CF9C68-F8E1-43F4-BDDF-866429EC9D1E}"/>
+                <a16:creationId xmlns="" xmlns:a16="http://schemas.microsoft.com/office/drawing/2014/main" id="{A5CF9C68-F8E1-43F4-BDDF-866429EC9D1E}"/>
               </a:ext>
             </a:extLst>
           </p:cNvPr>
@@ -13664,9 +13997,10 @@
               <a:buNone/>
             </a:pPr>
             <a:r>
-              <a:rPr lang="en-US" dirty="0"/>
-              <a:t>This project is to develop a deep neural network so that the power system faults can be diagnosed. We will try to classify them as much faults as possible using deep neural networks and further improvements in the project will be informed.</a:t>
+              <a:rPr lang="en-US" dirty="0" smtClean="0"/>
+              <a:t>Recurrent Neural Network is tested by varying the hidden layers. The classification performance is good with 5 hidden layers. We will try to simulate more number of faults and the results will be updated.</a:t>
             </a:r>
+            <a:endParaRPr lang="en-US" dirty="0"/>
           </a:p>
         </p:txBody>
       </p:sp>
@@ -13675,7 +14009,7 @@
           <p:cNvPr id="4" name="Date Placeholder 3">
             <a:extLst>
               <a:ext uri="{FF2B5EF4-FFF2-40B4-BE49-F238E27FC236}">
-                <a16:creationId xmlns:a16="http://schemas.microsoft.com/office/drawing/2014/main" xmlns="" id="{D76066D8-4017-49D3-A74C-39BDED6144EB}"/>
+                <a16:creationId xmlns="" xmlns:a16="http://schemas.microsoft.com/office/drawing/2014/main" id="{D76066D8-4017-49D3-A74C-39BDED6144EB}"/>
               </a:ext>
             </a:extLst>
           </p:cNvPr>
@@ -13705,7 +14039,7 @@
           <p:cNvPr id="5" name="Slide Number Placeholder 4">
             <a:extLst>
               <a:ext uri="{FF2B5EF4-FFF2-40B4-BE49-F238E27FC236}">
-                <a16:creationId xmlns:a16="http://schemas.microsoft.com/office/drawing/2014/main" xmlns="" id="{114D5F59-C1E5-4B1A-BA66-70D0B6F715EE}"/>
+                <a16:creationId xmlns="" xmlns:a16="http://schemas.microsoft.com/office/drawing/2014/main" id="{114D5F59-C1E5-4B1A-BA66-70D0B6F715EE}"/>
               </a:ext>
             </a:extLst>
           </p:cNvPr>
@@ -13735,7 +14069,7 @@
           <p:cNvPr id="6" name="TextBox 5">
             <a:extLst>
               <a:ext uri="{FF2B5EF4-FFF2-40B4-BE49-F238E27FC236}">
-                <a16:creationId xmlns:a16="http://schemas.microsoft.com/office/drawing/2014/main" xmlns="" id="{B6C99EC1-F94B-44CB-A3E1-D211B377218D}"/>
+                <a16:creationId xmlns="" xmlns:a16="http://schemas.microsoft.com/office/drawing/2014/main" id="{B6C99EC1-F94B-44CB-A3E1-D211B377218D}"/>
               </a:ext>
             </a:extLst>
           </p:cNvPr>
@@ -13773,7 +14107,7 @@
     </p:spTree>
     <p:extLst>
       <p:ext uri="{BB962C8B-B14F-4D97-AF65-F5344CB8AC3E}">
-        <p14:creationId xmlns:p14="http://schemas.microsoft.com/office/powerpoint/2010/main" xmlns="" val="4028563155"/>
+        <p14:creationId xmlns="" xmlns:p14="http://schemas.microsoft.com/office/powerpoint/2010/main" val="4028563155"/>
       </p:ext>
     </p:extLst>
   </p:cSld>
@@ -13812,7 +14146,7 @@
           <p:cNvPr id="4" name="TextBox 3">
             <a:extLst>
               <a:ext uri="{FF2B5EF4-FFF2-40B4-BE49-F238E27FC236}">
-                <a16:creationId xmlns:a16="http://schemas.microsoft.com/office/drawing/2014/main" xmlns="" id="{C4BB6DEF-F39C-40B0-B60B-2E342DDF5922}"/>
+                <a16:creationId xmlns="" xmlns:a16="http://schemas.microsoft.com/office/drawing/2014/main" id="{C4BB6DEF-F39C-40B0-B60B-2E342DDF5922}"/>
               </a:ext>
             </a:extLst>
           </p:cNvPr>
@@ -13852,7 +14186,7 @@
           <p:cNvPr id="3" name="Date Placeholder 2">
             <a:extLst>
               <a:ext uri="{FF2B5EF4-FFF2-40B4-BE49-F238E27FC236}">
-                <a16:creationId xmlns:a16="http://schemas.microsoft.com/office/drawing/2014/main" xmlns="" id="{3000AC7D-C646-4A26-934D-95EC7158415E}"/>
+                <a16:creationId xmlns="" xmlns:a16="http://schemas.microsoft.com/office/drawing/2014/main" id="{3000AC7D-C646-4A26-934D-95EC7158415E}"/>
               </a:ext>
             </a:extLst>
           </p:cNvPr>
@@ -13882,7 +14216,7 @@
           <p:cNvPr id="5" name="Slide Number Placeholder 4">
             <a:extLst>
               <a:ext uri="{FF2B5EF4-FFF2-40B4-BE49-F238E27FC236}">
-                <a16:creationId xmlns:a16="http://schemas.microsoft.com/office/drawing/2014/main" xmlns="" id="{C8B981BA-7AE4-4E6C-9012-F1DBF6F72A23}"/>
+                <a16:creationId xmlns="" xmlns:a16="http://schemas.microsoft.com/office/drawing/2014/main" id="{C8B981BA-7AE4-4E6C-9012-F1DBF6F72A23}"/>
               </a:ext>
             </a:extLst>
           </p:cNvPr>
@@ -13912,7 +14246,7 @@
           <p:cNvPr id="6" name="Table 6">
             <a:extLst>
               <a:ext uri="{FF2B5EF4-FFF2-40B4-BE49-F238E27FC236}">
-                <a16:creationId xmlns:a16="http://schemas.microsoft.com/office/drawing/2014/main" xmlns="" id="{AC9E14EC-3F02-449A-AD8E-DE30BE95F792}"/>
+                <a16:creationId xmlns="" xmlns:a16="http://schemas.microsoft.com/office/drawing/2014/main" id="{AC9E14EC-3F02-449A-AD8E-DE30BE95F792}"/>
               </a:ext>
             </a:extLst>
           </p:cNvPr>
@@ -13922,7 +14256,7 @@
           <p:nvPr>
             <p:extLst>
               <p:ext uri="{D42A27DB-BD31-4B8C-83A1-F6EECF244321}">
-                <p14:modId xmlns:p14="http://schemas.microsoft.com/office/powerpoint/2010/main" xmlns="" val="893868250"/>
+                <p14:modId xmlns="" xmlns:p14="http://schemas.microsoft.com/office/powerpoint/2010/main" val="893868250"/>
               </p:ext>
             </p:extLst>
           </p:nvPr>
@@ -13941,14 +14275,14 @@
                 <a:gridCol w="661800">
                   <a:extLst>
                     <a:ext uri="{9D8B030D-6E8A-4147-A177-3AD203B41FA5}">
-                      <a16:colId xmlns:a16="http://schemas.microsoft.com/office/drawing/2014/main" xmlns="" val="3448325611"/>
+                      <a16:colId xmlns="" xmlns:a16="http://schemas.microsoft.com/office/drawing/2014/main" val="3448325611"/>
                     </a:ext>
                   </a:extLst>
                 </a:gridCol>
                 <a:gridCol w="9848621">
                   <a:extLst>
                     <a:ext uri="{9D8B030D-6E8A-4147-A177-3AD203B41FA5}">
-                      <a16:colId xmlns:a16="http://schemas.microsoft.com/office/drawing/2014/main" xmlns="" val="393581948"/>
+                      <a16:colId xmlns="" xmlns:a16="http://schemas.microsoft.com/office/drawing/2014/main" val="393581948"/>
                     </a:ext>
                   </a:extLst>
                 </a:gridCol>
@@ -14090,7 +14424,7 @@
                 </a:tc>
                 <a:extLst>
                   <a:ext uri="{0D108BD9-81ED-4DB2-BD59-A6C34878D82A}">
-                    <a16:rowId xmlns:a16="http://schemas.microsoft.com/office/drawing/2014/main" xmlns="" val="2982736879"/>
+                    <a16:rowId xmlns="" xmlns:a16="http://schemas.microsoft.com/office/drawing/2014/main" val="2982736879"/>
                   </a:ext>
                 </a:extLst>
               </a:tr>
@@ -14243,7 +14577,7 @@
                 </a:tc>
                 <a:extLst>
                   <a:ext uri="{0D108BD9-81ED-4DB2-BD59-A6C34878D82A}">
-                    <a16:rowId xmlns:a16="http://schemas.microsoft.com/office/drawing/2014/main" xmlns="" val="3000277682"/>
+                    <a16:rowId xmlns="" xmlns:a16="http://schemas.microsoft.com/office/drawing/2014/main" val="3000277682"/>
                   </a:ext>
                 </a:extLst>
               </a:tr>
@@ -14408,7 +14742,7 @@
                 </a:tc>
                 <a:extLst>
                   <a:ext uri="{0D108BD9-81ED-4DB2-BD59-A6C34878D82A}">
-                    <a16:rowId xmlns:a16="http://schemas.microsoft.com/office/drawing/2014/main" xmlns="" val="1892891298"/>
+                    <a16:rowId xmlns="" xmlns:a16="http://schemas.microsoft.com/office/drawing/2014/main" val="1892891298"/>
                   </a:ext>
                 </a:extLst>
               </a:tr>
@@ -14549,7 +14883,7 @@
                 </a:tc>
                 <a:extLst>
                   <a:ext uri="{0D108BD9-81ED-4DB2-BD59-A6C34878D82A}">
-                    <a16:rowId xmlns:a16="http://schemas.microsoft.com/office/drawing/2014/main" xmlns="" val="548713284"/>
+                    <a16:rowId xmlns="" xmlns:a16="http://schemas.microsoft.com/office/drawing/2014/main" val="548713284"/>
                   </a:ext>
                 </a:extLst>
               </a:tr>
@@ -14786,7 +15120,7 @@
                 </a:tc>
                 <a:extLst>
                   <a:ext uri="{0D108BD9-81ED-4DB2-BD59-A6C34878D82A}">
-                    <a16:rowId xmlns:a16="http://schemas.microsoft.com/office/drawing/2014/main" xmlns="" val="252214642"/>
+                    <a16:rowId xmlns="" xmlns:a16="http://schemas.microsoft.com/office/drawing/2014/main" val="252214642"/>
                   </a:ext>
                 </a:extLst>
               </a:tr>
@@ -14951,7 +15285,7 @@
                 </a:tc>
                 <a:extLst>
                   <a:ext uri="{0D108BD9-81ED-4DB2-BD59-A6C34878D82A}">
-                    <a16:rowId xmlns:a16="http://schemas.microsoft.com/office/drawing/2014/main" xmlns="" val="3489601737"/>
+                    <a16:rowId xmlns="" xmlns:a16="http://schemas.microsoft.com/office/drawing/2014/main" val="3489601737"/>
                   </a:ext>
                 </a:extLst>
               </a:tr>
@@ -15092,7 +15426,7 @@
                 </a:tc>
                 <a:extLst>
                   <a:ext uri="{0D108BD9-81ED-4DB2-BD59-A6C34878D82A}">
-                    <a16:rowId xmlns:a16="http://schemas.microsoft.com/office/drawing/2014/main" xmlns="" val="2688330897"/>
+                    <a16:rowId xmlns="" xmlns:a16="http://schemas.microsoft.com/office/drawing/2014/main" val="2688330897"/>
                   </a:ext>
                 </a:extLst>
               </a:tr>
@@ -15103,7 +15437,7 @@
     </p:spTree>
     <p:extLst>
       <p:ext uri="{BB962C8B-B14F-4D97-AF65-F5344CB8AC3E}">
-        <p14:creationId xmlns:p14="http://schemas.microsoft.com/office/powerpoint/2010/main" xmlns="" val="844048752"/>
+        <p14:creationId xmlns="" xmlns:p14="http://schemas.microsoft.com/office/powerpoint/2010/main" val="844048752"/>
       </p:ext>
     </p:extLst>
   </p:cSld>
@@ -15142,7 +15476,7 @@
           <p:cNvPr id="3" name="Content Placeholder 2">
             <a:extLst>
               <a:ext uri="{FF2B5EF4-FFF2-40B4-BE49-F238E27FC236}">
-                <a16:creationId xmlns:a16="http://schemas.microsoft.com/office/drawing/2014/main" xmlns="" id="{A5CF9C68-F8E1-43F4-BDDF-866429EC9D1E}"/>
+                <a16:creationId xmlns="" xmlns:a16="http://schemas.microsoft.com/office/drawing/2014/main" id="{A5CF9C68-F8E1-43F4-BDDF-866429EC9D1E}"/>
               </a:ext>
             </a:extLst>
           </p:cNvPr>
@@ -15178,7 +15512,7 @@
           <p:cNvPr id="4" name="Date Placeholder 3">
             <a:extLst>
               <a:ext uri="{FF2B5EF4-FFF2-40B4-BE49-F238E27FC236}">
-                <a16:creationId xmlns:a16="http://schemas.microsoft.com/office/drawing/2014/main" xmlns="" id="{D76066D8-4017-49D3-A74C-39BDED6144EB}"/>
+                <a16:creationId xmlns="" xmlns:a16="http://schemas.microsoft.com/office/drawing/2014/main" id="{D76066D8-4017-49D3-A74C-39BDED6144EB}"/>
               </a:ext>
             </a:extLst>
           </p:cNvPr>
@@ -15208,7 +15542,7 @@
           <p:cNvPr id="5" name="Slide Number Placeholder 4">
             <a:extLst>
               <a:ext uri="{FF2B5EF4-FFF2-40B4-BE49-F238E27FC236}">
-                <a16:creationId xmlns:a16="http://schemas.microsoft.com/office/drawing/2014/main" xmlns="" id="{114D5F59-C1E5-4B1A-BA66-70D0B6F715EE}"/>
+                <a16:creationId xmlns="" xmlns:a16="http://schemas.microsoft.com/office/drawing/2014/main" id="{114D5F59-C1E5-4B1A-BA66-70D0B6F715EE}"/>
               </a:ext>
             </a:extLst>
           </p:cNvPr>
@@ -15238,7 +15572,7 @@
           <p:cNvPr id="6" name="TextBox 5">
             <a:extLst>
               <a:ext uri="{FF2B5EF4-FFF2-40B4-BE49-F238E27FC236}">
-                <a16:creationId xmlns:a16="http://schemas.microsoft.com/office/drawing/2014/main" xmlns="" id="{B6C99EC1-F94B-44CB-A3E1-D211B377218D}"/>
+                <a16:creationId xmlns="" xmlns:a16="http://schemas.microsoft.com/office/drawing/2014/main" id="{B6C99EC1-F94B-44CB-A3E1-D211B377218D}"/>
               </a:ext>
             </a:extLst>
           </p:cNvPr>
@@ -15281,7 +15615,7 @@
     </p:spTree>
     <p:extLst>
       <p:ext uri="{BB962C8B-B14F-4D97-AF65-F5344CB8AC3E}">
-        <p14:creationId xmlns:p14="http://schemas.microsoft.com/office/powerpoint/2010/main" xmlns="" val="4028563155"/>
+        <p14:creationId xmlns="" xmlns:p14="http://schemas.microsoft.com/office/powerpoint/2010/main" val="4028563155"/>
       </p:ext>
     </p:extLst>
   </p:cSld>
@@ -15320,7 +15654,7 @@
           <p:cNvPr id="2" name="Title 1">
             <a:extLst>
               <a:ext uri="{FF2B5EF4-FFF2-40B4-BE49-F238E27FC236}">
-                <a16:creationId xmlns:a16="http://schemas.microsoft.com/office/drawing/2014/main" xmlns="" id="{6DCB1159-D691-4B53-B1A6-D9B3A79BE525}"/>
+                <a16:creationId xmlns="" xmlns:a16="http://schemas.microsoft.com/office/drawing/2014/main" id="{6DCB1159-D691-4B53-B1A6-D9B3A79BE525}"/>
               </a:ext>
             </a:extLst>
           </p:cNvPr>
@@ -15345,7 +15679,7 @@
           <p:cNvPr id="3" name="Date Placeholder 2">
             <a:extLst>
               <a:ext uri="{FF2B5EF4-FFF2-40B4-BE49-F238E27FC236}">
-                <a16:creationId xmlns:a16="http://schemas.microsoft.com/office/drawing/2014/main" xmlns="" id="{6DEC8314-1F46-43E9-87EC-9D327CFD75A2}"/>
+                <a16:creationId xmlns="" xmlns:a16="http://schemas.microsoft.com/office/drawing/2014/main" id="{6DEC8314-1F46-43E9-87EC-9D327CFD75A2}"/>
               </a:ext>
             </a:extLst>
           </p:cNvPr>
@@ -15375,7 +15709,7 @@
           <p:cNvPr id="4" name="Slide Number Placeholder 3">
             <a:extLst>
               <a:ext uri="{FF2B5EF4-FFF2-40B4-BE49-F238E27FC236}">
-                <a16:creationId xmlns:a16="http://schemas.microsoft.com/office/drawing/2014/main" xmlns="" id="{60585039-2C10-4B0D-ABFA-290767B07452}"/>
+                <a16:creationId xmlns="" xmlns:a16="http://schemas.microsoft.com/office/drawing/2014/main" id="{60585039-2C10-4B0D-ABFA-290767B07452}"/>
               </a:ext>
             </a:extLst>
           </p:cNvPr>
@@ -15405,7 +15739,7 @@
           <p:cNvPr id="8" name="Picture 7">
             <a:extLst>
               <a:ext uri="{FF2B5EF4-FFF2-40B4-BE49-F238E27FC236}">
-                <a16:creationId xmlns:a16="http://schemas.microsoft.com/office/drawing/2014/main" xmlns="" id="{63F881B9-BB6E-445C-BA3F-A72AD63B9124}"/>
+                <a16:creationId xmlns="" xmlns:a16="http://schemas.microsoft.com/office/drawing/2014/main" id="{63F881B9-BB6E-445C-BA3F-A72AD63B9124}"/>
               </a:ext>
             </a:extLst>
           </p:cNvPr>
@@ -15418,7 +15752,7 @@
           <a:blip r:embed="rId2">
             <a:extLst>
               <a:ext uri="{28A0092B-C50C-407E-A947-70E740481C1C}">
-                <a14:useLocalDpi xmlns:a14="http://schemas.microsoft.com/office/drawing/2010/main" xmlns="" val="0"/>
+                <a14:useLocalDpi xmlns="" xmlns:a14="http://schemas.microsoft.com/office/drawing/2010/main" val="0"/>
               </a:ext>
             </a:extLst>
           </a:blip>
@@ -15439,7 +15773,7 @@
     </p:spTree>
     <p:extLst>
       <p:ext uri="{BB962C8B-B14F-4D97-AF65-F5344CB8AC3E}">
-        <p14:creationId xmlns:p14="http://schemas.microsoft.com/office/powerpoint/2010/main" xmlns="" val="3574002923"/>
+        <p14:creationId xmlns="" xmlns:p14="http://schemas.microsoft.com/office/powerpoint/2010/main" val="3574002923"/>
       </p:ext>
     </p:extLst>
   </p:cSld>
@@ -15478,7 +15812,7 @@
           <p:cNvPr id="5" name="Subtitle 4">
             <a:extLst>
               <a:ext uri="{FF2B5EF4-FFF2-40B4-BE49-F238E27FC236}">
-                <a16:creationId xmlns:a16="http://schemas.microsoft.com/office/drawing/2014/main" xmlns="" id="{25C99C0B-24DC-464E-AEB0-124B0DECD18C}"/>
+                <a16:creationId xmlns="" xmlns:a16="http://schemas.microsoft.com/office/drawing/2014/main" id="{25C99C0B-24DC-464E-AEB0-124B0DECD18C}"/>
               </a:ext>
             </a:extLst>
           </p:cNvPr>
@@ -15615,7 +15949,7 @@
           <p:cNvPr id="6" name="TextBox 5">
             <a:extLst>
               <a:ext uri="{FF2B5EF4-FFF2-40B4-BE49-F238E27FC236}">
-                <a16:creationId xmlns:a16="http://schemas.microsoft.com/office/drawing/2014/main" xmlns="" id="{243EF8A7-F534-4440-8C5C-A61C86D65859}"/>
+                <a16:creationId xmlns="" xmlns:a16="http://schemas.microsoft.com/office/drawing/2014/main" id="{243EF8A7-F534-4440-8C5C-A61C86D65859}"/>
               </a:ext>
             </a:extLst>
           </p:cNvPr>
@@ -15662,7 +15996,7 @@
           <p:cNvPr id="2" name="Date Placeholder 1">
             <a:extLst>
               <a:ext uri="{FF2B5EF4-FFF2-40B4-BE49-F238E27FC236}">
-                <a16:creationId xmlns:a16="http://schemas.microsoft.com/office/drawing/2014/main" xmlns="" id="{557D1C03-83FB-4A41-A673-D79050803B7D}"/>
+                <a16:creationId xmlns="" xmlns:a16="http://schemas.microsoft.com/office/drawing/2014/main" id="{557D1C03-83FB-4A41-A673-D79050803B7D}"/>
               </a:ext>
             </a:extLst>
           </p:cNvPr>
@@ -15692,7 +16026,7 @@
           <p:cNvPr id="3" name="Slide Number Placeholder 2">
             <a:extLst>
               <a:ext uri="{FF2B5EF4-FFF2-40B4-BE49-F238E27FC236}">
-                <a16:creationId xmlns:a16="http://schemas.microsoft.com/office/drawing/2014/main" xmlns="" id="{159E4775-580B-43B1-BD6F-CC56A677381D}"/>
+                <a16:creationId xmlns="" xmlns:a16="http://schemas.microsoft.com/office/drawing/2014/main" id="{159E4775-580B-43B1-BD6F-CC56A677381D}"/>
               </a:ext>
             </a:extLst>
           </p:cNvPr>
@@ -15720,7 +16054,7 @@
     </p:spTree>
     <p:extLst>
       <p:ext uri="{BB962C8B-B14F-4D97-AF65-F5344CB8AC3E}">
-        <p14:creationId xmlns:p14="http://schemas.microsoft.com/office/powerpoint/2010/main" xmlns="" val="1975427906"/>
+        <p14:creationId xmlns="" xmlns:p14="http://schemas.microsoft.com/office/powerpoint/2010/main" val="1975427906"/>
       </p:ext>
     </p:extLst>
   </p:cSld>
@@ -15925,7 +16259,7 @@
     </p:spTree>
     <p:extLst>
       <p:ext uri="{BB962C8B-B14F-4D97-AF65-F5344CB8AC3E}">
-        <p14:creationId xmlns:p14="http://schemas.microsoft.com/office/powerpoint/2010/main" xmlns="" val="2117165276"/>
+        <p14:creationId xmlns="" xmlns:p14="http://schemas.microsoft.com/office/powerpoint/2010/main" val="2117165276"/>
       </p:ext>
     </p:extLst>
   </p:cSld>
@@ -15964,7 +16298,7 @@
           <p:cNvPr id="2" name="TextBox 1">
             <a:extLst>
               <a:ext uri="{FF2B5EF4-FFF2-40B4-BE49-F238E27FC236}">
-                <a16:creationId xmlns:a16="http://schemas.microsoft.com/office/drawing/2014/main" xmlns="" id="{647B59D4-2B44-4776-860C-47B66B58FF3B}"/>
+                <a16:creationId xmlns="" xmlns:a16="http://schemas.microsoft.com/office/drawing/2014/main" id="{647B59D4-2B44-4776-860C-47B66B58FF3B}"/>
               </a:ext>
             </a:extLst>
           </p:cNvPr>
@@ -16004,7 +16338,7 @@
           <p:cNvPr id="4" name="Subtitle 3">
             <a:extLst>
               <a:ext uri="{FF2B5EF4-FFF2-40B4-BE49-F238E27FC236}">
-                <a16:creationId xmlns:a16="http://schemas.microsoft.com/office/drawing/2014/main" xmlns="" id="{5BAF7A38-E445-4B58-9796-4267284E645F}"/>
+                <a16:creationId xmlns="" xmlns:a16="http://schemas.microsoft.com/office/drawing/2014/main" id="{5BAF7A38-E445-4B58-9796-4267284E645F}"/>
               </a:ext>
             </a:extLst>
           </p:cNvPr>
@@ -16049,8 +16383,21 @@
             </a:pPr>
             <a:r>
               <a:rPr lang="en-IN" sz="2800" dirty="0" smtClean="0"/>
-              <a:t>Transmission lines are the bridges between generating station to distribution station. </a:t>
+              <a:t>Transmission lines are the bridges between generating </a:t>
             </a:r>
+            <a:r>
+              <a:rPr lang="en-IN" sz="2800" dirty="0" smtClean="0"/>
+              <a:t>stations </a:t>
+            </a:r>
+            <a:r>
+              <a:rPr lang="en-IN" sz="2800" dirty="0" smtClean="0"/>
+              <a:t>to distribution </a:t>
+            </a:r>
+            <a:r>
+              <a:rPr lang="en-IN" sz="2800" dirty="0" smtClean="0"/>
+              <a:t>stations. </a:t>
+            </a:r>
+            <a:endParaRPr lang="en-IN" sz="2800" dirty="0" smtClean="0"/>
           </a:p>
           <a:p>
             <a:pPr marL="342900" indent="-342900" algn="just">
@@ -16062,8 +16409,9 @@
             </a:pPr>
             <a:r>
               <a:rPr lang="en-IN" sz="2800" dirty="0" smtClean="0"/>
-              <a:t>Transmission lines will undergo many types of faults as they are exposed to the open air.</a:t>
+              <a:t>Faults in the transmission lines are common but the protection is necessary to protect the system from faults.</a:t>
             </a:r>
+            <a:endParaRPr lang="en-IN" sz="2800" dirty="0" smtClean="0"/>
           </a:p>
           <a:p>
             <a:pPr marL="342900" indent="-342900" algn="just">
@@ -16086,7 +16434,7 @@
           <p:cNvPr id="3" name="Date Placeholder 2">
             <a:extLst>
               <a:ext uri="{FF2B5EF4-FFF2-40B4-BE49-F238E27FC236}">
-                <a16:creationId xmlns:a16="http://schemas.microsoft.com/office/drawing/2014/main" xmlns="" id="{885E3CB4-25D1-4287-82D6-F9574CEE3BDF}"/>
+                <a16:creationId xmlns="" xmlns:a16="http://schemas.microsoft.com/office/drawing/2014/main" id="{885E3CB4-25D1-4287-82D6-F9574CEE3BDF}"/>
               </a:ext>
             </a:extLst>
           </p:cNvPr>
@@ -16107,7 +16455,7 @@
               <a:pPr/>
               <a:t>1/29/2020</a:t>
             </a:fld>
-            <a:endParaRPr lang="en-US"/>
+            <a:endParaRPr lang="en-US" dirty="0"/>
           </a:p>
         </p:txBody>
       </p:sp>
@@ -16116,7 +16464,7 @@
           <p:cNvPr id="5" name="Slide Number Placeholder 4">
             <a:extLst>
               <a:ext uri="{FF2B5EF4-FFF2-40B4-BE49-F238E27FC236}">
-                <a16:creationId xmlns:a16="http://schemas.microsoft.com/office/drawing/2014/main" xmlns="" id="{298F78CD-D8AB-4C18-8B69-D4483DA72939}"/>
+                <a16:creationId xmlns="" xmlns:a16="http://schemas.microsoft.com/office/drawing/2014/main" id="{298F78CD-D8AB-4C18-8B69-D4483DA72939}"/>
               </a:ext>
             </a:extLst>
           </p:cNvPr>
@@ -16144,7 +16492,7 @@
     </p:spTree>
     <p:extLst>
       <p:ext uri="{BB962C8B-B14F-4D97-AF65-F5344CB8AC3E}">
-        <p14:creationId xmlns:p14="http://schemas.microsoft.com/office/powerpoint/2010/main" xmlns="" val="991653462"/>
+        <p14:creationId xmlns="" xmlns:p14="http://schemas.microsoft.com/office/powerpoint/2010/main" val="991653462"/>
       </p:ext>
     </p:extLst>
   </p:cSld>
@@ -16190,13 +16538,19 @@
         </p:nvSpPr>
         <p:spPr>
           <a:xfrm>
-            <a:off x="838200" y="751430"/>
-            <a:ext cx="10515600" cy="4351338"/>
+            <a:off x="838200" y="1009290"/>
+            <a:ext cx="10515600" cy="4093477"/>
           </a:xfrm>
         </p:spPr>
         <p:txBody>
           <a:bodyPr/>
           <a:lstStyle/>
+          <a:p>
+            <a:pPr algn="just">
+              <a:buNone/>
+            </a:pPr>
+            <a:endParaRPr lang="en-US" dirty="0" smtClean="0"/>
+          </a:p>
           <a:p>
             <a:pPr algn="just">
               <a:buFont typeface="Wingdings" panose="05000000000000000000" pitchFamily="2" charset="2"/>
@@ -16204,18 +16558,13 @@
             </a:pPr>
             <a:r>
               <a:rPr lang="en-US" dirty="0" smtClean="0"/>
-              <a:t>In recent days lot of data is generating due to SCADA.</a:t>
+              <a:t>By using the deep neural networks we can classify the type of fault which is occurred in the transmission </a:t>
             </a:r>
-          </a:p>
-          <a:p>
-            <a:pPr algn="just">
-              <a:buFont typeface="Wingdings" panose="05000000000000000000" pitchFamily="2" charset="2"/>
-              <a:buChar char="Ø"/>
-            </a:pPr>
             <a:r>
               <a:rPr lang="en-US" dirty="0" smtClean="0"/>
-              <a:t>By using the deep neural networks we can classify the type of fault which is occurred in the transmission line.</a:t>
+              <a:t>lines.</a:t>
             </a:r>
+            <a:endParaRPr lang="en-US" dirty="0" smtClean="0"/>
           </a:p>
           <a:p>
             <a:pPr algn="just">
@@ -16288,7 +16637,7 @@
           <p:cNvPr id="6" name="TextBox 5">
             <a:extLst>
               <a:ext uri="{FF2B5EF4-FFF2-40B4-BE49-F238E27FC236}">
-                <a16:creationId xmlns:a16="http://schemas.microsoft.com/office/drawing/2014/main" xmlns="" id="{627EDDBC-2D68-45D1-8FFC-C063F89D8F33}"/>
+                <a16:creationId xmlns="" xmlns:a16="http://schemas.microsoft.com/office/drawing/2014/main" id="{627EDDBC-2D68-45D1-8FFC-C063F89D8F33}"/>
               </a:ext>
             </a:extLst>
           </p:cNvPr>
@@ -16321,7 +16670,7 @@
     </p:spTree>
     <p:extLst>
       <p:ext uri="{BB962C8B-B14F-4D97-AF65-F5344CB8AC3E}">
-        <p14:creationId xmlns:p14="http://schemas.microsoft.com/office/powerpoint/2010/main" xmlns="" val="4136263389"/>
+        <p14:creationId xmlns="" xmlns:p14="http://schemas.microsoft.com/office/powerpoint/2010/main" val="4136263389"/>
       </p:ext>
     </p:extLst>
   </p:cSld>
@@ -16381,15 +16730,19 @@
             </a:pPr>
             <a:r>
               <a:rPr lang="en-US" dirty="0" smtClean="0"/>
-              <a:t>Here we using MATLAB for the generation of the </a:t>
+              <a:t>Here we </a:t>
             </a:r>
             <a:r>
               <a:rPr lang="en-US" dirty="0" smtClean="0"/>
-              <a:t>faults</a:t>
+              <a:t>are using </a:t>
             </a:r>
             <a:r>
               <a:rPr lang="en-US" dirty="0" smtClean="0"/>
-              <a:t> </a:t>
+              <a:t>MATLAB for the generation of the </a:t>
+            </a:r>
+            <a:r>
+              <a:rPr lang="en-US" dirty="0" smtClean="0"/>
+              <a:t>fault </a:t>
             </a:r>
             <a:r>
               <a:rPr lang="en-US" dirty="0" smtClean="0"/>
@@ -16413,15 +16766,7 @@
             </a:pPr>
             <a:r>
               <a:rPr lang="en-US" dirty="0" smtClean="0"/>
-              <a:t>We are using Recurrent Neural </a:t>
-            </a:r>
-            <a:r>
-              <a:rPr lang="en-US" dirty="0" smtClean="0"/>
-              <a:t>Network for </a:t>
-            </a:r>
-            <a:r>
-              <a:rPr lang="en-US" dirty="0" smtClean="0"/>
-              <a:t>the classification of the shunt faults in the transmission line.</a:t>
+              <a:t>We are using Recurrent Neural Network for the classification of the shunt faults in the transmission line.</a:t>
             </a:r>
           </a:p>
         </p:txBody>
@@ -16446,7 +16791,7 @@
               <a:pPr/>
               <a:t>1/29/2020</a:t>
             </a:fld>
-            <a:endParaRPr lang="en-US"/>
+            <a:endParaRPr lang="en-US" dirty="0"/>
           </a:p>
         </p:txBody>
       </p:sp>
@@ -16479,7 +16824,7 @@
           <p:cNvPr id="6" name="TextBox 5">
             <a:extLst>
               <a:ext uri="{FF2B5EF4-FFF2-40B4-BE49-F238E27FC236}">
-                <a16:creationId xmlns:a16="http://schemas.microsoft.com/office/drawing/2014/main" xmlns="" id="{74347C76-4F23-44C2-8A76-7BCB3209A5F3}"/>
+                <a16:creationId xmlns="" xmlns:a16="http://schemas.microsoft.com/office/drawing/2014/main" id="{74347C76-4F23-44C2-8A76-7BCB3209A5F3}"/>
               </a:ext>
             </a:extLst>
           </p:cNvPr>
@@ -16684,7 +17029,7 @@
     </p:spTree>
     <p:extLst>
       <p:ext uri="{BB962C8B-B14F-4D97-AF65-F5344CB8AC3E}">
-        <p14:creationId xmlns:p14="http://schemas.microsoft.com/office/powerpoint/2010/main" xmlns="" val="1906710318"/>
+        <p14:creationId xmlns="" xmlns:p14="http://schemas.microsoft.com/office/powerpoint/2010/main" val="1906710318"/>
       </p:ext>
     </p:extLst>
   </p:cSld>
@@ -16888,15 +17233,7 @@
                   <a:schemeClr val="accent2"/>
                 </a:solidFill>
               </a:rPr>
-              <a:t>L-L  </a:t>
-            </a:r>
-            <a:r>
-              <a:rPr lang="en-US" sz="1400" dirty="0" smtClean="0">
-                <a:solidFill>
-                  <a:schemeClr val="accent2"/>
-                </a:solidFill>
-              </a:rPr>
-              <a:t> </a:t>
+              <a:t>L-L   </a:t>
             </a:r>
             <a:r>
               <a:rPr lang="en-US" dirty="0" smtClean="0">
@@ -16904,15 +17241,7 @@
                   <a:schemeClr val="accent2"/>
                 </a:solidFill>
               </a:rPr>
-              <a:t>= </a:t>
-            </a:r>
-            <a:r>
-              <a:rPr lang="en-US" dirty="0" smtClean="0">
-                <a:solidFill>
-                  <a:schemeClr val="accent2"/>
-                </a:solidFill>
-              </a:rPr>
-              <a:t>220 kV</a:t>
+              <a:t>= 220 kV</a:t>
             </a:r>
           </a:p>
           <a:p>
@@ -16925,23 +17254,7 @@
                   <a:schemeClr val="accent2"/>
                 </a:solidFill>
               </a:rPr>
-              <a:t>Line Length </a:t>
-            </a:r>
-            <a:r>
-              <a:rPr lang="en-US" dirty="0" smtClean="0">
-                <a:solidFill>
-                  <a:schemeClr val="accent2"/>
-                </a:solidFill>
-              </a:rPr>
-              <a:t>        = </a:t>
-            </a:r>
-            <a:r>
-              <a:rPr lang="en-US" dirty="0" smtClean="0">
-                <a:solidFill>
-                  <a:schemeClr val="accent2"/>
-                </a:solidFill>
-              </a:rPr>
-              <a:t>200 km</a:t>
+              <a:t>Line Length         = 200 km</a:t>
             </a:r>
           </a:p>
           <a:p>
@@ -16954,23 +17267,7 @@
                   <a:schemeClr val="accent2"/>
                 </a:solidFill>
               </a:rPr>
-              <a:t>Frequency f </a:t>
-            </a:r>
-            <a:r>
-              <a:rPr lang="en-US" dirty="0" smtClean="0">
-                <a:solidFill>
-                  <a:schemeClr val="accent2"/>
-                </a:solidFill>
-              </a:rPr>
-              <a:t>       = </a:t>
-            </a:r>
-            <a:r>
-              <a:rPr lang="en-US" dirty="0" smtClean="0">
-                <a:solidFill>
-                  <a:schemeClr val="accent2"/>
-                </a:solidFill>
-              </a:rPr>
-              <a:t>50 Hz</a:t>
+              <a:t>Frequency f        = 50 Hz</a:t>
             </a:r>
           </a:p>
           <a:p>
@@ -16991,15 +17288,7 @@
                   <a:schemeClr val="accent2"/>
                 </a:solidFill>
               </a:rPr>
-              <a:t>1 </a:t>
-            </a:r>
-            <a:r>
-              <a:rPr lang="en-US" sz="1800" dirty="0" smtClean="0">
-                <a:solidFill>
-                  <a:schemeClr val="accent2"/>
-                </a:solidFill>
-              </a:rPr>
-              <a:t>                                       </a:t>
+              <a:t>1                                        </a:t>
             </a:r>
             <a:r>
               <a:rPr lang="en-US" dirty="0" smtClean="0">
@@ -17041,15 +17330,7 @@
                   <a:schemeClr val="accent2"/>
                 </a:solidFill>
               </a:rPr>
-              <a:t>0 </a:t>
-            </a:r>
-            <a:r>
-              <a:rPr lang="en-US" sz="1600" dirty="0" smtClean="0">
-                <a:solidFill>
-                  <a:schemeClr val="accent2"/>
-                </a:solidFill>
-              </a:rPr>
-              <a:t>                                             </a:t>
+              <a:t>0                                              </a:t>
             </a:r>
             <a:r>
               <a:rPr lang="en-US" dirty="0" smtClean="0">
@@ -17083,15 +17364,7 @@
                   <a:schemeClr val="accent2"/>
                 </a:solidFill>
               </a:rPr>
-              <a:t>Fault Types </a:t>
-            </a:r>
-            <a:r>
-              <a:rPr lang="en-US" dirty="0" smtClean="0">
-                <a:solidFill>
-                  <a:schemeClr val="accent2"/>
-                </a:solidFill>
-              </a:rPr>
-              <a:t>         : </a:t>
+              <a:t>Fault Types          : </a:t>
             </a:r>
             <a:r>
               <a:rPr lang="en-US" sz="2000" dirty="0" smtClean="0">
@@ -17131,15 +17404,7 @@
                   <a:schemeClr val="accent2"/>
                 </a:solidFill>
               </a:rPr>
-              <a:t>, ac, 		</a:t>
-            </a:r>
-            <a:r>
-              <a:rPr lang="en-US" sz="2000" dirty="0" smtClean="0">
-                <a:solidFill>
-                  <a:schemeClr val="accent2"/>
-                </a:solidFill>
-              </a:rPr>
-              <a:t>             </a:t>
+              <a:t>, ac, 		             </a:t>
             </a:r>
             <a:r>
               <a:rPr lang="en-US" sz="2000" dirty="0" err="1" smtClean="0">
@@ -17155,15 +17420,7 @@
                   <a:schemeClr val="accent2"/>
                 </a:solidFill>
               </a:rPr>
-              <a:t>-g</a:t>
-            </a:r>
-            <a:r>
-              <a:rPr lang="en-US" sz="2000" dirty="0" smtClean="0">
-                <a:solidFill>
-                  <a:schemeClr val="accent2"/>
-                </a:solidFill>
-              </a:rPr>
-              <a:t>, </a:t>
+              <a:t>-g, </a:t>
             </a:r>
             <a:r>
               <a:rPr lang="en-US" sz="2000" dirty="0" err="1" smtClean="0">
@@ -17208,15 +17465,7 @@
                   <a:schemeClr val="accent2"/>
                 </a:solidFill>
               </a:rPr>
-              <a:t>			</a:t>
-            </a:r>
-            <a:r>
-              <a:rPr lang="en-US" sz="2000" dirty="0" smtClean="0">
-                <a:solidFill>
-                  <a:schemeClr val="accent2"/>
-                </a:solidFill>
-              </a:rPr>
-              <a:t>             no fault</a:t>
+              <a:t>			             no fault</a:t>
             </a:r>
           </a:p>
           <a:p>
@@ -17229,15 +17478,7 @@
                   <a:schemeClr val="accent2"/>
                 </a:solidFill>
               </a:rPr>
-              <a:t>Fault Resistance </a:t>
-            </a:r>
-            <a:r>
-              <a:rPr lang="en-US" dirty="0" smtClean="0">
-                <a:solidFill>
-                  <a:schemeClr val="accent2"/>
-                </a:solidFill>
-              </a:rPr>
-              <a:t>: </a:t>
+              <a:t>Fault Resistance : </a:t>
             </a:r>
             <a:r>
               <a:rPr lang="en-US" sz="1800" dirty="0" smtClean="0">
@@ -17388,11 +17629,7 @@
           <a:p>
             <a:r>
               <a:rPr lang="en-US" dirty="0" smtClean="0"/>
-              <a:t>Fig. 4. Transmission </a:t>
-            </a:r>
-            <a:r>
-              <a:rPr lang="en-US" dirty="0" smtClean="0"/>
-              <a:t>network considered for the simulations</a:t>
+              <a:t>Fig. 4. Transmission network considered for the simulations</a:t>
             </a:r>
             <a:endParaRPr lang="en-US" dirty="0"/>
           </a:p>
@@ -17483,7 +17720,7 @@
           <p:cNvPr id="6" name="TextBox 5">
             <a:extLst>
               <a:ext uri="{FF2B5EF4-FFF2-40B4-BE49-F238E27FC236}">
-                <a16:creationId xmlns:a16="http://schemas.microsoft.com/office/drawing/2014/main" xmlns="" id="{74347C76-4F23-44C2-8A76-7BCB3209A5F3}"/>
+                <a16:creationId xmlns="" xmlns:a16="http://schemas.microsoft.com/office/drawing/2014/main" id="{74347C76-4F23-44C2-8A76-7BCB3209A5F3}"/>
               </a:ext>
             </a:extLst>
           </p:cNvPr>
@@ -17513,15 +17750,7 @@
                   <a:srgbClr val="FF0000"/>
                 </a:solidFill>
               </a:rPr>
-              <a:t>Simulation </a:t>
-            </a:r>
-            <a:r>
-              <a:rPr lang="en-IN" sz="3200" b="1" u="sng" dirty="0" smtClean="0">
-                <a:solidFill>
-                  <a:srgbClr val="FF0000"/>
-                </a:solidFill>
-              </a:rPr>
-              <a:t>Results</a:t>
+              <a:t>Simulation Results</a:t>
             </a:r>
             <a:endParaRPr lang="en-IN" sz="3200" b="1" u="sng" dirty="0">
               <a:solidFill>
@@ -17559,8 +17788,8 @@
         </p:nvSpPr>
         <p:spPr>
           <a:xfrm>
-            <a:off x="2147978" y="6012611"/>
-            <a:ext cx="3248710" cy="369332"/>
+            <a:off x="1311216" y="5883215"/>
+            <a:ext cx="5191678" cy="369332"/>
           </a:xfrm>
           <a:prstGeom prst="rect">
             <a:avLst/>
@@ -17575,7 +17804,11 @@
           <a:p>
             <a:r>
               <a:rPr lang="en-US" dirty="0" smtClean="0"/>
-              <a:t>Fig. 5. MSE vs Epoch for Training </a:t>
+              <a:t>Fig. 5. MSE vs Epoch for </a:t>
+            </a:r>
+            <a:r>
+              <a:rPr lang="en-US" dirty="0" smtClean="0"/>
+              <a:t>Training with 5 hidden layers </a:t>
             </a:r>
             <a:endParaRPr lang="en-US" dirty="0"/>
           </a:p>
@@ -17937,7 +18170,7 @@
     </p:spTree>
     <p:extLst>
       <p:ext uri="{BB962C8B-B14F-4D97-AF65-F5344CB8AC3E}">
-        <p14:creationId xmlns:p14="http://schemas.microsoft.com/office/powerpoint/2010/main" xmlns="" val="1906710318"/>
+        <p14:creationId xmlns="" xmlns:p14="http://schemas.microsoft.com/office/powerpoint/2010/main" val="1906710318"/>
       </p:ext>
     </p:extLst>
   </p:cSld>
@@ -18209,7 +18442,7 @@
   <a:extraClrSchemeLst/>
   <a:extLst>
     <a:ext uri="{05A4C25C-085E-4340-85A3-A5531E510DB2}">
-      <thm15:themeFamily xmlns:thm15="http://schemas.microsoft.com/office/thememl/2012/main" xmlns="" name="Office Theme" id="{62F939B6-93AF-4DB8-9C6B-D6C7DFDC589F}" vid="{4A3C46E8-61CC-4603-A589-7422A47A8E4A}"/>
+      <thm15:themeFamily xmlns="" xmlns:thm15="http://schemas.microsoft.com/office/thememl/2012/main" name="Office Theme" id="{62F939B6-93AF-4DB8-9C6B-D6C7DFDC589F}" vid="{4A3C46E8-61CC-4603-A589-7422A47A8E4A}"/>
     </a:ext>
   </a:extLst>
 </a:theme>
@@ -18504,7 +18737,7 @@
   <a:extraClrSchemeLst/>
   <a:extLst>
     <a:ext uri="{05A4C25C-085E-4340-85A3-A5531E510DB2}">
-      <thm15:themeFamily xmlns:thm15="http://schemas.microsoft.com/office/thememl/2012/main" xmlns="" name="Office Theme" id="{62F939B6-93AF-4DB8-9C6B-D6C7DFDC589F}" vid="{4A3C46E8-61CC-4603-A589-7422A47A8E4A}"/>
+      <thm15:themeFamily xmlns="" xmlns:thm15="http://schemas.microsoft.com/office/thememl/2012/main" name="Office Theme" id="{62F939B6-93AF-4DB8-9C6B-D6C7DFDC589F}" vid="{4A3C46E8-61CC-4603-A589-7422A47A8E4A}"/>
     </a:ext>
   </a:extLst>
 </a:theme>

--- a/Reviews/second review/Second Oral Presentation.pptx
+++ b/Reviews/second review/Second Oral Presentation.pptx
@@ -5,7 +5,7 @@
     <p:sldMasterId id="2147483684" r:id="rId1"/>
   </p:sldMasterIdLst>
   <p:notesMasterIdLst>
-    <p:notesMasterId r:id="rId19"/>
+    <p:notesMasterId r:id="rId18"/>
   </p:notesMasterIdLst>
   <p:sldIdLst>
     <p:sldId id="263" r:id="rId2"/>
@@ -19,12 +19,11 @@
     <p:sldId id="308" r:id="rId10"/>
     <p:sldId id="307" r:id="rId11"/>
     <p:sldId id="309" r:id="rId12"/>
-    <p:sldId id="303" r:id="rId13"/>
-    <p:sldId id="294" r:id="rId14"/>
-    <p:sldId id="297" r:id="rId15"/>
-    <p:sldId id="261" r:id="rId16"/>
-    <p:sldId id="304" r:id="rId17"/>
-    <p:sldId id="298" r:id="rId18"/>
+    <p:sldId id="294" r:id="rId13"/>
+    <p:sldId id="297" r:id="rId14"/>
+    <p:sldId id="261" r:id="rId15"/>
+    <p:sldId id="304" r:id="rId16"/>
+    <p:sldId id="298" r:id="rId17"/>
   </p:sldIdLst>
   <p:sldSz cx="12192000" cy="6858000"/>
   <p:notesSz cx="6858000" cy="9144000"/>
@@ -125,7 +124,7 @@
   </p:defaultTextStyle>
   <p:extLst>
     <p:ext uri="{EFAFB233-063F-42B5-8137-9DF3F51BA10A}">
-      <p15:sldGuideLst xmlns:p15="http://schemas.microsoft.com/office/powerpoint/2012/main" xmlns="">
+      <p15:sldGuideLst xmlns:p15="http://schemas.microsoft.com/office/powerpoint/2012/main">
         <p15:guide id="1" orient="horz" pos="2160">
           <p15:clr>
             <a:srgbClr val="A4A3A4"/>
@@ -502,9 +501,18 @@
 </file>
 
 <file path=ppt/charts/chart1.xml><?xml version="1.0" encoding="utf-8"?>
-<c:chartSpace xmlns:c="http://schemas.openxmlformats.org/drawingml/2006/chart" xmlns:a="http://schemas.openxmlformats.org/drawingml/2006/main" xmlns:r="http://schemas.openxmlformats.org/officeDocument/2006/relationships">
-  <c:date1904 val="1"/>
+<c:chartSpace xmlns:c="http://schemas.openxmlformats.org/drawingml/2006/chart" xmlns:a="http://schemas.openxmlformats.org/drawingml/2006/main" xmlns:r="http://schemas.openxmlformats.org/officeDocument/2006/relationships" xmlns:c16r2="http://schemas.microsoft.com/office/drawing/2015/06/chart">
+  <c:date1904 val="0"/>
   <c:lang val="en-US"/>
+  <c:roundedCorners val="0"/>
+  <mc:AlternateContent xmlns:mc="http://schemas.openxmlformats.org/markup-compatibility/2006">
+    <mc:Choice xmlns:c14="http://schemas.microsoft.com/office/drawing/2007/8/2/chart" Requires="c14">
+      <c14:style val="102"/>
+    </mc:Choice>
+    <mc:Fallback>
+      <c:style val="2"/>
+    </mc:Fallback>
+  </mc:AlternateContent>
   <c:chart>
     <c:autoTitleDeleted val="1"/>
     <c:plotArea>
@@ -521,6 +529,7 @@
       </c:layout>
       <c:lineChart>
         <c:grouping val="standard"/>
+        <c:varyColors val="0"/>
         <c:ser>
           <c:idx val="0"/>
           <c:order val="0"/>
@@ -3547,6 +3556,12 @@
               </c:numCache>
             </c:numRef>
           </c:val>
+          <c:smooth val="0"/>
+          <c:extLst>
+            <c:ext xmlns:c16="http://schemas.microsoft.com/office/drawing/2014/chart" uri="{C3380CC4-5D6E-409C-BE32-E72D297353CC}">
+              <c16:uniqueId val="{00000000-FE62-4541-BFC6-EB7FD8E0696C}"/>
+            </c:ext>
+          </c:extLst>
         </c:ser>
         <c:ser>
           <c:idx val="1"/>
@@ -6574,8 +6589,22 @@
               </c:numCache>
             </c:numRef>
           </c:val>
+          <c:smooth val="0"/>
+          <c:extLst>
+            <c:ext xmlns:c16="http://schemas.microsoft.com/office/drawing/2014/chart" uri="{C3380CC4-5D6E-409C-BE32-E72D297353CC}">
+              <c16:uniqueId val="{00000001-FE62-4541-BFC6-EB7FD8E0696C}"/>
+            </c:ext>
+          </c:extLst>
         </c:ser>
-        <c:marker val="1"/>
+        <c:dLbls>
+          <c:showLegendKey val="0"/>
+          <c:showVal val="0"/>
+          <c:showCatName val="0"/>
+          <c:showSerName val="0"/>
+          <c:showPercent val="0"/>
+          <c:showBubbleSize val="0"/>
+        </c:dLbls>
+        <c:smooth val="0"/>
         <c:axId val="106709760"/>
         <c:axId val="106711680"/>
       </c:lineChart>
@@ -6584,6 +6613,7 @@
         <c:scaling>
           <c:orientation val="minMax"/>
         </c:scaling>
+        <c:delete val="0"/>
         <c:axPos val="b"/>
         <c:title>
           <c:tx>
@@ -6601,8 +6631,10 @@
               </a:p>
             </c:rich>
           </c:tx>
-          <c:layout/>
+          <c:overlay val="0"/>
         </c:title>
+        <c:majorTickMark val="out"/>
+        <c:minorTickMark val="none"/>
         <c:tickLblPos val="nextTo"/>
         <c:txPr>
           <a:bodyPr/>
@@ -6621,12 +6653,14 @@
         <c:lblOffset val="100"/>
         <c:tickLblSkip val="99"/>
         <c:tickMarkSkip val="99"/>
+        <c:noMultiLvlLbl val="0"/>
       </c:catAx>
       <c:valAx>
         <c:axId val="106711680"/>
         <c:scaling>
           <c:orientation val="minMax"/>
         </c:scaling>
+        <c:delete val="0"/>
         <c:axPos val="l"/>
         <c:title>
           <c:tx>
@@ -6644,9 +6678,11 @@
               </a:p>
             </c:rich>
           </c:tx>
-          <c:layout/>
+          <c:overlay val="0"/>
         </c:title>
         <c:numFmt formatCode="General" sourceLinked="1"/>
+        <c:majorTickMark val="out"/>
+        <c:minorTickMark val="none"/>
         <c:tickLblPos val="nextTo"/>
         <c:txPr>
           <a:bodyPr/>
@@ -6675,6 +6711,7 @@
           <c:h val="8.1330405615854806E-2"/>
         </c:manualLayout>
       </c:layout>
+      <c:overlay val="0"/>
       <c:txPr>
         <a:bodyPr/>
         <a:lstStyle/>
@@ -6687,8 +6724,12 @@
       </c:txPr>
     </c:legend>
     <c:plotVisOnly val="1"/>
+    <c:dispBlanksAs val="gap"/>
+    <c:showDLblsOverMax val="0"/>
   </c:chart>
-  <c:externalData r:id="rId1"/>
+  <c:externalData r:id="rId1">
+    <c:autoUpdate val="0"/>
+  </c:externalData>
 </c:chartSpace>
 </file>
 
@@ -6944,7 +6985,7 @@
     </p:spTree>
     <p:extLst>
       <p:ext uri="{BB962C8B-B14F-4D97-AF65-F5344CB8AC3E}">
-        <p14:creationId xmlns:p14="http://schemas.microsoft.com/office/powerpoint/2010/main" xmlns="" val="1535185195"/>
+        <p14:creationId xmlns:p14="http://schemas.microsoft.com/office/powerpoint/2010/main" val="1535185195"/>
       </p:ext>
     </p:extLst>
   </p:cSld>
@@ -7229,7 +7270,7 @@
     </p:spTree>
     <p:extLst>
       <p:ext uri="{BB962C8B-B14F-4D97-AF65-F5344CB8AC3E}">
-        <p14:creationId xmlns:p14="http://schemas.microsoft.com/office/powerpoint/2010/main" xmlns="" val="1252035544"/>
+        <p14:creationId xmlns:p14="http://schemas.microsoft.com/office/powerpoint/2010/main" val="1252035544"/>
       </p:ext>
     </p:extLst>
   </p:cSld>
@@ -7402,7 +7443,7 @@
     </p:spTree>
     <p:extLst>
       <p:ext uri="{BB962C8B-B14F-4D97-AF65-F5344CB8AC3E}">
-        <p14:creationId xmlns:p14="http://schemas.microsoft.com/office/powerpoint/2010/main" xmlns="" val="2762954207"/>
+        <p14:creationId xmlns:p14="http://schemas.microsoft.com/office/powerpoint/2010/main" val="2762954207"/>
       </p:ext>
     </p:extLst>
   </p:cSld>
@@ -7585,7 +7626,7 @@
     </p:spTree>
     <p:extLst>
       <p:ext uri="{BB962C8B-B14F-4D97-AF65-F5344CB8AC3E}">
-        <p14:creationId xmlns:p14="http://schemas.microsoft.com/office/powerpoint/2010/main" xmlns="" val="4184834705"/>
+        <p14:creationId xmlns:p14="http://schemas.microsoft.com/office/powerpoint/2010/main" val="4184834705"/>
       </p:ext>
     </p:extLst>
   </p:cSld>
@@ -7758,7 +7799,7 @@
     </p:spTree>
     <p:extLst>
       <p:ext uri="{BB962C8B-B14F-4D97-AF65-F5344CB8AC3E}">
-        <p14:creationId xmlns:p14="http://schemas.microsoft.com/office/powerpoint/2010/main" xmlns="" val="3146986748"/>
+        <p14:creationId xmlns:p14="http://schemas.microsoft.com/office/powerpoint/2010/main" val="3146986748"/>
       </p:ext>
     </p:extLst>
   </p:cSld>
@@ -8008,7 +8049,7 @@
     </p:spTree>
     <p:extLst>
       <p:ext uri="{BB962C8B-B14F-4D97-AF65-F5344CB8AC3E}">
-        <p14:creationId xmlns:p14="http://schemas.microsoft.com/office/powerpoint/2010/main" xmlns="" val="921976296"/>
+        <p14:creationId xmlns:p14="http://schemas.microsoft.com/office/powerpoint/2010/main" val="921976296"/>
       </p:ext>
     </p:extLst>
   </p:cSld>
@@ -8242,7 +8283,7 @@
     </p:spTree>
     <p:extLst>
       <p:ext uri="{BB962C8B-B14F-4D97-AF65-F5344CB8AC3E}">
-        <p14:creationId xmlns:p14="http://schemas.microsoft.com/office/powerpoint/2010/main" xmlns="" val="674776688"/>
+        <p14:creationId xmlns:p14="http://schemas.microsoft.com/office/powerpoint/2010/main" val="674776688"/>
       </p:ext>
     </p:extLst>
   </p:cSld>
@@ -8611,7 +8652,7 @@
     </p:spTree>
     <p:extLst>
       <p:ext uri="{BB962C8B-B14F-4D97-AF65-F5344CB8AC3E}">
-        <p14:creationId xmlns:p14="http://schemas.microsoft.com/office/powerpoint/2010/main" xmlns="" val="967121709"/>
+        <p14:creationId xmlns:p14="http://schemas.microsoft.com/office/powerpoint/2010/main" val="967121709"/>
       </p:ext>
     </p:extLst>
   </p:cSld>
@@ -8733,7 +8774,7 @@
     </p:spTree>
     <p:extLst>
       <p:ext uri="{BB962C8B-B14F-4D97-AF65-F5344CB8AC3E}">
-        <p14:creationId xmlns:p14="http://schemas.microsoft.com/office/powerpoint/2010/main" xmlns="" val="656162686"/>
+        <p14:creationId xmlns:p14="http://schemas.microsoft.com/office/powerpoint/2010/main" val="656162686"/>
       </p:ext>
     </p:extLst>
   </p:cSld>
@@ -8833,7 +8874,7 @@
     </p:spTree>
     <p:extLst>
       <p:ext uri="{BB962C8B-B14F-4D97-AF65-F5344CB8AC3E}">
-        <p14:creationId xmlns:p14="http://schemas.microsoft.com/office/powerpoint/2010/main" xmlns="" val="3133424761"/>
+        <p14:creationId xmlns:p14="http://schemas.microsoft.com/office/powerpoint/2010/main" val="3133424761"/>
       </p:ext>
     </p:extLst>
   </p:cSld>
@@ -9113,7 +9154,7 @@
     </p:spTree>
     <p:extLst>
       <p:ext uri="{BB962C8B-B14F-4D97-AF65-F5344CB8AC3E}">
-        <p14:creationId xmlns:p14="http://schemas.microsoft.com/office/powerpoint/2010/main" xmlns="" val="3468320446"/>
+        <p14:creationId xmlns:p14="http://schemas.microsoft.com/office/powerpoint/2010/main" val="3468320446"/>
       </p:ext>
     </p:extLst>
   </p:cSld>
@@ -9373,7 +9414,7 @@
     </p:spTree>
     <p:extLst>
       <p:ext uri="{BB962C8B-B14F-4D97-AF65-F5344CB8AC3E}">
-        <p14:creationId xmlns:p14="http://schemas.microsoft.com/office/powerpoint/2010/main" xmlns="" val="1482800273"/>
+        <p14:creationId xmlns:p14="http://schemas.microsoft.com/office/powerpoint/2010/main" val="1482800273"/>
       </p:ext>
     </p:extLst>
   </p:cSld>
@@ -9628,7 +9669,7 @@
     </p:spTree>
     <p:extLst>
       <p:ext uri="{BB962C8B-B14F-4D97-AF65-F5344CB8AC3E}">
-        <p14:creationId xmlns:p14="http://schemas.microsoft.com/office/powerpoint/2010/main" xmlns="" val="2766900715"/>
+        <p14:creationId xmlns:p14="http://schemas.microsoft.com/office/powerpoint/2010/main" val="2766900715"/>
       </p:ext>
     </p:extLst>
   </p:cSld>
@@ -9952,7 +9993,7 @@
           <p:cNvPr id="5" name="Rectangle 4">
             <a:extLst>
               <a:ext uri="{FF2B5EF4-FFF2-40B4-BE49-F238E27FC236}">
-                <a16:creationId xmlns:a16="http://schemas.microsoft.com/office/drawing/2014/main" xmlns="" id="{C409AC58-2162-4EEC-B138-250DBBF30288}"/>
+                <a16:creationId xmlns:a16="http://schemas.microsoft.com/office/drawing/2014/main" id="{C409AC58-2162-4EEC-B138-250DBBF30288}"/>
               </a:ext>
             </a:extLst>
           </p:cNvPr>
@@ -9993,27 +10034,7 @@
                 <a:latin typeface="Times New Roman" panose="02020603050405020304" pitchFamily="18" charset="0"/>
                 <a:cs typeface="Times New Roman" panose="02020603050405020304" pitchFamily="18" charset="0"/>
               </a:rPr>
-              <a:t>Project </a:t>
-            </a:r>
-            <a:r>
-              <a:rPr lang="en-US" dirty="0" smtClean="0">
-                <a:solidFill>
-                  <a:prstClr val="black"/>
-                </a:solidFill>
-                <a:latin typeface="Times New Roman" panose="02020603050405020304" pitchFamily="18" charset="0"/>
-                <a:cs typeface="Times New Roman" panose="02020603050405020304" pitchFamily="18" charset="0"/>
-              </a:rPr>
-              <a:t>Second </a:t>
-            </a:r>
-            <a:r>
-              <a:rPr lang="en-US" dirty="0">
-                <a:solidFill>
-                  <a:prstClr val="black"/>
-                </a:solidFill>
-                <a:latin typeface="Times New Roman" panose="02020603050405020304" pitchFamily="18" charset="0"/>
-                <a:cs typeface="Times New Roman" panose="02020603050405020304" pitchFamily="18" charset="0"/>
-              </a:rPr>
-              <a:t>Review on</a:t>
+              <a:t>Project Second Review on</a:t>
             </a:r>
           </a:p>
           <a:p>
@@ -10307,7 +10328,7 @@
           <a:blip r:embed="rId2" cstate="print">
             <a:extLst>
               <a:ext uri="{28A0092B-C50C-407E-A947-70E740481C1C}">
-                <a14:useLocalDpi xmlns:a14="http://schemas.microsoft.com/office/drawing/2010/main" xmlns="" val="0"/>
+                <a14:useLocalDpi xmlns:a14="http://schemas.microsoft.com/office/drawing/2010/main" val="0"/>
               </a:ext>
             </a:extLst>
           </a:blip>
@@ -10327,7 +10348,7 @@
           <a:noFill/>
           <a:extLst>
             <a:ext uri="{909E8E84-426E-40DD-AFC4-6F175D3DCCD1}">
-              <a14:hiddenFill xmlns:a14="http://schemas.microsoft.com/office/drawing/2010/main" xmlns="">
+              <a14:hiddenFill xmlns:a14="http://schemas.microsoft.com/office/drawing/2010/main">
                 <a:solidFill>
                   <a:srgbClr val="FFFFFF"/>
                 </a:solidFill>
@@ -10341,7 +10362,7 @@
           <p:cNvPr id="2" name="Date Placeholder 1">
             <a:extLst>
               <a:ext uri="{FF2B5EF4-FFF2-40B4-BE49-F238E27FC236}">
-                <a16:creationId xmlns:a16="http://schemas.microsoft.com/office/drawing/2014/main" xmlns="" id="{1FEBBEBC-180F-4554-9433-0F45F01ADA17}"/>
+                <a16:creationId xmlns:a16="http://schemas.microsoft.com/office/drawing/2014/main" id="{1FEBBEBC-180F-4554-9433-0F45F01ADA17}"/>
               </a:ext>
             </a:extLst>
           </p:cNvPr>
@@ -10371,7 +10392,7 @@
           <p:cNvPr id="3" name="Slide Number Placeholder 2">
             <a:extLst>
               <a:ext uri="{FF2B5EF4-FFF2-40B4-BE49-F238E27FC236}">
-                <a16:creationId xmlns:a16="http://schemas.microsoft.com/office/drawing/2014/main" xmlns="" id="{22219251-2539-4EA6-9027-2F2AE5C97949}"/>
+                <a16:creationId xmlns:a16="http://schemas.microsoft.com/office/drawing/2014/main" id="{22219251-2539-4EA6-9027-2F2AE5C97949}"/>
               </a:ext>
             </a:extLst>
           </p:cNvPr>
@@ -10401,7 +10422,7 @@
           <p:cNvPr id="6" name="Table 6">
             <a:extLst>
               <a:ext uri="{FF2B5EF4-FFF2-40B4-BE49-F238E27FC236}">
-                <a16:creationId xmlns:a16="http://schemas.microsoft.com/office/drawing/2014/main" xmlns="" id="{B83DB7B4-5812-42F9-8D4D-54AA04099C4A}"/>
+                <a16:creationId xmlns:a16="http://schemas.microsoft.com/office/drawing/2014/main" id="{B83DB7B4-5812-42F9-8D4D-54AA04099C4A}"/>
               </a:ext>
             </a:extLst>
           </p:cNvPr>
@@ -10411,7 +10432,7 @@
           <p:nvPr>
             <p:extLst>
               <p:ext uri="{D42A27DB-BD31-4B8C-83A1-F6EECF244321}">
-                <p14:modId xmlns:p14="http://schemas.microsoft.com/office/powerpoint/2010/main" xmlns="" val="2301097977"/>
+                <p14:modId xmlns:p14="http://schemas.microsoft.com/office/powerpoint/2010/main" val="2301097977"/>
               </p:ext>
             </p:extLst>
           </p:nvPr>
@@ -10430,14 +10451,14 @@
                 <a:gridCol w="5207082">
                   <a:extLst>
                     <a:ext uri="{9D8B030D-6E8A-4147-A177-3AD203B41FA5}">
-                      <a16:colId xmlns:a16="http://schemas.microsoft.com/office/drawing/2014/main" xmlns="" val="3291672"/>
+                      <a16:colId xmlns:a16="http://schemas.microsoft.com/office/drawing/2014/main" val="3291672"/>
                     </a:ext>
                   </a:extLst>
                 </a:gridCol>
                 <a:gridCol w="3800376">
                   <a:extLst>
                     <a:ext uri="{9D8B030D-6E8A-4147-A177-3AD203B41FA5}">
-                      <a16:colId xmlns:a16="http://schemas.microsoft.com/office/drawing/2014/main" xmlns="" val="3282628654"/>
+                      <a16:colId xmlns:a16="http://schemas.microsoft.com/office/drawing/2014/main" val="3282628654"/>
                     </a:ext>
                   </a:extLst>
                 </a:gridCol>
@@ -10566,7 +10587,7 @@
                 </a:tc>
                 <a:extLst>
                   <a:ext uri="{0D108BD9-81ED-4DB2-BD59-A6C34878D82A}">
-                    <a16:rowId xmlns:a16="http://schemas.microsoft.com/office/drawing/2014/main" xmlns="" val="2302665074"/>
+                    <a16:rowId xmlns:a16="http://schemas.microsoft.com/office/drawing/2014/main" val="2302665074"/>
                   </a:ext>
                 </a:extLst>
               </a:tr>
@@ -10710,7 +10731,7 @@
                 </a:tc>
                 <a:extLst>
                   <a:ext uri="{0D108BD9-81ED-4DB2-BD59-A6C34878D82A}">
-                    <a16:rowId xmlns:a16="http://schemas.microsoft.com/office/drawing/2014/main" xmlns="" val="3101617131"/>
+                    <a16:rowId xmlns:a16="http://schemas.microsoft.com/office/drawing/2014/main" val="3101617131"/>
                   </a:ext>
                 </a:extLst>
               </a:tr>
@@ -10854,7 +10875,7 @@
                 </a:tc>
                 <a:extLst>
                   <a:ext uri="{0D108BD9-81ED-4DB2-BD59-A6C34878D82A}">
-                    <a16:rowId xmlns:a16="http://schemas.microsoft.com/office/drawing/2014/main" xmlns="" val="3378807038"/>
+                    <a16:rowId xmlns:a16="http://schemas.microsoft.com/office/drawing/2014/main" val="3378807038"/>
                   </a:ext>
                 </a:extLst>
               </a:tr>
@@ -10998,7 +11019,7 @@
                 </a:tc>
                 <a:extLst>
                   <a:ext uri="{0D108BD9-81ED-4DB2-BD59-A6C34878D82A}">
-                    <a16:rowId xmlns:a16="http://schemas.microsoft.com/office/drawing/2014/main" xmlns="" val="3064880953"/>
+                    <a16:rowId xmlns:a16="http://schemas.microsoft.com/office/drawing/2014/main" val="3064880953"/>
                   </a:ext>
                 </a:extLst>
               </a:tr>
@@ -11009,20 +11030,13 @@
     </p:spTree>
     <p:extLst>
       <p:ext uri="{BB962C8B-B14F-4D97-AF65-F5344CB8AC3E}">
-        <p14:creationId xmlns:p14="http://schemas.microsoft.com/office/powerpoint/2010/main" xmlns="" val="1664478098"/>
+        <p14:creationId xmlns:p14="http://schemas.microsoft.com/office/powerpoint/2010/main" val="1664478098"/>
       </p:ext>
     </p:extLst>
   </p:cSld>
   <p:clrMapOvr>
     <a:masterClrMapping/>
   </p:clrMapOvr>
-  <p:timing>
-    <p:tnLst>
-      <p:par>
-        <p:cTn id="1" dur="indefinite" restart="never" nodeType="tmRoot"/>
-      </p:par>
-    </p:tnLst>
-  </p:timing>
 </p:sld>
 </file>
 
@@ -11064,18 +11078,90 @@
                 <a:tableStyleId>{775DCB02-9BB8-47FD-8907-85C794F793BA}</a:tableStyleId>
               </a:tblPr>
               <a:tblGrid>
-                <a:gridCol w="973347"/>
-                <a:gridCol w="973347"/>
-                <a:gridCol w="973347"/>
-                <a:gridCol w="973347"/>
-                <a:gridCol w="973347"/>
-                <a:gridCol w="973347"/>
-                <a:gridCol w="973347"/>
-                <a:gridCol w="973347"/>
-                <a:gridCol w="973347"/>
-                <a:gridCol w="973347"/>
-                <a:gridCol w="973347"/>
-                <a:gridCol w="973347"/>
+                <a:gridCol w="973347">
+                  <a:extLst>
+                    <a:ext uri="{9D8B030D-6E8A-4147-A177-3AD203B41FA5}">
+                      <a16:colId xmlns:a16="http://schemas.microsoft.com/office/drawing/2014/main" val="20000"/>
+                    </a:ext>
+                  </a:extLst>
+                </a:gridCol>
+                <a:gridCol w="973347">
+                  <a:extLst>
+                    <a:ext uri="{9D8B030D-6E8A-4147-A177-3AD203B41FA5}">
+                      <a16:colId xmlns:a16="http://schemas.microsoft.com/office/drawing/2014/main" val="20001"/>
+                    </a:ext>
+                  </a:extLst>
+                </a:gridCol>
+                <a:gridCol w="973347">
+                  <a:extLst>
+                    <a:ext uri="{9D8B030D-6E8A-4147-A177-3AD203B41FA5}">
+                      <a16:colId xmlns:a16="http://schemas.microsoft.com/office/drawing/2014/main" val="20002"/>
+                    </a:ext>
+                  </a:extLst>
+                </a:gridCol>
+                <a:gridCol w="973347">
+                  <a:extLst>
+                    <a:ext uri="{9D8B030D-6E8A-4147-A177-3AD203B41FA5}">
+                      <a16:colId xmlns:a16="http://schemas.microsoft.com/office/drawing/2014/main" val="20003"/>
+                    </a:ext>
+                  </a:extLst>
+                </a:gridCol>
+                <a:gridCol w="973347">
+                  <a:extLst>
+                    <a:ext uri="{9D8B030D-6E8A-4147-A177-3AD203B41FA5}">
+                      <a16:colId xmlns:a16="http://schemas.microsoft.com/office/drawing/2014/main" val="20004"/>
+                    </a:ext>
+                  </a:extLst>
+                </a:gridCol>
+                <a:gridCol w="973347">
+                  <a:extLst>
+                    <a:ext uri="{9D8B030D-6E8A-4147-A177-3AD203B41FA5}">
+                      <a16:colId xmlns:a16="http://schemas.microsoft.com/office/drawing/2014/main" val="20005"/>
+                    </a:ext>
+                  </a:extLst>
+                </a:gridCol>
+                <a:gridCol w="973347">
+                  <a:extLst>
+                    <a:ext uri="{9D8B030D-6E8A-4147-A177-3AD203B41FA5}">
+                      <a16:colId xmlns:a16="http://schemas.microsoft.com/office/drawing/2014/main" val="20006"/>
+                    </a:ext>
+                  </a:extLst>
+                </a:gridCol>
+                <a:gridCol w="973347">
+                  <a:extLst>
+                    <a:ext uri="{9D8B030D-6E8A-4147-A177-3AD203B41FA5}">
+                      <a16:colId xmlns:a16="http://schemas.microsoft.com/office/drawing/2014/main" val="20007"/>
+                    </a:ext>
+                  </a:extLst>
+                </a:gridCol>
+                <a:gridCol w="973347">
+                  <a:extLst>
+                    <a:ext uri="{9D8B030D-6E8A-4147-A177-3AD203B41FA5}">
+                      <a16:colId xmlns:a16="http://schemas.microsoft.com/office/drawing/2014/main" val="20008"/>
+                    </a:ext>
+                  </a:extLst>
+                </a:gridCol>
+                <a:gridCol w="973347">
+                  <a:extLst>
+                    <a:ext uri="{9D8B030D-6E8A-4147-A177-3AD203B41FA5}">
+                      <a16:colId xmlns:a16="http://schemas.microsoft.com/office/drawing/2014/main" val="20009"/>
+                    </a:ext>
+                  </a:extLst>
+                </a:gridCol>
+                <a:gridCol w="973347">
+                  <a:extLst>
+                    <a:ext uri="{9D8B030D-6E8A-4147-A177-3AD203B41FA5}">
+                      <a16:colId xmlns:a16="http://schemas.microsoft.com/office/drawing/2014/main" val="20010"/>
+                    </a:ext>
+                  </a:extLst>
+                </a:gridCol>
+                <a:gridCol w="973347">
+                  <a:extLst>
+                    <a:ext uri="{9D8B030D-6E8A-4147-A177-3AD203B41FA5}">
+                      <a16:colId xmlns:a16="http://schemas.microsoft.com/office/drawing/2014/main" val="20011"/>
+                    </a:ext>
+                  </a:extLst>
+                </a:gridCol>
               </a:tblGrid>
               <a:tr h="552091">
                 <a:tc>
@@ -11113,7 +11199,7 @@
                     <a:p>
                       <a:pPr algn="ctr" fontAlgn="b"/>
                       <a:r>
-                        <a:rPr lang="en-US" sz="1200" u="none" strike="noStrike" dirty="0" smtClean="0">
+                        <a:rPr lang="en-US" sz="1200" u="none" strike="noStrike" dirty="0">
                           <a:solidFill>
                             <a:schemeClr val="tx1"/>
                           </a:solidFill>
@@ -11141,7 +11227,7 @@
                     <a:p>
                       <a:pPr algn="ctr" fontAlgn="b"/>
                       <a:r>
-                        <a:rPr lang="en-US" sz="1200" u="none" strike="noStrike" dirty="0" smtClean="0">
+                        <a:rPr lang="en-US" sz="1200" u="none" strike="noStrike" dirty="0">
                           <a:solidFill>
                             <a:schemeClr val="tx1"/>
                           </a:solidFill>
@@ -11169,7 +11255,7 @@
                     <a:p>
                       <a:pPr algn="ctr" fontAlgn="b"/>
                       <a:r>
-                        <a:rPr lang="en-US" sz="1200" u="none" strike="noStrike" dirty="0" smtClean="0">
+                        <a:rPr lang="en-US" sz="1200" u="none" strike="noStrike" dirty="0">
                           <a:solidFill>
                             <a:schemeClr val="tx1"/>
                           </a:solidFill>
@@ -11197,7 +11283,7 @@
                     <a:p>
                       <a:pPr algn="ctr" fontAlgn="b"/>
                       <a:r>
-                        <a:rPr lang="en-US" sz="1200" u="none" strike="noStrike" dirty="0" smtClean="0">
+                        <a:rPr lang="en-US" sz="1200" u="none" strike="noStrike" dirty="0">
                           <a:solidFill>
                             <a:schemeClr val="tx1"/>
                           </a:solidFill>
@@ -11225,7 +11311,7 @@
                     <a:p>
                       <a:pPr algn="ctr" fontAlgn="b"/>
                       <a:r>
-                        <a:rPr lang="en-US" sz="1200" u="none" strike="noStrike" dirty="0" smtClean="0">
+                        <a:rPr lang="en-US" sz="1200" u="none" strike="noStrike" dirty="0">
                           <a:solidFill>
                             <a:schemeClr val="tx1"/>
                           </a:solidFill>
@@ -11233,7 +11319,7 @@
                         <a:t>Fault(</a:t>
                       </a:r>
                       <a:r>
-                        <a:rPr lang="en-US" sz="1200" u="none" strike="noStrike" baseline="0" dirty="0" smtClean="0">
+                        <a:rPr lang="en-US" sz="1200" u="none" strike="noStrike" baseline="0" dirty="0">
                           <a:solidFill>
                             <a:schemeClr val="tx1"/>
                           </a:solidFill>
@@ -11241,7 +11327,7 @@
                         <a:t> AG</a:t>
                       </a:r>
                       <a:r>
-                        <a:rPr lang="en-US" sz="1200" u="none" strike="noStrike" dirty="0" smtClean="0">
+                        <a:rPr lang="en-US" sz="1200" u="none" strike="noStrike" dirty="0">
                           <a:solidFill>
                             <a:schemeClr val="tx1"/>
                           </a:solidFill>
@@ -11269,7 +11355,7 @@
                     <a:p>
                       <a:pPr algn="ctr" fontAlgn="b"/>
                       <a:r>
-                        <a:rPr lang="en-US" sz="1200" u="none" strike="noStrike" dirty="0" smtClean="0">
+                        <a:rPr lang="en-US" sz="1200" u="none" strike="noStrike" dirty="0">
                           <a:solidFill>
                             <a:schemeClr val="tx1"/>
                           </a:solidFill>
@@ -11297,7 +11383,7 @@
                     <a:p>
                       <a:pPr algn="ctr" fontAlgn="b"/>
                       <a:r>
-                        <a:rPr lang="en-US" sz="1200" u="none" strike="noStrike" dirty="0" smtClean="0">
+                        <a:rPr lang="en-US" sz="1200" u="none" strike="noStrike" dirty="0">
                           <a:solidFill>
                             <a:schemeClr val="tx1"/>
                           </a:solidFill>
@@ -11325,7 +11411,7 @@
                     <a:p>
                       <a:pPr algn="ctr" fontAlgn="b"/>
                       <a:r>
-                        <a:rPr lang="en-US" sz="1200" u="none" strike="noStrike" dirty="0" smtClean="0">
+                        <a:rPr lang="en-US" sz="1200" u="none" strike="noStrike" dirty="0">
                           <a:solidFill>
                             <a:schemeClr val="tx1"/>
                           </a:solidFill>
@@ -11353,7 +11439,7 @@
                     <a:p>
                       <a:pPr algn="ctr" fontAlgn="b"/>
                       <a:r>
-                        <a:rPr lang="en-US" sz="1200" u="none" strike="noStrike" dirty="0" smtClean="0">
+                        <a:rPr lang="en-US" sz="1200" u="none" strike="noStrike" dirty="0">
                           <a:solidFill>
                             <a:schemeClr val="tx1"/>
                           </a:solidFill>
@@ -11381,7 +11467,7 @@
                     <a:p>
                       <a:pPr algn="ctr" fontAlgn="b"/>
                       <a:r>
-                        <a:rPr lang="en-US" sz="1200" u="none" strike="noStrike" dirty="0" smtClean="0">
+                        <a:rPr lang="en-US" sz="1200" u="none" strike="noStrike" dirty="0">
                           <a:solidFill>
                             <a:schemeClr val="tx1"/>
                           </a:solidFill>
@@ -11409,7 +11495,7 @@
                     <a:p>
                       <a:pPr algn="ctr" fontAlgn="b"/>
                       <a:r>
-                        <a:rPr lang="en-US" sz="1200" b="1" i="1" u="none" strike="noStrike" dirty="0" smtClean="0">
+                        <a:rPr lang="en-US" sz="1200" b="1" i="1" u="none" strike="noStrike" dirty="0">
                           <a:solidFill>
                             <a:schemeClr val="tx1"/>
                           </a:solidFill>
@@ -11418,7 +11504,7 @@
                         <a:t>No</a:t>
                       </a:r>
                       <a:r>
-                        <a:rPr lang="en-US" sz="1200" b="1" i="1" u="none" strike="noStrike" baseline="0" dirty="0" smtClean="0">
+                        <a:rPr lang="en-US" sz="1200" b="1" i="1" u="none" strike="noStrike" baseline="0" dirty="0">
                           <a:solidFill>
                             <a:schemeClr val="tx1"/>
                           </a:solidFill>
@@ -11440,6 +11526,11 @@
                     </a:solidFill>
                   </a:tcPr>
                 </a:tc>
+                <a:extLst>
+                  <a:ext uri="{0D108BD9-81ED-4DB2-BD59-A6C34878D82A}">
+                    <a16:rowId xmlns:a16="http://schemas.microsoft.com/office/drawing/2014/main" val="10000"/>
+                  </a:ext>
+                </a:extLst>
               </a:tr>
               <a:tr h="552091">
                 <a:tc>
@@ -11730,6 +11821,11 @@
                     </a:solidFill>
                   </a:tcPr>
                 </a:tc>
+                <a:extLst>
+                  <a:ext uri="{0D108BD9-81ED-4DB2-BD59-A6C34878D82A}">
+                    <a16:rowId xmlns:a16="http://schemas.microsoft.com/office/drawing/2014/main" val="10001"/>
+                  </a:ext>
+                </a:extLst>
               </a:tr>
               <a:tr h="552091">
                 <a:tc>
@@ -12020,6 +12116,11 @@
                     </a:solidFill>
                   </a:tcPr>
                 </a:tc>
+                <a:extLst>
+                  <a:ext uri="{0D108BD9-81ED-4DB2-BD59-A6C34878D82A}">
+                    <a16:rowId xmlns:a16="http://schemas.microsoft.com/office/drawing/2014/main" val="10002"/>
+                  </a:ext>
+                </a:extLst>
               </a:tr>
               <a:tr h="552091">
                 <a:tc>
@@ -12310,6 +12411,11 @@
                     </a:solidFill>
                   </a:tcPr>
                 </a:tc>
+                <a:extLst>
+                  <a:ext uri="{0D108BD9-81ED-4DB2-BD59-A6C34878D82A}">
+                    <a16:rowId xmlns:a16="http://schemas.microsoft.com/office/drawing/2014/main" val="10003"/>
+                  </a:ext>
+                </a:extLst>
               </a:tr>
               <a:tr h="552091">
                 <a:tc>
@@ -12600,6 +12706,11 @@
                     </a:solidFill>
                   </a:tcPr>
                 </a:tc>
+                <a:extLst>
+                  <a:ext uri="{0D108BD9-81ED-4DB2-BD59-A6C34878D82A}">
+                    <a16:rowId xmlns:a16="http://schemas.microsoft.com/office/drawing/2014/main" val="10004"/>
+                  </a:ext>
+                </a:extLst>
               </a:tr>
               <a:tr h="552091">
                 <a:tc>
@@ -12890,6 +13001,11 @@
                     </a:solidFill>
                   </a:tcPr>
                 </a:tc>
+                <a:extLst>
+                  <a:ext uri="{0D108BD9-81ED-4DB2-BD59-A6C34878D82A}">
+                    <a16:rowId xmlns:a16="http://schemas.microsoft.com/office/drawing/2014/main" val="10005"/>
+                  </a:ext>
+                </a:extLst>
               </a:tr>
               <a:tr h="552091">
                 <a:tc>
@@ -12905,16 +13021,7 @@
                           </a:solidFill>
                           <a:latin typeface="Calibri"/>
                         </a:rPr>
-                        <a:t> </a:t>
-                      </a:r>
-                      <a:r>
-                        <a:rPr lang="en-US" sz="1200" b="0" i="0" u="none" strike="noStrike" baseline="0" dirty="0" smtClean="0">
-                          <a:solidFill>
-                            <a:srgbClr val="000000"/>
-                          </a:solidFill>
-                          <a:latin typeface="Calibri"/>
-                        </a:rPr>
-                        <a:t>    r</a:t>
+                        <a:t>     r</a:t>
                       </a:r>
                       <a:endParaRPr lang="en-US" sz="1200" b="0" i="0" u="none" strike="noStrike" dirty="0">
                         <a:solidFill>
@@ -13194,6 +13301,11 @@
                     </a:solidFill>
                   </a:tcPr>
                 </a:tc>
+                <a:extLst>
+                  <a:ext uri="{0D108BD9-81ED-4DB2-BD59-A6C34878D82A}">
+                    <a16:rowId xmlns:a16="http://schemas.microsoft.com/office/drawing/2014/main" val="10006"/>
+                  </a:ext>
+                </a:extLst>
               </a:tr>
             </a:tbl>
           </a:graphicData>
@@ -13270,18 +13382,9 @@
           <a:lstStyle/>
           <a:p>
             <a:r>
-              <a:rPr lang="en-US" dirty="0" smtClean="0"/>
-              <a:t>Table. </a:t>
+              <a:rPr lang="en-US" dirty="0"/>
+              <a:t>Table. 3. Classification Results</a:t>
             </a:r>
-            <a:r>
-              <a:rPr lang="en-US" dirty="0" smtClean="0"/>
-              <a:t>3. </a:t>
-            </a:r>
-            <a:r>
-              <a:rPr lang="en-US" dirty="0" smtClean="0"/>
-              <a:t>Classification Results</a:t>
-            </a:r>
-            <a:endParaRPr lang="en-US" dirty="0"/>
           </a:p>
         </p:txBody>
       </p:sp>
@@ -13290,13 +13393,6 @@
   <p:clrMapOvr>
     <a:masterClrMapping/>
   </p:clrMapOvr>
-  <p:timing>
-    <p:tnLst>
-      <p:par>
-        <p:cTn id="1" dur="indefinite" restart="never" nodeType="tmRoot"/>
-      </p:par>
-    </p:tnLst>
-  </p:timing>
 </p:sld>
 </file>
 
@@ -13317,30 +13413,259 @@
           <a:chExt cx="0" cy="0"/>
         </a:xfrm>
       </p:grpSpPr>
-      <p:sp>
-        <p:nvSpPr>
-          <p:cNvPr id="3" name="Content Placeholder 2"/>
-          <p:cNvSpPr>
-            <a:spLocks noGrp="1"/>
-          </p:cNvSpPr>
+      <p:graphicFrame>
+        <p:nvGraphicFramePr>
+          <p:cNvPr id="10" name="Table 10">
+            <a:extLst>
+              <a:ext uri="{FF2B5EF4-FFF2-40B4-BE49-F238E27FC236}">
+                <a16:creationId xmlns:a16="http://schemas.microsoft.com/office/drawing/2014/main" id="{F5B6D251-D986-4C0E-BC78-0D7DC26554E9}"/>
+              </a:ext>
+            </a:extLst>
+          </p:cNvPr>
+          <p:cNvGraphicFramePr>
+            <a:graphicFrameLocks noGrp="1"/>
+          </p:cNvGraphicFramePr>
           <p:nvPr>
             <p:ph idx="1"/>
+            <p:extLst>
+              <p:ext uri="{D42A27DB-BD31-4B8C-83A1-F6EECF244321}">
+                <p14:modId xmlns:p14="http://schemas.microsoft.com/office/powerpoint/2010/main" val="3831872467"/>
+              </p:ext>
+            </p:extLst>
           </p:nvPr>
-        </p:nvSpPr>
-        <p:spPr>
-          <a:xfrm>
-            <a:off x="838200" y="1268083"/>
-            <a:ext cx="10515600" cy="4908880"/>
-          </a:xfrm>
-        </p:spPr>
-        <p:txBody>
-          <a:bodyPr/>
-          <a:lstStyle/>
-          <a:p>
-            <a:endParaRPr lang="en-US" dirty="0"/>
-          </a:p>
-        </p:txBody>
-      </p:sp>
+        </p:nvGraphicFramePr>
+        <p:xfrm>
+          <a:off x="838200" y="1825625"/>
+          <a:ext cx="10515597" cy="1483360"/>
+        </p:xfrm>
+        <a:graphic>
+          <a:graphicData uri="http://schemas.openxmlformats.org/drawingml/2006/table">
+            <a:tbl>
+              <a:tblPr firstRow="1" bandRow="1">
+                <a:tableStyleId>{5C22544A-7EE6-4342-B048-85BDC9FD1C3A}</a:tableStyleId>
+              </a:tblPr>
+              <a:tblGrid>
+                <a:gridCol w="1239175">
+                  <a:extLst>
+                    <a:ext uri="{9D8B030D-6E8A-4147-A177-3AD203B41FA5}">
+                      <a16:colId xmlns:a16="http://schemas.microsoft.com/office/drawing/2014/main" val="4269515327"/>
+                    </a:ext>
+                  </a:extLst>
+                </a:gridCol>
+                <a:gridCol w="6542842">
+                  <a:extLst>
+                    <a:ext uri="{9D8B030D-6E8A-4147-A177-3AD203B41FA5}">
+                      <a16:colId xmlns:a16="http://schemas.microsoft.com/office/drawing/2014/main" val="957380915"/>
+                    </a:ext>
+                  </a:extLst>
+                </a:gridCol>
+                <a:gridCol w="2733580">
+                  <a:extLst>
+                    <a:ext uri="{9D8B030D-6E8A-4147-A177-3AD203B41FA5}">
+                      <a16:colId xmlns:a16="http://schemas.microsoft.com/office/drawing/2014/main" val="4283407092"/>
+                    </a:ext>
+                  </a:extLst>
+                </a:gridCol>
+              </a:tblGrid>
+              <a:tr h="370840">
+                <a:tc>
+                  <a:txBody>
+                    <a:bodyPr/>
+                    <a:lstStyle/>
+                    <a:p>
+                      <a:r>
+                        <a:rPr lang="en-US" dirty="0"/>
+                        <a:t>S. No</a:t>
+                      </a:r>
+                      <a:endParaRPr lang="en-IN" dirty="0"/>
+                    </a:p>
+                  </a:txBody>
+                  <a:tcPr/>
+                </a:tc>
+                <a:tc>
+                  <a:txBody>
+                    <a:bodyPr/>
+                    <a:lstStyle/>
+                    <a:p>
+                      <a:r>
+                        <a:rPr lang="en-US" dirty="0"/>
+                        <a:t>Work</a:t>
+                      </a:r>
+                      <a:endParaRPr lang="en-IN" dirty="0"/>
+                    </a:p>
+                  </a:txBody>
+                  <a:tcPr/>
+                </a:tc>
+                <a:tc>
+                  <a:txBody>
+                    <a:bodyPr/>
+                    <a:lstStyle/>
+                    <a:p>
+                      <a:r>
+                        <a:rPr lang="en-US" dirty="0"/>
+                        <a:t>Number of weeks</a:t>
+                      </a:r>
+                      <a:endParaRPr lang="en-IN" dirty="0"/>
+                    </a:p>
+                  </a:txBody>
+                  <a:tcPr/>
+                </a:tc>
+                <a:extLst>
+                  <a:ext uri="{0D108BD9-81ED-4DB2-BD59-A6C34878D82A}">
+                    <a16:rowId xmlns:a16="http://schemas.microsoft.com/office/drawing/2014/main" val="1477663049"/>
+                  </a:ext>
+                </a:extLst>
+              </a:tr>
+              <a:tr h="370840">
+                <a:tc>
+                  <a:txBody>
+                    <a:bodyPr/>
+                    <a:lstStyle/>
+                    <a:p>
+                      <a:r>
+                        <a:rPr lang="en-US" dirty="0"/>
+                        <a:t>1</a:t>
+                      </a:r>
+                      <a:endParaRPr lang="en-IN" dirty="0"/>
+                    </a:p>
+                  </a:txBody>
+                  <a:tcPr/>
+                </a:tc>
+                <a:tc>
+                  <a:txBody>
+                    <a:bodyPr/>
+                    <a:lstStyle/>
+                    <a:p>
+                      <a:r>
+                        <a:rPr lang="en-US" dirty="0"/>
+                        <a:t>Training other deep networks</a:t>
+                      </a:r>
+                    </a:p>
+                  </a:txBody>
+                  <a:tcPr/>
+                </a:tc>
+                <a:tc>
+                  <a:txBody>
+                    <a:bodyPr/>
+                    <a:lstStyle/>
+                    <a:p>
+                      <a:r>
+                        <a:rPr lang="en-US" dirty="0"/>
+                        <a:t>4</a:t>
+                      </a:r>
+                      <a:endParaRPr lang="en-IN" dirty="0"/>
+                    </a:p>
+                  </a:txBody>
+                  <a:tcPr/>
+                </a:tc>
+                <a:extLst>
+                  <a:ext uri="{0D108BD9-81ED-4DB2-BD59-A6C34878D82A}">
+                    <a16:rowId xmlns:a16="http://schemas.microsoft.com/office/drawing/2014/main" val="989975212"/>
+                  </a:ext>
+                </a:extLst>
+              </a:tr>
+              <a:tr h="370840">
+                <a:tc>
+                  <a:txBody>
+                    <a:bodyPr/>
+                    <a:lstStyle/>
+                    <a:p>
+                      <a:r>
+                        <a:rPr lang="en-US" dirty="0"/>
+                        <a:t>2</a:t>
+                      </a:r>
+                      <a:endParaRPr lang="en-IN" dirty="0"/>
+                    </a:p>
+                  </a:txBody>
+                  <a:tcPr/>
+                </a:tc>
+                <a:tc>
+                  <a:txBody>
+                    <a:bodyPr/>
+                    <a:lstStyle/>
+                    <a:p>
+                      <a:r>
+                        <a:rPr lang="en-US" dirty="0"/>
+                        <a:t>Validation of results</a:t>
+                      </a:r>
+                      <a:endParaRPr lang="en-IN" dirty="0"/>
+                    </a:p>
+                  </a:txBody>
+                  <a:tcPr/>
+                </a:tc>
+                <a:tc>
+                  <a:txBody>
+                    <a:bodyPr/>
+                    <a:lstStyle/>
+                    <a:p>
+                      <a:r>
+                        <a:rPr lang="en-US" dirty="0"/>
+                        <a:t>2</a:t>
+                      </a:r>
+                      <a:endParaRPr lang="en-IN" dirty="0"/>
+                    </a:p>
+                  </a:txBody>
+                  <a:tcPr/>
+                </a:tc>
+                <a:extLst>
+                  <a:ext uri="{0D108BD9-81ED-4DB2-BD59-A6C34878D82A}">
+                    <a16:rowId xmlns:a16="http://schemas.microsoft.com/office/drawing/2014/main" val="3420601962"/>
+                  </a:ext>
+                </a:extLst>
+              </a:tr>
+              <a:tr h="370840">
+                <a:tc>
+                  <a:txBody>
+                    <a:bodyPr/>
+                    <a:lstStyle/>
+                    <a:p>
+                      <a:r>
+                        <a:rPr lang="en-US" dirty="0"/>
+                        <a:t>3</a:t>
+                      </a:r>
+                      <a:endParaRPr lang="en-IN" dirty="0"/>
+                    </a:p>
+                  </a:txBody>
+                  <a:tcPr/>
+                </a:tc>
+                <a:tc>
+                  <a:txBody>
+                    <a:bodyPr/>
+                    <a:lstStyle/>
+                    <a:p>
+                      <a:r>
+                        <a:rPr lang="en-US" dirty="0"/>
+                        <a:t>Thesis submission</a:t>
+                      </a:r>
+                      <a:endParaRPr lang="en-IN" dirty="0"/>
+                    </a:p>
+                  </a:txBody>
+                  <a:tcPr/>
+                </a:tc>
+                <a:tc>
+                  <a:txBody>
+                    <a:bodyPr/>
+                    <a:lstStyle/>
+                    <a:p>
+                      <a:r>
+                        <a:rPr lang="en-US" dirty="0"/>
+                        <a:t>2</a:t>
+                      </a:r>
+                      <a:endParaRPr lang="en-IN" dirty="0"/>
+                    </a:p>
+                  </a:txBody>
+                  <a:tcPr/>
+                </a:tc>
+                <a:extLst>
+                  <a:ext uri="{0D108BD9-81ED-4DB2-BD59-A6C34878D82A}">
+                    <a16:rowId xmlns:a16="http://schemas.microsoft.com/office/drawing/2014/main" val="3080814889"/>
+                  </a:ext>
+                </a:extLst>
+              </a:tr>
+            </a:tbl>
+          </a:graphicData>
+        </a:graphic>
+      </p:graphicFrame>
       <p:sp>
         <p:nvSpPr>
           <p:cNvPr id="4" name="Date Placeholder 3"/>
@@ -13394,7 +13719,7 @@
           <p:cNvPr id="6" name="TextBox 5">
             <a:extLst>
               <a:ext uri="{FF2B5EF4-FFF2-40B4-BE49-F238E27FC236}">
-                <a16:creationId xmlns:a16="http://schemas.microsoft.com/office/drawing/2014/main" xmlns="" id="{74347C76-4F23-44C2-8A76-7BCB3209A5F3}"/>
+                <a16:creationId xmlns:a16="http://schemas.microsoft.com/office/drawing/2014/main" id="{74347C76-4F23-44C2-8A76-7BCB3209A5F3}"/>
               </a:ext>
             </a:extLst>
           </p:cNvPr>
@@ -13419,18 +13744,13 @@
           <a:p>
             <a:pPr algn="ctr"/>
             <a:r>
-              <a:rPr lang="en-IN" sz="3200" b="1" u="sng" dirty="0" smtClean="0">
+              <a:rPr lang="en-IN" sz="3200" b="1" u="sng" dirty="0">
                 <a:solidFill>
                   <a:srgbClr val="FF0000"/>
                 </a:solidFill>
               </a:rPr>
               <a:t>Project Time line</a:t>
             </a:r>
-            <a:endParaRPr lang="en-IN" sz="3200" b="1" u="sng" dirty="0">
-              <a:solidFill>
-                <a:srgbClr val="FF0000"/>
-              </a:solidFill>
-            </a:endParaRPr>
           </a:p>
         </p:txBody>
       </p:sp>
@@ -13480,15 +13800,39 @@
           <a:lstStyle/>
           <a:p>
             <a:pPr algn="just">
-              <a:buNone/>
+              <a:buFont typeface="Wingdings" pitchFamily="2" charset="2"/>
+              <a:buChar char="Ø"/>
             </a:pPr>
-            <a:endParaRPr lang="en-US" dirty="0" smtClean="0"/>
+            <a:r>
+              <a:rPr lang="en-US" dirty="0"/>
+              <a:t>Power System reliability gets improved</a:t>
+            </a:r>
+          </a:p>
+          <a:p>
+            <a:pPr algn="just">
+              <a:buFont typeface="Wingdings" pitchFamily="2" charset="2"/>
+              <a:buChar char="Ø"/>
+            </a:pPr>
+            <a:r>
+              <a:rPr lang="en-US" dirty="0"/>
+              <a:t>Power System Stability gets improved</a:t>
+            </a:r>
+          </a:p>
+          <a:p>
+            <a:pPr algn="just">
+              <a:buFont typeface="Wingdings" pitchFamily="2" charset="2"/>
+              <a:buChar char="Ø"/>
+            </a:pPr>
+            <a:r>
+              <a:rPr lang="en-US" dirty="0"/>
+              <a:t>Accurate real-time fault classification can support superior grid operation by reducing the likelihood of relay operations on non-faulted phases</a:t>
+            </a:r>
           </a:p>
           <a:p>
             <a:pPr algn="just">
               <a:buNone/>
             </a:pPr>
-            <a:endParaRPr lang="en-US" dirty="0" smtClean="0"/>
+            <a:endParaRPr lang="en-US" dirty="0"/>
           </a:p>
         </p:txBody>
       </p:sp>
@@ -13545,7 +13889,7 @@
           <p:cNvPr id="6" name="TextBox 5">
             <a:extLst>
               <a:ext uri="{FF2B5EF4-FFF2-40B4-BE49-F238E27FC236}">
-                <a16:creationId xmlns:a16="http://schemas.microsoft.com/office/drawing/2014/main" xmlns="" id="{74347C76-4F23-44C2-8A76-7BCB3209A5F3}"/>
+                <a16:creationId xmlns:a16="http://schemas.microsoft.com/office/drawing/2014/main" id="{74347C76-4F23-44C2-8A76-7BCB3209A5F3}"/>
               </a:ext>
             </a:extLst>
           </p:cNvPr>
@@ -13570,38 +13914,26 @@
           <a:p>
             <a:pPr algn="ctr"/>
             <a:r>
-              <a:rPr lang="en-IN" sz="3200" b="1" u="sng" dirty="0" smtClean="0">
+              <a:rPr lang="en-IN" sz="3200" b="1" u="sng" dirty="0">
                 <a:solidFill>
                   <a:srgbClr val="FF0000"/>
                 </a:solidFill>
               </a:rPr>
-              <a:t>Project Time line</a:t>
+              <a:t>Advantages</a:t>
             </a:r>
-            <a:endParaRPr lang="en-IN" sz="3200" b="1" u="sng" dirty="0">
-              <a:solidFill>
-                <a:srgbClr val="FF0000"/>
-              </a:solidFill>
-            </a:endParaRPr>
           </a:p>
         </p:txBody>
       </p:sp>
     </p:spTree>
     <p:extLst>
       <p:ext uri="{BB962C8B-B14F-4D97-AF65-F5344CB8AC3E}">
-        <p14:creationId xmlns:p14="http://schemas.microsoft.com/office/powerpoint/2010/main" xmlns="" val="1906710318"/>
+        <p14:creationId xmlns:p14="http://schemas.microsoft.com/office/powerpoint/2010/main" val="1906710318"/>
       </p:ext>
     </p:extLst>
   </p:cSld>
   <p:clrMapOvr>
     <a:masterClrMapping/>
   </p:clrMapOvr>
-  <p:timing>
-    <p:tnLst>
-      <p:par>
-        <p:cTn id="1" dur="indefinite" restart="never" nodeType="tmRoot"/>
-      </p:par>
-    </p:tnLst>
-  </p:timing>
 </p:sld>
 </file>
 
@@ -13624,205 +13956,10 @@
       </p:grpSpPr>
       <p:sp>
         <p:nvSpPr>
-          <p:cNvPr id="3" name="Content Placeholder 2"/>
-          <p:cNvSpPr>
-            <a:spLocks noGrp="1"/>
-          </p:cNvSpPr>
-          <p:nvPr>
-            <p:ph idx="1"/>
-          </p:nvPr>
-        </p:nvSpPr>
-        <p:spPr>
-          <a:xfrm>
-            <a:off x="838200" y="1154097"/>
-            <a:ext cx="10515600" cy="5022866"/>
-          </a:xfrm>
-        </p:spPr>
-        <p:txBody>
-          <a:bodyPr/>
-          <a:lstStyle/>
-          <a:p>
-            <a:pPr algn="just">
-              <a:buFont typeface="Wingdings" pitchFamily="2" charset="2"/>
-              <a:buChar char="Ø"/>
-            </a:pPr>
-            <a:r>
-              <a:rPr lang="en-US" dirty="0" smtClean="0"/>
-              <a:t>Power System reliability gets improved</a:t>
-            </a:r>
-          </a:p>
-          <a:p>
-            <a:pPr algn="just">
-              <a:buFont typeface="Wingdings" pitchFamily="2" charset="2"/>
-              <a:buChar char="Ø"/>
-            </a:pPr>
-            <a:r>
-              <a:rPr lang="en-US" dirty="0" smtClean="0"/>
-              <a:t>Power System</a:t>
-            </a:r>
-            <a:r>
-              <a:rPr lang="en-US" dirty="0" smtClean="0"/>
-              <a:t> Stability gets improved</a:t>
-            </a:r>
-          </a:p>
-          <a:p>
-            <a:pPr algn="just">
-              <a:buFont typeface="Wingdings" pitchFamily="2" charset="2"/>
-              <a:buChar char="Ø"/>
-            </a:pPr>
-            <a:r>
-              <a:rPr lang="en-US" dirty="0" smtClean="0"/>
-              <a:t>Accurate </a:t>
-            </a:r>
-            <a:r>
-              <a:rPr lang="en-US" dirty="0" smtClean="0"/>
-              <a:t>real-time fault classification can support superior grid operation by reducing the likelihood of relay operations on non-faulted phases</a:t>
-            </a:r>
-          </a:p>
-          <a:p>
-            <a:pPr algn="just">
-              <a:buNone/>
-            </a:pPr>
-            <a:endParaRPr lang="en-US" dirty="0" smtClean="0"/>
-          </a:p>
-        </p:txBody>
-      </p:sp>
-      <p:sp>
-        <p:nvSpPr>
-          <p:cNvPr id="4" name="Date Placeholder 3"/>
-          <p:cNvSpPr>
-            <a:spLocks noGrp="1"/>
-          </p:cNvSpPr>
-          <p:nvPr>
-            <p:ph type="dt" sz="half" idx="10"/>
-          </p:nvPr>
-        </p:nvSpPr>
-        <p:spPr/>
-        <p:txBody>
-          <a:bodyPr/>
-          <a:lstStyle/>
-          <a:p>
-            <a:fld id="{7E3FDB0B-B014-4C47-949F-40696701F18D}" type="datetime1">
-              <a:rPr lang="en-US" smtClean="0"/>
-              <a:pPr/>
-              <a:t>2/10/2020</a:t>
-            </a:fld>
-            <a:endParaRPr lang="en-US"/>
-          </a:p>
-        </p:txBody>
-      </p:sp>
-      <p:sp>
-        <p:nvSpPr>
-          <p:cNvPr id="5" name="Slide Number Placeholder 4"/>
-          <p:cNvSpPr>
-            <a:spLocks noGrp="1"/>
-          </p:cNvSpPr>
-          <p:nvPr>
-            <p:ph type="sldNum" sz="quarter" idx="12"/>
-          </p:nvPr>
-        </p:nvSpPr>
-        <p:spPr/>
-        <p:txBody>
-          <a:bodyPr/>
-          <a:lstStyle/>
-          <a:p>
-            <a:fld id="{330EA680-D336-4FF7-8B7A-9848BB0A1C32}" type="slidenum">
-              <a:rPr lang="en-US" smtClean="0"/>
-              <a:pPr/>
-              <a:t>13</a:t>
-            </a:fld>
-            <a:endParaRPr lang="en-US"/>
-          </a:p>
-        </p:txBody>
-      </p:sp>
-      <p:sp>
-        <p:nvSpPr>
-          <p:cNvPr id="6" name="TextBox 5">
-            <a:extLst>
-              <a:ext uri="{FF2B5EF4-FFF2-40B4-BE49-F238E27FC236}">
-                <a16:creationId xmlns:a16="http://schemas.microsoft.com/office/drawing/2014/main" xmlns="" id="{74347C76-4F23-44C2-8A76-7BCB3209A5F3}"/>
-              </a:ext>
-            </a:extLst>
-          </p:cNvPr>
-          <p:cNvSpPr txBox="1"/>
-          <p:nvPr/>
-        </p:nvSpPr>
-        <p:spPr>
-          <a:xfrm>
-            <a:off x="838200" y="347987"/>
-            <a:ext cx="10622872" cy="584775"/>
-          </a:xfrm>
-          <a:prstGeom prst="rect">
-            <a:avLst/>
-          </a:prstGeom>
-          <a:noFill/>
-        </p:spPr>
-        <p:txBody>
-          <a:bodyPr wrap="square" rtlCol="0">
-            <a:spAutoFit/>
-          </a:bodyPr>
-          <a:lstStyle/>
-          <a:p>
-            <a:pPr algn="ctr"/>
-            <a:r>
-              <a:rPr lang="en-IN" sz="3200" b="1" u="sng" dirty="0" smtClean="0">
-                <a:solidFill>
-                  <a:srgbClr val="FF0000"/>
-                </a:solidFill>
-              </a:rPr>
-              <a:t>Advantages</a:t>
-            </a:r>
-            <a:endParaRPr lang="en-IN" sz="3200" b="1" u="sng" dirty="0">
-              <a:solidFill>
-                <a:srgbClr val="FF0000"/>
-              </a:solidFill>
-            </a:endParaRPr>
-          </a:p>
-        </p:txBody>
-      </p:sp>
-    </p:spTree>
-    <p:extLst>
-      <p:ext uri="{BB962C8B-B14F-4D97-AF65-F5344CB8AC3E}">
-        <p14:creationId xmlns:p14="http://schemas.microsoft.com/office/powerpoint/2010/main" xmlns="" val="1906710318"/>
-      </p:ext>
-    </p:extLst>
-  </p:cSld>
-  <p:clrMapOvr>
-    <a:masterClrMapping/>
-  </p:clrMapOvr>
-  <p:timing>
-    <p:tnLst>
-      <p:par>
-        <p:cTn id="1" dur="indefinite" restart="never" nodeType="tmRoot"/>
-      </p:par>
-    </p:tnLst>
-  </p:timing>
-</p:sld>
-</file>
-
-<file path=ppt/slides/slide14.xml><?xml version="1.0" encoding="utf-8"?>
-<p:sld xmlns:a="http://schemas.openxmlformats.org/drawingml/2006/main" xmlns:r="http://schemas.openxmlformats.org/officeDocument/2006/relationships" xmlns:p="http://schemas.openxmlformats.org/presentationml/2006/main">
-  <p:cSld>
-    <p:spTree>
-      <p:nvGrpSpPr>
-        <p:cNvPr id="1" name=""/>
-        <p:cNvGrpSpPr/>
-        <p:nvPr/>
-      </p:nvGrpSpPr>
-      <p:grpSpPr>
-        <a:xfrm>
-          <a:off x="0" y="0"/>
-          <a:ext cx="0" cy="0"/>
-          <a:chOff x="0" y="0"/>
-          <a:chExt cx="0" cy="0"/>
-        </a:xfrm>
-      </p:grpSpPr>
-      <p:sp>
-        <p:nvSpPr>
           <p:cNvPr id="3" name="Content Placeholder 2">
             <a:extLst>
               <a:ext uri="{FF2B5EF4-FFF2-40B4-BE49-F238E27FC236}">
-                <a16:creationId xmlns:a16="http://schemas.microsoft.com/office/drawing/2014/main" xmlns="" id="{A5CF9C68-F8E1-43F4-BDDF-866429EC9D1E}"/>
+                <a16:creationId xmlns:a16="http://schemas.microsoft.com/office/drawing/2014/main" id="{A5CF9C68-F8E1-43F4-BDDF-866429EC9D1E}"/>
               </a:ext>
             </a:extLst>
           </p:cNvPr>
@@ -13847,22 +13984,9 @@
               <a:buNone/>
             </a:pPr>
             <a:r>
-              <a:rPr lang="en-US" dirty="0" smtClean="0"/>
-              <a:t>Recurrent Neural Network is </a:t>
+              <a:rPr lang="en-US" dirty="0"/>
+              <a:t>Recurrent Neural Network is exercised by varying the hidden layers. We will try to simulate more number of faults and the results will be updated.</a:t>
             </a:r>
-            <a:r>
-              <a:rPr lang="en-US" dirty="0" smtClean="0"/>
-              <a:t>exercised</a:t>
-            </a:r>
-            <a:r>
-              <a:rPr lang="en-US" dirty="0" smtClean="0"/>
-              <a:t> </a:t>
-            </a:r>
-            <a:r>
-              <a:rPr lang="en-US" dirty="0" smtClean="0"/>
-              <a:t>by varying the hidden layers. The classification performance is good with 5 hidden layers. We will try to simulate more number of faults and the results will be updated.</a:t>
-            </a:r>
-            <a:endParaRPr lang="en-US" dirty="0"/>
           </a:p>
         </p:txBody>
       </p:sp>
@@ -13871,7 +13995,7 @@
           <p:cNvPr id="4" name="Date Placeholder 3">
             <a:extLst>
               <a:ext uri="{FF2B5EF4-FFF2-40B4-BE49-F238E27FC236}">
-                <a16:creationId xmlns:a16="http://schemas.microsoft.com/office/drawing/2014/main" xmlns="" id="{D76066D8-4017-49D3-A74C-39BDED6144EB}"/>
+                <a16:creationId xmlns:a16="http://schemas.microsoft.com/office/drawing/2014/main" id="{D76066D8-4017-49D3-A74C-39BDED6144EB}"/>
               </a:ext>
             </a:extLst>
           </p:cNvPr>
@@ -13901,7 +14025,7 @@
           <p:cNvPr id="5" name="Slide Number Placeholder 4">
             <a:extLst>
               <a:ext uri="{FF2B5EF4-FFF2-40B4-BE49-F238E27FC236}">
-                <a16:creationId xmlns:a16="http://schemas.microsoft.com/office/drawing/2014/main" xmlns="" id="{114D5F59-C1E5-4B1A-BA66-70D0B6F715EE}"/>
+                <a16:creationId xmlns:a16="http://schemas.microsoft.com/office/drawing/2014/main" id="{114D5F59-C1E5-4B1A-BA66-70D0B6F715EE}"/>
               </a:ext>
             </a:extLst>
           </p:cNvPr>
@@ -13920,7 +14044,7 @@
             <a:fld id="{330EA680-D336-4FF7-8B7A-9848BB0A1C32}" type="slidenum">
               <a:rPr lang="en-US" smtClean="0"/>
               <a:pPr/>
-              <a:t>14</a:t>
+              <a:t>13</a:t>
             </a:fld>
             <a:endParaRPr lang="en-US"/>
           </a:p>
@@ -13931,7 +14055,7 @@
           <p:cNvPr id="6" name="TextBox 5">
             <a:extLst>
               <a:ext uri="{FF2B5EF4-FFF2-40B4-BE49-F238E27FC236}">
-                <a16:creationId xmlns:a16="http://schemas.microsoft.com/office/drawing/2014/main" xmlns="" id="{B6C99EC1-F94B-44CB-A3E1-D211B377218D}"/>
+                <a16:creationId xmlns:a16="http://schemas.microsoft.com/office/drawing/2014/main" id="{B6C99EC1-F94B-44CB-A3E1-D211B377218D}"/>
               </a:ext>
             </a:extLst>
           </p:cNvPr>
@@ -13969,24 +14093,17 @@
     </p:spTree>
     <p:extLst>
       <p:ext uri="{BB962C8B-B14F-4D97-AF65-F5344CB8AC3E}">
-        <p14:creationId xmlns:p14="http://schemas.microsoft.com/office/powerpoint/2010/main" xmlns="" val="4028563155"/>
+        <p14:creationId xmlns:p14="http://schemas.microsoft.com/office/powerpoint/2010/main" val="4028563155"/>
       </p:ext>
     </p:extLst>
   </p:cSld>
   <p:clrMapOvr>
     <a:masterClrMapping/>
   </p:clrMapOvr>
-  <p:timing>
-    <p:tnLst>
-      <p:par>
-        <p:cTn id="1" dur="indefinite" restart="never" nodeType="tmRoot"/>
-      </p:par>
-    </p:tnLst>
-  </p:timing>
 </p:sld>
 </file>
 
-<file path=ppt/slides/slide15.xml><?xml version="1.0" encoding="utf-8"?>
+<file path=ppt/slides/slide14.xml><?xml version="1.0" encoding="utf-8"?>
 <p:sld xmlns:a="http://schemas.openxmlformats.org/drawingml/2006/main" xmlns:r="http://schemas.openxmlformats.org/officeDocument/2006/relationships" xmlns:p="http://schemas.openxmlformats.org/presentationml/2006/main">
   <p:cSld>
     <p:spTree>
@@ -14008,7 +14125,7 @@
           <p:cNvPr id="4" name="TextBox 3">
             <a:extLst>
               <a:ext uri="{FF2B5EF4-FFF2-40B4-BE49-F238E27FC236}">
-                <a16:creationId xmlns:a16="http://schemas.microsoft.com/office/drawing/2014/main" xmlns="" id="{C4BB6DEF-F39C-40B0-B60B-2E342DDF5922}"/>
+                <a16:creationId xmlns:a16="http://schemas.microsoft.com/office/drawing/2014/main" id="{C4BB6DEF-F39C-40B0-B60B-2E342DDF5922}"/>
               </a:ext>
             </a:extLst>
           </p:cNvPr>
@@ -14048,7 +14165,7 @@
           <p:cNvPr id="3" name="Date Placeholder 2">
             <a:extLst>
               <a:ext uri="{FF2B5EF4-FFF2-40B4-BE49-F238E27FC236}">
-                <a16:creationId xmlns:a16="http://schemas.microsoft.com/office/drawing/2014/main" xmlns="" id="{3000AC7D-C646-4A26-934D-95EC7158415E}"/>
+                <a16:creationId xmlns:a16="http://schemas.microsoft.com/office/drawing/2014/main" id="{3000AC7D-C646-4A26-934D-95EC7158415E}"/>
               </a:ext>
             </a:extLst>
           </p:cNvPr>
@@ -14078,7 +14195,7 @@
           <p:cNvPr id="5" name="Slide Number Placeholder 4">
             <a:extLst>
               <a:ext uri="{FF2B5EF4-FFF2-40B4-BE49-F238E27FC236}">
-                <a16:creationId xmlns:a16="http://schemas.microsoft.com/office/drawing/2014/main" xmlns="" id="{C8B981BA-7AE4-4E6C-9012-F1DBF6F72A23}"/>
+                <a16:creationId xmlns:a16="http://schemas.microsoft.com/office/drawing/2014/main" id="{C8B981BA-7AE4-4E6C-9012-F1DBF6F72A23}"/>
               </a:ext>
             </a:extLst>
           </p:cNvPr>
@@ -14097,7 +14214,7 @@
             <a:fld id="{330EA680-D336-4FF7-8B7A-9848BB0A1C32}" type="slidenum">
               <a:rPr lang="en-US" smtClean="0"/>
               <a:pPr/>
-              <a:t>15</a:t>
+              <a:t>14</a:t>
             </a:fld>
             <a:endParaRPr lang="en-US"/>
           </a:p>
@@ -14108,7 +14225,7 @@
           <p:cNvPr id="6" name="Table 6">
             <a:extLst>
               <a:ext uri="{FF2B5EF4-FFF2-40B4-BE49-F238E27FC236}">
-                <a16:creationId xmlns:a16="http://schemas.microsoft.com/office/drawing/2014/main" xmlns="" id="{AC9E14EC-3F02-449A-AD8E-DE30BE95F792}"/>
+                <a16:creationId xmlns:a16="http://schemas.microsoft.com/office/drawing/2014/main" id="{AC9E14EC-3F02-449A-AD8E-DE30BE95F792}"/>
               </a:ext>
             </a:extLst>
           </p:cNvPr>
@@ -14118,14 +14235,14 @@
           <p:nvPr>
             <p:extLst>
               <p:ext uri="{D42A27DB-BD31-4B8C-83A1-F6EECF244321}">
-                <p14:modId xmlns:p14="http://schemas.microsoft.com/office/powerpoint/2010/main" xmlns="" val="893868250"/>
+                <p14:modId xmlns:p14="http://schemas.microsoft.com/office/powerpoint/2010/main" val="893868250"/>
               </p:ext>
             </p:extLst>
           </p:nvPr>
         </p:nvGraphicFramePr>
         <p:xfrm>
           <a:off x="843378" y="870017"/>
-          <a:ext cx="10510421" cy="5635650"/>
+          <a:ext cx="10510421" cy="5590375"/>
         </p:xfrm>
         <a:graphic>
           <a:graphicData uri="http://schemas.openxmlformats.org/drawingml/2006/table">
@@ -14137,14 +14254,14 @@
                 <a:gridCol w="661800">
                   <a:extLst>
                     <a:ext uri="{9D8B030D-6E8A-4147-A177-3AD203B41FA5}">
-                      <a16:colId xmlns:a16="http://schemas.microsoft.com/office/drawing/2014/main" xmlns="" val="3448325611"/>
+                      <a16:colId xmlns:a16="http://schemas.microsoft.com/office/drawing/2014/main" val="3448325611"/>
                     </a:ext>
                   </a:extLst>
                 </a:gridCol>
                 <a:gridCol w="9848621">
                   <a:extLst>
                     <a:ext uri="{9D8B030D-6E8A-4147-A177-3AD203B41FA5}">
-                      <a16:colId xmlns:a16="http://schemas.microsoft.com/office/drawing/2014/main" xmlns="" val="393581948"/>
+                      <a16:colId xmlns:a16="http://schemas.microsoft.com/office/drawing/2014/main" val="393581948"/>
                     </a:ext>
                   </a:extLst>
                 </a:gridCol>
@@ -14314,18 +14431,7 @@
                           <a:ea typeface="Times New Roman"/>
                           <a:cs typeface="Times New Roman" pitchFamily="18" charset="0"/>
                         </a:rPr>
-                        <a:t>, vol. 9, no. 3, pp. 1748-1758, May 2018</a:t>
-                      </a:r>
-                      <a:r>
-                        <a:rPr lang="en-US" sz="1800" dirty="0" smtClean="0">
-                          <a:solidFill>
-                            <a:srgbClr val="000000"/>
-                          </a:solidFill>
-                          <a:latin typeface="Times New Roman" pitchFamily="18" charset="0"/>
-                          <a:ea typeface="Times New Roman"/>
-                          <a:cs typeface="Times New Roman" pitchFamily="18" charset="0"/>
-                        </a:rPr>
-                        <a:t>.</a:t>
+                        <a:t>, vol. 9, no. 3, pp. 1748-1758, May 2018.</a:t>
                       </a:r>
                       <a:endParaRPr lang="en-US" sz="1800" dirty="0">
                         <a:latin typeface="Times New Roman" pitchFamily="18" charset="0"/>
@@ -14375,7 +14481,7 @@
                 </a:tc>
                 <a:extLst>
                   <a:ext uri="{0D108BD9-81ED-4DB2-BD59-A6C34878D82A}">
-                    <a16:rowId xmlns:a16="http://schemas.microsoft.com/office/drawing/2014/main" xmlns="" val="2982736879"/>
+                    <a16:rowId xmlns:a16="http://schemas.microsoft.com/office/drawing/2014/main" val="2982736879"/>
                   </a:ext>
                 </a:extLst>
               </a:tr>
@@ -14500,18 +14606,7 @@
                           <a:ea typeface="Times New Roman"/>
                           <a:cs typeface="Times New Roman" pitchFamily="18" charset="0"/>
                         </a:rPr>
-                        <a:t>, vol. 10, no. 4, pp. 4673-4682, July 2019</a:t>
-                      </a:r>
-                      <a:r>
-                        <a:rPr lang="en-US" sz="1800" dirty="0" smtClean="0">
-                          <a:solidFill>
-                            <a:srgbClr val="000000"/>
-                          </a:solidFill>
-                          <a:latin typeface="Times New Roman" pitchFamily="18" charset="0"/>
-                          <a:ea typeface="Times New Roman"/>
-                          <a:cs typeface="Times New Roman" pitchFamily="18" charset="0"/>
-                        </a:rPr>
-                        <a:t>.</a:t>
+                        <a:t>, vol. 10, no. 4, pp. 4673-4682, July 2019.</a:t>
                       </a:r>
                       <a:endParaRPr lang="en-US" sz="1800" dirty="0">
                         <a:latin typeface="Times New Roman" pitchFamily="18" charset="0"/>
@@ -14561,7 +14656,7 @@
                 </a:tc>
                 <a:extLst>
                   <a:ext uri="{0D108BD9-81ED-4DB2-BD59-A6C34878D82A}">
-                    <a16:rowId xmlns:a16="http://schemas.microsoft.com/office/drawing/2014/main" xmlns="" val="3000277682"/>
+                    <a16:rowId xmlns:a16="http://schemas.microsoft.com/office/drawing/2014/main" val="3000277682"/>
                   </a:ext>
                 </a:extLst>
               </a:tr>
@@ -14730,18 +14825,7 @@
                           <a:ea typeface="Times New Roman"/>
                           <a:cs typeface="Times New Roman"/>
                         </a:rPr>
-                        <a:t>, vol. 34, no. 6, pp. 4640-4651, Nov. 2019</a:t>
-                      </a:r>
-                      <a:r>
-                        <a:rPr lang="en-US" sz="1800" dirty="0" smtClean="0">
-                          <a:solidFill>
-                            <a:srgbClr val="000000"/>
-                          </a:solidFill>
-                          <a:latin typeface="Times New Roman"/>
-                          <a:ea typeface="Times New Roman"/>
-                          <a:cs typeface="Times New Roman"/>
-                        </a:rPr>
-                        <a:t>.</a:t>
+                        <a:t>, vol. 34, no. 6, pp. 4640-4651, Nov. 2019.</a:t>
                       </a:r>
                       <a:endParaRPr lang="en-US" sz="1800" dirty="0">
                         <a:latin typeface="Calibri"/>
@@ -14791,7 +14875,7 @@
                 </a:tc>
                 <a:extLst>
                   <a:ext uri="{0D108BD9-81ED-4DB2-BD59-A6C34878D82A}">
-                    <a16:rowId xmlns:a16="http://schemas.microsoft.com/office/drawing/2014/main" xmlns="" val="1892891298"/>
+                    <a16:rowId xmlns:a16="http://schemas.microsoft.com/office/drawing/2014/main" val="1892891298"/>
                   </a:ext>
                 </a:extLst>
               </a:tr>
@@ -14939,7 +15023,7 @@
                 </a:tc>
                 <a:extLst>
                   <a:ext uri="{0D108BD9-81ED-4DB2-BD59-A6C34878D82A}">
-                    <a16:rowId xmlns:a16="http://schemas.microsoft.com/office/drawing/2014/main" xmlns="" val="548713284"/>
+                    <a16:rowId xmlns:a16="http://schemas.microsoft.com/office/drawing/2014/main" val="548713284"/>
                   </a:ext>
                 </a:extLst>
               </a:tr>
@@ -15183,7 +15267,7 @@
                 </a:tc>
                 <a:extLst>
                   <a:ext uri="{0D108BD9-81ED-4DB2-BD59-A6C34878D82A}">
-                    <a16:rowId xmlns:a16="http://schemas.microsoft.com/office/drawing/2014/main" xmlns="" val="252214642"/>
+                    <a16:rowId xmlns:a16="http://schemas.microsoft.com/office/drawing/2014/main" val="252214642"/>
                   </a:ext>
                 </a:extLst>
               </a:tr>
@@ -15355,7 +15439,7 @@
                 </a:tc>
                 <a:extLst>
                   <a:ext uri="{0D108BD9-81ED-4DB2-BD59-A6C34878D82A}">
-                    <a16:rowId xmlns:a16="http://schemas.microsoft.com/office/drawing/2014/main" xmlns="" val="3489601737"/>
+                    <a16:rowId xmlns:a16="http://schemas.microsoft.com/office/drawing/2014/main" val="3489601737"/>
                   </a:ext>
                 </a:extLst>
               </a:tr>
@@ -15503,7 +15587,7 @@
                 </a:tc>
                 <a:extLst>
                   <a:ext uri="{0D108BD9-81ED-4DB2-BD59-A6C34878D82A}">
-                    <a16:rowId xmlns:a16="http://schemas.microsoft.com/office/drawing/2014/main" xmlns="" val="2688330897"/>
+                    <a16:rowId xmlns:a16="http://schemas.microsoft.com/office/drawing/2014/main" val="2688330897"/>
                   </a:ext>
                 </a:extLst>
               </a:tr>
@@ -15514,24 +15598,17 @@
     </p:spTree>
     <p:extLst>
       <p:ext uri="{BB962C8B-B14F-4D97-AF65-F5344CB8AC3E}">
-        <p14:creationId xmlns:p14="http://schemas.microsoft.com/office/powerpoint/2010/main" xmlns="" val="844048752"/>
+        <p14:creationId xmlns:p14="http://schemas.microsoft.com/office/powerpoint/2010/main" val="844048752"/>
       </p:ext>
     </p:extLst>
   </p:cSld>
   <p:clrMapOvr>
     <a:masterClrMapping/>
   </p:clrMapOvr>
-  <p:timing>
-    <p:tnLst>
-      <p:par>
-        <p:cTn id="1" dur="indefinite" restart="never" nodeType="tmRoot"/>
-      </p:par>
-    </p:tnLst>
-  </p:timing>
 </p:sld>
 </file>
 
-<file path=ppt/slides/slide16.xml><?xml version="1.0" encoding="utf-8"?>
+<file path=ppt/slides/slide15.xml><?xml version="1.0" encoding="utf-8"?>
 <p:sld xmlns:a="http://schemas.openxmlformats.org/drawingml/2006/main" xmlns:r="http://schemas.openxmlformats.org/officeDocument/2006/relationships" xmlns:p="http://schemas.openxmlformats.org/presentationml/2006/main">
   <p:cSld>
     <p:spTree>
@@ -15556,6 +15633,11 @@
           </p:cNvGraphicFramePr>
           <p:nvPr>
             <p:ph idx="1"/>
+            <p:extLst>
+              <p:ext uri="{D42A27DB-BD31-4B8C-83A1-F6EECF244321}">
+                <p14:modId xmlns:p14="http://schemas.microsoft.com/office/powerpoint/2010/main" val="1393743318"/>
+              </p:ext>
+            </p:extLst>
           </p:nvPr>
         </p:nvGraphicFramePr>
         <p:xfrm>
@@ -15569,19 +15651,97 @@
                 <a:tableStyleId>{5940675A-B579-460E-94D1-54222C63F5DA}</a:tableStyleId>
               </a:tblPr>
               <a:tblGrid>
-                <a:gridCol w="808892"/>
-                <a:gridCol w="808892"/>
-                <a:gridCol w="808892"/>
-                <a:gridCol w="808892"/>
-                <a:gridCol w="808892"/>
-                <a:gridCol w="808892"/>
-                <a:gridCol w="808892"/>
-                <a:gridCol w="808892"/>
-                <a:gridCol w="808892"/>
-                <a:gridCol w="808892"/>
-                <a:gridCol w="808892"/>
-                <a:gridCol w="808892"/>
-                <a:gridCol w="808892"/>
+                <a:gridCol w="808892">
+                  <a:extLst>
+                    <a:ext uri="{9D8B030D-6E8A-4147-A177-3AD203B41FA5}">
+                      <a16:colId xmlns:a16="http://schemas.microsoft.com/office/drawing/2014/main" val="20000"/>
+                    </a:ext>
+                  </a:extLst>
+                </a:gridCol>
+                <a:gridCol w="808892">
+                  <a:extLst>
+                    <a:ext uri="{9D8B030D-6E8A-4147-A177-3AD203B41FA5}">
+                      <a16:colId xmlns:a16="http://schemas.microsoft.com/office/drawing/2014/main" val="20001"/>
+                    </a:ext>
+                  </a:extLst>
+                </a:gridCol>
+                <a:gridCol w="808892">
+                  <a:extLst>
+                    <a:ext uri="{9D8B030D-6E8A-4147-A177-3AD203B41FA5}">
+                      <a16:colId xmlns:a16="http://schemas.microsoft.com/office/drawing/2014/main" val="20002"/>
+                    </a:ext>
+                  </a:extLst>
+                </a:gridCol>
+                <a:gridCol w="808892">
+                  <a:extLst>
+                    <a:ext uri="{9D8B030D-6E8A-4147-A177-3AD203B41FA5}">
+                      <a16:colId xmlns:a16="http://schemas.microsoft.com/office/drawing/2014/main" val="20003"/>
+                    </a:ext>
+                  </a:extLst>
+                </a:gridCol>
+                <a:gridCol w="808892">
+                  <a:extLst>
+                    <a:ext uri="{9D8B030D-6E8A-4147-A177-3AD203B41FA5}">
+                      <a16:colId xmlns:a16="http://schemas.microsoft.com/office/drawing/2014/main" val="20004"/>
+                    </a:ext>
+                  </a:extLst>
+                </a:gridCol>
+                <a:gridCol w="808892">
+                  <a:extLst>
+                    <a:ext uri="{9D8B030D-6E8A-4147-A177-3AD203B41FA5}">
+                      <a16:colId xmlns:a16="http://schemas.microsoft.com/office/drawing/2014/main" val="20005"/>
+                    </a:ext>
+                  </a:extLst>
+                </a:gridCol>
+                <a:gridCol w="808892">
+                  <a:extLst>
+                    <a:ext uri="{9D8B030D-6E8A-4147-A177-3AD203B41FA5}">
+                      <a16:colId xmlns:a16="http://schemas.microsoft.com/office/drawing/2014/main" val="20006"/>
+                    </a:ext>
+                  </a:extLst>
+                </a:gridCol>
+                <a:gridCol w="808892">
+                  <a:extLst>
+                    <a:ext uri="{9D8B030D-6E8A-4147-A177-3AD203B41FA5}">
+                      <a16:colId xmlns:a16="http://schemas.microsoft.com/office/drawing/2014/main" val="20007"/>
+                    </a:ext>
+                  </a:extLst>
+                </a:gridCol>
+                <a:gridCol w="808892">
+                  <a:extLst>
+                    <a:ext uri="{9D8B030D-6E8A-4147-A177-3AD203B41FA5}">
+                      <a16:colId xmlns:a16="http://schemas.microsoft.com/office/drawing/2014/main" val="20008"/>
+                    </a:ext>
+                  </a:extLst>
+                </a:gridCol>
+                <a:gridCol w="808892">
+                  <a:extLst>
+                    <a:ext uri="{9D8B030D-6E8A-4147-A177-3AD203B41FA5}">
+                      <a16:colId xmlns:a16="http://schemas.microsoft.com/office/drawing/2014/main" val="20009"/>
+                    </a:ext>
+                  </a:extLst>
+                </a:gridCol>
+                <a:gridCol w="808892">
+                  <a:extLst>
+                    <a:ext uri="{9D8B030D-6E8A-4147-A177-3AD203B41FA5}">
+                      <a16:colId xmlns:a16="http://schemas.microsoft.com/office/drawing/2014/main" val="20010"/>
+                    </a:ext>
+                  </a:extLst>
+                </a:gridCol>
+                <a:gridCol w="808892">
+                  <a:extLst>
+                    <a:ext uri="{9D8B030D-6E8A-4147-A177-3AD203B41FA5}">
+                      <a16:colId xmlns:a16="http://schemas.microsoft.com/office/drawing/2014/main" val="20011"/>
+                    </a:ext>
+                  </a:extLst>
+                </a:gridCol>
+                <a:gridCol w="808892">
+                  <a:extLst>
+                    <a:ext uri="{9D8B030D-6E8A-4147-A177-3AD203B41FA5}">
+                      <a16:colId xmlns:a16="http://schemas.microsoft.com/office/drawing/2014/main" val="20012"/>
+                    </a:ext>
+                  </a:extLst>
+                </a:gridCol>
               </a:tblGrid>
               <a:tr h="370840">
                 <a:tc>
@@ -15602,10 +15762,9 @@
                     <a:p>
                       <a:pPr algn="ctr"/>
                       <a:r>
-                        <a:rPr lang="en-US" dirty="0" smtClean="0"/>
+                        <a:rPr lang="en-US" dirty="0"/>
                         <a:t>CO 1</a:t>
                       </a:r>
-                      <a:endParaRPr lang="en-US" dirty="0"/>
                     </a:p>
                   </a:txBody>
                   <a:tcPr/>
@@ -15617,10 +15776,9 @@
                     <a:p>
                       <a:pPr algn="ctr"/>
                       <a:r>
-                        <a:rPr lang="en-US" dirty="0" smtClean="0"/>
+                        <a:rPr lang="en-US" dirty="0"/>
                         <a:t>CO2</a:t>
                       </a:r>
-                      <a:endParaRPr lang="en-US" dirty="0"/>
                     </a:p>
                   </a:txBody>
                   <a:tcPr/>
@@ -15632,10 +15790,9 @@
                     <a:p>
                       <a:pPr algn="ctr"/>
                       <a:r>
-                        <a:rPr lang="en-US" dirty="0" smtClean="0"/>
+                        <a:rPr lang="en-US" dirty="0"/>
                         <a:t>CO3 </a:t>
                       </a:r>
-                      <a:endParaRPr lang="en-US" dirty="0"/>
                     </a:p>
                   </a:txBody>
                   <a:tcPr/>
@@ -15647,10 +15804,9 @@
                     <a:p>
                       <a:pPr algn="ctr"/>
                       <a:r>
-                        <a:rPr lang="en-US" dirty="0" smtClean="0"/>
+                        <a:rPr lang="en-US" dirty="0"/>
                         <a:t>CO4</a:t>
                       </a:r>
-                      <a:endParaRPr lang="en-US" dirty="0"/>
                     </a:p>
                   </a:txBody>
                   <a:tcPr/>
@@ -15662,10 +15818,9 @@
                     <a:p>
                       <a:pPr algn="ctr"/>
                       <a:r>
-                        <a:rPr lang="en-US" dirty="0" smtClean="0"/>
+                        <a:rPr lang="en-US" dirty="0"/>
                         <a:t>CO5</a:t>
                       </a:r>
-                      <a:endParaRPr lang="en-US" dirty="0"/>
                     </a:p>
                   </a:txBody>
                   <a:tcPr/>
@@ -15677,10 +15832,9 @@
                     <a:p>
                       <a:pPr algn="ctr"/>
                       <a:r>
-                        <a:rPr lang="en-US" dirty="0" smtClean="0"/>
+                        <a:rPr lang="en-US" dirty="0"/>
                         <a:t>CO6</a:t>
                       </a:r>
-                      <a:endParaRPr lang="en-US" dirty="0"/>
                     </a:p>
                   </a:txBody>
                   <a:tcPr/>
@@ -15692,10 +15846,9 @@
                     <a:p>
                       <a:pPr algn="ctr"/>
                       <a:r>
-                        <a:rPr lang="en-US" dirty="0" smtClean="0"/>
+                        <a:rPr lang="en-US" dirty="0"/>
                         <a:t>CO7</a:t>
                       </a:r>
-                      <a:endParaRPr lang="en-US" dirty="0"/>
                     </a:p>
                   </a:txBody>
                   <a:tcPr/>
@@ -15707,10 +15860,9 @@
                     <a:p>
                       <a:pPr algn="ctr"/>
                       <a:r>
-                        <a:rPr lang="en-US" dirty="0" smtClean="0"/>
+                        <a:rPr lang="en-US" dirty="0"/>
                         <a:t>CO8</a:t>
                       </a:r>
-                      <a:endParaRPr lang="en-US" dirty="0"/>
                     </a:p>
                   </a:txBody>
                   <a:tcPr/>
@@ -15722,10 +15874,9 @@
                     <a:p>
                       <a:pPr algn="ctr"/>
                       <a:r>
-                        <a:rPr lang="en-US" dirty="0" smtClean="0"/>
+                        <a:rPr lang="en-US" dirty="0"/>
                         <a:t>CO9</a:t>
                       </a:r>
-                      <a:endParaRPr lang="en-US" dirty="0"/>
                     </a:p>
                   </a:txBody>
                   <a:tcPr/>
@@ -15737,10 +15888,9 @@
                     <a:p>
                       <a:pPr algn="ctr"/>
                       <a:r>
-                        <a:rPr lang="en-US" dirty="0" smtClean="0"/>
+                        <a:rPr lang="en-US" dirty="0"/>
                         <a:t>CO10</a:t>
                       </a:r>
-                      <a:endParaRPr lang="en-US" dirty="0"/>
                     </a:p>
                   </a:txBody>
                   <a:tcPr/>
@@ -15752,10 +15902,9 @@
                     <a:p>
                       <a:pPr algn="ctr"/>
                       <a:r>
-                        <a:rPr lang="en-US" dirty="0" smtClean="0"/>
+                        <a:rPr lang="en-US" dirty="0"/>
                         <a:t>CO11</a:t>
                       </a:r>
-                      <a:endParaRPr lang="en-US" dirty="0"/>
                     </a:p>
                   </a:txBody>
                   <a:tcPr/>
@@ -15767,14 +15916,18 @@
                     <a:p>
                       <a:pPr algn="ctr"/>
                       <a:r>
-                        <a:rPr lang="en-US" dirty="0" smtClean="0"/>
+                        <a:rPr lang="en-US" dirty="0"/>
                         <a:t>CO12</a:t>
                       </a:r>
-                      <a:endParaRPr lang="en-US" dirty="0"/>
                     </a:p>
                   </a:txBody>
                   <a:tcPr/>
                 </a:tc>
+                <a:extLst>
+                  <a:ext uri="{0D108BD9-81ED-4DB2-BD59-A6C34878D82A}">
+                    <a16:rowId xmlns:a16="http://schemas.microsoft.com/office/drawing/2014/main" val="10000"/>
+                  </a:ext>
+                </a:extLst>
               </a:tr>
               <a:tr h="370840">
                 <a:tc>
@@ -15784,10 +15937,9 @@
                     <a:p>
                       <a:pPr algn="ctr"/>
                       <a:r>
-                        <a:rPr lang="en-US" dirty="0" smtClean="0"/>
+                        <a:rPr lang="en-US" dirty="0"/>
                         <a:t>PO1</a:t>
                       </a:r>
-                      <a:endParaRPr lang="en-US" dirty="0"/>
                     </a:p>
                   </a:txBody>
                   <a:tcPr/>
@@ -15802,10 +15954,183 @@
                         <a:buChar char="ü"/>
                       </a:pPr>
                       <a:r>
-                        <a:rPr lang="en-US" dirty="0" smtClean="0"/>
+                        <a:rPr lang="en-US" dirty="0"/>
                         <a:t> </a:t>
                       </a:r>
+                    </a:p>
+                  </a:txBody>
+                  <a:tcPr/>
+                </a:tc>
+                <a:tc>
+                  <a:txBody>
+                    <a:bodyPr/>
+                    <a:lstStyle/>
+                    <a:p>
+                      <a:pPr algn="ctr">
+                        <a:buFont typeface="Wingdings" pitchFamily="2" charset="2"/>
+                        <a:buNone/>
+                      </a:pPr>
                       <a:endParaRPr lang="en-US" dirty="0"/>
+                    </a:p>
+                  </a:txBody>
+                  <a:tcPr/>
+                </a:tc>
+                <a:tc>
+                  <a:txBody>
+                    <a:bodyPr/>
+                    <a:lstStyle/>
+                    <a:p>
+                      <a:pPr algn="ctr">
+                        <a:buFont typeface="Wingdings" pitchFamily="2" charset="2"/>
+                        <a:buNone/>
+                      </a:pPr>
+                      <a:r>
+                        <a:rPr lang="en-US" dirty="0"/>
+                        <a:t> </a:t>
+                      </a:r>
+                    </a:p>
+                  </a:txBody>
+                  <a:tcPr/>
+                </a:tc>
+                <a:tc>
+                  <a:txBody>
+                    <a:bodyPr/>
+                    <a:lstStyle/>
+                    <a:p>
+                      <a:pPr algn="ctr">
+                        <a:buFont typeface="Wingdings" pitchFamily="2" charset="2"/>
+                        <a:buNone/>
+                      </a:pPr>
+                      <a:endParaRPr lang="en-US" dirty="0"/>
+                    </a:p>
+                  </a:txBody>
+                  <a:tcPr/>
+                </a:tc>
+                <a:tc>
+                  <a:txBody>
+                    <a:bodyPr/>
+                    <a:lstStyle/>
+                    <a:p>
+                      <a:pPr algn="ctr">
+                        <a:buFont typeface="Wingdings" pitchFamily="2" charset="2"/>
+                        <a:buNone/>
+                      </a:pPr>
+                      <a:endParaRPr lang="en-US" dirty="0"/>
+                    </a:p>
+                  </a:txBody>
+                  <a:tcPr/>
+                </a:tc>
+                <a:tc>
+                  <a:txBody>
+                    <a:bodyPr/>
+                    <a:lstStyle/>
+                    <a:p>
+                      <a:pPr algn="ctr"/>
+                      <a:endParaRPr lang="en-US"/>
+                    </a:p>
+                  </a:txBody>
+                  <a:tcPr/>
+                </a:tc>
+                <a:tc>
+                  <a:txBody>
+                    <a:bodyPr/>
+                    <a:lstStyle/>
+                    <a:p>
+                      <a:pPr algn="ctr"/>
+                      <a:endParaRPr lang="en-US"/>
+                    </a:p>
+                  </a:txBody>
+                  <a:tcPr/>
+                </a:tc>
+                <a:tc>
+                  <a:txBody>
+                    <a:bodyPr/>
+                    <a:lstStyle/>
+                    <a:p>
+                      <a:pPr algn="ctr"/>
+                      <a:endParaRPr lang="en-US"/>
+                    </a:p>
+                  </a:txBody>
+                  <a:tcPr/>
+                </a:tc>
+                <a:tc>
+                  <a:txBody>
+                    <a:bodyPr/>
+                    <a:lstStyle/>
+                    <a:p>
+                      <a:pPr algn="ctr"/>
+                      <a:endParaRPr lang="en-US"/>
+                    </a:p>
+                  </a:txBody>
+                  <a:tcPr/>
+                </a:tc>
+                <a:tc>
+                  <a:txBody>
+                    <a:bodyPr/>
+                    <a:lstStyle/>
+                    <a:p>
+                      <a:pPr algn="ctr"/>
+                      <a:endParaRPr lang="en-US"/>
+                    </a:p>
+                  </a:txBody>
+                  <a:tcPr/>
+                </a:tc>
+                <a:tc>
+                  <a:txBody>
+                    <a:bodyPr/>
+                    <a:lstStyle/>
+                    <a:p>
+                      <a:pPr algn="ctr"/>
+                      <a:endParaRPr lang="en-US"/>
+                    </a:p>
+                  </a:txBody>
+                  <a:tcPr/>
+                </a:tc>
+                <a:tc>
+                  <a:txBody>
+                    <a:bodyPr/>
+                    <a:lstStyle/>
+                    <a:p>
+                      <a:pPr algn="ctr"/>
+                      <a:endParaRPr lang="en-US" dirty="0"/>
+                    </a:p>
+                  </a:txBody>
+                  <a:tcPr/>
+                </a:tc>
+                <a:extLst>
+                  <a:ext uri="{0D108BD9-81ED-4DB2-BD59-A6C34878D82A}">
+                    <a16:rowId xmlns:a16="http://schemas.microsoft.com/office/drawing/2014/main" val="10001"/>
+                  </a:ext>
+                </a:extLst>
+              </a:tr>
+              <a:tr h="370840">
+                <a:tc>
+                  <a:txBody>
+                    <a:bodyPr/>
+                    <a:lstStyle/>
+                    <a:p>
+                      <a:pPr algn="ctr"/>
+                      <a:r>
+                        <a:rPr lang="en-US" dirty="0"/>
+                        <a:t>PO2</a:t>
+                      </a:r>
+                    </a:p>
+                  </a:txBody>
+                  <a:tcPr/>
+                </a:tc>
+                <a:tc>
+                  <a:txBody>
+                    <a:bodyPr/>
+                    <a:lstStyle/>
+                    <a:p>
+                      <a:pPr algn="ctr">
+                        <a:buFont typeface="Wingdings" pitchFamily="2" charset="2"/>
+                        <a:buNone/>
+                      </a:pPr>
+                      <a:r>
+                        <a:rPr lang="en-US" dirty="0"/>
+                        <a:t> </a:t>
+                      </a:r>
                     </a:p>
                   </a:txBody>
                   <a:tcPr/>
@@ -15820,194 +16145,9 @@
                         <a:buChar char="ü"/>
                       </a:pPr>
                       <a:r>
-                        <a:rPr lang="en-US" dirty="0" smtClean="0"/>
-                        <a:t>  </a:t>
-                      </a:r>
-                      <a:endParaRPr lang="en-US" dirty="0"/>
-                    </a:p>
-                  </a:txBody>
-                  <a:tcPr/>
-                </a:tc>
-                <a:tc>
-                  <a:txBody>
-                    <a:bodyPr/>
-                    <a:lstStyle/>
-                    <a:p>
-                      <a:pPr algn="ctr">
-                        <a:buFont typeface="Wingdings" pitchFamily="2" charset="2"/>
-                        <a:buChar char="ü"/>
-                      </a:pPr>
-                      <a:r>
-                        <a:rPr lang="en-US" dirty="0" smtClean="0"/>
+                        <a:rPr lang="en-US" dirty="0"/>
                         <a:t> </a:t>
                       </a:r>
-                      <a:endParaRPr lang="en-US" dirty="0"/>
-                    </a:p>
-                  </a:txBody>
-                  <a:tcPr/>
-                </a:tc>
-                <a:tc>
-                  <a:txBody>
-                    <a:bodyPr/>
-                    <a:lstStyle/>
-                    <a:p>
-                      <a:pPr algn="ctr">
-                        <a:buFont typeface="Wingdings" pitchFamily="2" charset="2"/>
-                        <a:buChar char="ü"/>
-                      </a:pPr>
-                      <a:r>
-                        <a:rPr lang="en-US" dirty="0" smtClean="0"/>
-                        <a:t> </a:t>
-                      </a:r>
-                      <a:endParaRPr lang="en-US" dirty="0"/>
-                    </a:p>
-                  </a:txBody>
-                  <a:tcPr/>
-                </a:tc>
-                <a:tc>
-                  <a:txBody>
-                    <a:bodyPr/>
-                    <a:lstStyle/>
-                    <a:p>
-                      <a:pPr algn="ctr">
-                        <a:buFont typeface="Wingdings" pitchFamily="2" charset="2"/>
-                        <a:buChar char="ü"/>
-                      </a:pPr>
-                      <a:r>
-                        <a:rPr lang="en-US" dirty="0" smtClean="0"/>
-                        <a:t> </a:t>
-                      </a:r>
-                      <a:endParaRPr lang="en-US" dirty="0"/>
-                    </a:p>
-                  </a:txBody>
-                  <a:tcPr/>
-                </a:tc>
-                <a:tc>
-                  <a:txBody>
-                    <a:bodyPr/>
-                    <a:lstStyle/>
-                    <a:p>
-                      <a:pPr algn="ctr"/>
-                      <a:endParaRPr lang="en-US"/>
-                    </a:p>
-                  </a:txBody>
-                  <a:tcPr/>
-                </a:tc>
-                <a:tc>
-                  <a:txBody>
-                    <a:bodyPr/>
-                    <a:lstStyle/>
-                    <a:p>
-                      <a:pPr algn="ctr"/>
-                      <a:endParaRPr lang="en-US"/>
-                    </a:p>
-                  </a:txBody>
-                  <a:tcPr/>
-                </a:tc>
-                <a:tc>
-                  <a:txBody>
-                    <a:bodyPr/>
-                    <a:lstStyle/>
-                    <a:p>
-                      <a:pPr algn="ctr"/>
-                      <a:endParaRPr lang="en-US"/>
-                    </a:p>
-                  </a:txBody>
-                  <a:tcPr/>
-                </a:tc>
-                <a:tc>
-                  <a:txBody>
-                    <a:bodyPr/>
-                    <a:lstStyle/>
-                    <a:p>
-                      <a:pPr algn="ctr"/>
-                      <a:endParaRPr lang="en-US"/>
-                    </a:p>
-                  </a:txBody>
-                  <a:tcPr/>
-                </a:tc>
-                <a:tc>
-                  <a:txBody>
-                    <a:bodyPr/>
-                    <a:lstStyle/>
-                    <a:p>
-                      <a:pPr algn="ctr"/>
-                      <a:endParaRPr lang="en-US"/>
-                    </a:p>
-                  </a:txBody>
-                  <a:tcPr/>
-                </a:tc>
-                <a:tc>
-                  <a:txBody>
-                    <a:bodyPr/>
-                    <a:lstStyle/>
-                    <a:p>
-                      <a:pPr algn="ctr"/>
-                      <a:endParaRPr lang="en-US"/>
-                    </a:p>
-                  </a:txBody>
-                  <a:tcPr/>
-                </a:tc>
-                <a:tc>
-                  <a:txBody>
-                    <a:bodyPr/>
-                    <a:lstStyle/>
-                    <a:p>
-                      <a:pPr algn="ctr"/>
-                      <a:endParaRPr lang="en-US" dirty="0"/>
-                    </a:p>
-                  </a:txBody>
-                  <a:tcPr/>
-                </a:tc>
-              </a:tr>
-              <a:tr h="370840">
-                <a:tc>
-                  <a:txBody>
-                    <a:bodyPr/>
-                    <a:lstStyle/>
-                    <a:p>
-                      <a:pPr algn="ctr"/>
-                      <a:r>
-                        <a:rPr lang="en-US" dirty="0" smtClean="0"/>
-                        <a:t>PO2</a:t>
-                      </a:r>
-                      <a:endParaRPr lang="en-US" dirty="0"/>
-                    </a:p>
-                  </a:txBody>
-                  <a:tcPr/>
-                </a:tc>
-                <a:tc>
-                  <a:txBody>
-                    <a:bodyPr/>
-                    <a:lstStyle/>
-                    <a:p>
-                      <a:pPr algn="ctr">
-                        <a:buFont typeface="Wingdings" pitchFamily="2" charset="2"/>
-                        <a:buChar char="ü"/>
-                      </a:pPr>
-                      <a:r>
-                        <a:rPr lang="en-US" dirty="0" smtClean="0"/>
-                        <a:t> </a:t>
-                      </a:r>
-                      <a:endParaRPr lang="en-US" dirty="0"/>
-                    </a:p>
-                  </a:txBody>
-                  <a:tcPr/>
-                </a:tc>
-                <a:tc>
-                  <a:txBody>
-                    <a:bodyPr/>
-                    <a:lstStyle/>
-                    <a:p>
-                      <a:pPr algn="ctr">
-                        <a:buFont typeface="Wingdings" pitchFamily="2" charset="2"/>
-                        <a:buChar char="ü"/>
-                      </a:pPr>
-                      <a:r>
-                        <a:rPr lang="en-US" dirty="0" smtClean="0"/>
-                        <a:t> </a:t>
-                      </a:r>
-                      <a:endParaRPr lang="en-US" dirty="0"/>
                     </a:p>
                   </a:txBody>
                   <a:tcPr/>
@@ -16033,13 +16173,12 @@
                     <a:p>
                       <a:pPr algn="ctr">
                         <a:buFont typeface="Wingdings" pitchFamily="2" charset="2"/>
-                        <a:buChar char="ü"/>
+                        <a:buNone/>
                       </a:pPr>
                       <a:r>
-                        <a:rPr lang="en-US" dirty="0" smtClean="0"/>
+                        <a:rPr lang="en-US" dirty="0"/>
                         <a:t> </a:t>
                       </a:r>
-                      <a:endParaRPr lang="en-US" dirty="0"/>
                     </a:p>
                   </a:txBody>
                   <a:tcPr/>
@@ -16132,6 +16271,11 @@
                   </a:txBody>
                   <a:tcPr/>
                 </a:tc>
+                <a:extLst>
+                  <a:ext uri="{0D108BD9-81ED-4DB2-BD59-A6C34878D82A}">
+                    <a16:rowId xmlns:a16="http://schemas.microsoft.com/office/drawing/2014/main" val="10002"/>
+                  </a:ext>
+                </a:extLst>
               </a:tr>
               <a:tr h="370840">
                 <a:tc>
@@ -16141,10 +16285,9 @@
                     <a:p>
                       <a:pPr algn="ctr"/>
                       <a:r>
-                        <a:rPr lang="en-US" dirty="0" smtClean="0"/>
+                        <a:rPr lang="en-US" dirty="0"/>
                         <a:t>PO3</a:t>
                       </a:r>
-                      <a:endParaRPr lang="en-US" dirty="0"/>
                     </a:p>
                   </a:txBody>
                   <a:tcPr/>
@@ -16156,12 +16299,8 @@
                     <a:p>
                       <a:pPr algn="ctr">
                         <a:buFont typeface="Wingdings" pitchFamily="2" charset="2"/>
-                        <a:buChar char="ü"/>
+                        <a:buNone/>
                       </a:pPr>
-                      <a:r>
-                        <a:rPr lang="en-US" dirty="0" smtClean="0"/>
-                        <a:t> </a:t>
-                      </a:r>
                       <a:endParaRPr lang="en-US" dirty="0"/>
                     </a:p>
                   </a:txBody>
@@ -16191,10 +16330,9 @@
                         <a:buChar char="ü"/>
                       </a:pPr>
                       <a:r>
-                        <a:rPr lang="en-US" dirty="0" smtClean="0"/>
+                        <a:rPr lang="en-US" dirty="0"/>
                         <a:t> </a:t>
                       </a:r>
-                      <a:endParaRPr lang="en-US" dirty="0"/>
                     </a:p>
                   </a:txBody>
                   <a:tcPr/>
@@ -16298,6 +16436,11 @@
                   </a:txBody>
                   <a:tcPr/>
                 </a:tc>
+                <a:extLst>
+                  <a:ext uri="{0D108BD9-81ED-4DB2-BD59-A6C34878D82A}">
+                    <a16:rowId xmlns:a16="http://schemas.microsoft.com/office/drawing/2014/main" val="10003"/>
+                  </a:ext>
+                </a:extLst>
               </a:tr>
               <a:tr h="370840">
                 <a:tc>
@@ -16307,10 +16450,9 @@
                     <a:p>
                       <a:pPr algn="ctr"/>
                       <a:r>
-                        <a:rPr lang="en-US" dirty="0" smtClean="0"/>
+                        <a:rPr lang="en-US" dirty="0"/>
                         <a:t>PO4</a:t>
                       </a:r>
-                      <a:endParaRPr lang="en-US" dirty="0"/>
                     </a:p>
                   </a:txBody>
                   <a:tcPr/>
@@ -16322,12 +16464,8 @@
                     <a:p>
                       <a:pPr algn="ctr">
                         <a:buFont typeface="Wingdings" pitchFamily="2" charset="2"/>
-                        <a:buChar char="ü"/>
+                        <a:buNone/>
                       </a:pPr>
-                      <a:r>
-                        <a:rPr lang="en-US" dirty="0" smtClean="0"/>
-                        <a:t> </a:t>
-                      </a:r>
                       <a:endParaRPr lang="en-US" dirty="0"/>
                     </a:p>
                   </a:txBody>
@@ -16371,10 +16509,9 @@
                         <a:buChar char="ü"/>
                       </a:pPr>
                       <a:r>
-                        <a:rPr lang="en-US" dirty="0" smtClean="0"/>
+                        <a:rPr lang="en-US" dirty="0"/>
                         <a:t> </a:t>
                       </a:r>
-                      <a:endParaRPr lang="en-US" dirty="0"/>
                     </a:p>
                   </a:txBody>
                   <a:tcPr/>
@@ -16467,6 +16604,11 @@
                   </a:txBody>
                   <a:tcPr/>
                 </a:tc>
+                <a:extLst>
+                  <a:ext uri="{0D108BD9-81ED-4DB2-BD59-A6C34878D82A}">
+                    <a16:rowId xmlns:a16="http://schemas.microsoft.com/office/drawing/2014/main" val="10004"/>
+                  </a:ext>
+                </a:extLst>
               </a:tr>
               <a:tr h="370840">
                 <a:tc>
@@ -16476,10 +16618,9 @@
                     <a:p>
                       <a:pPr algn="ctr"/>
                       <a:r>
-                        <a:rPr lang="en-US" dirty="0" smtClean="0"/>
+                        <a:rPr lang="en-US" dirty="0"/>
                         <a:t>PO5</a:t>
                       </a:r>
-                      <a:endParaRPr lang="en-US" dirty="0"/>
                     </a:p>
                   </a:txBody>
                   <a:tcPr/>
@@ -16491,12 +16632,8 @@
                     <a:p>
                       <a:pPr algn="ctr">
                         <a:buFont typeface="Wingdings" pitchFamily="2" charset="2"/>
-                        <a:buChar char="ü"/>
+                        <a:buNone/>
                       </a:pPr>
-                      <a:r>
-                        <a:rPr lang="en-US" dirty="0" smtClean="0"/>
-                        <a:t> </a:t>
-                      </a:r>
                       <a:endParaRPr lang="en-US" dirty="0"/>
                     </a:p>
                   </a:txBody>
@@ -16526,10 +16663,9 @@
                         <a:buNone/>
                       </a:pPr>
                       <a:r>
-                        <a:rPr lang="en-US" dirty="0" smtClean="0"/>
+                        <a:rPr lang="en-US" dirty="0"/>
                         <a:t> </a:t>
                       </a:r>
-                      <a:endParaRPr lang="en-US" dirty="0"/>
                     </a:p>
                   </a:txBody>
                   <a:tcPr/>
@@ -16558,10 +16694,9 @@
                         <a:buChar char="ü"/>
                       </a:pPr>
                       <a:r>
-                        <a:rPr lang="en-US" dirty="0" smtClean="0"/>
+                        <a:rPr lang="en-US" dirty="0"/>
                         <a:t> </a:t>
                       </a:r>
-                      <a:endParaRPr lang="en-US" dirty="0"/>
                     </a:p>
                   </a:txBody>
                   <a:tcPr/>
@@ -16643,6 +16778,11 @@
                   </a:txBody>
                   <a:tcPr/>
                 </a:tc>
+                <a:extLst>
+                  <a:ext uri="{0D108BD9-81ED-4DB2-BD59-A6C34878D82A}">
+                    <a16:rowId xmlns:a16="http://schemas.microsoft.com/office/drawing/2014/main" val="10005"/>
+                  </a:ext>
+                </a:extLst>
               </a:tr>
               <a:tr h="370840">
                 <a:tc>
@@ -16652,10 +16792,9 @@
                     <a:p>
                       <a:pPr algn="ctr"/>
                       <a:r>
-                        <a:rPr lang="en-US" dirty="0" smtClean="0"/>
+                        <a:rPr lang="en-US" dirty="0"/>
                         <a:t>PO6</a:t>
                       </a:r>
-                      <a:endParaRPr lang="en-US" dirty="0"/>
                     </a:p>
                   </a:txBody>
                   <a:tcPr/>
@@ -16725,10 +16864,9 @@
                         <a:buChar char="ü"/>
                       </a:pPr>
                       <a:r>
-                        <a:rPr lang="en-US" dirty="0" smtClean="0"/>
+                        <a:rPr lang="en-US" dirty="0"/>
                         <a:t> </a:t>
                       </a:r>
-                      <a:endParaRPr lang="en-US" dirty="0"/>
                     </a:p>
                   </a:txBody>
                   <a:tcPr/>
@@ -16799,6 +16937,11 @@
                   </a:txBody>
                   <a:tcPr/>
                 </a:tc>
+                <a:extLst>
+                  <a:ext uri="{0D108BD9-81ED-4DB2-BD59-A6C34878D82A}">
+                    <a16:rowId xmlns:a16="http://schemas.microsoft.com/office/drawing/2014/main" val="10006"/>
+                  </a:ext>
+                </a:extLst>
               </a:tr>
               <a:tr h="370840">
                 <a:tc>
@@ -16808,10 +16951,9 @@
                     <a:p>
                       <a:pPr algn="ctr"/>
                       <a:r>
-                        <a:rPr lang="en-US" dirty="0" smtClean="0"/>
+                        <a:rPr lang="en-US" dirty="0"/>
                         <a:t>PO7</a:t>
                       </a:r>
-                      <a:endParaRPr lang="en-US" dirty="0"/>
                     </a:p>
                   </a:txBody>
                   <a:tcPr/>
@@ -16951,6 +17093,11 @@
                   </a:txBody>
                   <a:tcPr/>
                 </a:tc>
+                <a:extLst>
+                  <a:ext uri="{0D108BD9-81ED-4DB2-BD59-A6C34878D82A}">
+                    <a16:rowId xmlns:a16="http://schemas.microsoft.com/office/drawing/2014/main" val="10007"/>
+                  </a:ext>
+                </a:extLst>
               </a:tr>
               <a:tr h="370840">
                 <a:tc>
@@ -16960,10 +17107,9 @@
                     <a:p>
                       <a:pPr algn="ctr"/>
                       <a:r>
-                        <a:rPr lang="en-US" dirty="0" smtClean="0"/>
+                        <a:rPr lang="en-US" dirty="0"/>
                         <a:t>PO8</a:t>
                       </a:r>
-                      <a:endParaRPr lang="en-US" dirty="0"/>
                     </a:p>
                   </a:txBody>
                   <a:tcPr/>
@@ -17100,6 +17246,11 @@
                   </a:txBody>
                   <a:tcPr/>
                 </a:tc>
+                <a:extLst>
+                  <a:ext uri="{0D108BD9-81ED-4DB2-BD59-A6C34878D82A}">
+                    <a16:rowId xmlns:a16="http://schemas.microsoft.com/office/drawing/2014/main" val="10008"/>
+                  </a:ext>
+                </a:extLst>
               </a:tr>
               <a:tr h="370840">
                 <a:tc>
@@ -17109,10 +17260,9 @@
                     <a:p>
                       <a:pPr algn="ctr"/>
                       <a:r>
-                        <a:rPr lang="en-US" dirty="0" smtClean="0"/>
+                        <a:rPr lang="en-US" dirty="0"/>
                         <a:t>PO9</a:t>
                       </a:r>
-                      <a:endParaRPr lang="en-US" dirty="0"/>
                     </a:p>
                   </a:txBody>
                   <a:tcPr/>
@@ -17215,10 +17365,9 @@
                         <a:buChar char="ü"/>
                       </a:pPr>
                       <a:r>
-                        <a:rPr lang="en-US" dirty="0" smtClean="0"/>
+                        <a:rPr lang="en-US" dirty="0"/>
                         <a:t> </a:t>
                       </a:r>
-                      <a:endParaRPr lang="en-US" dirty="0"/>
                     </a:p>
                   </a:txBody>
                   <a:tcPr/>
@@ -17256,6 +17405,11 @@
                   </a:txBody>
                   <a:tcPr/>
                 </a:tc>
+                <a:extLst>
+                  <a:ext uri="{0D108BD9-81ED-4DB2-BD59-A6C34878D82A}">
+                    <a16:rowId xmlns:a16="http://schemas.microsoft.com/office/drawing/2014/main" val="10009"/>
+                  </a:ext>
+                </a:extLst>
               </a:tr>
               <a:tr h="370840">
                 <a:tc>
@@ -17265,10 +17419,9 @@
                     <a:p>
                       <a:pPr algn="ctr"/>
                       <a:r>
-                        <a:rPr lang="en-US" dirty="0" smtClean="0"/>
+                        <a:rPr lang="en-US" dirty="0"/>
                         <a:t>PO10</a:t>
                       </a:r>
-                      <a:endParaRPr lang="en-US" dirty="0"/>
                     </a:p>
                   </a:txBody>
                   <a:tcPr/>
@@ -17382,10 +17535,9 @@
                         <a:buChar char="ü"/>
                       </a:pPr>
                       <a:r>
-                        <a:rPr lang="en-US" dirty="0" smtClean="0"/>
+                        <a:rPr lang="en-US" dirty="0"/>
                         <a:t> </a:t>
                       </a:r>
-                      <a:endParaRPr lang="en-US" dirty="0"/>
                     </a:p>
                   </a:txBody>
                   <a:tcPr/>
@@ -17412,6 +17564,11 @@
                   </a:txBody>
                   <a:tcPr/>
                 </a:tc>
+                <a:extLst>
+                  <a:ext uri="{0D108BD9-81ED-4DB2-BD59-A6C34878D82A}">
+                    <a16:rowId xmlns:a16="http://schemas.microsoft.com/office/drawing/2014/main" val="10010"/>
+                  </a:ext>
+                </a:extLst>
               </a:tr>
               <a:tr h="370840">
                 <a:tc>
@@ -17421,10 +17578,9 @@
                     <a:p>
                       <a:pPr algn="ctr"/>
                       <a:r>
-                        <a:rPr lang="en-US" dirty="0" smtClean="0"/>
+                        <a:rPr lang="en-US" dirty="0"/>
                         <a:t>PO11</a:t>
                       </a:r>
-                      <a:endParaRPr lang="en-US" dirty="0"/>
                     </a:p>
                   </a:txBody>
                   <a:tcPr/>
@@ -17561,6 +17717,11 @@
                   </a:txBody>
                   <a:tcPr/>
                 </a:tc>
+                <a:extLst>
+                  <a:ext uri="{0D108BD9-81ED-4DB2-BD59-A6C34878D82A}">
+                    <a16:rowId xmlns:a16="http://schemas.microsoft.com/office/drawing/2014/main" val="10011"/>
+                  </a:ext>
+                </a:extLst>
               </a:tr>
               <a:tr h="370840">
                 <a:tc>
@@ -17570,10 +17731,9 @@
                     <a:p>
                       <a:pPr algn="ctr"/>
                       <a:r>
-                        <a:rPr lang="en-US" dirty="0" smtClean="0"/>
+                        <a:rPr lang="en-US" dirty="0"/>
                         <a:t>PO12</a:t>
                       </a:r>
-                      <a:endParaRPr lang="en-US" dirty="0"/>
                     </a:p>
                   </a:txBody>
                   <a:tcPr/>
@@ -17710,6 +17870,11 @@
                   </a:txBody>
                   <a:tcPr/>
                 </a:tc>
+                <a:extLst>
+                  <a:ext uri="{0D108BD9-81ED-4DB2-BD59-A6C34878D82A}">
+                    <a16:rowId xmlns:a16="http://schemas.microsoft.com/office/drawing/2014/main" val="10012"/>
+                  </a:ext>
+                </a:extLst>
               </a:tr>
             </a:tbl>
           </a:graphicData>
@@ -17720,7 +17885,7 @@
           <p:cNvPr id="4" name="Date Placeholder 3">
             <a:extLst>
               <a:ext uri="{FF2B5EF4-FFF2-40B4-BE49-F238E27FC236}">
-                <a16:creationId xmlns:a16="http://schemas.microsoft.com/office/drawing/2014/main" xmlns="" id="{D76066D8-4017-49D3-A74C-39BDED6144EB}"/>
+                <a16:creationId xmlns:a16="http://schemas.microsoft.com/office/drawing/2014/main" id="{D76066D8-4017-49D3-A74C-39BDED6144EB}"/>
               </a:ext>
             </a:extLst>
           </p:cNvPr>
@@ -17750,7 +17915,7 @@
           <p:cNvPr id="5" name="Slide Number Placeholder 4">
             <a:extLst>
               <a:ext uri="{FF2B5EF4-FFF2-40B4-BE49-F238E27FC236}">
-                <a16:creationId xmlns:a16="http://schemas.microsoft.com/office/drawing/2014/main" xmlns="" id="{114D5F59-C1E5-4B1A-BA66-70D0B6F715EE}"/>
+                <a16:creationId xmlns:a16="http://schemas.microsoft.com/office/drawing/2014/main" id="{114D5F59-C1E5-4B1A-BA66-70D0B6F715EE}"/>
               </a:ext>
             </a:extLst>
           </p:cNvPr>
@@ -17769,7 +17934,7 @@
             <a:fld id="{330EA680-D336-4FF7-8B7A-9848BB0A1C32}" type="slidenum">
               <a:rPr lang="en-US" smtClean="0"/>
               <a:pPr/>
-              <a:t>16</a:t>
+              <a:t>15</a:t>
             </a:fld>
             <a:endParaRPr lang="en-US"/>
           </a:p>
@@ -17780,7 +17945,7 @@
           <p:cNvPr id="6" name="TextBox 5">
             <a:extLst>
               <a:ext uri="{FF2B5EF4-FFF2-40B4-BE49-F238E27FC236}">
-                <a16:creationId xmlns:a16="http://schemas.microsoft.com/office/drawing/2014/main" xmlns="" id="{B6C99EC1-F94B-44CB-A3E1-D211B377218D}"/>
+                <a16:creationId xmlns:a16="http://schemas.microsoft.com/office/drawing/2014/main" id="{B6C99EC1-F94B-44CB-A3E1-D211B377218D}"/>
               </a:ext>
             </a:extLst>
           </p:cNvPr>
@@ -17789,7 +17954,7 @@
         </p:nvSpPr>
         <p:spPr>
           <a:xfrm>
-            <a:off x="838200" y="339109"/>
+            <a:off x="838200" y="321354"/>
             <a:ext cx="10622872" cy="584775"/>
           </a:xfrm>
           <a:prstGeom prst="rect">
@@ -17805,42 +17970,30 @@
           <a:p>
             <a:pPr algn="ctr"/>
             <a:r>
-              <a:rPr lang="en-IN" sz="3200" b="1" u="sng" dirty="0" smtClean="0">
+              <a:rPr lang="en-IN" sz="3200" b="1" u="sng" dirty="0">
                 <a:solidFill>
                   <a:srgbClr val="FF0000"/>
                 </a:solidFill>
               </a:rPr>
               <a:t>CO – PO Mapping </a:t>
             </a:r>
-            <a:endParaRPr lang="en-IN" sz="3200" b="1" u="sng" dirty="0">
-              <a:solidFill>
-                <a:srgbClr val="FF0000"/>
-              </a:solidFill>
-            </a:endParaRPr>
           </a:p>
         </p:txBody>
       </p:sp>
     </p:spTree>
     <p:extLst>
       <p:ext uri="{BB962C8B-B14F-4D97-AF65-F5344CB8AC3E}">
-        <p14:creationId xmlns:p14="http://schemas.microsoft.com/office/powerpoint/2010/main" xmlns="" val="4028563155"/>
+        <p14:creationId xmlns:p14="http://schemas.microsoft.com/office/powerpoint/2010/main" val="4028563155"/>
       </p:ext>
     </p:extLst>
   </p:cSld>
   <p:clrMapOvr>
     <a:masterClrMapping/>
   </p:clrMapOvr>
-  <p:timing>
-    <p:tnLst>
-      <p:par>
-        <p:cTn id="1" dur="indefinite" restart="never" nodeType="tmRoot"/>
-      </p:par>
-    </p:tnLst>
-  </p:timing>
 </p:sld>
 </file>
 
-<file path=ppt/slides/slide17.xml><?xml version="1.0" encoding="utf-8"?>
+<file path=ppt/slides/slide16.xml><?xml version="1.0" encoding="utf-8"?>
 <p:sld xmlns:a="http://schemas.openxmlformats.org/drawingml/2006/main" xmlns:r="http://schemas.openxmlformats.org/officeDocument/2006/relationships" xmlns:p="http://schemas.openxmlformats.org/presentationml/2006/main">
   <p:cSld>
     <p:spTree>
@@ -17862,7 +18015,7 @@
           <p:cNvPr id="2" name="Title 1">
             <a:extLst>
               <a:ext uri="{FF2B5EF4-FFF2-40B4-BE49-F238E27FC236}">
-                <a16:creationId xmlns:a16="http://schemas.microsoft.com/office/drawing/2014/main" xmlns="" id="{6DCB1159-D691-4B53-B1A6-D9B3A79BE525}"/>
+                <a16:creationId xmlns:a16="http://schemas.microsoft.com/office/drawing/2014/main" id="{6DCB1159-D691-4B53-B1A6-D9B3A79BE525}"/>
               </a:ext>
             </a:extLst>
           </p:cNvPr>
@@ -17887,7 +18040,7 @@
           <p:cNvPr id="3" name="Date Placeholder 2">
             <a:extLst>
               <a:ext uri="{FF2B5EF4-FFF2-40B4-BE49-F238E27FC236}">
-                <a16:creationId xmlns:a16="http://schemas.microsoft.com/office/drawing/2014/main" xmlns="" id="{6DEC8314-1F46-43E9-87EC-9D327CFD75A2}"/>
+                <a16:creationId xmlns:a16="http://schemas.microsoft.com/office/drawing/2014/main" id="{6DEC8314-1F46-43E9-87EC-9D327CFD75A2}"/>
               </a:ext>
             </a:extLst>
           </p:cNvPr>
@@ -17917,7 +18070,7 @@
           <p:cNvPr id="4" name="Slide Number Placeholder 3">
             <a:extLst>
               <a:ext uri="{FF2B5EF4-FFF2-40B4-BE49-F238E27FC236}">
-                <a16:creationId xmlns:a16="http://schemas.microsoft.com/office/drawing/2014/main" xmlns="" id="{60585039-2C10-4B0D-ABFA-290767B07452}"/>
+                <a16:creationId xmlns:a16="http://schemas.microsoft.com/office/drawing/2014/main" id="{60585039-2C10-4B0D-ABFA-290767B07452}"/>
               </a:ext>
             </a:extLst>
           </p:cNvPr>
@@ -17936,7 +18089,7 @@
             <a:fld id="{330EA680-D336-4FF7-8B7A-9848BB0A1C32}" type="slidenum">
               <a:rPr lang="en-US" smtClean="0"/>
               <a:pPr/>
-              <a:t>17</a:t>
+              <a:t>16</a:t>
             </a:fld>
             <a:endParaRPr lang="en-US"/>
           </a:p>
@@ -17947,7 +18100,7 @@
           <p:cNvPr id="8" name="Picture 7">
             <a:extLst>
               <a:ext uri="{FF2B5EF4-FFF2-40B4-BE49-F238E27FC236}">
-                <a16:creationId xmlns:a16="http://schemas.microsoft.com/office/drawing/2014/main" xmlns="" id="{63F881B9-BB6E-445C-BA3F-A72AD63B9124}"/>
+                <a16:creationId xmlns:a16="http://schemas.microsoft.com/office/drawing/2014/main" id="{63F881B9-BB6E-445C-BA3F-A72AD63B9124}"/>
               </a:ext>
             </a:extLst>
           </p:cNvPr>
@@ -17960,7 +18113,7 @@
           <a:blip r:embed="rId2">
             <a:extLst>
               <a:ext uri="{28A0092B-C50C-407E-A947-70E740481C1C}">
-                <a14:useLocalDpi xmlns:a14="http://schemas.microsoft.com/office/drawing/2010/main" xmlns="" val="0"/>
+                <a14:useLocalDpi xmlns:a14="http://schemas.microsoft.com/office/drawing/2010/main" val="0"/>
               </a:ext>
             </a:extLst>
           </a:blip>
@@ -17970,7 +18123,7 @@
         </p:blipFill>
         <p:spPr>
           <a:xfrm>
-            <a:off x="838200" y="365126"/>
+            <a:off x="838200" y="347371"/>
             <a:ext cx="10515600" cy="5991224"/>
           </a:xfrm>
           <a:prstGeom prst="rect">
@@ -17981,20 +18134,13 @@
     </p:spTree>
     <p:extLst>
       <p:ext uri="{BB962C8B-B14F-4D97-AF65-F5344CB8AC3E}">
-        <p14:creationId xmlns:p14="http://schemas.microsoft.com/office/powerpoint/2010/main" xmlns="" val="3574002923"/>
+        <p14:creationId xmlns:p14="http://schemas.microsoft.com/office/powerpoint/2010/main" val="3574002923"/>
       </p:ext>
     </p:extLst>
   </p:cSld>
   <p:clrMapOvr>
     <a:masterClrMapping/>
   </p:clrMapOvr>
-  <p:timing>
-    <p:tnLst>
-      <p:par>
-        <p:cTn id="1" dur="indefinite" restart="never" nodeType="tmRoot"/>
-      </p:par>
-    </p:tnLst>
-  </p:timing>
 </p:sld>
 </file>
 
@@ -18020,7 +18166,7 @@
           <p:cNvPr id="5" name="Subtitle 4">
             <a:extLst>
               <a:ext uri="{FF2B5EF4-FFF2-40B4-BE49-F238E27FC236}">
-                <a16:creationId xmlns:a16="http://schemas.microsoft.com/office/drawing/2014/main" xmlns="" id="{25C99C0B-24DC-464E-AEB0-124B0DECD18C}"/>
+                <a16:creationId xmlns:a16="http://schemas.microsoft.com/office/drawing/2014/main" id="{25C99C0B-24DC-464E-AEB0-124B0DECD18C}"/>
               </a:ext>
             </a:extLst>
           </p:cNvPr>
@@ -18058,7 +18204,7 @@
               <a:buChar char="Ø"/>
             </a:pPr>
             <a:r>
-              <a:rPr lang="en-IN" sz="2800" dirty="0" smtClean="0"/>
+              <a:rPr lang="en-IN" sz="2800" dirty="0"/>
               <a:t>Introduction</a:t>
             </a:r>
           </a:p>
@@ -18068,7 +18214,7 @@
               <a:buChar char="Ø"/>
             </a:pPr>
             <a:r>
-              <a:rPr lang="en-IN" sz="2800" dirty="0" smtClean="0"/>
+              <a:rPr lang="en-IN" sz="2800" dirty="0"/>
               <a:t>Components Information</a:t>
             </a:r>
           </a:p>
@@ -18078,7 +18224,7 @@
               <a:buChar char="Ø"/>
             </a:pPr>
             <a:r>
-              <a:rPr lang="en-IN" sz="2800" dirty="0" smtClean="0"/>
+              <a:rPr lang="en-IN" sz="2800" dirty="0"/>
               <a:t>Simulation Results</a:t>
             </a:r>
           </a:p>
@@ -18088,10 +18234,9 @@
               <a:buChar char="Ø"/>
             </a:pPr>
             <a:r>
-              <a:rPr lang="en-IN" sz="2800" dirty="0" smtClean="0"/>
+              <a:rPr lang="en-IN" sz="2800" dirty="0"/>
               <a:t>Project Time line</a:t>
             </a:r>
-            <a:endParaRPr lang="en-IN" sz="2800" dirty="0"/>
           </a:p>
           <a:p>
             <a:pPr marL="457200" indent="-457200" algn="l">
@@ -18100,7 +18245,7 @@
             </a:pPr>
             <a:r>
               <a:rPr lang="en-IN" sz="2800" dirty="0"/>
-              <a:t>Applications</a:t>
+              <a:t>Advantages</a:t>
             </a:r>
           </a:p>
           <a:p>
@@ -18109,10 +18254,9 @@
               <a:buChar char="Ø"/>
             </a:pPr>
             <a:r>
-              <a:rPr lang="en-IN" sz="2800" dirty="0" smtClean="0"/>
+              <a:rPr lang="en-IN" sz="2800" dirty="0"/>
               <a:t>Conclusion</a:t>
             </a:r>
-            <a:endParaRPr lang="en-IN" sz="2800" dirty="0"/>
           </a:p>
           <a:p>
             <a:pPr marL="457200" indent="-457200" algn="l">
@@ -18120,7 +18264,7 @@
               <a:buChar char="Ø"/>
             </a:pPr>
             <a:r>
-              <a:rPr lang="en-IN" sz="2800" dirty="0" smtClean="0"/>
+              <a:rPr lang="en-IN" sz="2800" dirty="0"/>
               <a:t>References</a:t>
             </a:r>
           </a:p>
@@ -18130,10 +18274,9 @@
               <a:buChar char="Ø"/>
             </a:pPr>
             <a:r>
-              <a:rPr lang="en-IN" sz="2800" dirty="0" smtClean="0"/>
+              <a:rPr lang="en-IN" sz="2800" dirty="0"/>
               <a:t>CO – PO Mapping</a:t>
             </a:r>
-            <a:endParaRPr lang="en-IN" sz="2800" dirty="0"/>
           </a:p>
           <a:p>
             <a:pPr algn="l"/>
@@ -18157,7 +18300,7 @@
           <p:cNvPr id="6" name="TextBox 5">
             <a:extLst>
               <a:ext uri="{FF2B5EF4-FFF2-40B4-BE49-F238E27FC236}">
-                <a16:creationId xmlns:a16="http://schemas.microsoft.com/office/drawing/2014/main" xmlns="" id="{243EF8A7-F534-4440-8C5C-A61C86D65859}"/>
+                <a16:creationId xmlns:a16="http://schemas.microsoft.com/office/drawing/2014/main" id="{243EF8A7-F534-4440-8C5C-A61C86D65859}"/>
               </a:ext>
             </a:extLst>
           </p:cNvPr>
@@ -18204,7 +18347,7 @@
           <p:cNvPr id="2" name="Date Placeholder 1">
             <a:extLst>
               <a:ext uri="{FF2B5EF4-FFF2-40B4-BE49-F238E27FC236}">
-                <a16:creationId xmlns:a16="http://schemas.microsoft.com/office/drawing/2014/main" xmlns="" id="{557D1C03-83FB-4A41-A673-D79050803B7D}"/>
+                <a16:creationId xmlns:a16="http://schemas.microsoft.com/office/drawing/2014/main" id="{557D1C03-83FB-4A41-A673-D79050803B7D}"/>
               </a:ext>
             </a:extLst>
           </p:cNvPr>
@@ -18234,7 +18377,7 @@
           <p:cNvPr id="3" name="Slide Number Placeholder 2">
             <a:extLst>
               <a:ext uri="{FF2B5EF4-FFF2-40B4-BE49-F238E27FC236}">
-                <a16:creationId xmlns:a16="http://schemas.microsoft.com/office/drawing/2014/main" xmlns="" id="{159E4775-580B-43B1-BD6F-CC56A677381D}"/>
+                <a16:creationId xmlns:a16="http://schemas.microsoft.com/office/drawing/2014/main" id="{159E4775-580B-43B1-BD6F-CC56A677381D}"/>
               </a:ext>
             </a:extLst>
           </p:cNvPr>
@@ -18262,20 +18405,13 @@
     </p:spTree>
     <p:extLst>
       <p:ext uri="{BB962C8B-B14F-4D97-AF65-F5344CB8AC3E}">
-        <p14:creationId xmlns:p14="http://schemas.microsoft.com/office/powerpoint/2010/main" xmlns="" val="1975427906"/>
+        <p14:creationId xmlns:p14="http://schemas.microsoft.com/office/powerpoint/2010/main" val="1975427906"/>
       </p:ext>
     </p:extLst>
   </p:cSld>
   <p:clrMapOvr>
     <a:masterClrMapping/>
   </p:clrMapOvr>
-  <p:timing>
-    <p:tnLst>
-      <p:par>
-        <p:cTn id="1" dur="indefinite" restart="never" nodeType="tmRoot"/>
-      </p:par>
-    </p:tnLst>
-  </p:timing>
 </p:sld>
 </file>
 
@@ -18376,13 +18512,8 @@
             </a:pPr>
             <a:r>
               <a:rPr lang="en-US" dirty="0"/>
-              <a:t>Power system fault diagnosis is the process of analyzing historical fault data </a:t>
+              <a:t>Power system fault diagnosis is the process of analyzing historical fault data for the detection and the classification of the current faults.</a:t>
             </a:r>
-            <a:r>
-              <a:rPr lang="en-US" dirty="0" smtClean="0"/>
-              <a:t>for the detection and the classification of the current faults.</a:t>
-            </a:r>
-            <a:endParaRPr lang="en-US" dirty="0"/>
           </a:p>
           <a:p>
             <a:pPr>
@@ -18391,21 +18522,8 @@
             </a:pPr>
             <a:r>
               <a:rPr lang="en-US" dirty="0"/>
-              <a:t>The objective of </a:t>
+              <a:t>The objective of our project is to detect and the classify  faults with the help of the deep neural networks.</a:t>
             </a:r>
-            <a:r>
-              <a:rPr lang="en-US" dirty="0" smtClean="0"/>
-              <a:t>our project is to detect and the classify </a:t>
-            </a:r>
-            <a:r>
-              <a:rPr lang="en-US" dirty="0" smtClean="0"/>
-              <a:t> </a:t>
-            </a:r>
-            <a:r>
-              <a:rPr lang="en-US" dirty="0" smtClean="0"/>
-              <a:t>faults with the help of the deep neural networks.</a:t>
-            </a:r>
-            <a:endParaRPr lang="en-US" dirty="0"/>
           </a:p>
           <a:p>
             <a:endParaRPr lang="en-US" dirty="0"/>
@@ -18478,20 +18596,13 @@
     </p:spTree>
     <p:extLst>
       <p:ext uri="{BB962C8B-B14F-4D97-AF65-F5344CB8AC3E}">
-        <p14:creationId xmlns:p14="http://schemas.microsoft.com/office/powerpoint/2010/main" xmlns="" val="2117165276"/>
+        <p14:creationId xmlns:p14="http://schemas.microsoft.com/office/powerpoint/2010/main" val="2117165276"/>
       </p:ext>
     </p:extLst>
   </p:cSld>
   <p:clrMapOvr>
     <a:masterClrMapping/>
   </p:clrMapOvr>
-  <p:timing>
-    <p:tnLst>
-      <p:par>
-        <p:cTn id="1" dur="indefinite" restart="never" nodeType="tmRoot"/>
-      </p:par>
-    </p:tnLst>
-  </p:timing>
 </p:sld>
 </file>
 
@@ -18517,7 +18628,7 @@
           <p:cNvPr id="2" name="TextBox 1">
             <a:extLst>
               <a:ext uri="{FF2B5EF4-FFF2-40B4-BE49-F238E27FC236}">
-                <a16:creationId xmlns:a16="http://schemas.microsoft.com/office/drawing/2014/main" xmlns="" id="{647B59D4-2B44-4776-860C-47B66B58FF3B}"/>
+                <a16:creationId xmlns:a16="http://schemas.microsoft.com/office/drawing/2014/main" id="{647B59D4-2B44-4776-860C-47B66B58FF3B}"/>
               </a:ext>
             </a:extLst>
           </p:cNvPr>
@@ -18557,7 +18668,7 @@
           <p:cNvPr id="4" name="Subtitle 3">
             <a:extLst>
               <a:ext uri="{FF2B5EF4-FFF2-40B4-BE49-F238E27FC236}">
-                <a16:creationId xmlns:a16="http://schemas.microsoft.com/office/drawing/2014/main" xmlns="" id="{5BAF7A38-E445-4B58-9796-4267284E645F}"/>
+                <a16:creationId xmlns:a16="http://schemas.microsoft.com/office/drawing/2014/main" id="{5BAF7A38-E445-4B58-9796-4267284E645F}"/>
               </a:ext>
             </a:extLst>
           </p:cNvPr>
@@ -18576,7 +18687,7 @@
         </p:spPr>
         <p:txBody>
           <a:bodyPr>
-            <a:normAutofit fontScale="92500" lnSpcReduction="20000"/>
+            <a:normAutofit fontScale="85000" lnSpcReduction="20000"/>
           </a:bodyPr>
           <a:lstStyle/>
           <a:p>
@@ -18588,7 +18699,7 @@
               <a:buChar char="Ø"/>
             </a:pPr>
             <a:r>
-              <a:rPr lang="en-IN" sz="2800" dirty="0" smtClean="0"/>
+              <a:rPr lang="en-IN" sz="2800" dirty="0"/>
               <a:t>From past few decades we are very much depending on the electric power.</a:t>
             </a:r>
           </a:p>
@@ -18601,7 +18712,7 @@
               <a:buChar char="Ø"/>
             </a:pPr>
             <a:r>
-              <a:rPr lang="en-IN" sz="2800" dirty="0" smtClean="0"/>
+              <a:rPr lang="en-IN" sz="2800" dirty="0"/>
               <a:t>Transmission lines are the bridge between generating stations to distribution stations. </a:t>
             </a:r>
           </a:p>
@@ -18614,7 +18725,7 @@
               <a:buChar char="Ø"/>
             </a:pPr>
             <a:r>
-              <a:rPr lang="en-IN" sz="2800" dirty="0" smtClean="0"/>
+              <a:rPr lang="en-IN" sz="2800" dirty="0"/>
               <a:t>Faults in the transmission lines are common but the protection is necessary to protect the system from faults.</a:t>
             </a:r>
           </a:p>
@@ -18627,23 +18738,26 @@
               <a:buChar char="Ø"/>
             </a:pPr>
             <a:r>
-              <a:rPr lang="en-IN" sz="2800" dirty="0" smtClean="0"/>
+              <a:rPr lang="en-IN" sz="2800" dirty="0"/>
               <a:t>The fault detection and the classification in the transmission line is very much important. </a:t>
             </a:r>
           </a:p>
           <a:p>
-            <a:pPr algn="just">
+            <a:pPr marL="342900" indent="-342900" algn="just">
+              <a:lnSpc>
+                <a:spcPct val="150000"/>
+              </a:lnSpc>
               <a:buFont typeface="Wingdings" panose="05000000000000000000" pitchFamily="2" charset="2"/>
               <a:buChar char="Ø"/>
             </a:pPr>
             <a:r>
-              <a:rPr lang="en-US" sz="2800" dirty="0" smtClean="0"/>
-              <a:t> By using the deep neural networks we can classify the type of fault  occurred in the transmission line, which requires past data.</a:t>
+              <a:rPr lang="en-US" sz="2800" dirty="0"/>
+              <a:t>By using the deep neural networks we can classify the type of fault        occurred in the transmission line, which requires past data.</a:t>
             </a:r>
           </a:p>
           <a:p>
             <a:pPr algn="just"/>
-            <a:endParaRPr lang="en-US" sz="2800" dirty="0" smtClean="0"/>
+            <a:endParaRPr lang="en-US" sz="2800" dirty="0"/>
           </a:p>
           <a:p>
             <a:pPr marL="342900" indent="-342900" algn="just">
@@ -18662,7 +18776,7 @@
           <p:cNvPr id="3" name="Date Placeholder 2">
             <a:extLst>
               <a:ext uri="{FF2B5EF4-FFF2-40B4-BE49-F238E27FC236}">
-                <a16:creationId xmlns:a16="http://schemas.microsoft.com/office/drawing/2014/main" xmlns="" id="{885E3CB4-25D1-4287-82D6-F9574CEE3BDF}"/>
+                <a16:creationId xmlns:a16="http://schemas.microsoft.com/office/drawing/2014/main" id="{885E3CB4-25D1-4287-82D6-F9574CEE3BDF}"/>
               </a:ext>
             </a:extLst>
           </p:cNvPr>
@@ -18692,7 +18806,7 @@
           <p:cNvPr id="5" name="Slide Number Placeholder 4">
             <a:extLst>
               <a:ext uri="{FF2B5EF4-FFF2-40B4-BE49-F238E27FC236}">
-                <a16:creationId xmlns:a16="http://schemas.microsoft.com/office/drawing/2014/main" xmlns="" id="{298F78CD-D8AB-4C18-8B69-D4483DA72939}"/>
+                <a16:creationId xmlns:a16="http://schemas.microsoft.com/office/drawing/2014/main" id="{298F78CD-D8AB-4C18-8B69-D4483DA72939}"/>
               </a:ext>
             </a:extLst>
           </p:cNvPr>
@@ -18720,20 +18834,13 @@
     </p:spTree>
     <p:extLst>
       <p:ext uri="{BB962C8B-B14F-4D97-AF65-F5344CB8AC3E}">
-        <p14:creationId xmlns:p14="http://schemas.microsoft.com/office/powerpoint/2010/main" xmlns="" val="991653462"/>
+        <p14:creationId xmlns:p14="http://schemas.microsoft.com/office/powerpoint/2010/main" val="991653462"/>
       </p:ext>
     </p:extLst>
   </p:cSld>
   <p:clrMapOvr>
     <a:masterClrMapping/>
   </p:clrMapOvr>
-  <p:timing>
-    <p:tnLst>
-      <p:par>
-        <p:cTn id="1" dur="indefinite" restart="never" nodeType="tmRoot"/>
-      </p:par>
-    </p:tnLst>
-  </p:timing>
 </p:sld>
 </file>
 
@@ -18779,7 +18886,7 @@
               <a:buChar char="Ø"/>
             </a:pPr>
             <a:r>
-              <a:rPr lang="en-US" dirty="0" smtClean="0"/>
+              <a:rPr lang="en-US" dirty="0"/>
               <a:t>Here we are using MATLAB to generate the fault data for  deep neural networks.</a:t>
             </a:r>
           </a:p>
@@ -18789,7 +18896,7 @@
               <a:buChar char="Ø"/>
             </a:pPr>
             <a:r>
-              <a:rPr lang="en-US" dirty="0" smtClean="0"/>
+              <a:rPr lang="en-US" dirty="0"/>
               <a:t>We are using NeuroSolutions software for the training and testing of the network.</a:t>
             </a:r>
           </a:p>
@@ -18799,7 +18906,7 @@
               <a:buChar char="Ø"/>
             </a:pPr>
             <a:r>
-              <a:rPr lang="en-US" dirty="0" smtClean="0"/>
+              <a:rPr lang="en-US" dirty="0"/>
               <a:t>We are using Recurrent Neural Network for the classification of  shunt faults in the transmission line.</a:t>
             </a:r>
           </a:p>
@@ -18858,7 +18965,7 @@
           <p:cNvPr id="6" name="TextBox 5">
             <a:extLst>
               <a:ext uri="{FF2B5EF4-FFF2-40B4-BE49-F238E27FC236}">
-                <a16:creationId xmlns:a16="http://schemas.microsoft.com/office/drawing/2014/main" xmlns="" id="{74347C76-4F23-44C2-8A76-7BCB3209A5F3}"/>
+                <a16:creationId xmlns:a16="http://schemas.microsoft.com/office/drawing/2014/main" id="{74347C76-4F23-44C2-8A76-7BCB3209A5F3}"/>
               </a:ext>
             </a:extLst>
           </p:cNvPr>
@@ -18883,18 +18990,13 @@
           <a:p>
             <a:pPr algn="ctr"/>
             <a:r>
-              <a:rPr lang="en-IN" sz="3200" b="1" u="sng" dirty="0" smtClean="0">
+              <a:rPr lang="en-IN" sz="3200" b="1" u="sng" dirty="0">
                 <a:solidFill>
                   <a:srgbClr val="FF0000"/>
                 </a:solidFill>
               </a:rPr>
               <a:t>Components</a:t>
             </a:r>
-            <a:endParaRPr lang="en-IN" sz="3200" b="1" u="sng" dirty="0">
-              <a:solidFill>
-                <a:srgbClr val="FF0000"/>
-              </a:solidFill>
-            </a:endParaRPr>
           </a:p>
         </p:txBody>
       </p:sp>
@@ -18993,10 +19095,9 @@
           <a:lstStyle/>
           <a:p>
             <a:r>
-              <a:rPr lang="en-US" dirty="0" smtClean="0"/>
+              <a:rPr lang="en-US" dirty="0"/>
               <a:t>Fig . 1 . Matlab</a:t>
             </a:r>
-            <a:endParaRPr lang="en-US" dirty="0"/>
           </a:p>
         </p:txBody>
       </p:sp>
@@ -19023,10 +19124,9 @@
           <a:lstStyle/>
           <a:p>
             <a:r>
-              <a:rPr lang="en-US" dirty="0" smtClean="0"/>
+              <a:rPr lang="en-US" dirty="0"/>
               <a:t>Fig. 2 . NeuroSolutions</a:t>
             </a:r>
-            <a:endParaRPr lang="en-US" dirty="0"/>
           </a:p>
         </p:txBody>
       </p:sp>
@@ -19053,30 +19153,22 @@
           <a:lstStyle/>
           <a:p>
             <a:r>
-              <a:rPr lang="en-US" dirty="0" smtClean="0"/>
+              <a:rPr lang="en-US" dirty="0"/>
               <a:t>Fig. 3. Microsoft Excel</a:t>
             </a:r>
-            <a:endParaRPr lang="en-US" dirty="0"/>
           </a:p>
         </p:txBody>
       </p:sp>
     </p:spTree>
     <p:extLst>
       <p:ext uri="{BB962C8B-B14F-4D97-AF65-F5344CB8AC3E}">
-        <p14:creationId xmlns:p14="http://schemas.microsoft.com/office/powerpoint/2010/main" xmlns="" val="1906710318"/>
+        <p14:creationId xmlns:p14="http://schemas.microsoft.com/office/powerpoint/2010/main" val="1906710318"/>
       </p:ext>
     </p:extLst>
   </p:cSld>
   <p:clrMapOvr>
     <a:masterClrMapping/>
   </p:clrMapOvr>
-  <p:timing>
-    <p:tnLst>
-      <p:par>
-        <p:cTn id="1" dur="indefinite" restart="never" nodeType="tmRoot"/>
-      </p:par>
-    </p:tnLst>
-  </p:timing>
 </p:sld>
 </file>
 
@@ -19191,10 +19283,9 @@
           <a:lstStyle/>
           <a:p>
             <a:r>
-              <a:rPr lang="en-US" dirty="0" smtClean="0"/>
+              <a:rPr lang="en-US" dirty="0"/>
               <a:t>Fig. 4. Recurrent Neural Network</a:t>
             </a:r>
-            <a:endParaRPr lang="en-US" dirty="0"/>
           </a:p>
         </p:txBody>
       </p:sp>
@@ -19203,13 +19294,6 @@
   <p:clrMapOvr>
     <a:masterClrMapping/>
   </p:clrMapOvr>
-  <p:timing>
-    <p:tnLst>
-      <p:par>
-        <p:cTn id="1" dur="indefinite" restart="never" nodeType="tmRoot"/>
-      </p:par>
-    </p:tnLst>
-  </p:timing>
 </p:sld>
 </file>
 
@@ -19254,7 +19338,7 @@
               <a:buNone/>
             </a:pPr>
             <a:r>
-              <a:rPr lang="en-US" dirty="0" smtClean="0">
+              <a:rPr lang="en-US" dirty="0">
                 <a:solidFill>
                   <a:schemeClr val="accent2"/>
                 </a:solidFill>
@@ -19262,7 +19346,7 @@
               <a:t>Line Voltage V</a:t>
             </a:r>
             <a:r>
-              <a:rPr lang="en-US" sz="1400" dirty="0" smtClean="0">
+              <a:rPr lang="en-US" sz="1400" dirty="0">
                 <a:solidFill>
                   <a:schemeClr val="accent2"/>
                 </a:solidFill>
@@ -19270,7 +19354,7 @@
               <a:t>L-L   </a:t>
             </a:r>
             <a:r>
-              <a:rPr lang="en-US" dirty="0" smtClean="0">
+              <a:rPr lang="en-US" dirty="0">
                 <a:solidFill>
                   <a:schemeClr val="accent2"/>
                 </a:solidFill>
@@ -19283,12 +19367,12 @@
               <a:buNone/>
             </a:pPr>
             <a:r>
-              <a:rPr lang="en-US" dirty="0" smtClean="0">
+              <a:rPr lang="en-US" dirty="0">
                 <a:solidFill>
                   <a:schemeClr val="accent2"/>
                 </a:solidFill>
               </a:rPr>
-              <a:t>Line Length,        = 200 km</a:t>
+              <a:t>Line Length, l        = 200 km</a:t>
             </a:r>
           </a:p>
           <a:p>
@@ -19296,7 +19380,7 @@
               <a:buNone/>
             </a:pPr>
             <a:r>
-              <a:rPr lang="en-US" dirty="0" smtClean="0">
+              <a:rPr lang="en-US" dirty="0">
                 <a:solidFill>
                   <a:schemeClr val="accent2"/>
                 </a:solidFill>
@@ -19309,7 +19393,7 @@
               <a:buNone/>
             </a:pPr>
             <a:r>
-              <a:rPr lang="en-US" dirty="0" smtClean="0">
+              <a:rPr lang="en-US" dirty="0">
                 <a:solidFill>
                   <a:schemeClr val="accent2"/>
                 </a:solidFill>
@@ -19317,7 +19401,7 @@
               <a:t>Z</a:t>
             </a:r>
             <a:r>
-              <a:rPr lang="en-US" sz="1800" dirty="0" smtClean="0">
+              <a:rPr lang="en-US" sz="1800" dirty="0">
                 <a:solidFill>
                   <a:schemeClr val="accent2"/>
                 </a:solidFill>
@@ -19325,7 +19409,7 @@
               <a:t>1                                        </a:t>
             </a:r>
             <a:r>
-              <a:rPr lang="en-US" dirty="0" smtClean="0">
+              <a:rPr lang="en-US" dirty="0">
                 <a:solidFill>
                   <a:schemeClr val="accent2"/>
                 </a:solidFill>
@@ -19333,30 +19417,30 @@
               <a:t>= </a:t>
             </a:r>
             <a:r>
-              <a:rPr lang="en-US" sz="2000" dirty="0" smtClean="0">
+              <a:rPr lang="en-US" sz="2000" dirty="0">
                 <a:solidFill>
                   <a:schemeClr val="accent2"/>
                 </a:solidFill>
               </a:rPr>
-              <a:t>4.76 + </a:t>
+              <a:t>4.76 + j</a:t>
             </a:r>
             <a:r>
-              <a:rPr lang="en-US" sz="2000" dirty="0" smtClean="0">
+              <a:rPr lang="en-US" sz="1200" dirty="0">
                 <a:solidFill>
                   <a:schemeClr val="accent2"/>
                 </a:solidFill>
               </a:rPr>
-              <a:t>j59.75 </a:t>
+              <a:t>*</a:t>
             </a:r>
             <a:r>
-              <a:rPr lang="en-US" sz="2000" dirty="0" smtClean="0">
+              <a:rPr lang="en-US" sz="2000" dirty="0">
                 <a:solidFill>
                   <a:schemeClr val="accent2"/>
                 </a:solidFill>
               </a:rPr>
-              <a:t>ohms</a:t>
+              <a:t>59.75 ohms</a:t>
             </a:r>
-            <a:endParaRPr lang="en-US" dirty="0" smtClean="0">
+            <a:endParaRPr lang="en-US" dirty="0">
               <a:solidFill>
                 <a:schemeClr val="accent2"/>
               </a:solidFill>
@@ -19367,7 +19451,7 @@
               <a:buNone/>
             </a:pPr>
             <a:r>
-              <a:rPr lang="en-US" dirty="0" smtClean="0">
+              <a:rPr lang="en-US" dirty="0">
                 <a:solidFill>
                   <a:schemeClr val="accent2"/>
                 </a:solidFill>
@@ -19375,7 +19459,7 @@
               <a:t>Z</a:t>
             </a:r>
             <a:r>
-              <a:rPr lang="en-US" sz="1600" dirty="0" smtClean="0">
+              <a:rPr lang="en-US" sz="1600" dirty="0">
                 <a:solidFill>
                   <a:schemeClr val="accent2"/>
                 </a:solidFill>
@@ -19383,7 +19467,7 @@
               <a:t>0                                              </a:t>
             </a:r>
             <a:r>
-              <a:rPr lang="en-US" dirty="0" smtClean="0">
+              <a:rPr lang="en-US" dirty="0">
                 <a:solidFill>
                   <a:schemeClr val="accent2"/>
                 </a:solidFill>
@@ -19391,30 +19475,30 @@
               <a:t>= </a:t>
             </a:r>
             <a:r>
-              <a:rPr lang="en-US" sz="2000" dirty="0" smtClean="0">
+              <a:rPr lang="en-US" sz="2000" dirty="0">
                 <a:solidFill>
                   <a:schemeClr val="accent2"/>
                 </a:solidFill>
               </a:rPr>
-              <a:t>77.70 + </a:t>
+              <a:t>77.70 + j</a:t>
             </a:r>
             <a:r>
-              <a:rPr lang="en-US" sz="2000" dirty="0" smtClean="0">
+              <a:rPr lang="en-US" sz="1100" dirty="0">
                 <a:solidFill>
                   <a:schemeClr val="accent2"/>
                 </a:solidFill>
               </a:rPr>
-              <a:t>j204.26 </a:t>
+              <a:t>*</a:t>
             </a:r>
             <a:r>
-              <a:rPr lang="en-US" sz="2000" dirty="0" smtClean="0">
+              <a:rPr lang="en-US" sz="2000" dirty="0">
                 <a:solidFill>
                   <a:schemeClr val="accent2"/>
                 </a:solidFill>
               </a:rPr>
-              <a:t>ohms</a:t>
+              <a:t>204.26 ohms</a:t>
             </a:r>
-            <a:endParaRPr lang="en-US" dirty="0" smtClean="0">
+            <a:endParaRPr lang="en-US" dirty="0">
               <a:solidFill>
                 <a:schemeClr val="accent2"/>
               </a:solidFill>
@@ -19425,7 +19509,7 @@
               <a:buNone/>
             </a:pPr>
             <a:r>
-              <a:rPr lang="en-US" dirty="0" smtClean="0">
+              <a:rPr lang="en-US" dirty="0">
                 <a:solidFill>
                   <a:schemeClr val="accent2"/>
                 </a:solidFill>
@@ -19433,7 +19517,7 @@
               <a:t>Fault Types          : </a:t>
             </a:r>
             <a:r>
-              <a:rPr lang="en-US" sz="2000" dirty="0" smtClean="0">
+              <a:rPr lang="en-US" sz="2000" dirty="0">
                 <a:solidFill>
                   <a:schemeClr val="accent2"/>
                 </a:solidFill>
@@ -19441,7 +19525,7 @@
               <a:t>a-g, b-g, c-g, </a:t>
             </a:r>
             <a:r>
-              <a:rPr lang="en-US" sz="2000" dirty="0" err="1" smtClean="0">
+              <a:rPr lang="en-US" sz="2000" dirty="0" err="1">
                 <a:solidFill>
                   <a:schemeClr val="accent2"/>
                 </a:solidFill>
@@ -19449,7 +19533,7 @@
               <a:t>ab</a:t>
             </a:r>
             <a:r>
-              <a:rPr lang="en-US" sz="2000" dirty="0" smtClean="0">
+              <a:rPr lang="en-US" sz="2000" dirty="0">
                 <a:solidFill>
                   <a:schemeClr val="accent2"/>
                 </a:solidFill>
@@ -19457,7 +19541,7 @@
               <a:t>, </a:t>
             </a:r>
             <a:r>
-              <a:rPr lang="en-US" sz="2000" dirty="0" err="1" smtClean="0">
+              <a:rPr lang="en-US" sz="2000" dirty="0" err="1">
                 <a:solidFill>
                   <a:schemeClr val="accent2"/>
                 </a:solidFill>
@@ -19465,7 +19549,7 @@
               <a:t>bc</a:t>
             </a:r>
             <a:r>
-              <a:rPr lang="en-US" sz="2000" dirty="0" smtClean="0">
+              <a:rPr lang="en-US" sz="2000" dirty="0">
                 <a:solidFill>
                   <a:schemeClr val="accent2"/>
                 </a:solidFill>
@@ -19473,7 +19557,7 @@
               <a:t>, ac, 		             </a:t>
             </a:r>
             <a:r>
-              <a:rPr lang="en-US" sz="2000" dirty="0" err="1" smtClean="0">
+              <a:rPr lang="en-US" sz="2000" dirty="0" err="1">
                 <a:solidFill>
                   <a:schemeClr val="accent2"/>
                 </a:solidFill>
@@ -19481,7 +19565,7 @@
               <a:t>ab</a:t>
             </a:r>
             <a:r>
-              <a:rPr lang="en-US" sz="2000" dirty="0" smtClean="0">
+              <a:rPr lang="en-US" sz="2000" dirty="0">
                 <a:solidFill>
                   <a:schemeClr val="accent2"/>
                 </a:solidFill>
@@ -19489,7 +19573,7 @@
               <a:t>-g, </a:t>
             </a:r>
             <a:r>
-              <a:rPr lang="en-US" sz="2000" dirty="0" err="1" smtClean="0">
+              <a:rPr lang="en-US" sz="2000" dirty="0" err="1">
                 <a:solidFill>
                   <a:schemeClr val="accent2"/>
                 </a:solidFill>
@@ -19497,7 +19581,7 @@
               <a:t>bc</a:t>
             </a:r>
             <a:r>
-              <a:rPr lang="en-US" sz="2000" dirty="0" smtClean="0">
+              <a:rPr lang="en-US" sz="2000" dirty="0">
                 <a:solidFill>
                   <a:schemeClr val="accent2"/>
                 </a:solidFill>
@@ -19505,7 +19589,7 @@
               <a:t>-g, ac-g, </a:t>
             </a:r>
             <a:r>
-              <a:rPr lang="en-US" sz="2000" dirty="0" err="1" smtClean="0">
+              <a:rPr lang="en-US" sz="2000" dirty="0" err="1">
                 <a:solidFill>
                   <a:schemeClr val="accent2"/>
                 </a:solidFill>
@@ -19513,7 +19597,7 @@
               <a:t>abc</a:t>
             </a:r>
             <a:r>
-              <a:rPr lang="en-US" sz="2000" dirty="0" smtClean="0">
+              <a:rPr lang="en-US" sz="2000" dirty="0">
                 <a:solidFill>
                   <a:schemeClr val="accent2"/>
                 </a:solidFill>
@@ -19526,7 +19610,7 @@
               <a:buNone/>
             </a:pPr>
             <a:r>
-              <a:rPr lang="en-US" sz="2000" dirty="0" smtClean="0">
+              <a:rPr lang="en-US" sz="2000" dirty="0">
                 <a:solidFill>
                   <a:schemeClr val="accent2"/>
                 </a:solidFill>
@@ -19539,7 +19623,7 @@
               <a:buNone/>
             </a:pPr>
             <a:r>
-              <a:rPr lang="en-US" dirty="0" smtClean="0">
+              <a:rPr lang="en-US" dirty="0">
                 <a:solidFill>
                   <a:schemeClr val="accent2"/>
                 </a:solidFill>
@@ -19547,7 +19631,7 @@
               <a:t>Fault Resistance : </a:t>
             </a:r>
             <a:r>
-              <a:rPr lang="en-US" sz="1800" dirty="0" smtClean="0">
+              <a:rPr lang="en-US" sz="1800" dirty="0">
                 <a:solidFill>
                   <a:schemeClr val="accent2"/>
                 </a:solidFill>
@@ -19560,7 +19644,7 @@
               <a:buNone/>
             </a:pPr>
             <a:r>
-              <a:rPr lang="en-US" dirty="0" smtClean="0">
+              <a:rPr lang="en-US" dirty="0">
                 <a:solidFill>
                   <a:schemeClr val="accent2"/>
                 </a:solidFill>
@@ -19568,7 +19652,7 @@
               <a:t>Fault Location     : </a:t>
             </a:r>
             <a:r>
-              <a:rPr lang="en-US" sz="1800" dirty="0" smtClean="0">
+              <a:rPr lang="en-US" sz="1800" dirty="0">
                 <a:solidFill>
                   <a:schemeClr val="accent2"/>
                 </a:solidFill>
@@ -19576,7 +19660,7 @@
               <a:t>0,50,100,150,200 </a:t>
             </a:r>
             <a:r>
-              <a:rPr lang="en-US" sz="1800" dirty="0" err="1" smtClean="0">
+              <a:rPr lang="en-US" sz="1800" dirty="0" err="1">
                 <a:solidFill>
                   <a:schemeClr val="accent2"/>
                 </a:solidFill>
@@ -19584,18 +19668,13 @@
               <a:t>kms</a:t>
             </a:r>
             <a:r>
-              <a:rPr lang="en-US" dirty="0" smtClean="0">
+              <a:rPr lang="en-US" dirty="0">
                 <a:solidFill>
                   <a:schemeClr val="accent2"/>
                 </a:solidFill>
               </a:rPr>
               <a:t> </a:t>
             </a:r>
-            <a:endParaRPr lang="en-US" dirty="0">
-              <a:solidFill>
-                <a:schemeClr val="accent2"/>
-              </a:solidFill>
-            </a:endParaRPr>
           </a:p>
         </p:txBody>
       </p:sp>
@@ -19694,18 +19773,9 @@
           <a:lstStyle/>
           <a:p>
             <a:r>
-              <a:rPr lang="en-US" dirty="0" smtClean="0"/>
-              <a:t>Fig. </a:t>
+              <a:rPr lang="en-US" dirty="0"/>
+              <a:t>Fig. 5. Transmission network considered for the simulations</a:t>
             </a:r>
-            <a:r>
-              <a:rPr lang="en-US" dirty="0" smtClean="0"/>
-              <a:t>5. </a:t>
-            </a:r>
-            <a:r>
-              <a:rPr lang="en-US" dirty="0" smtClean="0"/>
-              <a:t>Transmission network considered for the simulations</a:t>
-            </a:r>
-            <a:endParaRPr lang="en-US" dirty="0"/>
           </a:p>
         </p:txBody>
       </p:sp>
@@ -19714,13 +19784,6 @@
   <p:clrMapOvr>
     <a:masterClrMapping/>
   </p:clrMapOvr>
-  <p:timing>
-    <p:tnLst>
-      <p:par>
-        <p:cTn id="1" dur="indefinite" restart="never" nodeType="tmRoot"/>
-      </p:par>
-    </p:tnLst>
-  </p:timing>
 </p:sld>
 </file>
 
@@ -19794,7 +19857,7 @@
           <p:cNvPr id="6" name="TextBox 5">
             <a:extLst>
               <a:ext uri="{FF2B5EF4-FFF2-40B4-BE49-F238E27FC236}">
-                <a16:creationId xmlns:a16="http://schemas.microsoft.com/office/drawing/2014/main" xmlns="" id="{74347C76-4F23-44C2-8A76-7BCB3209A5F3}"/>
+                <a16:creationId xmlns:a16="http://schemas.microsoft.com/office/drawing/2014/main" id="{74347C76-4F23-44C2-8A76-7BCB3209A5F3}"/>
               </a:ext>
             </a:extLst>
           </p:cNvPr>
@@ -19819,18 +19882,13 @@
           <a:p>
             <a:pPr algn="ctr"/>
             <a:r>
-              <a:rPr lang="en-IN" sz="3200" b="1" u="sng" dirty="0" smtClean="0">
+              <a:rPr lang="en-IN" sz="3200" b="1" u="sng" dirty="0">
                 <a:solidFill>
                   <a:srgbClr val="FF0000"/>
                 </a:solidFill>
               </a:rPr>
               <a:t>Simulation Results</a:t>
             </a:r>
-            <a:endParaRPr lang="en-IN" sz="3200" b="1" u="sng" dirty="0">
-              <a:solidFill>
-                <a:srgbClr val="FF0000"/>
-              </a:solidFill>
-            </a:endParaRPr>
           </a:p>
         </p:txBody>
       </p:sp>
@@ -19877,18 +19935,9 @@
           <a:lstStyle/>
           <a:p>
             <a:r>
-              <a:rPr lang="en-US" dirty="0" smtClean="0"/>
-              <a:t>Fig. </a:t>
+              <a:rPr lang="en-US" dirty="0"/>
+              <a:t>Fig. 6. MSE vs Epoch for Training with 5 hidden layers </a:t>
             </a:r>
-            <a:r>
-              <a:rPr lang="en-US" dirty="0" smtClean="0"/>
-              <a:t>6. </a:t>
-            </a:r>
-            <a:r>
-              <a:rPr lang="en-US" dirty="0" smtClean="0"/>
-              <a:t>MSE vs Epoch for Training with 5 hidden layers </a:t>
-            </a:r>
-            <a:endParaRPr lang="en-US" dirty="0"/>
           </a:p>
         </p:txBody>
       </p:sp>
@@ -19911,9 +19960,27 @@
                 <a:tableStyleId>{35758FB7-9AC5-4552-8A53-C91805E547FA}</a:tableStyleId>
               </a:tblPr>
               <a:tblGrid>
-                <a:gridCol w="1287979"/>
-                <a:gridCol w="1287979"/>
-                <a:gridCol w="1378895"/>
+                <a:gridCol w="1287979">
+                  <a:extLst>
+                    <a:ext uri="{9D8B030D-6E8A-4147-A177-3AD203B41FA5}">
+                      <a16:colId xmlns:a16="http://schemas.microsoft.com/office/drawing/2014/main" val="20000"/>
+                    </a:ext>
+                  </a:extLst>
+                </a:gridCol>
+                <a:gridCol w="1287979">
+                  <a:extLst>
+                    <a:ext uri="{9D8B030D-6E8A-4147-A177-3AD203B41FA5}">
+                      <a16:colId xmlns:a16="http://schemas.microsoft.com/office/drawing/2014/main" val="20001"/>
+                    </a:ext>
+                  </a:extLst>
+                </a:gridCol>
+                <a:gridCol w="1378895">
+                  <a:extLst>
+                    <a:ext uri="{9D8B030D-6E8A-4147-A177-3AD203B41FA5}">
+                      <a16:colId xmlns:a16="http://schemas.microsoft.com/office/drawing/2014/main" val="20002"/>
+                    </a:ext>
+                  </a:extLst>
+                </a:gridCol>
               </a:tblGrid>
               <a:tr h="286745">
                 <a:tc>
@@ -19988,6 +20055,11 @@
                     </a:solidFill>
                   </a:tcPr>
                 </a:tc>
+                <a:extLst>
+                  <a:ext uri="{0D108BD9-81ED-4DB2-BD59-A6C34878D82A}">
+                    <a16:rowId xmlns:a16="http://schemas.microsoft.com/office/drawing/2014/main" val="10000"/>
+                  </a:ext>
+                </a:extLst>
               </a:tr>
               <a:tr h="286745">
                 <a:tc>
@@ -20062,6 +20134,11 @@
                     </a:solidFill>
                   </a:tcPr>
                 </a:tc>
+                <a:extLst>
+                  <a:ext uri="{0D108BD9-81ED-4DB2-BD59-A6C34878D82A}">
+                    <a16:rowId xmlns:a16="http://schemas.microsoft.com/office/drawing/2014/main" val="10001"/>
+                  </a:ext>
+                </a:extLst>
               </a:tr>
               <a:tr h="286745">
                 <a:tc>
@@ -20136,6 +20213,11 @@
                     </a:solidFill>
                   </a:tcPr>
                 </a:tc>
+                <a:extLst>
+                  <a:ext uri="{0D108BD9-81ED-4DB2-BD59-A6C34878D82A}">
+                    <a16:rowId xmlns:a16="http://schemas.microsoft.com/office/drawing/2014/main" val="10002"/>
+                  </a:ext>
+                </a:extLst>
               </a:tr>
               <a:tr h="286745">
                 <a:tc>
@@ -20210,6 +20292,11 @@
                     </a:solidFill>
                   </a:tcPr>
                 </a:tc>
+                <a:extLst>
+                  <a:ext uri="{0D108BD9-81ED-4DB2-BD59-A6C34878D82A}">
+                    <a16:rowId xmlns:a16="http://schemas.microsoft.com/office/drawing/2014/main" val="10003"/>
+                  </a:ext>
+                </a:extLst>
               </a:tr>
             </a:tbl>
           </a:graphicData>
@@ -20238,30 +20325,22 @@
           <a:lstStyle/>
           <a:p>
             <a:r>
-              <a:rPr lang="en-US" dirty="0" smtClean="0"/>
+              <a:rPr lang="en-US" dirty="0"/>
               <a:t>Table. 1. Training Results</a:t>
             </a:r>
-            <a:endParaRPr lang="en-US" dirty="0"/>
           </a:p>
         </p:txBody>
       </p:sp>
     </p:spTree>
     <p:extLst>
       <p:ext uri="{BB962C8B-B14F-4D97-AF65-F5344CB8AC3E}">
-        <p14:creationId xmlns:p14="http://schemas.microsoft.com/office/powerpoint/2010/main" xmlns="" val="1906710318"/>
+        <p14:creationId xmlns:p14="http://schemas.microsoft.com/office/powerpoint/2010/main" val="1906710318"/>
       </p:ext>
     </p:extLst>
   </p:cSld>
   <p:clrMapOvr>
     <a:masterClrMapping/>
   </p:clrMapOvr>
-  <p:timing>
-    <p:tnLst>
-      <p:par>
-        <p:cTn id="1" dur="indefinite" restart="never" nodeType="tmRoot"/>
-      </p:par>
-    </p:tnLst>
-  </p:timing>
 </p:sld>
 </file>
 
@@ -20349,18 +20428,90 @@
                 <a:tableStyleId>{ED083AE6-46FA-4A59-8FB0-9F97EB10719F}</a:tableStyleId>
               </a:tblPr>
               <a:tblGrid>
-                <a:gridCol w="971691"/>
-                <a:gridCol w="907623"/>
-                <a:gridCol w="907623"/>
-                <a:gridCol w="907623"/>
-                <a:gridCol w="907623"/>
-                <a:gridCol w="907623"/>
-                <a:gridCol w="907623"/>
-                <a:gridCol w="907623"/>
-                <a:gridCol w="907623"/>
-                <a:gridCol w="907623"/>
-                <a:gridCol w="907623"/>
-                <a:gridCol w="907623"/>
+                <a:gridCol w="971691">
+                  <a:extLst>
+                    <a:ext uri="{9D8B030D-6E8A-4147-A177-3AD203B41FA5}">
+                      <a16:colId xmlns:a16="http://schemas.microsoft.com/office/drawing/2014/main" val="20000"/>
+                    </a:ext>
+                  </a:extLst>
+                </a:gridCol>
+                <a:gridCol w="907623">
+                  <a:extLst>
+                    <a:ext uri="{9D8B030D-6E8A-4147-A177-3AD203B41FA5}">
+                      <a16:colId xmlns:a16="http://schemas.microsoft.com/office/drawing/2014/main" val="20001"/>
+                    </a:ext>
+                  </a:extLst>
+                </a:gridCol>
+                <a:gridCol w="907623">
+                  <a:extLst>
+                    <a:ext uri="{9D8B030D-6E8A-4147-A177-3AD203B41FA5}">
+                      <a16:colId xmlns:a16="http://schemas.microsoft.com/office/drawing/2014/main" val="20002"/>
+                    </a:ext>
+                  </a:extLst>
+                </a:gridCol>
+                <a:gridCol w="907623">
+                  <a:extLst>
+                    <a:ext uri="{9D8B030D-6E8A-4147-A177-3AD203B41FA5}">
+                      <a16:colId xmlns:a16="http://schemas.microsoft.com/office/drawing/2014/main" val="20003"/>
+                    </a:ext>
+                  </a:extLst>
+                </a:gridCol>
+                <a:gridCol w="907623">
+                  <a:extLst>
+                    <a:ext uri="{9D8B030D-6E8A-4147-A177-3AD203B41FA5}">
+                      <a16:colId xmlns:a16="http://schemas.microsoft.com/office/drawing/2014/main" val="20004"/>
+                    </a:ext>
+                  </a:extLst>
+                </a:gridCol>
+                <a:gridCol w="907623">
+                  <a:extLst>
+                    <a:ext uri="{9D8B030D-6E8A-4147-A177-3AD203B41FA5}">
+                      <a16:colId xmlns:a16="http://schemas.microsoft.com/office/drawing/2014/main" val="20005"/>
+                    </a:ext>
+                  </a:extLst>
+                </a:gridCol>
+                <a:gridCol w="907623">
+                  <a:extLst>
+                    <a:ext uri="{9D8B030D-6E8A-4147-A177-3AD203B41FA5}">
+                      <a16:colId xmlns:a16="http://schemas.microsoft.com/office/drawing/2014/main" val="20006"/>
+                    </a:ext>
+                  </a:extLst>
+                </a:gridCol>
+                <a:gridCol w="907623">
+                  <a:extLst>
+                    <a:ext uri="{9D8B030D-6E8A-4147-A177-3AD203B41FA5}">
+                      <a16:colId xmlns:a16="http://schemas.microsoft.com/office/drawing/2014/main" val="20007"/>
+                    </a:ext>
+                  </a:extLst>
+                </a:gridCol>
+                <a:gridCol w="907623">
+                  <a:extLst>
+                    <a:ext uri="{9D8B030D-6E8A-4147-A177-3AD203B41FA5}">
+                      <a16:colId xmlns:a16="http://schemas.microsoft.com/office/drawing/2014/main" val="20008"/>
+                    </a:ext>
+                  </a:extLst>
+                </a:gridCol>
+                <a:gridCol w="907623">
+                  <a:extLst>
+                    <a:ext uri="{9D8B030D-6E8A-4147-A177-3AD203B41FA5}">
+                      <a16:colId xmlns:a16="http://schemas.microsoft.com/office/drawing/2014/main" val="20009"/>
+                    </a:ext>
+                  </a:extLst>
+                </a:gridCol>
+                <a:gridCol w="907623">
+                  <a:extLst>
+                    <a:ext uri="{9D8B030D-6E8A-4147-A177-3AD203B41FA5}">
+                      <a16:colId xmlns:a16="http://schemas.microsoft.com/office/drawing/2014/main" val="20010"/>
+                    </a:ext>
+                  </a:extLst>
+                </a:gridCol>
+                <a:gridCol w="907623">
+                  <a:extLst>
+                    <a:ext uri="{9D8B030D-6E8A-4147-A177-3AD203B41FA5}">
+                      <a16:colId xmlns:a16="http://schemas.microsoft.com/office/drawing/2014/main" val="20011"/>
+                    </a:ext>
+                  </a:extLst>
+                </a:gridCol>
               </a:tblGrid>
               <a:tr h="354865">
                 <a:tc>
@@ -20394,7 +20545,7 @@
                     <a:p>
                       <a:pPr algn="ctr" fontAlgn="b"/>
                       <a:r>
-                        <a:rPr lang="en-US" sz="1200" u="none" strike="noStrike" dirty="0" smtClean="0"/>
+                        <a:rPr lang="en-US" sz="1200" u="none" strike="noStrike" dirty="0"/>
                         <a:t>Fault(BCG)</a:t>
                       </a:r>
                       <a:endParaRPr lang="en-US" sz="1200" b="1" i="1" u="none" strike="noStrike" dirty="0">
@@ -20418,7 +20569,7 @@
                     <a:p>
                       <a:pPr algn="ctr" fontAlgn="b"/>
                       <a:r>
-                        <a:rPr lang="en-US" sz="1200" u="none" strike="noStrike" dirty="0" smtClean="0"/>
+                        <a:rPr lang="en-US" sz="1200" u="none" strike="noStrike" dirty="0"/>
                         <a:t>Fault(BG)</a:t>
                       </a:r>
                       <a:endParaRPr lang="en-US" sz="1200" b="1" i="1" u="none" strike="noStrike" dirty="0">
@@ -20442,7 +20593,7 @@
                     <a:p>
                       <a:pPr algn="ctr" fontAlgn="b"/>
                       <a:r>
-                        <a:rPr lang="en-US" sz="1200" u="none" strike="noStrike" dirty="0" smtClean="0"/>
+                        <a:rPr lang="en-US" sz="1200" u="none" strike="noStrike" dirty="0"/>
                         <a:t>Fault(BC)</a:t>
                       </a:r>
                       <a:endParaRPr lang="en-US" sz="1200" b="1" i="1" u="none" strike="noStrike" dirty="0">
@@ -20466,7 +20617,7 @@
                     <a:p>
                       <a:pPr algn="ctr" fontAlgn="b"/>
                       <a:r>
-                        <a:rPr lang="en-US" sz="1200" u="none" strike="noStrike" dirty="0" smtClean="0"/>
+                        <a:rPr lang="en-US" sz="1200" u="none" strike="noStrike" dirty="0"/>
                         <a:t>Fault(AB)</a:t>
                       </a:r>
                       <a:endParaRPr lang="en-US" sz="1200" b="1" i="1" u="none" strike="noStrike" dirty="0">
@@ -20490,7 +20641,7 @@
                     <a:p>
                       <a:pPr algn="ctr" fontAlgn="b"/>
                       <a:r>
-                        <a:rPr lang="en-US" sz="1200" u="none" strike="noStrike" dirty="0" smtClean="0"/>
+                        <a:rPr lang="en-US" sz="1200" u="none" strike="noStrike" dirty="0"/>
                         <a:t>Fault(AG)</a:t>
                       </a:r>
                       <a:endParaRPr lang="en-US" sz="1200" b="1" i="1" u="none" strike="noStrike" dirty="0">
@@ -20514,7 +20665,7 @@
                     <a:p>
                       <a:pPr algn="ctr" fontAlgn="b"/>
                       <a:r>
-                        <a:rPr lang="en-US" sz="1200" u="none" strike="noStrike" dirty="0" smtClean="0"/>
+                        <a:rPr lang="en-US" sz="1200" u="none" strike="noStrike" dirty="0"/>
                         <a:t>Fault(CAG)</a:t>
                       </a:r>
                       <a:endParaRPr lang="en-US" sz="1200" b="1" i="1" u="none" strike="noStrike" dirty="0">
@@ -20538,7 +20689,7 @@
                     <a:p>
                       <a:pPr algn="ctr" fontAlgn="b"/>
                       <a:r>
-                        <a:rPr lang="en-US" sz="1200" u="none" strike="noStrike" dirty="0" smtClean="0"/>
+                        <a:rPr lang="en-US" sz="1200" u="none" strike="noStrike" dirty="0"/>
                         <a:t>Fault(CG)</a:t>
                       </a:r>
                       <a:endParaRPr lang="en-US" sz="1200" b="1" i="1" u="none" strike="noStrike" dirty="0">
@@ -20562,7 +20713,7 @@
                     <a:p>
                       <a:pPr algn="ctr" fontAlgn="b"/>
                       <a:r>
-                        <a:rPr lang="en-US" sz="1200" u="none" strike="noStrike" dirty="0" smtClean="0"/>
+                        <a:rPr lang="en-US" sz="1200" u="none" strike="noStrike" dirty="0"/>
                         <a:t>Fault(ABG)</a:t>
                       </a:r>
                       <a:endParaRPr lang="en-US" sz="1200" b="1" i="1" u="none" strike="noStrike" dirty="0">
@@ -20586,7 +20737,7 @@
                     <a:p>
                       <a:pPr algn="ctr" fontAlgn="b"/>
                       <a:r>
-                        <a:rPr lang="en-US" sz="1200" u="none" strike="noStrike" dirty="0" smtClean="0"/>
+                        <a:rPr lang="en-US" sz="1200" u="none" strike="noStrike" dirty="0"/>
                         <a:t>Fault(CA)</a:t>
                       </a:r>
                       <a:endParaRPr lang="en-US" sz="1200" b="1" i="1" u="none" strike="noStrike" dirty="0">
@@ -20610,7 +20761,7 @@
                     <a:p>
                       <a:pPr algn="ctr" fontAlgn="b"/>
                       <a:r>
-                        <a:rPr lang="en-US" sz="1200" u="none" strike="noStrike" dirty="0" smtClean="0"/>
+                        <a:rPr lang="en-US" sz="1200" u="none" strike="noStrike" dirty="0"/>
                         <a:t>Fault(ABC)</a:t>
                       </a:r>
                       <a:endParaRPr lang="en-US" sz="1200" b="1" i="1" u="none" strike="noStrike" dirty="0">
@@ -20634,15 +20785,15 @@
                     <a:p>
                       <a:pPr algn="ctr" fontAlgn="b"/>
                       <a:r>
-                        <a:rPr lang="en-US" sz="1200" u="none" strike="noStrike" dirty="0" smtClean="0"/>
+                        <a:rPr lang="en-US" sz="1200" u="none" strike="noStrike" dirty="0"/>
                         <a:t>N</a:t>
                       </a:r>
                       <a:r>
-                        <a:rPr lang="en-US" sz="1200" u="none" strike="noStrike" baseline="0" dirty="0" smtClean="0"/>
+                        <a:rPr lang="en-US" sz="1200" u="none" strike="noStrike" baseline="0" dirty="0"/>
                         <a:t>o </a:t>
                       </a:r>
                       <a:r>
-                        <a:rPr lang="en-US" sz="1200" u="none" strike="noStrike" dirty="0" smtClean="0"/>
+                        <a:rPr lang="en-US" sz="1200" u="none" strike="noStrike" dirty="0"/>
                         <a:t>Fault</a:t>
                       </a:r>
                       <a:endParaRPr lang="en-US" sz="1200" b="1" i="1" u="none" strike="noStrike" dirty="0">
@@ -20659,6 +20810,11 @@
                     </a:solidFill>
                   </a:tcPr>
                 </a:tc>
+                <a:extLst>
+                  <a:ext uri="{0D108BD9-81ED-4DB2-BD59-A6C34878D82A}">
+                    <a16:rowId xmlns:a16="http://schemas.microsoft.com/office/drawing/2014/main" val="10000"/>
+                  </a:ext>
+                </a:extLst>
               </a:tr>
               <a:tr h="354865">
                 <a:tc>
@@ -20668,7 +20824,7 @@
                     <a:p>
                       <a:pPr algn="ctr" fontAlgn="b"/>
                       <a:r>
-                        <a:rPr lang="en-US" sz="1200" u="none" strike="noStrike" dirty="0" smtClean="0"/>
+                        <a:rPr lang="en-US" sz="1200" u="none" strike="noStrike" dirty="0"/>
                         <a:t>Fault(BCG)</a:t>
                       </a:r>
                       <a:endParaRPr lang="en-US" sz="1200" b="0" i="1" u="none" strike="noStrike" dirty="0">
@@ -20905,6 +21061,11 @@
                   </a:txBody>
                   <a:tcPr marL="0" marR="0" marT="0" marB="0" anchor="b"/>
                 </a:tc>
+                <a:extLst>
+                  <a:ext uri="{0D108BD9-81ED-4DB2-BD59-A6C34878D82A}">
+                    <a16:rowId xmlns:a16="http://schemas.microsoft.com/office/drawing/2014/main" val="10001"/>
+                  </a:ext>
+                </a:extLst>
               </a:tr>
               <a:tr h="354865">
                 <a:tc>
@@ -20914,7 +21075,7 @@
                     <a:p>
                       <a:pPr algn="ctr" fontAlgn="b"/>
                       <a:r>
-                        <a:rPr lang="en-US" sz="1200" u="none" strike="noStrike" dirty="0" smtClean="0"/>
+                        <a:rPr lang="en-US" sz="1200" u="none" strike="noStrike" dirty="0"/>
                         <a:t>Fault(AG)</a:t>
                       </a:r>
                       <a:endParaRPr lang="en-US" sz="1200" b="0" i="1" u="none" strike="noStrike" dirty="0">
@@ -21151,6 +21312,11 @@
                   </a:txBody>
                   <a:tcPr marL="0" marR="0" marT="0" marB="0" anchor="b"/>
                 </a:tc>
+                <a:extLst>
+                  <a:ext uri="{0D108BD9-81ED-4DB2-BD59-A6C34878D82A}">
+                    <a16:rowId xmlns:a16="http://schemas.microsoft.com/office/drawing/2014/main" val="10002"/>
+                  </a:ext>
+                </a:extLst>
               </a:tr>
               <a:tr h="354865">
                 <a:tc>
@@ -21160,7 +21326,7 @@
                     <a:p>
                       <a:pPr algn="ctr" fontAlgn="b"/>
                       <a:r>
-                        <a:rPr lang="en-US" sz="1200" u="none" strike="noStrike" dirty="0" smtClean="0"/>
+                        <a:rPr lang="en-US" sz="1200" u="none" strike="noStrike" dirty="0"/>
                         <a:t>Fault(BC)</a:t>
                       </a:r>
                       <a:endParaRPr lang="en-US" sz="1200" b="0" i="1" u="none" strike="noStrike" dirty="0">
@@ -21397,6 +21563,11 @@
                   </a:txBody>
                   <a:tcPr marL="0" marR="0" marT="0" marB="0" anchor="b"/>
                 </a:tc>
+                <a:extLst>
+                  <a:ext uri="{0D108BD9-81ED-4DB2-BD59-A6C34878D82A}">
+                    <a16:rowId xmlns:a16="http://schemas.microsoft.com/office/drawing/2014/main" val="10003"/>
+                  </a:ext>
+                </a:extLst>
               </a:tr>
               <a:tr h="354865">
                 <a:tc>
@@ -21406,7 +21577,7 @@
                     <a:p>
                       <a:pPr algn="ctr" fontAlgn="b"/>
                       <a:r>
-                        <a:rPr lang="en-US" sz="1200" u="none" strike="noStrike" dirty="0" smtClean="0"/>
+                        <a:rPr lang="en-US" sz="1200" u="none" strike="noStrike" dirty="0"/>
                         <a:t>Fault(AB)</a:t>
                       </a:r>
                       <a:endParaRPr lang="en-US" sz="1200" b="0" i="1" u="none" strike="noStrike" dirty="0">
@@ -21643,6 +21814,11 @@
                   </a:txBody>
                   <a:tcPr marL="0" marR="0" marT="0" marB="0" anchor="b"/>
                 </a:tc>
+                <a:extLst>
+                  <a:ext uri="{0D108BD9-81ED-4DB2-BD59-A6C34878D82A}">
+                    <a16:rowId xmlns:a16="http://schemas.microsoft.com/office/drawing/2014/main" val="10004"/>
+                  </a:ext>
+                </a:extLst>
               </a:tr>
               <a:tr h="354865">
                 <a:tc>
@@ -21652,7 +21828,7 @@
                     <a:p>
                       <a:pPr algn="ctr" fontAlgn="b"/>
                       <a:r>
-                        <a:rPr lang="en-US" sz="1200" u="none" strike="noStrike" dirty="0" smtClean="0"/>
+                        <a:rPr lang="en-US" sz="1200" u="none" strike="noStrike" dirty="0"/>
                         <a:t>Fault(AG)</a:t>
                       </a:r>
                       <a:endParaRPr lang="en-US" sz="1200" b="0" i="1" u="none" strike="noStrike" dirty="0">
@@ -21889,6 +22065,11 @@
                   </a:txBody>
                   <a:tcPr marL="0" marR="0" marT="0" marB="0" anchor="b"/>
                 </a:tc>
+                <a:extLst>
+                  <a:ext uri="{0D108BD9-81ED-4DB2-BD59-A6C34878D82A}">
+                    <a16:rowId xmlns:a16="http://schemas.microsoft.com/office/drawing/2014/main" val="10005"/>
+                  </a:ext>
+                </a:extLst>
               </a:tr>
               <a:tr h="354865">
                 <a:tc>
@@ -21898,7 +22079,7 @@
                     <a:p>
                       <a:pPr algn="ctr" fontAlgn="b"/>
                       <a:r>
-                        <a:rPr lang="en-US" sz="1200" u="none" strike="noStrike" dirty="0" smtClean="0"/>
+                        <a:rPr lang="en-US" sz="1200" u="none" strike="noStrike" dirty="0"/>
                         <a:t>Fault(CAG)</a:t>
                       </a:r>
                       <a:endParaRPr lang="en-US" sz="1200" b="0" i="1" u="none" strike="noStrike" dirty="0">
@@ -22135,6 +22316,11 @@
                   </a:txBody>
                   <a:tcPr marL="0" marR="0" marT="0" marB="0" anchor="b"/>
                 </a:tc>
+                <a:extLst>
+                  <a:ext uri="{0D108BD9-81ED-4DB2-BD59-A6C34878D82A}">
+                    <a16:rowId xmlns:a16="http://schemas.microsoft.com/office/drawing/2014/main" val="10006"/>
+                  </a:ext>
+                </a:extLst>
               </a:tr>
               <a:tr h="354865">
                 <a:tc>
@@ -22144,7 +22330,7 @@
                     <a:p>
                       <a:pPr algn="ctr" fontAlgn="b"/>
                       <a:r>
-                        <a:rPr lang="en-US" sz="1200" u="none" strike="noStrike" dirty="0" smtClean="0"/>
+                        <a:rPr lang="en-US" sz="1200" u="none" strike="noStrike" dirty="0"/>
                         <a:t>Fault(CG)</a:t>
                       </a:r>
                       <a:endParaRPr lang="en-US" sz="1200" b="0" i="1" u="none" strike="noStrike" dirty="0">
@@ -22381,6 +22567,11 @@
                   </a:txBody>
                   <a:tcPr marL="0" marR="0" marT="0" marB="0" anchor="b"/>
                 </a:tc>
+                <a:extLst>
+                  <a:ext uri="{0D108BD9-81ED-4DB2-BD59-A6C34878D82A}">
+                    <a16:rowId xmlns:a16="http://schemas.microsoft.com/office/drawing/2014/main" val="10007"/>
+                  </a:ext>
+                </a:extLst>
               </a:tr>
               <a:tr h="354865">
                 <a:tc>
@@ -22390,7 +22581,7 @@
                     <a:p>
                       <a:pPr algn="ctr" fontAlgn="b"/>
                       <a:r>
-                        <a:rPr lang="en-US" sz="1200" u="none" strike="noStrike" dirty="0" smtClean="0"/>
+                        <a:rPr lang="en-US" sz="1200" u="none" strike="noStrike" dirty="0"/>
                         <a:t>Fault(ABG)</a:t>
                       </a:r>
                       <a:endParaRPr lang="en-US" sz="1200" b="0" i="1" u="none" strike="noStrike" dirty="0">
@@ -22627,6 +22818,11 @@
                   </a:txBody>
                   <a:tcPr marL="0" marR="0" marT="0" marB="0" anchor="b"/>
                 </a:tc>
+                <a:extLst>
+                  <a:ext uri="{0D108BD9-81ED-4DB2-BD59-A6C34878D82A}">
+                    <a16:rowId xmlns:a16="http://schemas.microsoft.com/office/drawing/2014/main" val="10008"/>
+                  </a:ext>
+                </a:extLst>
               </a:tr>
               <a:tr h="354865">
                 <a:tc>
@@ -22636,7 +22832,7 @@
                     <a:p>
                       <a:pPr algn="ctr" fontAlgn="b"/>
                       <a:r>
-                        <a:rPr lang="en-US" sz="1200" u="none" strike="noStrike" dirty="0" smtClean="0"/>
+                        <a:rPr lang="en-US" sz="1200" u="none" strike="noStrike" dirty="0"/>
                         <a:t>Fault(CA)</a:t>
                       </a:r>
                       <a:endParaRPr lang="en-US" sz="1200" b="0" i="1" u="none" strike="noStrike" dirty="0">
@@ -22873,6 +23069,11 @@
                   </a:txBody>
                   <a:tcPr marL="0" marR="0" marT="0" marB="0" anchor="b"/>
                 </a:tc>
+                <a:extLst>
+                  <a:ext uri="{0D108BD9-81ED-4DB2-BD59-A6C34878D82A}">
+                    <a16:rowId xmlns:a16="http://schemas.microsoft.com/office/drawing/2014/main" val="10009"/>
+                  </a:ext>
+                </a:extLst>
               </a:tr>
               <a:tr h="354865">
                 <a:tc>
@@ -22882,7 +23083,7 @@
                     <a:p>
                       <a:pPr algn="ctr" fontAlgn="b"/>
                       <a:r>
-                        <a:rPr lang="en-US" sz="1200" u="none" strike="noStrike" dirty="0" smtClean="0"/>
+                        <a:rPr lang="en-US" sz="1200" u="none" strike="noStrike" dirty="0"/>
                         <a:t>Fault(ABC)</a:t>
                       </a:r>
                       <a:endParaRPr lang="en-US" sz="1200" b="0" i="1" u="none" strike="noStrike" dirty="0">
@@ -23119,6 +23320,11 @@
                   </a:txBody>
                   <a:tcPr marL="0" marR="0" marT="0" marB="0" anchor="b"/>
                 </a:tc>
+                <a:extLst>
+                  <a:ext uri="{0D108BD9-81ED-4DB2-BD59-A6C34878D82A}">
+                    <a16:rowId xmlns:a16="http://schemas.microsoft.com/office/drawing/2014/main" val="10010"/>
+                  </a:ext>
+                </a:extLst>
               </a:tr>
               <a:tr h="340671">
                 <a:tc>
@@ -23128,7 +23334,7 @@
                     <a:p>
                       <a:pPr algn="ctr" fontAlgn="b"/>
                       <a:r>
-                        <a:rPr lang="en-US" sz="1200" u="none" strike="noStrike" dirty="0" smtClean="0"/>
+                        <a:rPr lang="en-US" sz="1200" u="none" strike="noStrike" dirty="0"/>
                         <a:t>No Fault</a:t>
                       </a:r>
                       <a:endParaRPr lang="en-US" sz="1200" b="0" i="1" u="none" strike="noStrike" dirty="0">
@@ -23365,6 +23571,11 @@
                   </a:txBody>
                   <a:tcPr marL="0" marR="0" marT="0" marB="0" anchor="b"/>
                 </a:tc>
+                <a:extLst>
+                  <a:ext uri="{0D108BD9-81ED-4DB2-BD59-A6C34878D82A}">
+                    <a16:rowId xmlns:a16="http://schemas.microsoft.com/office/drawing/2014/main" val="10011"/>
+                  </a:ext>
+                </a:extLst>
               </a:tr>
             </a:tbl>
           </a:graphicData>
@@ -23393,10 +23604,9 @@
           <a:lstStyle/>
           <a:p>
             <a:r>
-              <a:rPr lang="en-US" dirty="0" smtClean="0"/>
+              <a:rPr lang="en-US" dirty="0"/>
               <a:t>Table. 2. Classification Results</a:t>
             </a:r>
-            <a:endParaRPr lang="en-US" dirty="0"/>
           </a:p>
         </p:txBody>
       </p:sp>
@@ -23405,13 +23615,6 @@
   <p:clrMapOvr>
     <a:masterClrMapping/>
   </p:clrMapOvr>
-  <p:timing>
-    <p:tnLst>
-      <p:par>
-        <p:cTn id="1" dur="indefinite" restart="never" nodeType="tmRoot"/>
-      </p:par>
-    </p:tnLst>
-  </p:timing>
 </p:sld>
 </file>
 
@@ -23670,7 +23873,7 @@
   <a:extraClrSchemeLst/>
   <a:extLst>
     <a:ext uri="{05A4C25C-085E-4340-85A3-A5531E510DB2}">
-      <thm15:themeFamily xmlns:thm15="http://schemas.microsoft.com/office/thememl/2012/main" xmlns="" name="Office Theme" id="{62F939B6-93AF-4DB8-9C6B-D6C7DFDC589F}" vid="{4A3C46E8-61CC-4603-A589-7422A47A8E4A}"/>
+      <thm15:themeFamily xmlns:thm15="http://schemas.microsoft.com/office/thememl/2012/main" name="Office Theme" id="{62F939B6-93AF-4DB8-9C6B-D6C7DFDC589F}" vid="{4A3C46E8-61CC-4603-A589-7422A47A8E4A}"/>
     </a:ext>
   </a:extLst>
 </a:theme>
@@ -23965,7 +24168,7 @@
   <a:extraClrSchemeLst/>
   <a:extLst>
     <a:ext uri="{05A4C25C-085E-4340-85A3-A5531E510DB2}">
-      <thm15:themeFamily xmlns:thm15="http://schemas.microsoft.com/office/thememl/2012/main" xmlns="" name="Office Theme" id="{62F939B6-93AF-4DB8-9C6B-D6C7DFDC589F}" vid="{4A3C46E8-61CC-4603-A589-7422A47A8E4A}"/>
+      <thm15:themeFamily xmlns:thm15="http://schemas.microsoft.com/office/thememl/2012/main" name="Office Theme" id="{62F939B6-93AF-4DB8-9C6B-D6C7DFDC589F}" vid="{4A3C46E8-61CC-4603-A589-7422A47A8E4A}"/>
     </a:ext>
   </a:extLst>
 </a:theme>

--- a/Reviews/second review/Second Oral Presentation.pptx
+++ b/Reviews/second review/Second Oral Presentation.pptx
@@ -6816,7 +6816,7 @@
             <a:fld id="{3D8249B7-5670-4B09-86B3-71E93B280144}" type="datetimeFigureOut">
               <a:rPr lang="en-IN" smtClean="0"/>
               <a:pPr/>
-              <a:t>10-02-2020</a:t>
+              <a:t>11-02-2020</a:t>
             </a:fld>
             <a:endParaRPr lang="en-IN"/>
           </a:p>
@@ -7215,7 +7215,7 @@
             <a:fld id="{7D1AF1CA-FD27-4437-9CAD-DD56B5418F4E}" type="datetime1">
               <a:rPr lang="en-US" smtClean="0"/>
               <a:pPr/>
-              <a:t>2/10/2020</a:t>
+              <a:t>2/11/2020</a:t>
             </a:fld>
             <a:endParaRPr lang="en-US"/>
           </a:p>
@@ -7388,7 +7388,7 @@
             <a:fld id="{B8BB03FA-AEC6-496F-8A81-D8B322B5D797}" type="datetime1">
               <a:rPr lang="en-US" smtClean="0"/>
               <a:pPr/>
-              <a:t>2/10/2020</a:t>
+              <a:t>2/11/2020</a:t>
             </a:fld>
             <a:endParaRPr lang="en-US"/>
           </a:p>
@@ -7571,7 +7571,7 @@
             <a:fld id="{0E6D40E8-755A-4A9E-8203-7D540D0C4D6C}" type="datetime1">
               <a:rPr lang="en-US" smtClean="0"/>
               <a:pPr/>
-              <a:t>2/10/2020</a:t>
+              <a:t>2/11/2020</a:t>
             </a:fld>
             <a:endParaRPr lang="en-US"/>
           </a:p>
@@ -7744,7 +7744,7 @@
             <a:fld id="{7E3FDB0B-B014-4C47-949F-40696701F18D}" type="datetime1">
               <a:rPr lang="en-US" smtClean="0"/>
               <a:pPr/>
-              <a:t>2/10/2020</a:t>
+              <a:t>2/11/2020</a:t>
             </a:fld>
             <a:endParaRPr lang="en-US"/>
           </a:p>
@@ -7994,7 +7994,7 @@
             <a:fld id="{56A4027D-C39B-4028-B8BF-317DD87D366F}" type="datetime1">
               <a:rPr lang="en-US" smtClean="0"/>
               <a:pPr/>
-              <a:t>2/10/2020</a:t>
+              <a:t>2/11/2020</a:t>
             </a:fld>
             <a:endParaRPr lang="en-US"/>
           </a:p>
@@ -8228,7 +8228,7 @@
             <a:fld id="{F929062A-9710-4020-9B03-34EA22284D0C}" type="datetime1">
               <a:rPr lang="en-US" smtClean="0"/>
               <a:pPr/>
-              <a:t>2/10/2020</a:t>
+              <a:t>2/11/2020</a:t>
             </a:fld>
             <a:endParaRPr lang="en-US"/>
           </a:p>
@@ -8597,7 +8597,7 @@
             <a:fld id="{4B2152DA-6FB1-4EDE-8BB4-888167B9355B}" type="datetime1">
               <a:rPr lang="en-US" smtClean="0"/>
               <a:pPr/>
-              <a:t>2/10/2020</a:t>
+              <a:t>2/11/2020</a:t>
             </a:fld>
             <a:endParaRPr lang="en-US"/>
           </a:p>
@@ -8719,7 +8719,7 @@
             <a:fld id="{55429E5B-FFDD-47CA-AE66-D39F45E52B55}" type="datetime1">
               <a:rPr lang="en-US" smtClean="0"/>
               <a:pPr/>
-              <a:t>2/10/2020</a:t>
+              <a:t>2/11/2020</a:t>
             </a:fld>
             <a:endParaRPr lang="en-US"/>
           </a:p>
@@ -8819,7 +8819,7 @@
             <a:fld id="{3C36C040-CCB1-4266-9346-A8F110B24665}" type="datetime1">
               <a:rPr lang="en-US" smtClean="0"/>
               <a:pPr/>
-              <a:t>2/10/2020</a:t>
+              <a:t>2/11/2020</a:t>
             </a:fld>
             <a:endParaRPr lang="en-US"/>
           </a:p>
@@ -9099,7 +9099,7 @@
             <a:fld id="{DDD8B0CE-3257-4B5B-B2F0-94303DB42A1F}" type="datetime1">
               <a:rPr lang="en-US" smtClean="0"/>
               <a:pPr/>
-              <a:t>2/10/2020</a:t>
+              <a:t>2/11/2020</a:t>
             </a:fld>
             <a:endParaRPr lang="en-US"/>
           </a:p>
@@ -9359,7 +9359,7 @@
             <a:fld id="{FCF577C3-74B1-42E7-853A-25836E4163F3}" type="datetime1">
               <a:rPr lang="en-US" smtClean="0"/>
               <a:pPr/>
-              <a:t>2/10/2020</a:t>
+              <a:t>2/11/2020</a:t>
             </a:fld>
             <a:endParaRPr lang="en-US"/>
           </a:p>
@@ -9578,7 +9578,7 @@
             <a:fld id="{AC29328E-BEF7-443D-BAE5-BD9F671E0CEA}" type="datetime1">
               <a:rPr lang="en-US" smtClean="0"/>
               <a:pPr/>
-              <a:t>2/10/2020</a:t>
+              <a:t>2/11/2020</a:t>
             </a:fld>
             <a:endParaRPr lang="en-US"/>
           </a:p>
@@ -10381,7 +10381,7 @@
             <a:fld id="{5631755A-7F1F-43D1-B420-8FE5AAB03653}" type="datetime1">
               <a:rPr lang="en-US" smtClean="0"/>
               <a:pPr/>
-              <a:t>2/10/2020</a:t>
+              <a:t>2/11/2020</a:t>
             </a:fld>
             <a:endParaRPr lang="en-US"/>
           </a:p>
@@ -13329,7 +13329,7 @@
             <a:fld id="{7E3FDB0B-B014-4C47-949F-40696701F18D}" type="datetime1">
               <a:rPr lang="en-US" smtClean="0"/>
               <a:pPr/>
-              <a:t>2/10/2020</a:t>
+              <a:t>2/11/2020</a:t>
             </a:fld>
             <a:endParaRPr lang="en-US"/>
           </a:p>
@@ -13684,7 +13684,7 @@
             <a:fld id="{7E3FDB0B-B014-4C47-949F-40696701F18D}" type="datetime1">
               <a:rPr lang="en-US" smtClean="0"/>
               <a:pPr/>
-              <a:t>2/10/2020</a:t>
+              <a:t>2/11/2020</a:t>
             </a:fld>
             <a:endParaRPr lang="en-US"/>
           </a:p>
@@ -13854,7 +13854,7 @@
             <a:fld id="{7E3FDB0B-B014-4C47-949F-40696701F18D}" type="datetime1">
               <a:rPr lang="en-US" smtClean="0"/>
               <a:pPr/>
-              <a:t>2/10/2020</a:t>
+              <a:t>2/11/2020</a:t>
             </a:fld>
             <a:endParaRPr lang="en-US"/>
           </a:p>
@@ -14014,7 +14014,7 @@
             <a:fld id="{7E3FDB0B-B014-4C47-949F-40696701F18D}" type="datetime1">
               <a:rPr lang="en-US" smtClean="0"/>
               <a:pPr/>
-              <a:t>2/10/2020</a:t>
+              <a:t>2/11/2020</a:t>
             </a:fld>
             <a:endParaRPr lang="en-US"/>
           </a:p>
@@ -14184,7 +14184,7 @@
             <a:fld id="{7D3818A2-EEB7-4262-8046-02DC67F5AE89}" type="datetime1">
               <a:rPr lang="en-US" smtClean="0"/>
               <a:pPr/>
-              <a:t>2/10/2020</a:t>
+              <a:t>2/11/2020</a:t>
             </a:fld>
             <a:endParaRPr lang="en-US"/>
           </a:p>
@@ -17904,7 +17904,7 @@
             <a:fld id="{7E3FDB0B-B014-4C47-949F-40696701F18D}" type="datetime1">
               <a:rPr lang="en-US" smtClean="0"/>
               <a:pPr/>
-              <a:t>2/10/2020</a:t>
+              <a:t>2/11/2020</a:t>
             </a:fld>
             <a:endParaRPr lang="en-US"/>
           </a:p>
@@ -18059,7 +18059,7 @@
             <a:fld id="{55429E5B-FFDD-47CA-AE66-D39F45E52B55}" type="datetime1">
               <a:rPr lang="en-US" smtClean="0"/>
               <a:pPr/>
-              <a:t>2/10/2020</a:t>
+              <a:t>2/11/2020</a:t>
             </a:fld>
             <a:endParaRPr lang="en-US"/>
           </a:p>
@@ -18366,7 +18366,7 @@
             <a:fld id="{46AE972D-E9C9-463C-B8F6-D09D8C3356F7}" type="datetime1">
               <a:rPr lang="en-US" smtClean="0"/>
               <a:pPr/>
-              <a:t>2/10/2020</a:t>
+              <a:t>2/11/2020</a:t>
             </a:fld>
             <a:endParaRPr lang="en-US"/>
           </a:p>
@@ -18444,7 +18444,7 @@
         </p:nvSpPr>
         <p:spPr>
           <a:xfrm>
-            <a:off x="838200" y="365126"/>
+            <a:off x="838200" y="347371"/>
             <a:ext cx="10515600" cy="1215100"/>
           </a:xfrm>
         </p:spPr>
@@ -18512,7 +18512,7 @@
             </a:pPr>
             <a:r>
               <a:rPr lang="en-US" dirty="0"/>
-              <a:t>Power system fault diagnosis is the process of analyzing historical fault data for the detection and the classification of the current faults.</a:t>
+              <a:t>Power system fault diagnosis is the process of analyzing historical fault data for the  classification of the faults currents.</a:t>
             </a:r>
           </a:p>
           <a:p>
@@ -18563,7 +18563,7 @@
             <a:fld id="{7E3FDB0B-B014-4C47-949F-40696701F18D}" type="datetime1">
               <a:rPr lang="en-US" smtClean="0"/>
               <a:pPr/>
-              <a:t>2/10/2020</a:t>
+              <a:t>2/11/2020</a:t>
             </a:fld>
             <a:endParaRPr lang="en-US"/>
           </a:p>
@@ -18687,7 +18687,7 @@
         </p:spPr>
         <p:txBody>
           <a:bodyPr>
-            <a:normAutofit fontScale="85000" lnSpcReduction="20000"/>
+            <a:normAutofit fontScale="92500"/>
           </a:bodyPr>
           <a:lstStyle/>
           <a:p>
@@ -18726,20 +18726,7 @@
             </a:pPr>
             <a:r>
               <a:rPr lang="en-IN" sz="2800" dirty="0"/>
-              <a:t>Faults in the transmission lines are common but the protection is necessary to protect the system from faults.</a:t>
-            </a:r>
-          </a:p>
-          <a:p>
-            <a:pPr marL="342900" indent="-342900" algn="just">
-              <a:lnSpc>
-                <a:spcPct val="150000"/>
-              </a:lnSpc>
-              <a:buFont typeface="Wingdings" panose="05000000000000000000" pitchFamily="2" charset="2"/>
-              <a:buChar char="Ø"/>
-            </a:pPr>
-            <a:r>
-              <a:rPr lang="en-IN" sz="2800" dirty="0"/>
-              <a:t>The fault detection and the classification in the transmission line is very much important. </a:t>
+              <a:t>Faults in the transmission lines are common but the protection is necessary to protect the system.</a:t>
             </a:r>
           </a:p>
           <a:p>
@@ -18752,7 +18739,7 @@
             </a:pPr>
             <a:r>
               <a:rPr lang="en-US" sz="2800" dirty="0"/>
-              <a:t>By using the deep neural networks we can classify the type of fault        occurred in the transmission line, which requires past data.</a:t>
+              <a:t>By using the deep neural networks we can classify the type of fault occurred in the transmission line, which requires past data.</a:t>
             </a:r>
           </a:p>
           <a:p>
@@ -18795,7 +18782,7 @@
             <a:fld id="{D7B85C41-A637-4317-A4DB-B59D3E1A9940}" type="datetime1">
               <a:rPr lang="en-US" smtClean="0"/>
               <a:pPr/>
-              <a:t>2/10/2020</a:t>
+              <a:t>2/11/2020</a:t>
             </a:fld>
             <a:endParaRPr lang="en-US" dirty="0"/>
           </a:p>
@@ -18900,16 +18887,6 @@
               <a:t>We are using NeuroSolutions software for the training and testing of the network.</a:t>
             </a:r>
           </a:p>
-          <a:p>
-            <a:pPr algn="just">
-              <a:buFont typeface="Wingdings" panose="05000000000000000000" pitchFamily="2" charset="2"/>
-              <a:buChar char="Ø"/>
-            </a:pPr>
-            <a:r>
-              <a:rPr lang="en-US" dirty="0"/>
-              <a:t>We are using Recurrent Neural Network for the classification of  shunt faults in the transmission line.</a:t>
-            </a:r>
-          </a:p>
         </p:txBody>
       </p:sp>
       <p:sp>
@@ -18930,7 +18907,7 @@
             <a:fld id="{7E3FDB0B-B014-4C47-949F-40696701F18D}" type="datetime1">
               <a:rPr lang="en-US" smtClean="0"/>
               <a:pPr/>
-              <a:t>2/10/2020</a:t>
+              <a:t>2/11/2020</a:t>
             </a:fld>
             <a:endParaRPr lang="en-US" dirty="0"/>
           </a:p>
@@ -19016,8 +18993,8 @@
         </p:blipFill>
         <p:spPr>
           <a:xfrm>
-            <a:off x="1656200" y="3928685"/>
-            <a:ext cx="1805940" cy="1623060"/>
+            <a:off x="1656200" y="3429000"/>
+            <a:ext cx="1805940" cy="2122745"/>
           </a:xfrm>
           <a:prstGeom prst="rect">
             <a:avLst/>
@@ -19040,8 +19017,8 @@
         </p:blipFill>
         <p:spPr>
           <a:xfrm>
-            <a:off x="5052708" y="4086691"/>
-            <a:ext cx="2293620" cy="1272540"/>
+            <a:off x="5080959" y="3429000"/>
+            <a:ext cx="2293620" cy="2003472"/>
           </a:xfrm>
           <a:prstGeom prst="rect">
             <a:avLst/>
@@ -19064,8 +19041,8 @@
         </p:blipFill>
         <p:spPr>
           <a:xfrm>
-            <a:off x="8652295" y="3640272"/>
-            <a:ext cx="2287511" cy="2287511"/>
+            <a:off x="8652295" y="3429000"/>
+            <a:ext cx="2287511" cy="2498783"/>
           </a:xfrm>
           <a:prstGeom prst="rect">
             <a:avLst/>
@@ -19230,7 +19207,7 @@
             <a:fld id="{7E3FDB0B-B014-4C47-949F-40696701F18D}" type="datetime1">
               <a:rPr lang="en-US" smtClean="0"/>
               <a:pPr/>
-              <a:t>2/10/2020</a:t>
+              <a:t>2/11/2020</a:t>
             </a:fld>
             <a:endParaRPr lang="en-US"/>
           </a:p>
@@ -19696,7 +19673,7 @@
             <a:fld id="{7E3FDB0B-B014-4C47-949F-40696701F18D}" type="datetime1">
               <a:rPr lang="en-US" smtClean="0"/>
               <a:pPr/>
-              <a:t>2/10/2020</a:t>
+              <a:t>2/11/2020</a:t>
             </a:fld>
             <a:endParaRPr lang="en-US"/>
           </a:p>
@@ -19822,7 +19799,7 @@
             <a:fld id="{7E3FDB0B-B014-4C47-949F-40696701F18D}" type="datetime1">
               <a:rPr lang="en-US" smtClean="0"/>
               <a:pPr/>
-              <a:t>2/10/2020</a:t>
+              <a:t>2/11/2020</a:t>
             </a:fld>
             <a:endParaRPr lang="en-US"/>
           </a:p>
@@ -20379,7 +20356,7 @@
             <a:fld id="{7E3FDB0B-B014-4C47-949F-40696701F18D}" type="datetime1">
               <a:rPr lang="en-US" smtClean="0"/>
               <a:pPr/>
-              <a:t>2/10/2020</a:t>
+              <a:t>2/11/2020</a:t>
             </a:fld>
             <a:endParaRPr lang="en-US"/>
           </a:p>
